--- a/수업판서.pptx
+++ b/수업판서.pptx
@@ -43,6 +43,20 @@
     <p:sldId id="281" r:id="rId37"/>
     <p:sldId id="282" r:id="rId38"/>
     <p:sldId id="283" r:id="rId39"/>
+    <p:sldId id="294" r:id="rId40"/>
+    <p:sldId id="295" r:id="rId41"/>
+    <p:sldId id="296" r:id="rId42"/>
+    <p:sldId id="297" r:id="rId43"/>
+    <p:sldId id="298" r:id="rId44"/>
+    <p:sldId id="299" r:id="rId45"/>
+    <p:sldId id="300" r:id="rId46"/>
+    <p:sldId id="301" r:id="rId47"/>
+    <p:sldId id="302" r:id="rId48"/>
+    <p:sldId id="303" r:id="rId49"/>
+    <p:sldId id="304" r:id="rId50"/>
+    <p:sldId id="305" r:id="rId51"/>
+    <p:sldId id="306" r:id="rId52"/>
+    <p:sldId id="307" r:id="rId53"/>
   </p:sldIdLst>
   <p:sldSz cx="12192000" cy="6858000"/>
   <p:notesSz cx="6858000" cy="9144000"/>
@@ -6016,10 +6030,18 @@
           </a:p>
           <a:p>
             <a:r>
-              <a:rPr lang="ko-KR" altLang="en-US" sz="2800" smtClean="0"/>
+              <a:rPr lang="ko-KR" altLang="en-US" sz="2800" smtClean="0">
+                <a:solidFill>
+                  <a:srgbClr val="FF0000"/>
+                </a:solidFill>
+              </a:rPr>
               <a:t>배열과 포인터</a:t>
             </a:r>
-            <a:endParaRPr lang="en-US" altLang="ko-KR" sz="2800" smtClean="0"/>
+            <a:endParaRPr lang="en-US" altLang="ko-KR" sz="2800" smtClean="0">
+              <a:solidFill>
+                <a:srgbClr val="FF0000"/>
+              </a:solidFill>
+            </a:endParaRPr>
           </a:p>
           <a:p>
             <a:r>
@@ -36840,12 +36862,14 @@
           </a:p>
           <a:p>
             <a:r>
-              <a:rPr lang="en-US" altLang="ko-KR" sz="2800" smtClean="0"/>
-              <a:t>github   </a:t>
-            </a:r>
-            <a:r>
-              <a:rPr lang="ko-KR" altLang="en-US" sz="2800" smtClean="0"/>
-              <a:t>주소</a:t>
+              <a:rPr lang="en-US" altLang="ko-KR" sz="2800"/>
+              <a:t>github  : </a:t>
+            </a:r>
+            <a:r>
+              <a:rPr lang="en-US" altLang="ko-KR" sz="2800">
+                <a:hlinkClick r:id="rId2"/>
+              </a:rPr>
+              <a:t>https://github.com/imguru-mooc/linux</a:t>
             </a:r>
             <a:endParaRPr lang="ko-KR" altLang="en-US" sz="2800"/>
           </a:p>
@@ -46430,6 +46454,1016 @@
 </p:sld>
 </file>
 
+<file path=ppt/slides/slide39.xml><?xml version="1.0" encoding="utf-8"?>
+<p:sld xmlns:a="http://schemas.openxmlformats.org/drawingml/2006/main" xmlns:r="http://schemas.openxmlformats.org/officeDocument/2006/relationships" xmlns:p="http://schemas.openxmlformats.org/presentationml/2006/main">
+  <p:cSld>
+    <p:spTree>
+      <p:nvGrpSpPr>
+        <p:cNvPr id="1" name=""/>
+        <p:cNvGrpSpPr/>
+        <p:nvPr/>
+      </p:nvGrpSpPr>
+      <p:grpSpPr>
+        <a:xfrm>
+          <a:off x="0" y="0"/>
+          <a:ext cx="0" cy="0"/>
+          <a:chOff x="0" y="0"/>
+          <a:chExt cx="0" cy="0"/>
+        </a:xfrm>
+      </p:grpSpPr>
+      <p:sp>
+        <p:nvSpPr>
+          <p:cNvPr id="4" name="TextBox 3"/>
+          <p:cNvSpPr txBox="1"/>
+          <p:nvPr/>
+        </p:nvSpPr>
+        <p:spPr>
+          <a:xfrm>
+            <a:off x="407324" y="199505"/>
+            <a:ext cx="2536272" cy="523220"/>
+          </a:xfrm>
+          <a:prstGeom prst="rect">
+            <a:avLst/>
+          </a:prstGeom>
+          <a:noFill/>
+        </p:spPr>
+        <p:txBody>
+          <a:bodyPr wrap="none" rtlCol="0">
+            <a:spAutoFit/>
+          </a:bodyPr>
+          <a:lstStyle/>
+          <a:p>
+            <a:r>
+              <a:rPr lang="ko-KR" altLang="en-US" sz="2800" smtClean="0">
+                <a:latin typeface="Consolas" panose="020B0609020204030204" pitchFamily="49" charset="0"/>
+              </a:rPr>
+              <a:t>배열과 포인터</a:t>
+            </a:r>
+            <a:endParaRPr lang="ko-KR" altLang="en-US" sz="2800" smtClean="0">
+              <a:latin typeface="Consolas" panose="020B0609020204030204" pitchFamily="49" charset="0"/>
+            </a:endParaRPr>
+          </a:p>
+        </p:txBody>
+      </p:sp>
+      <p:sp>
+        <p:nvSpPr>
+          <p:cNvPr id="5" name="TextBox 4"/>
+          <p:cNvSpPr txBox="1"/>
+          <p:nvPr/>
+        </p:nvSpPr>
+        <p:spPr>
+          <a:xfrm>
+            <a:off x="1055716" y="1088967"/>
+            <a:ext cx="4522392" cy="4401205"/>
+          </a:xfrm>
+          <a:prstGeom prst="rect">
+            <a:avLst/>
+          </a:prstGeom>
+          <a:noFill/>
+        </p:spPr>
+        <p:txBody>
+          <a:bodyPr wrap="none" rtlCol="0">
+            <a:spAutoFit/>
+          </a:bodyPr>
+          <a:lstStyle/>
+          <a:p>
+            <a:r>
+              <a:rPr lang="en-US" altLang="ko-KR" sz="2800" smtClean="0">
+                <a:latin typeface="Consolas" panose="020B0609020204030204" pitchFamily="49" charset="0"/>
+              </a:rPr>
+              <a:t>int a[2][2]={1,2,3,4};</a:t>
+            </a:r>
+          </a:p>
+          <a:p>
+            <a:r>
+              <a:rPr lang="en-US" altLang="ko-KR" sz="2800" smtClean="0">
+                <a:latin typeface="Consolas" panose="020B0609020204030204" pitchFamily="49" charset="0"/>
+              </a:rPr>
+              <a:t>int *p = a;</a:t>
+            </a:r>
+          </a:p>
+          <a:p>
+            <a:endParaRPr lang="en-US" altLang="ko-KR" sz="2800">
+              <a:latin typeface="Consolas" panose="020B0609020204030204" pitchFamily="49" charset="0"/>
+            </a:endParaRPr>
+          </a:p>
+          <a:p>
+            <a:r>
+              <a:rPr lang="en-US" altLang="ko-KR" sz="2800" smtClean="0">
+                <a:latin typeface="Consolas" panose="020B0609020204030204" pitchFamily="49" charset="0"/>
+              </a:rPr>
+              <a:t>p[1][1] = 10;</a:t>
+            </a:r>
+          </a:p>
+          <a:p>
+            <a:r>
+              <a:rPr lang="en-US" altLang="ko-KR" sz="2800" smtClean="0">
+                <a:latin typeface="Consolas" panose="020B0609020204030204" pitchFamily="49" charset="0"/>
+              </a:rPr>
+              <a:t>(*(p+1))[1]</a:t>
+            </a:r>
+          </a:p>
+          <a:p>
+            <a:r>
+              <a:rPr lang="en-US" altLang="ko-KR" sz="2800">
+                <a:latin typeface="Consolas" panose="020B0609020204030204" pitchFamily="49" charset="0"/>
+              </a:rPr>
+              <a:t>*</a:t>
+            </a:r>
+            <a:r>
+              <a:rPr lang="en-US" altLang="ko-KR" sz="2800" smtClean="0">
+                <a:latin typeface="Consolas" panose="020B0609020204030204" pitchFamily="49" charset="0"/>
+              </a:rPr>
+              <a:t>(*(p+1)+1)</a:t>
+            </a:r>
+            <a:endParaRPr lang="en-US" altLang="ko-KR" sz="2800">
+              <a:latin typeface="Consolas" panose="020B0609020204030204" pitchFamily="49" charset="0"/>
+            </a:endParaRPr>
+          </a:p>
+          <a:p>
+            <a:r>
+              <a:rPr lang="en-US" altLang="ko-KR" sz="2800" smtClean="0">
+                <a:latin typeface="Consolas" panose="020B0609020204030204" pitchFamily="49" charset="0"/>
+              </a:rPr>
+              <a:t>*(*(1000+1</a:t>
+            </a:r>
+            <a:r>
+              <a:rPr lang="en-US" altLang="ko-KR" sz="2800">
+                <a:latin typeface="Consolas" panose="020B0609020204030204" pitchFamily="49" charset="0"/>
+              </a:rPr>
+              <a:t>)+1)</a:t>
+            </a:r>
+          </a:p>
+          <a:p>
+            <a:r>
+              <a:rPr lang="en-US" altLang="ko-KR" sz="2800" smtClean="0">
+                <a:latin typeface="Consolas" panose="020B0609020204030204" pitchFamily="49" charset="0"/>
+              </a:rPr>
+              <a:t>*(*1004+1)</a:t>
+            </a:r>
+          </a:p>
+          <a:p>
+            <a:r>
+              <a:rPr lang="en-US" altLang="ko-KR" sz="2800" smtClean="0">
+                <a:latin typeface="Consolas" panose="020B0609020204030204" pitchFamily="49" charset="0"/>
+              </a:rPr>
+              <a:t>*(2+1)</a:t>
+            </a:r>
+            <a:endParaRPr lang="en-US" altLang="ko-KR" sz="2800">
+              <a:latin typeface="Consolas" panose="020B0609020204030204" pitchFamily="49" charset="0"/>
+            </a:endParaRPr>
+          </a:p>
+          <a:p>
+            <a:r>
+              <a:rPr lang="en-US" altLang="ko-KR" sz="2800" smtClean="0">
+                <a:latin typeface="Consolas" panose="020B0609020204030204" pitchFamily="49" charset="0"/>
+              </a:rPr>
+              <a:t>*3   // compile error</a:t>
+            </a:r>
+          </a:p>
+        </p:txBody>
+      </p:sp>
+      <p:sp>
+        <p:nvSpPr>
+          <p:cNvPr id="6" name="직사각형 5"/>
+          <p:cNvSpPr/>
+          <p:nvPr/>
+        </p:nvSpPr>
+        <p:spPr>
+          <a:xfrm>
+            <a:off x="6700059" y="2294313"/>
+            <a:ext cx="1687483" cy="3965171"/>
+          </a:xfrm>
+          <a:prstGeom prst="rect">
+            <a:avLst/>
+          </a:prstGeom>
+          <a:solidFill>
+            <a:schemeClr val="bg1"/>
+          </a:solidFill>
+        </p:spPr>
+        <p:style>
+          <a:lnRef idx="2">
+            <a:schemeClr val="accent1">
+              <a:shade val="50000"/>
+            </a:schemeClr>
+          </a:lnRef>
+          <a:fillRef idx="1">
+            <a:schemeClr val="accent1"/>
+          </a:fillRef>
+          <a:effectRef idx="0">
+            <a:schemeClr val="accent1"/>
+          </a:effectRef>
+          <a:fontRef idx="minor">
+            <a:schemeClr val="lt1"/>
+          </a:fontRef>
+        </p:style>
+        <p:txBody>
+          <a:bodyPr rtlCol="0" anchor="ctr"/>
+          <a:lstStyle/>
+          <a:p>
+            <a:pPr algn="ctr"/>
+            <a:endParaRPr lang="ko-KR" altLang="en-US" smtClean="0">
+              <a:solidFill>
+                <a:schemeClr val="tx1"/>
+              </a:solidFill>
+              <a:latin typeface="Consolas" panose="020B0609020204030204" pitchFamily="49" charset="0"/>
+            </a:endParaRPr>
+          </a:p>
+        </p:txBody>
+      </p:sp>
+      <p:sp>
+        <p:nvSpPr>
+          <p:cNvPr id="7" name="직사각형 6"/>
+          <p:cNvSpPr/>
+          <p:nvPr/>
+        </p:nvSpPr>
+        <p:spPr>
+          <a:xfrm>
+            <a:off x="6700058" y="3657602"/>
+            <a:ext cx="1687483" cy="457199"/>
+          </a:xfrm>
+          <a:prstGeom prst="rect">
+            <a:avLst/>
+          </a:prstGeom>
+          <a:solidFill>
+            <a:srgbClr val="FFFF00"/>
+          </a:solidFill>
+        </p:spPr>
+        <p:style>
+          <a:lnRef idx="2">
+            <a:schemeClr val="accent1">
+              <a:shade val="50000"/>
+            </a:schemeClr>
+          </a:lnRef>
+          <a:fillRef idx="1">
+            <a:schemeClr val="accent1"/>
+          </a:fillRef>
+          <a:effectRef idx="0">
+            <a:schemeClr val="accent1"/>
+          </a:effectRef>
+          <a:fontRef idx="minor">
+            <a:schemeClr val="lt1"/>
+          </a:fontRef>
+        </p:style>
+        <p:txBody>
+          <a:bodyPr rtlCol="0" anchor="ctr"/>
+          <a:lstStyle/>
+          <a:p>
+            <a:pPr algn="ctr"/>
+            <a:r>
+              <a:rPr lang="en-US" altLang="ko-KR" smtClean="0">
+                <a:solidFill>
+                  <a:schemeClr val="tx1"/>
+                </a:solidFill>
+                <a:latin typeface="Consolas" panose="020B0609020204030204" pitchFamily="49" charset="0"/>
+              </a:rPr>
+              <a:t>1</a:t>
+            </a:r>
+            <a:endParaRPr lang="ko-KR" altLang="en-US" smtClean="0">
+              <a:solidFill>
+                <a:schemeClr val="tx1"/>
+              </a:solidFill>
+              <a:latin typeface="Consolas" panose="020B0609020204030204" pitchFamily="49" charset="0"/>
+            </a:endParaRPr>
+          </a:p>
+        </p:txBody>
+      </p:sp>
+      <p:sp>
+        <p:nvSpPr>
+          <p:cNvPr id="8" name="직사각형 7"/>
+          <p:cNvSpPr/>
+          <p:nvPr/>
+        </p:nvSpPr>
+        <p:spPr>
+          <a:xfrm>
+            <a:off x="6700057" y="4114801"/>
+            <a:ext cx="1687483" cy="457199"/>
+          </a:xfrm>
+          <a:prstGeom prst="rect">
+            <a:avLst/>
+          </a:prstGeom>
+          <a:solidFill>
+            <a:srgbClr val="FFFF00"/>
+          </a:solidFill>
+        </p:spPr>
+        <p:style>
+          <a:lnRef idx="2">
+            <a:schemeClr val="accent1">
+              <a:shade val="50000"/>
+            </a:schemeClr>
+          </a:lnRef>
+          <a:fillRef idx="1">
+            <a:schemeClr val="accent1"/>
+          </a:fillRef>
+          <a:effectRef idx="0">
+            <a:schemeClr val="accent1"/>
+          </a:effectRef>
+          <a:fontRef idx="minor">
+            <a:schemeClr val="lt1"/>
+          </a:fontRef>
+        </p:style>
+        <p:txBody>
+          <a:bodyPr rtlCol="0" anchor="ctr"/>
+          <a:lstStyle/>
+          <a:p>
+            <a:pPr algn="ctr"/>
+            <a:r>
+              <a:rPr lang="en-US" altLang="ko-KR" smtClean="0">
+                <a:solidFill>
+                  <a:schemeClr val="tx1"/>
+                </a:solidFill>
+                <a:latin typeface="Consolas" panose="020B0609020204030204" pitchFamily="49" charset="0"/>
+              </a:rPr>
+              <a:t>2</a:t>
+            </a:r>
+            <a:endParaRPr lang="ko-KR" altLang="en-US" smtClean="0">
+              <a:solidFill>
+                <a:schemeClr val="tx1"/>
+              </a:solidFill>
+              <a:latin typeface="Consolas" panose="020B0609020204030204" pitchFamily="49" charset="0"/>
+            </a:endParaRPr>
+          </a:p>
+        </p:txBody>
+      </p:sp>
+      <p:sp>
+        <p:nvSpPr>
+          <p:cNvPr id="9" name="TextBox 8"/>
+          <p:cNvSpPr txBox="1"/>
+          <p:nvPr/>
+        </p:nvSpPr>
+        <p:spPr>
+          <a:xfrm>
+            <a:off x="8387540" y="3591581"/>
+            <a:ext cx="1564852" cy="523220"/>
+          </a:xfrm>
+          <a:prstGeom prst="rect">
+            <a:avLst/>
+          </a:prstGeom>
+          <a:noFill/>
+        </p:spPr>
+        <p:txBody>
+          <a:bodyPr wrap="none" rtlCol="0">
+            <a:spAutoFit/>
+          </a:bodyPr>
+          <a:lstStyle/>
+          <a:p>
+            <a:r>
+              <a:rPr lang="en-US" altLang="ko-KR" sz="2800" smtClean="0">
+                <a:latin typeface="Consolas" panose="020B0609020204030204" pitchFamily="49" charset="0"/>
+              </a:rPr>
+              <a:t>a[0][0]</a:t>
+            </a:r>
+            <a:endParaRPr lang="ko-KR" altLang="en-US" sz="2800" smtClean="0">
+              <a:latin typeface="Consolas" panose="020B0609020204030204" pitchFamily="49" charset="0"/>
+            </a:endParaRPr>
+          </a:p>
+        </p:txBody>
+      </p:sp>
+      <p:sp>
+        <p:nvSpPr>
+          <p:cNvPr id="10" name="TextBox 9"/>
+          <p:cNvSpPr txBox="1"/>
+          <p:nvPr/>
+        </p:nvSpPr>
+        <p:spPr>
+          <a:xfrm>
+            <a:off x="8387539" y="4073719"/>
+            <a:ext cx="1564852" cy="523220"/>
+          </a:xfrm>
+          <a:prstGeom prst="rect">
+            <a:avLst/>
+          </a:prstGeom>
+          <a:noFill/>
+        </p:spPr>
+        <p:txBody>
+          <a:bodyPr wrap="none" rtlCol="0">
+            <a:spAutoFit/>
+          </a:bodyPr>
+          <a:lstStyle/>
+          <a:p>
+            <a:r>
+              <a:rPr lang="en-US" altLang="ko-KR" sz="2800" smtClean="0">
+                <a:latin typeface="Consolas" panose="020B0609020204030204" pitchFamily="49" charset="0"/>
+              </a:rPr>
+              <a:t>a[0][1]</a:t>
+            </a:r>
+            <a:endParaRPr lang="ko-KR" altLang="en-US" sz="2800" smtClean="0">
+              <a:latin typeface="Consolas" panose="020B0609020204030204" pitchFamily="49" charset="0"/>
+            </a:endParaRPr>
+          </a:p>
+        </p:txBody>
+      </p:sp>
+      <p:sp>
+        <p:nvSpPr>
+          <p:cNvPr id="11" name="직사각형 10"/>
+          <p:cNvSpPr/>
+          <p:nvPr/>
+        </p:nvSpPr>
+        <p:spPr>
+          <a:xfrm>
+            <a:off x="6700057" y="2560321"/>
+            <a:ext cx="1687483" cy="1097282"/>
+          </a:xfrm>
+          <a:prstGeom prst="rect">
+            <a:avLst/>
+          </a:prstGeom>
+          <a:solidFill>
+            <a:srgbClr val="FFFF00"/>
+          </a:solidFill>
+        </p:spPr>
+        <p:style>
+          <a:lnRef idx="2">
+            <a:schemeClr val="accent1">
+              <a:shade val="50000"/>
+            </a:schemeClr>
+          </a:lnRef>
+          <a:fillRef idx="1">
+            <a:schemeClr val="accent1"/>
+          </a:fillRef>
+          <a:effectRef idx="0">
+            <a:schemeClr val="accent1"/>
+          </a:effectRef>
+          <a:fontRef idx="minor">
+            <a:schemeClr val="lt1"/>
+          </a:fontRef>
+        </p:style>
+        <p:txBody>
+          <a:bodyPr rtlCol="0" anchor="ctr"/>
+          <a:lstStyle/>
+          <a:p>
+            <a:pPr algn="ctr"/>
+            <a:r>
+              <a:rPr lang="en-US" altLang="ko-KR" smtClean="0">
+                <a:solidFill>
+                  <a:schemeClr val="tx1"/>
+                </a:solidFill>
+                <a:latin typeface="Consolas" panose="020B0609020204030204" pitchFamily="49" charset="0"/>
+              </a:rPr>
+              <a:t>1000</a:t>
+            </a:r>
+            <a:endParaRPr lang="ko-KR" altLang="en-US" smtClean="0">
+              <a:solidFill>
+                <a:schemeClr val="tx1"/>
+              </a:solidFill>
+              <a:latin typeface="Consolas" panose="020B0609020204030204" pitchFamily="49" charset="0"/>
+            </a:endParaRPr>
+          </a:p>
+        </p:txBody>
+      </p:sp>
+      <p:sp>
+        <p:nvSpPr>
+          <p:cNvPr id="12" name="TextBox 11"/>
+          <p:cNvSpPr txBox="1"/>
+          <p:nvPr/>
+        </p:nvSpPr>
+        <p:spPr>
+          <a:xfrm>
+            <a:off x="8387539" y="2814341"/>
+            <a:ext cx="381836" cy="523220"/>
+          </a:xfrm>
+          <a:prstGeom prst="rect">
+            <a:avLst/>
+          </a:prstGeom>
+          <a:noFill/>
+        </p:spPr>
+        <p:txBody>
+          <a:bodyPr wrap="none" rtlCol="0">
+            <a:spAutoFit/>
+          </a:bodyPr>
+          <a:lstStyle/>
+          <a:p>
+            <a:r>
+              <a:rPr lang="en-US" altLang="ko-KR" sz="2800" smtClean="0">
+                <a:latin typeface="Consolas" panose="020B0609020204030204" pitchFamily="49" charset="0"/>
+              </a:rPr>
+              <a:t>p</a:t>
+            </a:r>
+            <a:endParaRPr lang="ko-KR" altLang="en-US" sz="2800" smtClean="0">
+              <a:latin typeface="Consolas" panose="020B0609020204030204" pitchFamily="49" charset="0"/>
+            </a:endParaRPr>
+          </a:p>
+        </p:txBody>
+      </p:sp>
+      <p:sp>
+        <p:nvSpPr>
+          <p:cNvPr id="2" name="타원 1"/>
+          <p:cNvSpPr/>
+          <p:nvPr/>
+        </p:nvSpPr>
+        <p:spPr>
+          <a:xfrm>
+            <a:off x="6700057" y="3591581"/>
+            <a:ext cx="133005" cy="133005"/>
+          </a:xfrm>
+          <a:prstGeom prst="ellipse">
+            <a:avLst/>
+          </a:prstGeom>
+          <a:solidFill>
+            <a:srgbClr val="FFFF00"/>
+          </a:solidFill>
+        </p:spPr>
+        <p:style>
+          <a:lnRef idx="2">
+            <a:schemeClr val="accent1">
+              <a:shade val="50000"/>
+            </a:schemeClr>
+          </a:lnRef>
+          <a:fillRef idx="1">
+            <a:schemeClr val="accent1"/>
+          </a:fillRef>
+          <a:effectRef idx="0">
+            <a:schemeClr val="accent1"/>
+          </a:effectRef>
+          <a:fontRef idx="minor">
+            <a:schemeClr val="lt1"/>
+          </a:fontRef>
+        </p:style>
+        <p:txBody>
+          <a:bodyPr rtlCol="0" anchor="ctr"/>
+          <a:lstStyle/>
+          <a:p>
+            <a:pPr algn="ctr"/>
+            <a:endParaRPr lang="ko-KR" altLang="en-US" smtClean="0">
+              <a:solidFill>
+                <a:schemeClr val="tx1"/>
+              </a:solidFill>
+              <a:latin typeface="Consolas" panose="020B0609020204030204" pitchFamily="49" charset="0"/>
+            </a:endParaRPr>
+          </a:p>
+        </p:txBody>
+      </p:sp>
+      <p:cxnSp>
+        <p:nvCxnSpPr>
+          <p:cNvPr id="13" name="꺾인 연결선 12"/>
+          <p:cNvCxnSpPr>
+            <a:stCxn id="11" idx="1"/>
+            <a:endCxn id="2" idx="2"/>
+          </p:cNvCxnSpPr>
+          <p:nvPr/>
+        </p:nvCxnSpPr>
+        <p:spPr>
+          <a:xfrm rot="10800000" flipV="1">
+            <a:off x="6700057" y="3108962"/>
+            <a:ext cx="12700" cy="549122"/>
+          </a:xfrm>
+          <a:prstGeom prst="bentConnector3">
+            <a:avLst>
+              <a:gd name="adj1" fmla="val 1800000"/>
+            </a:avLst>
+          </a:prstGeom>
+          <a:ln w="28575">
+            <a:solidFill>
+              <a:schemeClr val="tx1"/>
+            </a:solidFill>
+            <a:tailEnd type="triangle"/>
+          </a:ln>
+        </p:spPr>
+        <p:style>
+          <a:lnRef idx="1">
+            <a:schemeClr val="accent1"/>
+          </a:lnRef>
+          <a:fillRef idx="0">
+            <a:schemeClr val="accent1"/>
+          </a:fillRef>
+          <a:effectRef idx="0">
+            <a:schemeClr val="accent1"/>
+          </a:effectRef>
+          <a:fontRef idx="minor">
+            <a:schemeClr val="tx1"/>
+          </a:fontRef>
+        </p:style>
+      </p:cxnSp>
+      <p:sp>
+        <p:nvSpPr>
+          <p:cNvPr id="14" name="직사각형 13"/>
+          <p:cNvSpPr/>
+          <p:nvPr/>
+        </p:nvSpPr>
+        <p:spPr>
+          <a:xfrm>
+            <a:off x="6696132" y="4571999"/>
+            <a:ext cx="1687483" cy="457199"/>
+          </a:xfrm>
+          <a:prstGeom prst="rect">
+            <a:avLst/>
+          </a:prstGeom>
+          <a:solidFill>
+            <a:srgbClr val="FFFF00"/>
+          </a:solidFill>
+        </p:spPr>
+        <p:style>
+          <a:lnRef idx="2">
+            <a:schemeClr val="accent1">
+              <a:shade val="50000"/>
+            </a:schemeClr>
+          </a:lnRef>
+          <a:fillRef idx="1">
+            <a:schemeClr val="accent1"/>
+          </a:fillRef>
+          <a:effectRef idx="0">
+            <a:schemeClr val="accent1"/>
+          </a:effectRef>
+          <a:fontRef idx="minor">
+            <a:schemeClr val="lt1"/>
+          </a:fontRef>
+        </p:style>
+        <p:txBody>
+          <a:bodyPr rtlCol="0" anchor="ctr"/>
+          <a:lstStyle/>
+          <a:p>
+            <a:pPr algn="ctr"/>
+            <a:r>
+              <a:rPr lang="en-US" altLang="ko-KR" smtClean="0">
+                <a:solidFill>
+                  <a:schemeClr val="tx1"/>
+                </a:solidFill>
+                <a:latin typeface="Consolas" panose="020B0609020204030204" pitchFamily="49" charset="0"/>
+              </a:rPr>
+              <a:t>3</a:t>
+            </a:r>
+            <a:endParaRPr lang="ko-KR" altLang="en-US" smtClean="0">
+              <a:solidFill>
+                <a:schemeClr val="tx1"/>
+              </a:solidFill>
+              <a:latin typeface="Consolas" panose="020B0609020204030204" pitchFamily="49" charset="0"/>
+            </a:endParaRPr>
+          </a:p>
+        </p:txBody>
+      </p:sp>
+      <p:sp>
+        <p:nvSpPr>
+          <p:cNvPr id="15" name="직사각형 14"/>
+          <p:cNvSpPr/>
+          <p:nvPr/>
+        </p:nvSpPr>
+        <p:spPr>
+          <a:xfrm>
+            <a:off x="6696131" y="5029198"/>
+            <a:ext cx="1687483" cy="457199"/>
+          </a:xfrm>
+          <a:prstGeom prst="rect">
+            <a:avLst/>
+          </a:prstGeom>
+          <a:solidFill>
+            <a:srgbClr val="FFFF00"/>
+          </a:solidFill>
+        </p:spPr>
+        <p:style>
+          <a:lnRef idx="2">
+            <a:schemeClr val="accent1">
+              <a:shade val="50000"/>
+            </a:schemeClr>
+          </a:lnRef>
+          <a:fillRef idx="1">
+            <a:schemeClr val="accent1"/>
+          </a:fillRef>
+          <a:effectRef idx="0">
+            <a:schemeClr val="accent1"/>
+          </a:effectRef>
+          <a:fontRef idx="minor">
+            <a:schemeClr val="lt1"/>
+          </a:fontRef>
+        </p:style>
+        <p:txBody>
+          <a:bodyPr rtlCol="0" anchor="ctr"/>
+          <a:lstStyle/>
+          <a:p>
+            <a:pPr algn="ctr"/>
+            <a:r>
+              <a:rPr lang="en-US" altLang="ko-KR" smtClean="0">
+                <a:solidFill>
+                  <a:schemeClr val="tx1"/>
+                </a:solidFill>
+                <a:latin typeface="Consolas" panose="020B0609020204030204" pitchFamily="49" charset="0"/>
+              </a:rPr>
+              <a:t>4</a:t>
+            </a:r>
+            <a:endParaRPr lang="ko-KR" altLang="en-US" smtClean="0">
+              <a:solidFill>
+                <a:schemeClr val="tx1"/>
+              </a:solidFill>
+              <a:latin typeface="Consolas" panose="020B0609020204030204" pitchFamily="49" charset="0"/>
+            </a:endParaRPr>
+          </a:p>
+        </p:txBody>
+      </p:sp>
+      <p:sp>
+        <p:nvSpPr>
+          <p:cNvPr id="16" name="TextBox 15"/>
+          <p:cNvSpPr txBox="1"/>
+          <p:nvPr/>
+        </p:nvSpPr>
+        <p:spPr>
+          <a:xfrm>
+            <a:off x="8383614" y="4505978"/>
+            <a:ext cx="1564852" cy="523220"/>
+          </a:xfrm>
+          <a:prstGeom prst="rect">
+            <a:avLst/>
+          </a:prstGeom>
+          <a:noFill/>
+        </p:spPr>
+        <p:txBody>
+          <a:bodyPr wrap="none" rtlCol="0">
+            <a:spAutoFit/>
+          </a:bodyPr>
+          <a:lstStyle/>
+          <a:p>
+            <a:r>
+              <a:rPr lang="en-US" altLang="ko-KR" sz="2800" smtClean="0">
+                <a:latin typeface="Consolas" panose="020B0609020204030204" pitchFamily="49" charset="0"/>
+              </a:rPr>
+              <a:t>a[1][0]</a:t>
+            </a:r>
+            <a:endParaRPr lang="ko-KR" altLang="en-US" sz="2800" smtClean="0">
+              <a:latin typeface="Consolas" panose="020B0609020204030204" pitchFamily="49" charset="0"/>
+            </a:endParaRPr>
+          </a:p>
+        </p:txBody>
+      </p:sp>
+      <p:sp>
+        <p:nvSpPr>
+          <p:cNvPr id="17" name="TextBox 16"/>
+          <p:cNvSpPr txBox="1"/>
+          <p:nvPr/>
+        </p:nvSpPr>
+        <p:spPr>
+          <a:xfrm>
+            <a:off x="8383613" y="4988116"/>
+            <a:ext cx="1564852" cy="523220"/>
+          </a:xfrm>
+          <a:prstGeom prst="rect">
+            <a:avLst/>
+          </a:prstGeom>
+          <a:noFill/>
+        </p:spPr>
+        <p:txBody>
+          <a:bodyPr wrap="none" rtlCol="0">
+            <a:spAutoFit/>
+          </a:bodyPr>
+          <a:lstStyle/>
+          <a:p>
+            <a:r>
+              <a:rPr lang="en-US" altLang="ko-KR" sz="2800" smtClean="0">
+                <a:latin typeface="Consolas" panose="020B0609020204030204" pitchFamily="49" charset="0"/>
+              </a:rPr>
+              <a:t>a[1][1]</a:t>
+            </a:r>
+            <a:endParaRPr lang="ko-KR" altLang="en-US" sz="2800" smtClean="0">
+              <a:latin typeface="Consolas" panose="020B0609020204030204" pitchFamily="49" charset="0"/>
+            </a:endParaRPr>
+          </a:p>
+        </p:txBody>
+      </p:sp>
+      <p:sp>
+        <p:nvSpPr>
+          <p:cNvPr id="3" name="TextBox 2"/>
+          <p:cNvSpPr txBox="1"/>
+          <p:nvPr/>
+        </p:nvSpPr>
+        <p:spPr>
+          <a:xfrm>
+            <a:off x="5627717" y="-57978"/>
+            <a:ext cx="7577715" cy="1384995"/>
+          </a:xfrm>
+          <a:prstGeom prst="rect">
+            <a:avLst/>
+          </a:prstGeom>
+          <a:noFill/>
+        </p:spPr>
+        <p:txBody>
+          <a:bodyPr wrap="none" rtlCol="0">
+            <a:spAutoFit/>
+          </a:bodyPr>
+          <a:lstStyle/>
+          <a:p>
+            <a:r>
+              <a:rPr lang="en-US" altLang="ko-KR" sz="2800" smtClean="0">
+                <a:latin typeface="Consolas" panose="020B0609020204030204" pitchFamily="49" charset="0"/>
+              </a:rPr>
+              <a:t>decay : </a:t>
+            </a:r>
+            <a:r>
+              <a:rPr lang="ko-KR" altLang="en-US" sz="2800" smtClean="0">
+                <a:latin typeface="Consolas" panose="020B0609020204030204" pitchFamily="49" charset="0"/>
+              </a:rPr>
+              <a:t>일반적으로 배열의 이름은 배열의 </a:t>
+            </a:r>
+            <a:endParaRPr lang="en-US" altLang="ko-KR" sz="2800" smtClean="0">
+              <a:latin typeface="Consolas" panose="020B0609020204030204" pitchFamily="49" charset="0"/>
+            </a:endParaRPr>
+          </a:p>
+          <a:p>
+            <a:r>
+              <a:rPr lang="ko-KR" altLang="en-US" sz="2800" smtClean="0">
+                <a:latin typeface="Consolas" panose="020B0609020204030204" pitchFamily="49" charset="0"/>
+              </a:rPr>
+              <a:t>첫번째 원소의 주소로 해석 된다</a:t>
+            </a:r>
+            <a:r>
+              <a:rPr lang="en-US" altLang="ko-KR" sz="2800" smtClean="0">
+                <a:latin typeface="Consolas" panose="020B0609020204030204" pitchFamily="49" charset="0"/>
+              </a:rPr>
+              <a:t>. </a:t>
+            </a:r>
+          </a:p>
+          <a:p>
+            <a:r>
+              <a:rPr lang="en-US" altLang="ko-KR" sz="2800">
+                <a:latin typeface="Consolas" panose="020B0609020204030204" pitchFamily="49" charset="0"/>
+              </a:rPr>
+              <a:t> </a:t>
+            </a:r>
+            <a:r>
+              <a:rPr lang="en-US" altLang="ko-KR" sz="2800" smtClean="0">
+                <a:latin typeface="Consolas" panose="020B0609020204030204" pitchFamily="49" charset="0"/>
+              </a:rPr>
+              <a:t> </a:t>
+            </a:r>
+            <a:r>
+              <a:rPr lang="ko-KR" altLang="en-US" sz="2800" smtClean="0">
+                <a:latin typeface="Consolas" panose="020B0609020204030204" pitchFamily="49" charset="0"/>
+              </a:rPr>
+              <a:t>예외</a:t>
+            </a:r>
+            <a:r>
+              <a:rPr lang="en-US" altLang="ko-KR" sz="2800" smtClean="0">
+                <a:latin typeface="Consolas" panose="020B0609020204030204" pitchFamily="49" charset="0"/>
+              </a:rPr>
+              <a:t>)  sizeof, &amp; </a:t>
+            </a:r>
+            <a:endParaRPr lang="ko-KR" altLang="en-US" sz="2800" smtClean="0">
+              <a:latin typeface="Consolas" panose="020B0609020204030204" pitchFamily="49" charset="0"/>
+            </a:endParaRPr>
+          </a:p>
+        </p:txBody>
+      </p:sp>
+      <p:sp>
+        <p:nvSpPr>
+          <p:cNvPr id="18" name="TextBox 17"/>
+          <p:cNvSpPr txBox="1"/>
+          <p:nvPr/>
+        </p:nvSpPr>
+        <p:spPr>
+          <a:xfrm>
+            <a:off x="5563964" y="3362981"/>
+            <a:ext cx="973343" cy="523220"/>
+          </a:xfrm>
+          <a:prstGeom prst="rect">
+            <a:avLst/>
+          </a:prstGeom>
+          <a:noFill/>
+        </p:spPr>
+        <p:txBody>
+          <a:bodyPr wrap="none" rtlCol="0">
+            <a:spAutoFit/>
+          </a:bodyPr>
+          <a:lstStyle/>
+          <a:p>
+            <a:r>
+              <a:rPr lang="en-US" altLang="ko-KR" sz="2800" smtClean="0">
+                <a:latin typeface="Consolas" panose="020B0609020204030204" pitchFamily="49" charset="0"/>
+              </a:rPr>
+              <a:t>1000</a:t>
+            </a:r>
+            <a:endParaRPr lang="ko-KR" altLang="en-US" sz="2800" smtClean="0">
+              <a:latin typeface="Consolas" panose="020B0609020204030204" pitchFamily="49" charset="0"/>
+            </a:endParaRPr>
+          </a:p>
+        </p:txBody>
+      </p:sp>
+      <p:sp>
+        <p:nvSpPr>
+          <p:cNvPr id="21" name="직사각형 20"/>
+          <p:cNvSpPr/>
+          <p:nvPr/>
+        </p:nvSpPr>
+        <p:spPr>
+          <a:xfrm>
+            <a:off x="6696131" y="3657602"/>
+            <a:ext cx="1687482" cy="1828795"/>
+          </a:xfrm>
+          <a:prstGeom prst="rect">
+            <a:avLst/>
+          </a:prstGeom>
+          <a:noFill/>
+          <a:ln w="38100">
+            <a:solidFill>
+              <a:srgbClr val="FF0000"/>
+            </a:solidFill>
+          </a:ln>
+        </p:spPr>
+        <p:style>
+          <a:lnRef idx="2">
+            <a:schemeClr val="accent1">
+              <a:shade val="50000"/>
+            </a:schemeClr>
+          </a:lnRef>
+          <a:fillRef idx="1">
+            <a:schemeClr val="accent1"/>
+          </a:fillRef>
+          <a:effectRef idx="0">
+            <a:schemeClr val="accent1"/>
+          </a:effectRef>
+          <a:fontRef idx="minor">
+            <a:schemeClr val="lt1"/>
+          </a:fontRef>
+        </p:style>
+        <p:txBody>
+          <a:bodyPr rtlCol="0" anchor="ctr"/>
+          <a:lstStyle/>
+          <a:p>
+            <a:pPr algn="ctr"/>
+            <a:endParaRPr lang="ko-KR" altLang="en-US" smtClean="0">
+              <a:solidFill>
+                <a:schemeClr val="tx1"/>
+              </a:solidFill>
+              <a:latin typeface="Consolas" panose="020B0609020204030204" pitchFamily="49" charset="0"/>
+            </a:endParaRPr>
+          </a:p>
+        </p:txBody>
+      </p:sp>
+      <p:sp>
+        <p:nvSpPr>
+          <p:cNvPr id="23" name="TextBox 22"/>
+          <p:cNvSpPr txBox="1"/>
+          <p:nvPr/>
+        </p:nvSpPr>
+        <p:spPr>
+          <a:xfrm>
+            <a:off x="612817" y="5802282"/>
+            <a:ext cx="4522392" cy="523220"/>
+          </a:xfrm>
+          <a:prstGeom prst="rect">
+            <a:avLst/>
+          </a:prstGeom>
+          <a:noFill/>
+        </p:spPr>
+        <p:txBody>
+          <a:bodyPr wrap="none" rtlCol="0">
+            <a:spAutoFit/>
+          </a:bodyPr>
+          <a:lstStyle/>
+          <a:p>
+            <a:r>
+              <a:rPr lang="en-US" altLang="ko-KR" sz="2800" smtClean="0">
+                <a:latin typeface="Consolas" panose="020B0609020204030204" pitchFamily="49" charset="0"/>
+              </a:rPr>
+              <a:t>p+1 =&gt; p+1*sizeof(int)</a:t>
+            </a:r>
+            <a:endParaRPr lang="ko-KR" altLang="en-US" sz="2800" smtClean="0">
+              <a:latin typeface="Consolas" panose="020B0609020204030204" pitchFamily="49" charset="0"/>
+            </a:endParaRPr>
+          </a:p>
+        </p:txBody>
+      </p:sp>
+      <p:sp>
+        <p:nvSpPr>
+          <p:cNvPr id="24" name="TextBox 23"/>
+          <p:cNvSpPr txBox="1"/>
+          <p:nvPr/>
+        </p:nvSpPr>
+        <p:spPr>
+          <a:xfrm>
+            <a:off x="5563964" y="3853191"/>
+            <a:ext cx="973343" cy="523220"/>
+          </a:xfrm>
+          <a:prstGeom prst="rect">
+            <a:avLst/>
+          </a:prstGeom>
+          <a:noFill/>
+        </p:spPr>
+        <p:txBody>
+          <a:bodyPr wrap="none" rtlCol="0">
+            <a:spAutoFit/>
+          </a:bodyPr>
+          <a:lstStyle/>
+          <a:p>
+            <a:r>
+              <a:rPr lang="en-US" altLang="ko-KR" sz="2800" smtClean="0">
+                <a:latin typeface="Consolas" panose="020B0609020204030204" pitchFamily="49" charset="0"/>
+              </a:rPr>
+              <a:t>1004</a:t>
+            </a:r>
+            <a:endParaRPr lang="ko-KR" altLang="en-US" sz="2800" smtClean="0">
+              <a:latin typeface="Consolas" panose="020B0609020204030204" pitchFamily="49" charset="0"/>
+            </a:endParaRPr>
+          </a:p>
+        </p:txBody>
+      </p:sp>
+    </p:spTree>
+    <p:extLst>
+      <p:ext uri="{BB962C8B-B14F-4D97-AF65-F5344CB8AC3E}">
+        <p14:creationId xmlns:p14="http://schemas.microsoft.com/office/powerpoint/2010/main" val="2088961356"/>
+      </p:ext>
+    </p:extLst>
+  </p:cSld>
+  <p:clrMapOvr>
+    <a:masterClrMapping/>
+  </p:clrMapOvr>
+</p:sld>
+</file>
+
 <file path=ppt/slides/slide4.xml><?xml version="1.0" encoding="utf-8"?>
 <p:sld xmlns:a="http://schemas.openxmlformats.org/drawingml/2006/main" xmlns:r="http://schemas.openxmlformats.org/officeDocument/2006/relationships" xmlns:p="http://schemas.openxmlformats.org/presentationml/2006/main">
   <p:cSld>
@@ -46727,6 +47761,5603 @@
     <p:extLst>
       <p:ext uri="{BB962C8B-B14F-4D97-AF65-F5344CB8AC3E}">
         <p14:creationId xmlns:p14="http://schemas.microsoft.com/office/powerpoint/2010/main" val="1719176407"/>
+      </p:ext>
+    </p:extLst>
+  </p:cSld>
+  <p:clrMapOvr>
+    <a:masterClrMapping/>
+  </p:clrMapOvr>
+</p:sld>
+</file>
+
+<file path=ppt/slides/slide40.xml><?xml version="1.0" encoding="utf-8"?>
+<p:sld xmlns:a="http://schemas.openxmlformats.org/drawingml/2006/main" xmlns:r="http://schemas.openxmlformats.org/officeDocument/2006/relationships" xmlns:p="http://schemas.openxmlformats.org/presentationml/2006/main">
+  <p:cSld>
+    <p:spTree>
+      <p:nvGrpSpPr>
+        <p:cNvPr id="1" name=""/>
+        <p:cNvGrpSpPr/>
+        <p:nvPr/>
+      </p:nvGrpSpPr>
+      <p:grpSpPr>
+        <a:xfrm>
+          <a:off x="0" y="0"/>
+          <a:ext cx="0" cy="0"/>
+          <a:chOff x="0" y="0"/>
+          <a:chExt cx="0" cy="0"/>
+        </a:xfrm>
+      </p:grpSpPr>
+      <p:sp>
+        <p:nvSpPr>
+          <p:cNvPr id="4" name="TextBox 3"/>
+          <p:cNvSpPr txBox="1"/>
+          <p:nvPr/>
+        </p:nvSpPr>
+        <p:spPr>
+          <a:xfrm>
+            <a:off x="407324" y="199505"/>
+            <a:ext cx="2536272" cy="523220"/>
+          </a:xfrm>
+          <a:prstGeom prst="rect">
+            <a:avLst/>
+          </a:prstGeom>
+          <a:noFill/>
+        </p:spPr>
+        <p:txBody>
+          <a:bodyPr wrap="none" rtlCol="0">
+            <a:spAutoFit/>
+          </a:bodyPr>
+          <a:lstStyle/>
+          <a:p>
+            <a:r>
+              <a:rPr lang="ko-KR" altLang="en-US" sz="2800" smtClean="0">
+                <a:latin typeface="Consolas" panose="020B0609020204030204" pitchFamily="49" charset="0"/>
+              </a:rPr>
+              <a:t>배열과 포인터</a:t>
+            </a:r>
+            <a:endParaRPr lang="ko-KR" altLang="en-US" sz="2800" smtClean="0">
+              <a:latin typeface="Consolas" panose="020B0609020204030204" pitchFamily="49" charset="0"/>
+            </a:endParaRPr>
+          </a:p>
+        </p:txBody>
+      </p:sp>
+      <p:sp>
+        <p:nvSpPr>
+          <p:cNvPr id="5" name="TextBox 4"/>
+          <p:cNvSpPr txBox="1"/>
+          <p:nvPr/>
+        </p:nvSpPr>
+        <p:spPr>
+          <a:xfrm>
+            <a:off x="1055716" y="1088967"/>
+            <a:ext cx="5311069" cy="4401205"/>
+          </a:xfrm>
+          <a:prstGeom prst="rect">
+            <a:avLst/>
+          </a:prstGeom>
+          <a:noFill/>
+        </p:spPr>
+        <p:txBody>
+          <a:bodyPr wrap="none" rtlCol="0">
+            <a:spAutoFit/>
+          </a:bodyPr>
+          <a:lstStyle/>
+          <a:p>
+            <a:r>
+              <a:rPr lang="en-US" altLang="ko-KR" sz="2800" smtClean="0">
+                <a:latin typeface="Consolas" panose="020B0609020204030204" pitchFamily="49" charset="0"/>
+              </a:rPr>
+              <a:t>int a[2][2]={1,2,3,4};</a:t>
+            </a:r>
+          </a:p>
+          <a:p>
+            <a:r>
+              <a:rPr lang="en-US" altLang="ko-KR" sz="2800" smtClean="0">
+                <a:latin typeface="Consolas" panose="020B0609020204030204" pitchFamily="49" charset="0"/>
+              </a:rPr>
+              <a:t>int * *p = a;</a:t>
+            </a:r>
+          </a:p>
+          <a:p>
+            <a:endParaRPr lang="en-US" altLang="ko-KR" sz="2800">
+              <a:latin typeface="Consolas" panose="020B0609020204030204" pitchFamily="49" charset="0"/>
+            </a:endParaRPr>
+          </a:p>
+          <a:p>
+            <a:r>
+              <a:rPr lang="en-US" altLang="ko-KR" sz="2800" smtClean="0">
+                <a:latin typeface="Consolas" panose="020B0609020204030204" pitchFamily="49" charset="0"/>
+              </a:rPr>
+              <a:t>p[1][1] = 10;</a:t>
+            </a:r>
+          </a:p>
+          <a:p>
+            <a:r>
+              <a:rPr lang="en-US" altLang="ko-KR" sz="2800" smtClean="0">
+                <a:latin typeface="Consolas" panose="020B0609020204030204" pitchFamily="49" charset="0"/>
+              </a:rPr>
+              <a:t>(*(p+1))[1]</a:t>
+            </a:r>
+          </a:p>
+          <a:p>
+            <a:r>
+              <a:rPr lang="en-US" altLang="ko-KR" sz="2800">
+                <a:latin typeface="Consolas" panose="020B0609020204030204" pitchFamily="49" charset="0"/>
+              </a:rPr>
+              <a:t>*</a:t>
+            </a:r>
+            <a:r>
+              <a:rPr lang="en-US" altLang="ko-KR" sz="2800" smtClean="0">
+                <a:latin typeface="Consolas" panose="020B0609020204030204" pitchFamily="49" charset="0"/>
+              </a:rPr>
+              <a:t>(*(p+1)+1)</a:t>
+            </a:r>
+            <a:endParaRPr lang="en-US" altLang="ko-KR" sz="2800">
+              <a:latin typeface="Consolas" panose="020B0609020204030204" pitchFamily="49" charset="0"/>
+            </a:endParaRPr>
+          </a:p>
+          <a:p>
+            <a:r>
+              <a:rPr lang="en-US" altLang="ko-KR" sz="2800" smtClean="0">
+                <a:latin typeface="Consolas" panose="020B0609020204030204" pitchFamily="49" charset="0"/>
+              </a:rPr>
+              <a:t>*(*(1000+1</a:t>
+            </a:r>
+            <a:r>
+              <a:rPr lang="en-US" altLang="ko-KR" sz="2800">
+                <a:latin typeface="Consolas" panose="020B0609020204030204" pitchFamily="49" charset="0"/>
+              </a:rPr>
+              <a:t>)+1)</a:t>
+            </a:r>
+          </a:p>
+          <a:p>
+            <a:r>
+              <a:rPr lang="en-US" altLang="ko-KR" sz="2800" smtClean="0">
+                <a:latin typeface="Consolas" panose="020B0609020204030204" pitchFamily="49" charset="0"/>
+              </a:rPr>
+              <a:t>*(*1008+1)</a:t>
+            </a:r>
+          </a:p>
+          <a:p>
+            <a:r>
+              <a:rPr lang="en-US" altLang="ko-KR" sz="2800" smtClean="0">
+                <a:latin typeface="Consolas" panose="020B0609020204030204" pitchFamily="49" charset="0"/>
+              </a:rPr>
+              <a:t>*(0x0304+1)</a:t>
+            </a:r>
+            <a:endParaRPr lang="en-US" altLang="ko-KR" sz="2800">
+              <a:latin typeface="Consolas" panose="020B0609020204030204" pitchFamily="49" charset="0"/>
+            </a:endParaRPr>
+          </a:p>
+          <a:p>
+            <a:r>
+              <a:rPr lang="en-US" altLang="ko-KR" sz="2800" smtClean="0">
+                <a:latin typeface="Consolas" panose="020B0609020204030204" pitchFamily="49" charset="0"/>
+              </a:rPr>
+              <a:t>*0x0308   // runtime error</a:t>
+            </a:r>
+          </a:p>
+        </p:txBody>
+      </p:sp>
+      <p:sp>
+        <p:nvSpPr>
+          <p:cNvPr id="6" name="직사각형 5"/>
+          <p:cNvSpPr/>
+          <p:nvPr/>
+        </p:nvSpPr>
+        <p:spPr>
+          <a:xfrm>
+            <a:off x="6700059" y="2294313"/>
+            <a:ext cx="1687483" cy="3965171"/>
+          </a:xfrm>
+          <a:prstGeom prst="rect">
+            <a:avLst/>
+          </a:prstGeom>
+          <a:solidFill>
+            <a:schemeClr val="bg1"/>
+          </a:solidFill>
+        </p:spPr>
+        <p:style>
+          <a:lnRef idx="2">
+            <a:schemeClr val="accent1">
+              <a:shade val="50000"/>
+            </a:schemeClr>
+          </a:lnRef>
+          <a:fillRef idx="1">
+            <a:schemeClr val="accent1"/>
+          </a:fillRef>
+          <a:effectRef idx="0">
+            <a:schemeClr val="accent1"/>
+          </a:effectRef>
+          <a:fontRef idx="minor">
+            <a:schemeClr val="lt1"/>
+          </a:fontRef>
+        </p:style>
+        <p:txBody>
+          <a:bodyPr rtlCol="0" anchor="ctr"/>
+          <a:lstStyle/>
+          <a:p>
+            <a:pPr algn="ctr"/>
+            <a:endParaRPr lang="ko-KR" altLang="en-US" smtClean="0">
+              <a:solidFill>
+                <a:schemeClr val="tx1"/>
+              </a:solidFill>
+              <a:latin typeface="Consolas" panose="020B0609020204030204" pitchFamily="49" charset="0"/>
+            </a:endParaRPr>
+          </a:p>
+        </p:txBody>
+      </p:sp>
+      <p:sp>
+        <p:nvSpPr>
+          <p:cNvPr id="7" name="직사각형 6"/>
+          <p:cNvSpPr/>
+          <p:nvPr/>
+        </p:nvSpPr>
+        <p:spPr>
+          <a:xfrm>
+            <a:off x="6700058" y="3657602"/>
+            <a:ext cx="1687483" cy="457199"/>
+          </a:xfrm>
+          <a:prstGeom prst="rect">
+            <a:avLst/>
+          </a:prstGeom>
+          <a:solidFill>
+            <a:srgbClr val="FFFF00"/>
+          </a:solidFill>
+        </p:spPr>
+        <p:style>
+          <a:lnRef idx="2">
+            <a:schemeClr val="accent1">
+              <a:shade val="50000"/>
+            </a:schemeClr>
+          </a:lnRef>
+          <a:fillRef idx="1">
+            <a:schemeClr val="accent1"/>
+          </a:fillRef>
+          <a:effectRef idx="0">
+            <a:schemeClr val="accent1"/>
+          </a:effectRef>
+          <a:fontRef idx="minor">
+            <a:schemeClr val="lt1"/>
+          </a:fontRef>
+        </p:style>
+        <p:txBody>
+          <a:bodyPr rtlCol="0" anchor="ctr"/>
+          <a:lstStyle/>
+          <a:p>
+            <a:pPr algn="ctr"/>
+            <a:r>
+              <a:rPr lang="en-US" altLang="ko-KR" smtClean="0">
+                <a:solidFill>
+                  <a:schemeClr val="tx1"/>
+                </a:solidFill>
+                <a:latin typeface="Consolas" panose="020B0609020204030204" pitchFamily="49" charset="0"/>
+              </a:rPr>
+              <a:t>1</a:t>
+            </a:r>
+            <a:endParaRPr lang="ko-KR" altLang="en-US" smtClean="0">
+              <a:solidFill>
+                <a:schemeClr val="tx1"/>
+              </a:solidFill>
+              <a:latin typeface="Consolas" panose="020B0609020204030204" pitchFamily="49" charset="0"/>
+            </a:endParaRPr>
+          </a:p>
+        </p:txBody>
+      </p:sp>
+      <p:sp>
+        <p:nvSpPr>
+          <p:cNvPr id="8" name="직사각형 7"/>
+          <p:cNvSpPr/>
+          <p:nvPr/>
+        </p:nvSpPr>
+        <p:spPr>
+          <a:xfrm>
+            <a:off x="6700057" y="4114801"/>
+            <a:ext cx="1687483" cy="457199"/>
+          </a:xfrm>
+          <a:prstGeom prst="rect">
+            <a:avLst/>
+          </a:prstGeom>
+          <a:solidFill>
+            <a:srgbClr val="FFFF00"/>
+          </a:solidFill>
+        </p:spPr>
+        <p:style>
+          <a:lnRef idx="2">
+            <a:schemeClr val="accent1">
+              <a:shade val="50000"/>
+            </a:schemeClr>
+          </a:lnRef>
+          <a:fillRef idx="1">
+            <a:schemeClr val="accent1"/>
+          </a:fillRef>
+          <a:effectRef idx="0">
+            <a:schemeClr val="accent1"/>
+          </a:effectRef>
+          <a:fontRef idx="minor">
+            <a:schemeClr val="lt1"/>
+          </a:fontRef>
+        </p:style>
+        <p:txBody>
+          <a:bodyPr rtlCol="0" anchor="ctr"/>
+          <a:lstStyle/>
+          <a:p>
+            <a:pPr algn="ctr"/>
+            <a:r>
+              <a:rPr lang="en-US" altLang="ko-KR" smtClean="0">
+                <a:solidFill>
+                  <a:schemeClr val="tx1"/>
+                </a:solidFill>
+                <a:latin typeface="Consolas" panose="020B0609020204030204" pitchFamily="49" charset="0"/>
+              </a:rPr>
+              <a:t>2</a:t>
+            </a:r>
+            <a:endParaRPr lang="ko-KR" altLang="en-US" smtClean="0">
+              <a:solidFill>
+                <a:schemeClr val="tx1"/>
+              </a:solidFill>
+              <a:latin typeface="Consolas" panose="020B0609020204030204" pitchFamily="49" charset="0"/>
+            </a:endParaRPr>
+          </a:p>
+        </p:txBody>
+      </p:sp>
+      <p:sp>
+        <p:nvSpPr>
+          <p:cNvPr id="9" name="TextBox 8"/>
+          <p:cNvSpPr txBox="1"/>
+          <p:nvPr/>
+        </p:nvSpPr>
+        <p:spPr>
+          <a:xfrm>
+            <a:off x="8387540" y="3591581"/>
+            <a:ext cx="1564852" cy="523220"/>
+          </a:xfrm>
+          <a:prstGeom prst="rect">
+            <a:avLst/>
+          </a:prstGeom>
+          <a:noFill/>
+        </p:spPr>
+        <p:txBody>
+          <a:bodyPr wrap="none" rtlCol="0">
+            <a:spAutoFit/>
+          </a:bodyPr>
+          <a:lstStyle/>
+          <a:p>
+            <a:r>
+              <a:rPr lang="en-US" altLang="ko-KR" sz="2800" smtClean="0">
+                <a:latin typeface="Consolas" panose="020B0609020204030204" pitchFamily="49" charset="0"/>
+              </a:rPr>
+              <a:t>a[0][0]</a:t>
+            </a:r>
+            <a:endParaRPr lang="ko-KR" altLang="en-US" sz="2800" smtClean="0">
+              <a:latin typeface="Consolas" panose="020B0609020204030204" pitchFamily="49" charset="0"/>
+            </a:endParaRPr>
+          </a:p>
+        </p:txBody>
+      </p:sp>
+      <p:sp>
+        <p:nvSpPr>
+          <p:cNvPr id="10" name="TextBox 9"/>
+          <p:cNvSpPr txBox="1"/>
+          <p:nvPr/>
+        </p:nvSpPr>
+        <p:spPr>
+          <a:xfrm>
+            <a:off x="8387539" y="4073719"/>
+            <a:ext cx="1564852" cy="523220"/>
+          </a:xfrm>
+          <a:prstGeom prst="rect">
+            <a:avLst/>
+          </a:prstGeom>
+          <a:noFill/>
+        </p:spPr>
+        <p:txBody>
+          <a:bodyPr wrap="none" rtlCol="0">
+            <a:spAutoFit/>
+          </a:bodyPr>
+          <a:lstStyle/>
+          <a:p>
+            <a:r>
+              <a:rPr lang="en-US" altLang="ko-KR" sz="2800" smtClean="0">
+                <a:latin typeface="Consolas" panose="020B0609020204030204" pitchFamily="49" charset="0"/>
+              </a:rPr>
+              <a:t>a[0][1]</a:t>
+            </a:r>
+            <a:endParaRPr lang="ko-KR" altLang="en-US" sz="2800" smtClean="0">
+              <a:latin typeface="Consolas" panose="020B0609020204030204" pitchFamily="49" charset="0"/>
+            </a:endParaRPr>
+          </a:p>
+        </p:txBody>
+      </p:sp>
+      <p:sp>
+        <p:nvSpPr>
+          <p:cNvPr id="11" name="직사각형 10"/>
+          <p:cNvSpPr/>
+          <p:nvPr/>
+        </p:nvSpPr>
+        <p:spPr>
+          <a:xfrm>
+            <a:off x="6700057" y="2560321"/>
+            <a:ext cx="1687483" cy="1097282"/>
+          </a:xfrm>
+          <a:prstGeom prst="rect">
+            <a:avLst/>
+          </a:prstGeom>
+          <a:solidFill>
+            <a:srgbClr val="FFFF00"/>
+          </a:solidFill>
+        </p:spPr>
+        <p:style>
+          <a:lnRef idx="2">
+            <a:schemeClr val="accent1">
+              <a:shade val="50000"/>
+            </a:schemeClr>
+          </a:lnRef>
+          <a:fillRef idx="1">
+            <a:schemeClr val="accent1"/>
+          </a:fillRef>
+          <a:effectRef idx="0">
+            <a:schemeClr val="accent1"/>
+          </a:effectRef>
+          <a:fontRef idx="minor">
+            <a:schemeClr val="lt1"/>
+          </a:fontRef>
+        </p:style>
+        <p:txBody>
+          <a:bodyPr rtlCol="0" anchor="ctr"/>
+          <a:lstStyle/>
+          <a:p>
+            <a:pPr algn="ctr"/>
+            <a:r>
+              <a:rPr lang="en-US" altLang="ko-KR" smtClean="0">
+                <a:solidFill>
+                  <a:schemeClr val="tx1"/>
+                </a:solidFill>
+                <a:latin typeface="Consolas" panose="020B0609020204030204" pitchFamily="49" charset="0"/>
+              </a:rPr>
+              <a:t>1000</a:t>
+            </a:r>
+            <a:endParaRPr lang="ko-KR" altLang="en-US" smtClean="0">
+              <a:solidFill>
+                <a:schemeClr val="tx1"/>
+              </a:solidFill>
+              <a:latin typeface="Consolas" panose="020B0609020204030204" pitchFamily="49" charset="0"/>
+            </a:endParaRPr>
+          </a:p>
+        </p:txBody>
+      </p:sp>
+      <p:sp>
+        <p:nvSpPr>
+          <p:cNvPr id="12" name="TextBox 11"/>
+          <p:cNvSpPr txBox="1"/>
+          <p:nvPr/>
+        </p:nvSpPr>
+        <p:spPr>
+          <a:xfrm>
+            <a:off x="8387539" y="2814341"/>
+            <a:ext cx="381836" cy="523220"/>
+          </a:xfrm>
+          <a:prstGeom prst="rect">
+            <a:avLst/>
+          </a:prstGeom>
+          <a:noFill/>
+        </p:spPr>
+        <p:txBody>
+          <a:bodyPr wrap="none" rtlCol="0">
+            <a:spAutoFit/>
+          </a:bodyPr>
+          <a:lstStyle/>
+          <a:p>
+            <a:r>
+              <a:rPr lang="en-US" altLang="ko-KR" sz="2800" smtClean="0">
+                <a:latin typeface="Consolas" panose="020B0609020204030204" pitchFamily="49" charset="0"/>
+              </a:rPr>
+              <a:t>p</a:t>
+            </a:r>
+            <a:endParaRPr lang="ko-KR" altLang="en-US" sz="2800" smtClean="0">
+              <a:latin typeface="Consolas" panose="020B0609020204030204" pitchFamily="49" charset="0"/>
+            </a:endParaRPr>
+          </a:p>
+        </p:txBody>
+      </p:sp>
+      <p:sp>
+        <p:nvSpPr>
+          <p:cNvPr id="2" name="타원 1"/>
+          <p:cNvSpPr/>
+          <p:nvPr/>
+        </p:nvSpPr>
+        <p:spPr>
+          <a:xfrm>
+            <a:off x="6700057" y="3591581"/>
+            <a:ext cx="133005" cy="133005"/>
+          </a:xfrm>
+          <a:prstGeom prst="ellipse">
+            <a:avLst/>
+          </a:prstGeom>
+          <a:solidFill>
+            <a:srgbClr val="FFFF00"/>
+          </a:solidFill>
+        </p:spPr>
+        <p:style>
+          <a:lnRef idx="2">
+            <a:schemeClr val="accent1">
+              <a:shade val="50000"/>
+            </a:schemeClr>
+          </a:lnRef>
+          <a:fillRef idx="1">
+            <a:schemeClr val="accent1"/>
+          </a:fillRef>
+          <a:effectRef idx="0">
+            <a:schemeClr val="accent1"/>
+          </a:effectRef>
+          <a:fontRef idx="minor">
+            <a:schemeClr val="lt1"/>
+          </a:fontRef>
+        </p:style>
+        <p:txBody>
+          <a:bodyPr rtlCol="0" anchor="ctr"/>
+          <a:lstStyle/>
+          <a:p>
+            <a:pPr algn="ctr"/>
+            <a:endParaRPr lang="ko-KR" altLang="en-US" smtClean="0">
+              <a:solidFill>
+                <a:schemeClr val="tx1"/>
+              </a:solidFill>
+              <a:latin typeface="Consolas" panose="020B0609020204030204" pitchFamily="49" charset="0"/>
+            </a:endParaRPr>
+          </a:p>
+        </p:txBody>
+      </p:sp>
+      <p:cxnSp>
+        <p:nvCxnSpPr>
+          <p:cNvPr id="13" name="꺾인 연결선 12"/>
+          <p:cNvCxnSpPr>
+            <a:stCxn id="11" idx="1"/>
+            <a:endCxn id="2" idx="2"/>
+          </p:cNvCxnSpPr>
+          <p:nvPr/>
+        </p:nvCxnSpPr>
+        <p:spPr>
+          <a:xfrm rot="10800000" flipV="1">
+            <a:off x="6700057" y="3108962"/>
+            <a:ext cx="12700" cy="549122"/>
+          </a:xfrm>
+          <a:prstGeom prst="bentConnector3">
+            <a:avLst>
+              <a:gd name="adj1" fmla="val 1800000"/>
+            </a:avLst>
+          </a:prstGeom>
+          <a:ln w="28575">
+            <a:solidFill>
+              <a:schemeClr val="tx1"/>
+            </a:solidFill>
+            <a:tailEnd type="triangle"/>
+          </a:ln>
+        </p:spPr>
+        <p:style>
+          <a:lnRef idx="1">
+            <a:schemeClr val="accent1"/>
+          </a:lnRef>
+          <a:fillRef idx="0">
+            <a:schemeClr val="accent1"/>
+          </a:fillRef>
+          <a:effectRef idx="0">
+            <a:schemeClr val="accent1"/>
+          </a:effectRef>
+          <a:fontRef idx="minor">
+            <a:schemeClr val="tx1"/>
+          </a:fontRef>
+        </p:style>
+      </p:cxnSp>
+      <p:sp>
+        <p:nvSpPr>
+          <p:cNvPr id="14" name="직사각형 13"/>
+          <p:cNvSpPr/>
+          <p:nvPr/>
+        </p:nvSpPr>
+        <p:spPr>
+          <a:xfrm>
+            <a:off x="6696132" y="4571999"/>
+            <a:ext cx="1687483" cy="457199"/>
+          </a:xfrm>
+          <a:prstGeom prst="rect">
+            <a:avLst/>
+          </a:prstGeom>
+          <a:solidFill>
+            <a:srgbClr val="FFFF00"/>
+          </a:solidFill>
+        </p:spPr>
+        <p:style>
+          <a:lnRef idx="2">
+            <a:schemeClr val="accent1">
+              <a:shade val="50000"/>
+            </a:schemeClr>
+          </a:lnRef>
+          <a:fillRef idx="1">
+            <a:schemeClr val="accent1"/>
+          </a:fillRef>
+          <a:effectRef idx="0">
+            <a:schemeClr val="accent1"/>
+          </a:effectRef>
+          <a:fontRef idx="minor">
+            <a:schemeClr val="lt1"/>
+          </a:fontRef>
+        </p:style>
+        <p:txBody>
+          <a:bodyPr rtlCol="0" anchor="ctr"/>
+          <a:lstStyle/>
+          <a:p>
+            <a:pPr algn="ctr"/>
+            <a:r>
+              <a:rPr lang="en-US" altLang="ko-KR" smtClean="0">
+                <a:solidFill>
+                  <a:schemeClr val="tx1"/>
+                </a:solidFill>
+                <a:latin typeface="Consolas" panose="020B0609020204030204" pitchFamily="49" charset="0"/>
+              </a:rPr>
+              <a:t>3</a:t>
+            </a:r>
+            <a:endParaRPr lang="ko-KR" altLang="en-US" smtClean="0">
+              <a:solidFill>
+                <a:schemeClr val="tx1"/>
+              </a:solidFill>
+              <a:latin typeface="Consolas" panose="020B0609020204030204" pitchFamily="49" charset="0"/>
+            </a:endParaRPr>
+          </a:p>
+        </p:txBody>
+      </p:sp>
+      <p:sp>
+        <p:nvSpPr>
+          <p:cNvPr id="15" name="직사각형 14"/>
+          <p:cNvSpPr/>
+          <p:nvPr/>
+        </p:nvSpPr>
+        <p:spPr>
+          <a:xfrm>
+            <a:off x="6696131" y="5029198"/>
+            <a:ext cx="1687483" cy="457199"/>
+          </a:xfrm>
+          <a:prstGeom prst="rect">
+            <a:avLst/>
+          </a:prstGeom>
+          <a:solidFill>
+            <a:srgbClr val="FFFF00"/>
+          </a:solidFill>
+        </p:spPr>
+        <p:style>
+          <a:lnRef idx="2">
+            <a:schemeClr val="accent1">
+              <a:shade val="50000"/>
+            </a:schemeClr>
+          </a:lnRef>
+          <a:fillRef idx="1">
+            <a:schemeClr val="accent1"/>
+          </a:fillRef>
+          <a:effectRef idx="0">
+            <a:schemeClr val="accent1"/>
+          </a:effectRef>
+          <a:fontRef idx="minor">
+            <a:schemeClr val="lt1"/>
+          </a:fontRef>
+        </p:style>
+        <p:txBody>
+          <a:bodyPr rtlCol="0" anchor="ctr"/>
+          <a:lstStyle/>
+          <a:p>
+            <a:pPr algn="ctr"/>
+            <a:r>
+              <a:rPr lang="en-US" altLang="ko-KR" smtClean="0">
+                <a:solidFill>
+                  <a:schemeClr val="tx1"/>
+                </a:solidFill>
+                <a:latin typeface="Consolas" panose="020B0609020204030204" pitchFamily="49" charset="0"/>
+              </a:rPr>
+              <a:t>4</a:t>
+            </a:r>
+            <a:endParaRPr lang="ko-KR" altLang="en-US" smtClean="0">
+              <a:solidFill>
+                <a:schemeClr val="tx1"/>
+              </a:solidFill>
+              <a:latin typeface="Consolas" panose="020B0609020204030204" pitchFamily="49" charset="0"/>
+            </a:endParaRPr>
+          </a:p>
+        </p:txBody>
+      </p:sp>
+      <p:sp>
+        <p:nvSpPr>
+          <p:cNvPr id="16" name="TextBox 15"/>
+          <p:cNvSpPr txBox="1"/>
+          <p:nvPr/>
+        </p:nvSpPr>
+        <p:spPr>
+          <a:xfrm>
+            <a:off x="8383614" y="4505978"/>
+            <a:ext cx="1564852" cy="523220"/>
+          </a:xfrm>
+          <a:prstGeom prst="rect">
+            <a:avLst/>
+          </a:prstGeom>
+          <a:noFill/>
+        </p:spPr>
+        <p:txBody>
+          <a:bodyPr wrap="none" rtlCol="0">
+            <a:spAutoFit/>
+          </a:bodyPr>
+          <a:lstStyle/>
+          <a:p>
+            <a:r>
+              <a:rPr lang="en-US" altLang="ko-KR" sz="2800" smtClean="0">
+                <a:latin typeface="Consolas" panose="020B0609020204030204" pitchFamily="49" charset="0"/>
+              </a:rPr>
+              <a:t>a[1][0]</a:t>
+            </a:r>
+            <a:endParaRPr lang="ko-KR" altLang="en-US" sz="2800" smtClean="0">
+              <a:latin typeface="Consolas" panose="020B0609020204030204" pitchFamily="49" charset="0"/>
+            </a:endParaRPr>
+          </a:p>
+        </p:txBody>
+      </p:sp>
+      <p:sp>
+        <p:nvSpPr>
+          <p:cNvPr id="17" name="TextBox 16"/>
+          <p:cNvSpPr txBox="1"/>
+          <p:nvPr/>
+        </p:nvSpPr>
+        <p:spPr>
+          <a:xfrm>
+            <a:off x="8383613" y="4988116"/>
+            <a:ext cx="1564852" cy="523220"/>
+          </a:xfrm>
+          <a:prstGeom prst="rect">
+            <a:avLst/>
+          </a:prstGeom>
+          <a:noFill/>
+        </p:spPr>
+        <p:txBody>
+          <a:bodyPr wrap="none" rtlCol="0">
+            <a:spAutoFit/>
+          </a:bodyPr>
+          <a:lstStyle/>
+          <a:p>
+            <a:r>
+              <a:rPr lang="en-US" altLang="ko-KR" sz="2800" smtClean="0">
+                <a:latin typeface="Consolas" panose="020B0609020204030204" pitchFamily="49" charset="0"/>
+              </a:rPr>
+              <a:t>a[1][1]</a:t>
+            </a:r>
+            <a:endParaRPr lang="ko-KR" altLang="en-US" sz="2800" smtClean="0">
+              <a:latin typeface="Consolas" panose="020B0609020204030204" pitchFamily="49" charset="0"/>
+            </a:endParaRPr>
+          </a:p>
+        </p:txBody>
+      </p:sp>
+      <p:sp>
+        <p:nvSpPr>
+          <p:cNvPr id="3" name="TextBox 2"/>
+          <p:cNvSpPr txBox="1"/>
+          <p:nvPr/>
+        </p:nvSpPr>
+        <p:spPr>
+          <a:xfrm>
+            <a:off x="5627717" y="-57978"/>
+            <a:ext cx="7577715" cy="1384995"/>
+          </a:xfrm>
+          <a:prstGeom prst="rect">
+            <a:avLst/>
+          </a:prstGeom>
+          <a:noFill/>
+        </p:spPr>
+        <p:txBody>
+          <a:bodyPr wrap="none" rtlCol="0">
+            <a:spAutoFit/>
+          </a:bodyPr>
+          <a:lstStyle/>
+          <a:p>
+            <a:r>
+              <a:rPr lang="en-US" altLang="ko-KR" sz="2800" smtClean="0">
+                <a:latin typeface="Consolas" panose="020B0609020204030204" pitchFamily="49" charset="0"/>
+              </a:rPr>
+              <a:t>decay : </a:t>
+            </a:r>
+            <a:r>
+              <a:rPr lang="ko-KR" altLang="en-US" sz="2800" smtClean="0">
+                <a:latin typeface="Consolas" panose="020B0609020204030204" pitchFamily="49" charset="0"/>
+              </a:rPr>
+              <a:t>일반적으로 배열의 이름은 배열의 </a:t>
+            </a:r>
+            <a:endParaRPr lang="en-US" altLang="ko-KR" sz="2800" smtClean="0">
+              <a:latin typeface="Consolas" panose="020B0609020204030204" pitchFamily="49" charset="0"/>
+            </a:endParaRPr>
+          </a:p>
+          <a:p>
+            <a:r>
+              <a:rPr lang="ko-KR" altLang="en-US" sz="2800" smtClean="0">
+                <a:latin typeface="Consolas" panose="020B0609020204030204" pitchFamily="49" charset="0"/>
+              </a:rPr>
+              <a:t>첫번째 원소의 주소로 해석 된다</a:t>
+            </a:r>
+            <a:r>
+              <a:rPr lang="en-US" altLang="ko-KR" sz="2800" smtClean="0">
+                <a:latin typeface="Consolas" panose="020B0609020204030204" pitchFamily="49" charset="0"/>
+              </a:rPr>
+              <a:t>. </a:t>
+            </a:r>
+          </a:p>
+          <a:p>
+            <a:r>
+              <a:rPr lang="en-US" altLang="ko-KR" sz="2800">
+                <a:latin typeface="Consolas" panose="020B0609020204030204" pitchFamily="49" charset="0"/>
+              </a:rPr>
+              <a:t> </a:t>
+            </a:r>
+            <a:r>
+              <a:rPr lang="en-US" altLang="ko-KR" sz="2800" smtClean="0">
+                <a:latin typeface="Consolas" panose="020B0609020204030204" pitchFamily="49" charset="0"/>
+              </a:rPr>
+              <a:t> </a:t>
+            </a:r>
+            <a:r>
+              <a:rPr lang="ko-KR" altLang="en-US" sz="2800" smtClean="0">
+                <a:latin typeface="Consolas" panose="020B0609020204030204" pitchFamily="49" charset="0"/>
+              </a:rPr>
+              <a:t>예외</a:t>
+            </a:r>
+            <a:r>
+              <a:rPr lang="en-US" altLang="ko-KR" sz="2800" smtClean="0">
+                <a:latin typeface="Consolas" panose="020B0609020204030204" pitchFamily="49" charset="0"/>
+              </a:rPr>
+              <a:t>)  sizeof, &amp; </a:t>
+            </a:r>
+            <a:endParaRPr lang="ko-KR" altLang="en-US" sz="2800" smtClean="0">
+              <a:latin typeface="Consolas" panose="020B0609020204030204" pitchFamily="49" charset="0"/>
+            </a:endParaRPr>
+          </a:p>
+        </p:txBody>
+      </p:sp>
+      <p:sp>
+        <p:nvSpPr>
+          <p:cNvPr id="18" name="TextBox 17"/>
+          <p:cNvSpPr txBox="1"/>
+          <p:nvPr/>
+        </p:nvSpPr>
+        <p:spPr>
+          <a:xfrm>
+            <a:off x="5563964" y="3362981"/>
+            <a:ext cx="973343" cy="523220"/>
+          </a:xfrm>
+          <a:prstGeom prst="rect">
+            <a:avLst/>
+          </a:prstGeom>
+          <a:noFill/>
+        </p:spPr>
+        <p:txBody>
+          <a:bodyPr wrap="none" rtlCol="0">
+            <a:spAutoFit/>
+          </a:bodyPr>
+          <a:lstStyle/>
+          <a:p>
+            <a:r>
+              <a:rPr lang="en-US" altLang="ko-KR" sz="2800" smtClean="0">
+                <a:latin typeface="Consolas" panose="020B0609020204030204" pitchFamily="49" charset="0"/>
+              </a:rPr>
+              <a:t>1000</a:t>
+            </a:r>
+            <a:endParaRPr lang="ko-KR" altLang="en-US" sz="2800" smtClean="0">
+              <a:latin typeface="Consolas" panose="020B0609020204030204" pitchFamily="49" charset="0"/>
+            </a:endParaRPr>
+          </a:p>
+        </p:txBody>
+      </p:sp>
+      <p:sp>
+        <p:nvSpPr>
+          <p:cNvPr id="21" name="직사각형 20"/>
+          <p:cNvSpPr/>
+          <p:nvPr/>
+        </p:nvSpPr>
+        <p:spPr>
+          <a:xfrm>
+            <a:off x="6696131" y="3657602"/>
+            <a:ext cx="1687482" cy="1828795"/>
+          </a:xfrm>
+          <a:prstGeom prst="rect">
+            <a:avLst/>
+          </a:prstGeom>
+          <a:noFill/>
+          <a:ln w="38100">
+            <a:solidFill>
+              <a:srgbClr val="FF0000"/>
+            </a:solidFill>
+          </a:ln>
+        </p:spPr>
+        <p:style>
+          <a:lnRef idx="2">
+            <a:schemeClr val="accent1">
+              <a:shade val="50000"/>
+            </a:schemeClr>
+          </a:lnRef>
+          <a:fillRef idx="1">
+            <a:schemeClr val="accent1"/>
+          </a:fillRef>
+          <a:effectRef idx="0">
+            <a:schemeClr val="accent1"/>
+          </a:effectRef>
+          <a:fontRef idx="minor">
+            <a:schemeClr val="lt1"/>
+          </a:fontRef>
+        </p:style>
+        <p:txBody>
+          <a:bodyPr rtlCol="0" anchor="ctr"/>
+          <a:lstStyle/>
+          <a:p>
+            <a:pPr algn="ctr"/>
+            <a:endParaRPr lang="ko-KR" altLang="en-US" smtClean="0">
+              <a:solidFill>
+                <a:schemeClr val="tx1"/>
+              </a:solidFill>
+              <a:latin typeface="Consolas" panose="020B0609020204030204" pitchFamily="49" charset="0"/>
+            </a:endParaRPr>
+          </a:p>
+        </p:txBody>
+      </p:sp>
+      <p:sp>
+        <p:nvSpPr>
+          <p:cNvPr id="23" name="TextBox 22"/>
+          <p:cNvSpPr txBox="1"/>
+          <p:nvPr/>
+        </p:nvSpPr>
+        <p:spPr>
+          <a:xfrm>
+            <a:off x="612817" y="5802282"/>
+            <a:ext cx="4325223" cy="523220"/>
+          </a:xfrm>
+          <a:prstGeom prst="rect">
+            <a:avLst/>
+          </a:prstGeom>
+          <a:noFill/>
+        </p:spPr>
+        <p:txBody>
+          <a:bodyPr wrap="none" rtlCol="0">
+            <a:spAutoFit/>
+          </a:bodyPr>
+          <a:lstStyle/>
+          <a:p>
+            <a:r>
+              <a:rPr lang="en-US" altLang="ko-KR" sz="2800" smtClean="0">
+                <a:latin typeface="Consolas" panose="020B0609020204030204" pitchFamily="49" charset="0"/>
+              </a:rPr>
+              <a:t>p+1 =&gt; p+1*sizeof(*p)</a:t>
+            </a:r>
+            <a:endParaRPr lang="ko-KR" altLang="en-US" sz="2800" smtClean="0">
+              <a:latin typeface="Consolas" panose="020B0609020204030204" pitchFamily="49" charset="0"/>
+            </a:endParaRPr>
+          </a:p>
+        </p:txBody>
+      </p:sp>
+      <p:sp>
+        <p:nvSpPr>
+          <p:cNvPr id="24" name="TextBox 23"/>
+          <p:cNvSpPr txBox="1"/>
+          <p:nvPr/>
+        </p:nvSpPr>
+        <p:spPr>
+          <a:xfrm>
+            <a:off x="5563964" y="4343400"/>
+            <a:ext cx="973343" cy="523220"/>
+          </a:xfrm>
+          <a:prstGeom prst="rect">
+            <a:avLst/>
+          </a:prstGeom>
+          <a:noFill/>
+        </p:spPr>
+        <p:txBody>
+          <a:bodyPr wrap="none" rtlCol="0">
+            <a:spAutoFit/>
+          </a:bodyPr>
+          <a:lstStyle/>
+          <a:p>
+            <a:r>
+              <a:rPr lang="en-US" altLang="ko-KR" sz="2800" smtClean="0">
+                <a:latin typeface="Consolas" panose="020B0609020204030204" pitchFamily="49" charset="0"/>
+              </a:rPr>
+              <a:t>1008</a:t>
+            </a:r>
+            <a:endParaRPr lang="ko-KR" altLang="en-US" sz="2800" smtClean="0">
+              <a:latin typeface="Consolas" panose="020B0609020204030204" pitchFamily="49" charset="0"/>
+            </a:endParaRPr>
+          </a:p>
+        </p:txBody>
+      </p:sp>
+    </p:spTree>
+    <p:extLst>
+      <p:ext uri="{BB962C8B-B14F-4D97-AF65-F5344CB8AC3E}">
+        <p14:creationId xmlns:p14="http://schemas.microsoft.com/office/powerpoint/2010/main" val="538959045"/>
+      </p:ext>
+    </p:extLst>
+  </p:cSld>
+  <p:clrMapOvr>
+    <a:masterClrMapping/>
+  </p:clrMapOvr>
+</p:sld>
+</file>
+
+<file path=ppt/slides/slide41.xml><?xml version="1.0" encoding="utf-8"?>
+<p:sld xmlns:a="http://schemas.openxmlformats.org/drawingml/2006/main" xmlns:r="http://schemas.openxmlformats.org/officeDocument/2006/relationships" xmlns:p="http://schemas.openxmlformats.org/presentationml/2006/main">
+  <p:cSld>
+    <p:spTree>
+      <p:nvGrpSpPr>
+        <p:cNvPr id="1" name=""/>
+        <p:cNvGrpSpPr/>
+        <p:nvPr/>
+      </p:nvGrpSpPr>
+      <p:grpSpPr>
+        <a:xfrm>
+          <a:off x="0" y="0"/>
+          <a:ext cx="0" cy="0"/>
+          <a:chOff x="0" y="0"/>
+          <a:chExt cx="0" cy="0"/>
+        </a:xfrm>
+      </p:grpSpPr>
+      <p:sp>
+        <p:nvSpPr>
+          <p:cNvPr id="4" name="TextBox 3"/>
+          <p:cNvSpPr txBox="1"/>
+          <p:nvPr/>
+        </p:nvSpPr>
+        <p:spPr>
+          <a:xfrm>
+            <a:off x="407324" y="199505"/>
+            <a:ext cx="2536272" cy="523220"/>
+          </a:xfrm>
+          <a:prstGeom prst="rect">
+            <a:avLst/>
+          </a:prstGeom>
+          <a:noFill/>
+        </p:spPr>
+        <p:txBody>
+          <a:bodyPr wrap="none" rtlCol="0">
+            <a:spAutoFit/>
+          </a:bodyPr>
+          <a:lstStyle/>
+          <a:p>
+            <a:r>
+              <a:rPr lang="ko-KR" altLang="en-US" sz="2800" smtClean="0">
+                <a:latin typeface="Consolas" panose="020B0609020204030204" pitchFamily="49" charset="0"/>
+              </a:rPr>
+              <a:t>배열과 포인터</a:t>
+            </a:r>
+            <a:endParaRPr lang="ko-KR" altLang="en-US" sz="2800" smtClean="0">
+              <a:latin typeface="Consolas" panose="020B0609020204030204" pitchFamily="49" charset="0"/>
+            </a:endParaRPr>
+          </a:p>
+        </p:txBody>
+      </p:sp>
+      <p:sp>
+        <p:nvSpPr>
+          <p:cNvPr id="5" name="TextBox 4"/>
+          <p:cNvSpPr txBox="1"/>
+          <p:nvPr/>
+        </p:nvSpPr>
+        <p:spPr>
+          <a:xfrm>
+            <a:off x="1055716" y="1088967"/>
+            <a:ext cx="4522392" cy="4401205"/>
+          </a:xfrm>
+          <a:prstGeom prst="rect">
+            <a:avLst/>
+          </a:prstGeom>
+          <a:noFill/>
+        </p:spPr>
+        <p:txBody>
+          <a:bodyPr wrap="none" rtlCol="0">
+            <a:spAutoFit/>
+          </a:bodyPr>
+          <a:lstStyle/>
+          <a:p>
+            <a:r>
+              <a:rPr lang="en-US" altLang="ko-KR" sz="2800" smtClean="0">
+                <a:latin typeface="Consolas" panose="020B0609020204030204" pitchFamily="49" charset="0"/>
+              </a:rPr>
+              <a:t>int a[2][2]={1,2,3,4};</a:t>
+            </a:r>
+          </a:p>
+          <a:p>
+            <a:r>
+              <a:rPr lang="en-US" altLang="ko-KR" sz="2800" smtClean="0">
+                <a:latin typeface="Consolas" panose="020B0609020204030204" pitchFamily="49" charset="0"/>
+              </a:rPr>
+              <a:t>int (*p)[2] = a;</a:t>
+            </a:r>
+          </a:p>
+          <a:p>
+            <a:endParaRPr lang="en-US" altLang="ko-KR" sz="2800">
+              <a:latin typeface="Consolas" panose="020B0609020204030204" pitchFamily="49" charset="0"/>
+            </a:endParaRPr>
+          </a:p>
+          <a:p>
+            <a:r>
+              <a:rPr lang="en-US" altLang="ko-KR" sz="2800" smtClean="0">
+                <a:latin typeface="Consolas" panose="020B0609020204030204" pitchFamily="49" charset="0"/>
+              </a:rPr>
+              <a:t>p[1][1] = 10;</a:t>
+            </a:r>
+          </a:p>
+          <a:p>
+            <a:r>
+              <a:rPr lang="en-US" altLang="ko-KR" sz="2800" smtClean="0">
+                <a:latin typeface="Consolas" panose="020B0609020204030204" pitchFamily="49" charset="0"/>
+              </a:rPr>
+              <a:t>(*(p+1))[1]</a:t>
+            </a:r>
+          </a:p>
+          <a:p>
+            <a:r>
+              <a:rPr lang="en-US" altLang="ko-KR" sz="2800">
+                <a:latin typeface="Consolas" panose="020B0609020204030204" pitchFamily="49" charset="0"/>
+              </a:rPr>
+              <a:t>*</a:t>
+            </a:r>
+            <a:r>
+              <a:rPr lang="en-US" altLang="ko-KR" sz="2800" smtClean="0">
+                <a:latin typeface="Consolas" panose="020B0609020204030204" pitchFamily="49" charset="0"/>
+              </a:rPr>
+              <a:t>(*(p+1)+1)</a:t>
+            </a:r>
+            <a:endParaRPr lang="en-US" altLang="ko-KR" sz="2800">
+              <a:latin typeface="Consolas" panose="020B0609020204030204" pitchFamily="49" charset="0"/>
+            </a:endParaRPr>
+          </a:p>
+          <a:p>
+            <a:r>
+              <a:rPr lang="en-US" altLang="ko-KR" sz="2800" smtClean="0">
+                <a:latin typeface="Consolas" panose="020B0609020204030204" pitchFamily="49" charset="0"/>
+              </a:rPr>
+              <a:t>*(*(1000+1</a:t>
+            </a:r>
+            <a:r>
+              <a:rPr lang="en-US" altLang="ko-KR" sz="2800">
+                <a:latin typeface="Consolas" panose="020B0609020204030204" pitchFamily="49" charset="0"/>
+              </a:rPr>
+              <a:t>)+1)</a:t>
+            </a:r>
+          </a:p>
+          <a:p>
+            <a:r>
+              <a:rPr lang="en-US" altLang="ko-KR" sz="2800" smtClean="0">
+                <a:latin typeface="Consolas" panose="020B0609020204030204" pitchFamily="49" charset="0"/>
+              </a:rPr>
+              <a:t>*(*1008+1)</a:t>
+            </a:r>
+          </a:p>
+          <a:p>
+            <a:r>
+              <a:rPr lang="en-US" altLang="ko-KR" sz="2800" smtClean="0">
+                <a:latin typeface="Consolas" panose="020B0609020204030204" pitchFamily="49" charset="0"/>
+              </a:rPr>
+              <a:t>*(1008+1)</a:t>
+            </a:r>
+            <a:endParaRPr lang="en-US" altLang="ko-KR" sz="2800">
+              <a:latin typeface="Consolas" panose="020B0609020204030204" pitchFamily="49" charset="0"/>
+            </a:endParaRPr>
+          </a:p>
+          <a:p>
+            <a:r>
+              <a:rPr lang="en-US" altLang="ko-KR" sz="2800" smtClean="0">
+                <a:latin typeface="Consolas" panose="020B0609020204030204" pitchFamily="49" charset="0"/>
+              </a:rPr>
+              <a:t>*1012</a:t>
+            </a:r>
+          </a:p>
+        </p:txBody>
+      </p:sp>
+      <p:sp>
+        <p:nvSpPr>
+          <p:cNvPr id="6" name="직사각형 5"/>
+          <p:cNvSpPr/>
+          <p:nvPr/>
+        </p:nvSpPr>
+        <p:spPr>
+          <a:xfrm>
+            <a:off x="6700059" y="2294313"/>
+            <a:ext cx="1687483" cy="3965171"/>
+          </a:xfrm>
+          <a:prstGeom prst="rect">
+            <a:avLst/>
+          </a:prstGeom>
+          <a:solidFill>
+            <a:schemeClr val="bg1"/>
+          </a:solidFill>
+        </p:spPr>
+        <p:style>
+          <a:lnRef idx="2">
+            <a:schemeClr val="accent1">
+              <a:shade val="50000"/>
+            </a:schemeClr>
+          </a:lnRef>
+          <a:fillRef idx="1">
+            <a:schemeClr val="accent1"/>
+          </a:fillRef>
+          <a:effectRef idx="0">
+            <a:schemeClr val="accent1"/>
+          </a:effectRef>
+          <a:fontRef idx="minor">
+            <a:schemeClr val="lt1"/>
+          </a:fontRef>
+        </p:style>
+        <p:txBody>
+          <a:bodyPr rtlCol="0" anchor="ctr"/>
+          <a:lstStyle/>
+          <a:p>
+            <a:pPr algn="ctr"/>
+            <a:endParaRPr lang="ko-KR" altLang="en-US" smtClean="0">
+              <a:solidFill>
+                <a:schemeClr val="tx1"/>
+              </a:solidFill>
+              <a:latin typeface="Consolas" panose="020B0609020204030204" pitchFamily="49" charset="0"/>
+            </a:endParaRPr>
+          </a:p>
+        </p:txBody>
+      </p:sp>
+      <p:sp>
+        <p:nvSpPr>
+          <p:cNvPr id="7" name="직사각형 6"/>
+          <p:cNvSpPr/>
+          <p:nvPr/>
+        </p:nvSpPr>
+        <p:spPr>
+          <a:xfrm>
+            <a:off x="6700058" y="3657602"/>
+            <a:ext cx="1687483" cy="457199"/>
+          </a:xfrm>
+          <a:prstGeom prst="rect">
+            <a:avLst/>
+          </a:prstGeom>
+          <a:solidFill>
+            <a:srgbClr val="FFFF00"/>
+          </a:solidFill>
+        </p:spPr>
+        <p:style>
+          <a:lnRef idx="2">
+            <a:schemeClr val="accent1">
+              <a:shade val="50000"/>
+            </a:schemeClr>
+          </a:lnRef>
+          <a:fillRef idx="1">
+            <a:schemeClr val="accent1"/>
+          </a:fillRef>
+          <a:effectRef idx="0">
+            <a:schemeClr val="accent1"/>
+          </a:effectRef>
+          <a:fontRef idx="minor">
+            <a:schemeClr val="lt1"/>
+          </a:fontRef>
+        </p:style>
+        <p:txBody>
+          <a:bodyPr rtlCol="0" anchor="ctr"/>
+          <a:lstStyle/>
+          <a:p>
+            <a:pPr algn="ctr"/>
+            <a:r>
+              <a:rPr lang="en-US" altLang="ko-KR" smtClean="0">
+                <a:solidFill>
+                  <a:schemeClr val="tx1"/>
+                </a:solidFill>
+                <a:latin typeface="Consolas" panose="020B0609020204030204" pitchFamily="49" charset="0"/>
+              </a:rPr>
+              <a:t>1</a:t>
+            </a:r>
+            <a:endParaRPr lang="ko-KR" altLang="en-US" smtClean="0">
+              <a:solidFill>
+                <a:schemeClr val="tx1"/>
+              </a:solidFill>
+              <a:latin typeface="Consolas" panose="020B0609020204030204" pitchFamily="49" charset="0"/>
+            </a:endParaRPr>
+          </a:p>
+        </p:txBody>
+      </p:sp>
+      <p:sp>
+        <p:nvSpPr>
+          <p:cNvPr id="8" name="직사각형 7"/>
+          <p:cNvSpPr/>
+          <p:nvPr/>
+        </p:nvSpPr>
+        <p:spPr>
+          <a:xfrm>
+            <a:off x="6700057" y="4114801"/>
+            <a:ext cx="1687483" cy="457199"/>
+          </a:xfrm>
+          <a:prstGeom prst="rect">
+            <a:avLst/>
+          </a:prstGeom>
+          <a:solidFill>
+            <a:srgbClr val="FFFF00"/>
+          </a:solidFill>
+        </p:spPr>
+        <p:style>
+          <a:lnRef idx="2">
+            <a:schemeClr val="accent1">
+              <a:shade val="50000"/>
+            </a:schemeClr>
+          </a:lnRef>
+          <a:fillRef idx="1">
+            <a:schemeClr val="accent1"/>
+          </a:fillRef>
+          <a:effectRef idx="0">
+            <a:schemeClr val="accent1"/>
+          </a:effectRef>
+          <a:fontRef idx="minor">
+            <a:schemeClr val="lt1"/>
+          </a:fontRef>
+        </p:style>
+        <p:txBody>
+          <a:bodyPr rtlCol="0" anchor="ctr"/>
+          <a:lstStyle/>
+          <a:p>
+            <a:pPr algn="ctr"/>
+            <a:r>
+              <a:rPr lang="en-US" altLang="ko-KR" smtClean="0">
+                <a:solidFill>
+                  <a:schemeClr val="tx1"/>
+                </a:solidFill>
+                <a:latin typeface="Consolas" panose="020B0609020204030204" pitchFamily="49" charset="0"/>
+              </a:rPr>
+              <a:t>2</a:t>
+            </a:r>
+            <a:endParaRPr lang="ko-KR" altLang="en-US" smtClean="0">
+              <a:solidFill>
+                <a:schemeClr val="tx1"/>
+              </a:solidFill>
+              <a:latin typeface="Consolas" panose="020B0609020204030204" pitchFamily="49" charset="0"/>
+            </a:endParaRPr>
+          </a:p>
+        </p:txBody>
+      </p:sp>
+      <p:sp>
+        <p:nvSpPr>
+          <p:cNvPr id="9" name="TextBox 8"/>
+          <p:cNvSpPr txBox="1"/>
+          <p:nvPr/>
+        </p:nvSpPr>
+        <p:spPr>
+          <a:xfrm>
+            <a:off x="8387540" y="3591581"/>
+            <a:ext cx="1564852" cy="523220"/>
+          </a:xfrm>
+          <a:prstGeom prst="rect">
+            <a:avLst/>
+          </a:prstGeom>
+          <a:noFill/>
+        </p:spPr>
+        <p:txBody>
+          <a:bodyPr wrap="none" rtlCol="0">
+            <a:spAutoFit/>
+          </a:bodyPr>
+          <a:lstStyle/>
+          <a:p>
+            <a:r>
+              <a:rPr lang="en-US" altLang="ko-KR" sz="2800" smtClean="0">
+                <a:latin typeface="Consolas" panose="020B0609020204030204" pitchFamily="49" charset="0"/>
+              </a:rPr>
+              <a:t>a[0][0]</a:t>
+            </a:r>
+            <a:endParaRPr lang="ko-KR" altLang="en-US" sz="2800" smtClean="0">
+              <a:latin typeface="Consolas" panose="020B0609020204030204" pitchFamily="49" charset="0"/>
+            </a:endParaRPr>
+          </a:p>
+        </p:txBody>
+      </p:sp>
+      <p:sp>
+        <p:nvSpPr>
+          <p:cNvPr id="10" name="TextBox 9"/>
+          <p:cNvSpPr txBox="1"/>
+          <p:nvPr/>
+        </p:nvSpPr>
+        <p:spPr>
+          <a:xfrm>
+            <a:off x="8387539" y="4073719"/>
+            <a:ext cx="1564852" cy="523220"/>
+          </a:xfrm>
+          <a:prstGeom prst="rect">
+            <a:avLst/>
+          </a:prstGeom>
+          <a:noFill/>
+        </p:spPr>
+        <p:txBody>
+          <a:bodyPr wrap="none" rtlCol="0">
+            <a:spAutoFit/>
+          </a:bodyPr>
+          <a:lstStyle/>
+          <a:p>
+            <a:r>
+              <a:rPr lang="en-US" altLang="ko-KR" sz="2800" smtClean="0">
+                <a:latin typeface="Consolas" panose="020B0609020204030204" pitchFamily="49" charset="0"/>
+              </a:rPr>
+              <a:t>a[0][1]</a:t>
+            </a:r>
+            <a:endParaRPr lang="ko-KR" altLang="en-US" sz="2800" smtClean="0">
+              <a:latin typeface="Consolas" panose="020B0609020204030204" pitchFamily="49" charset="0"/>
+            </a:endParaRPr>
+          </a:p>
+        </p:txBody>
+      </p:sp>
+      <p:sp>
+        <p:nvSpPr>
+          <p:cNvPr id="11" name="직사각형 10"/>
+          <p:cNvSpPr/>
+          <p:nvPr/>
+        </p:nvSpPr>
+        <p:spPr>
+          <a:xfrm>
+            <a:off x="6700057" y="2560321"/>
+            <a:ext cx="1687483" cy="1097282"/>
+          </a:xfrm>
+          <a:prstGeom prst="rect">
+            <a:avLst/>
+          </a:prstGeom>
+          <a:solidFill>
+            <a:srgbClr val="FFFF00"/>
+          </a:solidFill>
+        </p:spPr>
+        <p:style>
+          <a:lnRef idx="2">
+            <a:schemeClr val="accent1">
+              <a:shade val="50000"/>
+            </a:schemeClr>
+          </a:lnRef>
+          <a:fillRef idx="1">
+            <a:schemeClr val="accent1"/>
+          </a:fillRef>
+          <a:effectRef idx="0">
+            <a:schemeClr val="accent1"/>
+          </a:effectRef>
+          <a:fontRef idx="minor">
+            <a:schemeClr val="lt1"/>
+          </a:fontRef>
+        </p:style>
+        <p:txBody>
+          <a:bodyPr rtlCol="0" anchor="ctr"/>
+          <a:lstStyle/>
+          <a:p>
+            <a:pPr algn="ctr"/>
+            <a:r>
+              <a:rPr lang="en-US" altLang="ko-KR" smtClean="0">
+                <a:solidFill>
+                  <a:schemeClr val="tx1"/>
+                </a:solidFill>
+                <a:latin typeface="Consolas" panose="020B0609020204030204" pitchFamily="49" charset="0"/>
+              </a:rPr>
+              <a:t>1000</a:t>
+            </a:r>
+            <a:endParaRPr lang="ko-KR" altLang="en-US" smtClean="0">
+              <a:solidFill>
+                <a:schemeClr val="tx1"/>
+              </a:solidFill>
+              <a:latin typeface="Consolas" panose="020B0609020204030204" pitchFamily="49" charset="0"/>
+            </a:endParaRPr>
+          </a:p>
+        </p:txBody>
+      </p:sp>
+      <p:sp>
+        <p:nvSpPr>
+          <p:cNvPr id="12" name="TextBox 11"/>
+          <p:cNvSpPr txBox="1"/>
+          <p:nvPr/>
+        </p:nvSpPr>
+        <p:spPr>
+          <a:xfrm>
+            <a:off x="8387539" y="2814341"/>
+            <a:ext cx="381836" cy="523220"/>
+          </a:xfrm>
+          <a:prstGeom prst="rect">
+            <a:avLst/>
+          </a:prstGeom>
+          <a:noFill/>
+        </p:spPr>
+        <p:txBody>
+          <a:bodyPr wrap="none" rtlCol="0">
+            <a:spAutoFit/>
+          </a:bodyPr>
+          <a:lstStyle/>
+          <a:p>
+            <a:r>
+              <a:rPr lang="en-US" altLang="ko-KR" sz="2800" smtClean="0">
+                <a:latin typeface="Consolas" panose="020B0609020204030204" pitchFamily="49" charset="0"/>
+              </a:rPr>
+              <a:t>p</a:t>
+            </a:r>
+            <a:endParaRPr lang="ko-KR" altLang="en-US" sz="2800" smtClean="0">
+              <a:latin typeface="Consolas" panose="020B0609020204030204" pitchFamily="49" charset="0"/>
+            </a:endParaRPr>
+          </a:p>
+        </p:txBody>
+      </p:sp>
+      <p:sp>
+        <p:nvSpPr>
+          <p:cNvPr id="2" name="타원 1"/>
+          <p:cNvSpPr/>
+          <p:nvPr/>
+        </p:nvSpPr>
+        <p:spPr>
+          <a:xfrm>
+            <a:off x="6700057" y="3591581"/>
+            <a:ext cx="133005" cy="133005"/>
+          </a:xfrm>
+          <a:prstGeom prst="ellipse">
+            <a:avLst/>
+          </a:prstGeom>
+          <a:solidFill>
+            <a:srgbClr val="FFFF00"/>
+          </a:solidFill>
+        </p:spPr>
+        <p:style>
+          <a:lnRef idx="2">
+            <a:schemeClr val="accent1">
+              <a:shade val="50000"/>
+            </a:schemeClr>
+          </a:lnRef>
+          <a:fillRef idx="1">
+            <a:schemeClr val="accent1"/>
+          </a:fillRef>
+          <a:effectRef idx="0">
+            <a:schemeClr val="accent1"/>
+          </a:effectRef>
+          <a:fontRef idx="minor">
+            <a:schemeClr val="lt1"/>
+          </a:fontRef>
+        </p:style>
+        <p:txBody>
+          <a:bodyPr rtlCol="0" anchor="ctr"/>
+          <a:lstStyle/>
+          <a:p>
+            <a:pPr algn="ctr"/>
+            <a:endParaRPr lang="ko-KR" altLang="en-US" smtClean="0">
+              <a:solidFill>
+                <a:schemeClr val="tx1"/>
+              </a:solidFill>
+              <a:latin typeface="Consolas" panose="020B0609020204030204" pitchFamily="49" charset="0"/>
+            </a:endParaRPr>
+          </a:p>
+        </p:txBody>
+      </p:sp>
+      <p:cxnSp>
+        <p:nvCxnSpPr>
+          <p:cNvPr id="13" name="꺾인 연결선 12"/>
+          <p:cNvCxnSpPr>
+            <a:stCxn id="11" idx="1"/>
+            <a:endCxn id="2" idx="2"/>
+          </p:cNvCxnSpPr>
+          <p:nvPr/>
+        </p:nvCxnSpPr>
+        <p:spPr>
+          <a:xfrm rot="10800000" flipV="1">
+            <a:off x="6700057" y="3108962"/>
+            <a:ext cx="12700" cy="549122"/>
+          </a:xfrm>
+          <a:prstGeom prst="bentConnector3">
+            <a:avLst>
+              <a:gd name="adj1" fmla="val 1800000"/>
+            </a:avLst>
+          </a:prstGeom>
+          <a:ln w="28575">
+            <a:solidFill>
+              <a:schemeClr val="tx1"/>
+            </a:solidFill>
+            <a:tailEnd type="triangle"/>
+          </a:ln>
+        </p:spPr>
+        <p:style>
+          <a:lnRef idx="1">
+            <a:schemeClr val="accent1"/>
+          </a:lnRef>
+          <a:fillRef idx="0">
+            <a:schemeClr val="accent1"/>
+          </a:fillRef>
+          <a:effectRef idx="0">
+            <a:schemeClr val="accent1"/>
+          </a:effectRef>
+          <a:fontRef idx="minor">
+            <a:schemeClr val="tx1"/>
+          </a:fontRef>
+        </p:style>
+      </p:cxnSp>
+      <p:sp>
+        <p:nvSpPr>
+          <p:cNvPr id="14" name="직사각형 13"/>
+          <p:cNvSpPr/>
+          <p:nvPr/>
+        </p:nvSpPr>
+        <p:spPr>
+          <a:xfrm>
+            <a:off x="6696132" y="4571999"/>
+            <a:ext cx="1687483" cy="457199"/>
+          </a:xfrm>
+          <a:prstGeom prst="rect">
+            <a:avLst/>
+          </a:prstGeom>
+          <a:solidFill>
+            <a:srgbClr val="FFFF00"/>
+          </a:solidFill>
+        </p:spPr>
+        <p:style>
+          <a:lnRef idx="2">
+            <a:schemeClr val="accent1">
+              <a:shade val="50000"/>
+            </a:schemeClr>
+          </a:lnRef>
+          <a:fillRef idx="1">
+            <a:schemeClr val="accent1"/>
+          </a:fillRef>
+          <a:effectRef idx="0">
+            <a:schemeClr val="accent1"/>
+          </a:effectRef>
+          <a:fontRef idx="minor">
+            <a:schemeClr val="lt1"/>
+          </a:fontRef>
+        </p:style>
+        <p:txBody>
+          <a:bodyPr rtlCol="0" anchor="ctr"/>
+          <a:lstStyle/>
+          <a:p>
+            <a:pPr algn="ctr"/>
+            <a:r>
+              <a:rPr lang="en-US" altLang="ko-KR" smtClean="0">
+                <a:solidFill>
+                  <a:schemeClr val="tx1"/>
+                </a:solidFill>
+                <a:latin typeface="Consolas" panose="020B0609020204030204" pitchFamily="49" charset="0"/>
+              </a:rPr>
+              <a:t>3</a:t>
+            </a:r>
+            <a:endParaRPr lang="ko-KR" altLang="en-US" smtClean="0">
+              <a:solidFill>
+                <a:schemeClr val="tx1"/>
+              </a:solidFill>
+              <a:latin typeface="Consolas" panose="020B0609020204030204" pitchFamily="49" charset="0"/>
+            </a:endParaRPr>
+          </a:p>
+        </p:txBody>
+      </p:sp>
+      <p:sp>
+        <p:nvSpPr>
+          <p:cNvPr id="15" name="직사각형 14"/>
+          <p:cNvSpPr/>
+          <p:nvPr/>
+        </p:nvSpPr>
+        <p:spPr>
+          <a:xfrm>
+            <a:off x="6696131" y="5029198"/>
+            <a:ext cx="1687483" cy="457199"/>
+          </a:xfrm>
+          <a:prstGeom prst="rect">
+            <a:avLst/>
+          </a:prstGeom>
+          <a:solidFill>
+            <a:srgbClr val="FFFF00"/>
+          </a:solidFill>
+        </p:spPr>
+        <p:style>
+          <a:lnRef idx="2">
+            <a:schemeClr val="accent1">
+              <a:shade val="50000"/>
+            </a:schemeClr>
+          </a:lnRef>
+          <a:fillRef idx="1">
+            <a:schemeClr val="accent1"/>
+          </a:fillRef>
+          <a:effectRef idx="0">
+            <a:schemeClr val="accent1"/>
+          </a:effectRef>
+          <a:fontRef idx="minor">
+            <a:schemeClr val="lt1"/>
+          </a:fontRef>
+        </p:style>
+        <p:txBody>
+          <a:bodyPr rtlCol="0" anchor="ctr"/>
+          <a:lstStyle/>
+          <a:p>
+            <a:pPr algn="ctr"/>
+            <a:r>
+              <a:rPr lang="en-US" altLang="ko-KR" smtClean="0">
+                <a:solidFill>
+                  <a:schemeClr val="tx1"/>
+                </a:solidFill>
+                <a:latin typeface="Consolas" panose="020B0609020204030204" pitchFamily="49" charset="0"/>
+              </a:rPr>
+              <a:t>10</a:t>
+            </a:r>
+            <a:endParaRPr lang="ko-KR" altLang="en-US" smtClean="0">
+              <a:solidFill>
+                <a:schemeClr val="tx1"/>
+              </a:solidFill>
+              <a:latin typeface="Consolas" panose="020B0609020204030204" pitchFamily="49" charset="0"/>
+            </a:endParaRPr>
+          </a:p>
+        </p:txBody>
+      </p:sp>
+      <p:sp>
+        <p:nvSpPr>
+          <p:cNvPr id="16" name="TextBox 15"/>
+          <p:cNvSpPr txBox="1"/>
+          <p:nvPr/>
+        </p:nvSpPr>
+        <p:spPr>
+          <a:xfrm>
+            <a:off x="8383614" y="4505978"/>
+            <a:ext cx="1564852" cy="523220"/>
+          </a:xfrm>
+          <a:prstGeom prst="rect">
+            <a:avLst/>
+          </a:prstGeom>
+          <a:noFill/>
+        </p:spPr>
+        <p:txBody>
+          <a:bodyPr wrap="none" rtlCol="0">
+            <a:spAutoFit/>
+          </a:bodyPr>
+          <a:lstStyle/>
+          <a:p>
+            <a:r>
+              <a:rPr lang="en-US" altLang="ko-KR" sz="2800" smtClean="0">
+                <a:latin typeface="Consolas" panose="020B0609020204030204" pitchFamily="49" charset="0"/>
+              </a:rPr>
+              <a:t>a[1][0]</a:t>
+            </a:r>
+            <a:endParaRPr lang="ko-KR" altLang="en-US" sz="2800" smtClean="0">
+              <a:latin typeface="Consolas" panose="020B0609020204030204" pitchFamily="49" charset="0"/>
+            </a:endParaRPr>
+          </a:p>
+        </p:txBody>
+      </p:sp>
+      <p:sp>
+        <p:nvSpPr>
+          <p:cNvPr id="17" name="TextBox 16"/>
+          <p:cNvSpPr txBox="1"/>
+          <p:nvPr/>
+        </p:nvSpPr>
+        <p:spPr>
+          <a:xfrm>
+            <a:off x="8383613" y="4988116"/>
+            <a:ext cx="1564852" cy="523220"/>
+          </a:xfrm>
+          <a:prstGeom prst="rect">
+            <a:avLst/>
+          </a:prstGeom>
+          <a:noFill/>
+        </p:spPr>
+        <p:txBody>
+          <a:bodyPr wrap="none" rtlCol="0">
+            <a:spAutoFit/>
+          </a:bodyPr>
+          <a:lstStyle/>
+          <a:p>
+            <a:r>
+              <a:rPr lang="en-US" altLang="ko-KR" sz="2800" smtClean="0">
+                <a:latin typeface="Consolas" panose="020B0609020204030204" pitchFamily="49" charset="0"/>
+              </a:rPr>
+              <a:t>a[1][1]</a:t>
+            </a:r>
+            <a:endParaRPr lang="ko-KR" altLang="en-US" sz="2800" smtClean="0">
+              <a:latin typeface="Consolas" panose="020B0609020204030204" pitchFamily="49" charset="0"/>
+            </a:endParaRPr>
+          </a:p>
+        </p:txBody>
+      </p:sp>
+      <p:sp>
+        <p:nvSpPr>
+          <p:cNvPr id="3" name="TextBox 2"/>
+          <p:cNvSpPr txBox="1"/>
+          <p:nvPr/>
+        </p:nvSpPr>
+        <p:spPr>
+          <a:xfrm>
+            <a:off x="5627717" y="-57978"/>
+            <a:ext cx="7577715" cy="1384995"/>
+          </a:xfrm>
+          <a:prstGeom prst="rect">
+            <a:avLst/>
+          </a:prstGeom>
+          <a:noFill/>
+        </p:spPr>
+        <p:txBody>
+          <a:bodyPr wrap="none" rtlCol="0">
+            <a:spAutoFit/>
+          </a:bodyPr>
+          <a:lstStyle/>
+          <a:p>
+            <a:r>
+              <a:rPr lang="en-US" altLang="ko-KR" sz="2800" smtClean="0">
+                <a:latin typeface="Consolas" panose="020B0609020204030204" pitchFamily="49" charset="0"/>
+              </a:rPr>
+              <a:t>decay : </a:t>
+            </a:r>
+            <a:r>
+              <a:rPr lang="ko-KR" altLang="en-US" sz="2800" smtClean="0">
+                <a:latin typeface="Consolas" panose="020B0609020204030204" pitchFamily="49" charset="0"/>
+              </a:rPr>
+              <a:t>일반적으로 배열의 이름은 배열의 </a:t>
+            </a:r>
+            <a:endParaRPr lang="en-US" altLang="ko-KR" sz="2800" smtClean="0">
+              <a:latin typeface="Consolas" panose="020B0609020204030204" pitchFamily="49" charset="0"/>
+            </a:endParaRPr>
+          </a:p>
+          <a:p>
+            <a:r>
+              <a:rPr lang="ko-KR" altLang="en-US" sz="2800" smtClean="0">
+                <a:latin typeface="Consolas" panose="020B0609020204030204" pitchFamily="49" charset="0"/>
+              </a:rPr>
+              <a:t>첫번째 원소의 주소로 해석 된다</a:t>
+            </a:r>
+            <a:r>
+              <a:rPr lang="en-US" altLang="ko-KR" sz="2800" smtClean="0">
+                <a:latin typeface="Consolas" panose="020B0609020204030204" pitchFamily="49" charset="0"/>
+              </a:rPr>
+              <a:t>. </a:t>
+            </a:r>
+          </a:p>
+          <a:p>
+            <a:r>
+              <a:rPr lang="en-US" altLang="ko-KR" sz="2800">
+                <a:latin typeface="Consolas" panose="020B0609020204030204" pitchFamily="49" charset="0"/>
+              </a:rPr>
+              <a:t> </a:t>
+            </a:r>
+            <a:r>
+              <a:rPr lang="en-US" altLang="ko-KR" sz="2800" smtClean="0">
+                <a:latin typeface="Consolas" panose="020B0609020204030204" pitchFamily="49" charset="0"/>
+              </a:rPr>
+              <a:t> </a:t>
+            </a:r>
+            <a:r>
+              <a:rPr lang="ko-KR" altLang="en-US" sz="2800" smtClean="0">
+                <a:latin typeface="Consolas" panose="020B0609020204030204" pitchFamily="49" charset="0"/>
+              </a:rPr>
+              <a:t>예외</a:t>
+            </a:r>
+            <a:r>
+              <a:rPr lang="en-US" altLang="ko-KR" sz="2800" smtClean="0">
+                <a:latin typeface="Consolas" panose="020B0609020204030204" pitchFamily="49" charset="0"/>
+              </a:rPr>
+              <a:t>)  sizeof, &amp; </a:t>
+            </a:r>
+            <a:endParaRPr lang="ko-KR" altLang="en-US" sz="2800" smtClean="0">
+              <a:latin typeface="Consolas" panose="020B0609020204030204" pitchFamily="49" charset="0"/>
+            </a:endParaRPr>
+          </a:p>
+        </p:txBody>
+      </p:sp>
+      <p:sp>
+        <p:nvSpPr>
+          <p:cNvPr id="18" name="TextBox 17"/>
+          <p:cNvSpPr txBox="1"/>
+          <p:nvPr/>
+        </p:nvSpPr>
+        <p:spPr>
+          <a:xfrm>
+            <a:off x="5563964" y="3362981"/>
+            <a:ext cx="973343" cy="523220"/>
+          </a:xfrm>
+          <a:prstGeom prst="rect">
+            <a:avLst/>
+          </a:prstGeom>
+          <a:noFill/>
+        </p:spPr>
+        <p:txBody>
+          <a:bodyPr wrap="none" rtlCol="0">
+            <a:spAutoFit/>
+          </a:bodyPr>
+          <a:lstStyle/>
+          <a:p>
+            <a:r>
+              <a:rPr lang="en-US" altLang="ko-KR" sz="2800" smtClean="0">
+                <a:latin typeface="Consolas" panose="020B0609020204030204" pitchFamily="49" charset="0"/>
+              </a:rPr>
+              <a:t>1000</a:t>
+            </a:r>
+            <a:endParaRPr lang="ko-KR" altLang="en-US" sz="2800" smtClean="0">
+              <a:latin typeface="Consolas" panose="020B0609020204030204" pitchFamily="49" charset="0"/>
+            </a:endParaRPr>
+          </a:p>
+        </p:txBody>
+      </p:sp>
+      <p:sp>
+        <p:nvSpPr>
+          <p:cNvPr id="21" name="직사각형 20"/>
+          <p:cNvSpPr/>
+          <p:nvPr/>
+        </p:nvSpPr>
+        <p:spPr>
+          <a:xfrm>
+            <a:off x="6696132" y="3657603"/>
+            <a:ext cx="1687482" cy="913916"/>
+          </a:xfrm>
+          <a:prstGeom prst="rect">
+            <a:avLst/>
+          </a:prstGeom>
+          <a:noFill/>
+          <a:ln w="38100">
+            <a:solidFill>
+              <a:srgbClr val="FF0000"/>
+            </a:solidFill>
+          </a:ln>
+        </p:spPr>
+        <p:style>
+          <a:lnRef idx="2">
+            <a:schemeClr val="accent1">
+              <a:shade val="50000"/>
+            </a:schemeClr>
+          </a:lnRef>
+          <a:fillRef idx="1">
+            <a:schemeClr val="accent1"/>
+          </a:fillRef>
+          <a:effectRef idx="0">
+            <a:schemeClr val="accent1"/>
+          </a:effectRef>
+          <a:fontRef idx="minor">
+            <a:schemeClr val="lt1"/>
+          </a:fontRef>
+        </p:style>
+        <p:txBody>
+          <a:bodyPr rtlCol="0" anchor="ctr"/>
+          <a:lstStyle/>
+          <a:p>
+            <a:pPr algn="ctr"/>
+            <a:endParaRPr lang="ko-KR" altLang="en-US" smtClean="0">
+              <a:solidFill>
+                <a:schemeClr val="tx1"/>
+              </a:solidFill>
+              <a:latin typeface="Consolas" panose="020B0609020204030204" pitchFamily="49" charset="0"/>
+            </a:endParaRPr>
+          </a:p>
+        </p:txBody>
+      </p:sp>
+      <p:sp>
+        <p:nvSpPr>
+          <p:cNvPr id="23" name="TextBox 22"/>
+          <p:cNvSpPr txBox="1"/>
+          <p:nvPr/>
+        </p:nvSpPr>
+        <p:spPr>
+          <a:xfrm>
+            <a:off x="612817" y="5802282"/>
+            <a:ext cx="4325223" cy="523220"/>
+          </a:xfrm>
+          <a:prstGeom prst="rect">
+            <a:avLst/>
+          </a:prstGeom>
+          <a:noFill/>
+        </p:spPr>
+        <p:txBody>
+          <a:bodyPr wrap="none" rtlCol="0">
+            <a:spAutoFit/>
+          </a:bodyPr>
+          <a:lstStyle/>
+          <a:p>
+            <a:r>
+              <a:rPr lang="en-US" altLang="ko-KR" sz="2800" smtClean="0">
+                <a:latin typeface="Consolas" panose="020B0609020204030204" pitchFamily="49" charset="0"/>
+              </a:rPr>
+              <a:t>p+1 =&gt; p+1*sizeof(*p)</a:t>
+            </a:r>
+            <a:endParaRPr lang="ko-KR" altLang="en-US" sz="2800" smtClean="0">
+              <a:latin typeface="Consolas" panose="020B0609020204030204" pitchFamily="49" charset="0"/>
+            </a:endParaRPr>
+          </a:p>
+        </p:txBody>
+      </p:sp>
+      <p:sp>
+        <p:nvSpPr>
+          <p:cNvPr id="24" name="TextBox 23"/>
+          <p:cNvSpPr txBox="1"/>
+          <p:nvPr/>
+        </p:nvSpPr>
+        <p:spPr>
+          <a:xfrm>
+            <a:off x="5563964" y="4343400"/>
+            <a:ext cx="973343" cy="523220"/>
+          </a:xfrm>
+          <a:prstGeom prst="rect">
+            <a:avLst/>
+          </a:prstGeom>
+          <a:noFill/>
+        </p:spPr>
+        <p:txBody>
+          <a:bodyPr wrap="none" rtlCol="0">
+            <a:spAutoFit/>
+          </a:bodyPr>
+          <a:lstStyle/>
+          <a:p>
+            <a:r>
+              <a:rPr lang="en-US" altLang="ko-KR" sz="2800" smtClean="0">
+                <a:latin typeface="Consolas" panose="020B0609020204030204" pitchFamily="49" charset="0"/>
+              </a:rPr>
+              <a:t>1008</a:t>
+            </a:r>
+            <a:endParaRPr lang="ko-KR" altLang="en-US" sz="2800" smtClean="0">
+              <a:latin typeface="Consolas" panose="020B0609020204030204" pitchFamily="49" charset="0"/>
+            </a:endParaRPr>
+          </a:p>
+        </p:txBody>
+      </p:sp>
+      <p:sp>
+        <p:nvSpPr>
+          <p:cNvPr id="22" name="직사각형 21"/>
+          <p:cNvSpPr/>
+          <p:nvPr/>
+        </p:nvSpPr>
+        <p:spPr>
+          <a:xfrm>
+            <a:off x="6694169" y="4563935"/>
+            <a:ext cx="1687482" cy="913916"/>
+          </a:xfrm>
+          <a:prstGeom prst="rect">
+            <a:avLst/>
+          </a:prstGeom>
+          <a:noFill/>
+          <a:ln w="38100">
+            <a:solidFill>
+              <a:srgbClr val="FF0000"/>
+            </a:solidFill>
+          </a:ln>
+        </p:spPr>
+        <p:style>
+          <a:lnRef idx="2">
+            <a:schemeClr val="accent1">
+              <a:shade val="50000"/>
+            </a:schemeClr>
+          </a:lnRef>
+          <a:fillRef idx="1">
+            <a:schemeClr val="accent1"/>
+          </a:fillRef>
+          <a:effectRef idx="0">
+            <a:schemeClr val="accent1"/>
+          </a:effectRef>
+          <a:fontRef idx="minor">
+            <a:schemeClr val="lt1"/>
+          </a:fontRef>
+        </p:style>
+        <p:txBody>
+          <a:bodyPr rtlCol="0" anchor="ctr"/>
+          <a:lstStyle/>
+          <a:p>
+            <a:pPr algn="ctr"/>
+            <a:endParaRPr lang="ko-KR" altLang="en-US" smtClean="0">
+              <a:solidFill>
+                <a:schemeClr val="tx1"/>
+              </a:solidFill>
+              <a:latin typeface="Consolas" panose="020B0609020204030204" pitchFamily="49" charset="0"/>
+            </a:endParaRPr>
+          </a:p>
+        </p:txBody>
+      </p:sp>
+      <p:sp>
+        <p:nvSpPr>
+          <p:cNvPr id="19" name="직사각형 18"/>
+          <p:cNvSpPr/>
+          <p:nvPr/>
+        </p:nvSpPr>
+        <p:spPr>
+          <a:xfrm>
+            <a:off x="9166039" y="1571105"/>
+            <a:ext cx="1772747" cy="902857"/>
+          </a:xfrm>
+          <a:prstGeom prst="rect">
+            <a:avLst/>
+          </a:prstGeom>
+          <a:solidFill>
+            <a:schemeClr val="bg1"/>
+          </a:solidFill>
+          <a:ln>
+            <a:solidFill>
+              <a:schemeClr val="tx1"/>
+            </a:solidFill>
+          </a:ln>
+        </p:spPr>
+        <p:style>
+          <a:lnRef idx="2">
+            <a:schemeClr val="accent1">
+              <a:shade val="50000"/>
+            </a:schemeClr>
+          </a:lnRef>
+          <a:fillRef idx="1">
+            <a:schemeClr val="accent1"/>
+          </a:fillRef>
+          <a:effectRef idx="0">
+            <a:schemeClr val="accent1"/>
+          </a:effectRef>
+          <a:fontRef idx="minor">
+            <a:schemeClr val="lt1"/>
+          </a:fontRef>
+        </p:style>
+        <p:txBody>
+          <a:bodyPr rtlCol="0" anchor="ctr"/>
+          <a:lstStyle/>
+          <a:p>
+            <a:pPr algn="ctr"/>
+            <a:endParaRPr lang="ko-KR" altLang="en-US" smtClean="0">
+              <a:solidFill>
+                <a:schemeClr val="tx1"/>
+              </a:solidFill>
+              <a:latin typeface="Consolas" panose="020B0609020204030204" pitchFamily="49" charset="0"/>
+            </a:endParaRPr>
+          </a:p>
+        </p:txBody>
+      </p:sp>
+      <p:sp>
+        <p:nvSpPr>
+          <p:cNvPr id="25" name="직사각형 24"/>
+          <p:cNvSpPr/>
+          <p:nvPr/>
+        </p:nvSpPr>
+        <p:spPr>
+          <a:xfrm>
+            <a:off x="10938786" y="1571105"/>
+            <a:ext cx="1772747" cy="902857"/>
+          </a:xfrm>
+          <a:prstGeom prst="rect">
+            <a:avLst/>
+          </a:prstGeom>
+          <a:solidFill>
+            <a:schemeClr val="bg1"/>
+          </a:solidFill>
+          <a:ln>
+            <a:solidFill>
+              <a:schemeClr val="tx1"/>
+            </a:solidFill>
+          </a:ln>
+        </p:spPr>
+        <p:style>
+          <a:lnRef idx="2">
+            <a:schemeClr val="accent1">
+              <a:shade val="50000"/>
+            </a:schemeClr>
+          </a:lnRef>
+          <a:fillRef idx="1">
+            <a:schemeClr val="accent1"/>
+          </a:fillRef>
+          <a:effectRef idx="0">
+            <a:schemeClr val="accent1"/>
+          </a:effectRef>
+          <a:fontRef idx="minor">
+            <a:schemeClr val="lt1"/>
+          </a:fontRef>
+        </p:style>
+        <p:txBody>
+          <a:bodyPr rtlCol="0" anchor="ctr"/>
+          <a:lstStyle/>
+          <a:p>
+            <a:pPr algn="ctr"/>
+            <a:endParaRPr lang="ko-KR" altLang="en-US" smtClean="0">
+              <a:solidFill>
+                <a:schemeClr val="tx1"/>
+              </a:solidFill>
+              <a:latin typeface="Consolas" panose="020B0609020204030204" pitchFamily="49" charset="0"/>
+            </a:endParaRPr>
+          </a:p>
+        </p:txBody>
+      </p:sp>
+      <p:sp>
+        <p:nvSpPr>
+          <p:cNvPr id="26" name="직사각형 25"/>
+          <p:cNvSpPr/>
+          <p:nvPr/>
+        </p:nvSpPr>
+        <p:spPr>
+          <a:xfrm>
+            <a:off x="9263186" y="1675468"/>
+            <a:ext cx="786902" cy="685348"/>
+          </a:xfrm>
+          <a:prstGeom prst="rect">
+            <a:avLst/>
+          </a:prstGeom>
+          <a:solidFill>
+            <a:schemeClr val="bg1"/>
+          </a:solidFill>
+          <a:ln>
+            <a:solidFill>
+              <a:schemeClr val="tx1"/>
+            </a:solidFill>
+          </a:ln>
+        </p:spPr>
+        <p:style>
+          <a:lnRef idx="2">
+            <a:schemeClr val="accent1">
+              <a:shade val="50000"/>
+            </a:schemeClr>
+          </a:lnRef>
+          <a:fillRef idx="1">
+            <a:schemeClr val="accent1"/>
+          </a:fillRef>
+          <a:effectRef idx="0">
+            <a:schemeClr val="accent1"/>
+          </a:effectRef>
+          <a:fontRef idx="minor">
+            <a:schemeClr val="lt1"/>
+          </a:fontRef>
+        </p:style>
+        <p:txBody>
+          <a:bodyPr rtlCol="0" anchor="ctr"/>
+          <a:lstStyle/>
+          <a:p>
+            <a:pPr algn="ctr"/>
+            <a:r>
+              <a:rPr lang="en-US" altLang="ko-KR" smtClean="0">
+                <a:solidFill>
+                  <a:schemeClr val="tx1"/>
+                </a:solidFill>
+                <a:latin typeface="Consolas" panose="020B0609020204030204" pitchFamily="49" charset="0"/>
+              </a:rPr>
+              <a:t>1</a:t>
+            </a:r>
+            <a:endParaRPr lang="ko-KR" altLang="en-US" smtClean="0">
+              <a:solidFill>
+                <a:schemeClr val="tx1"/>
+              </a:solidFill>
+              <a:latin typeface="Consolas" panose="020B0609020204030204" pitchFamily="49" charset="0"/>
+            </a:endParaRPr>
+          </a:p>
+        </p:txBody>
+      </p:sp>
+      <p:sp>
+        <p:nvSpPr>
+          <p:cNvPr id="27" name="직사각형 26"/>
+          <p:cNvSpPr/>
+          <p:nvPr/>
+        </p:nvSpPr>
+        <p:spPr>
+          <a:xfrm>
+            <a:off x="10050088" y="1675468"/>
+            <a:ext cx="786902" cy="685348"/>
+          </a:xfrm>
+          <a:prstGeom prst="rect">
+            <a:avLst/>
+          </a:prstGeom>
+          <a:solidFill>
+            <a:schemeClr val="bg1"/>
+          </a:solidFill>
+          <a:ln>
+            <a:solidFill>
+              <a:schemeClr val="tx1"/>
+            </a:solidFill>
+          </a:ln>
+        </p:spPr>
+        <p:style>
+          <a:lnRef idx="2">
+            <a:schemeClr val="accent1">
+              <a:shade val="50000"/>
+            </a:schemeClr>
+          </a:lnRef>
+          <a:fillRef idx="1">
+            <a:schemeClr val="accent1"/>
+          </a:fillRef>
+          <a:effectRef idx="0">
+            <a:schemeClr val="accent1"/>
+          </a:effectRef>
+          <a:fontRef idx="minor">
+            <a:schemeClr val="lt1"/>
+          </a:fontRef>
+        </p:style>
+        <p:txBody>
+          <a:bodyPr rtlCol="0" anchor="ctr"/>
+          <a:lstStyle/>
+          <a:p>
+            <a:pPr algn="ctr"/>
+            <a:r>
+              <a:rPr lang="en-US" altLang="ko-KR" smtClean="0">
+                <a:solidFill>
+                  <a:schemeClr val="tx1"/>
+                </a:solidFill>
+                <a:latin typeface="Consolas" panose="020B0609020204030204" pitchFamily="49" charset="0"/>
+              </a:rPr>
+              <a:t>2</a:t>
+            </a:r>
+            <a:endParaRPr lang="ko-KR" altLang="en-US" smtClean="0">
+              <a:solidFill>
+                <a:schemeClr val="tx1"/>
+              </a:solidFill>
+              <a:latin typeface="Consolas" panose="020B0609020204030204" pitchFamily="49" charset="0"/>
+            </a:endParaRPr>
+          </a:p>
+        </p:txBody>
+      </p:sp>
+      <p:sp>
+        <p:nvSpPr>
+          <p:cNvPr id="28" name="직사각형 27"/>
+          <p:cNvSpPr/>
+          <p:nvPr/>
+        </p:nvSpPr>
+        <p:spPr>
+          <a:xfrm>
+            <a:off x="11035933" y="1675468"/>
+            <a:ext cx="786902" cy="685348"/>
+          </a:xfrm>
+          <a:prstGeom prst="rect">
+            <a:avLst/>
+          </a:prstGeom>
+          <a:solidFill>
+            <a:schemeClr val="bg1"/>
+          </a:solidFill>
+          <a:ln>
+            <a:solidFill>
+              <a:schemeClr val="tx1"/>
+            </a:solidFill>
+          </a:ln>
+        </p:spPr>
+        <p:style>
+          <a:lnRef idx="2">
+            <a:schemeClr val="accent1">
+              <a:shade val="50000"/>
+            </a:schemeClr>
+          </a:lnRef>
+          <a:fillRef idx="1">
+            <a:schemeClr val="accent1"/>
+          </a:fillRef>
+          <a:effectRef idx="0">
+            <a:schemeClr val="accent1"/>
+          </a:effectRef>
+          <a:fontRef idx="minor">
+            <a:schemeClr val="lt1"/>
+          </a:fontRef>
+        </p:style>
+        <p:txBody>
+          <a:bodyPr rtlCol="0" anchor="ctr"/>
+          <a:lstStyle/>
+          <a:p>
+            <a:pPr algn="ctr"/>
+            <a:r>
+              <a:rPr lang="en-US" altLang="ko-KR" smtClean="0">
+                <a:solidFill>
+                  <a:schemeClr val="tx1"/>
+                </a:solidFill>
+                <a:latin typeface="Consolas" panose="020B0609020204030204" pitchFamily="49" charset="0"/>
+              </a:rPr>
+              <a:t>3</a:t>
+            </a:r>
+            <a:endParaRPr lang="ko-KR" altLang="en-US" smtClean="0">
+              <a:solidFill>
+                <a:schemeClr val="tx1"/>
+              </a:solidFill>
+              <a:latin typeface="Consolas" panose="020B0609020204030204" pitchFamily="49" charset="0"/>
+            </a:endParaRPr>
+          </a:p>
+        </p:txBody>
+      </p:sp>
+      <p:sp>
+        <p:nvSpPr>
+          <p:cNvPr id="29" name="직사각형 28"/>
+          <p:cNvSpPr/>
+          <p:nvPr/>
+        </p:nvSpPr>
+        <p:spPr>
+          <a:xfrm>
+            <a:off x="11822835" y="1675468"/>
+            <a:ext cx="786902" cy="685348"/>
+          </a:xfrm>
+          <a:prstGeom prst="rect">
+            <a:avLst/>
+          </a:prstGeom>
+          <a:solidFill>
+            <a:schemeClr val="bg1"/>
+          </a:solidFill>
+          <a:ln>
+            <a:solidFill>
+              <a:schemeClr val="tx1"/>
+            </a:solidFill>
+          </a:ln>
+        </p:spPr>
+        <p:style>
+          <a:lnRef idx="2">
+            <a:schemeClr val="accent1">
+              <a:shade val="50000"/>
+            </a:schemeClr>
+          </a:lnRef>
+          <a:fillRef idx="1">
+            <a:schemeClr val="accent1"/>
+          </a:fillRef>
+          <a:effectRef idx="0">
+            <a:schemeClr val="accent1"/>
+          </a:effectRef>
+          <a:fontRef idx="minor">
+            <a:schemeClr val="lt1"/>
+          </a:fontRef>
+        </p:style>
+        <p:txBody>
+          <a:bodyPr rtlCol="0" anchor="ctr"/>
+          <a:lstStyle/>
+          <a:p>
+            <a:pPr algn="ctr"/>
+            <a:r>
+              <a:rPr lang="en-US" altLang="ko-KR" smtClean="0">
+                <a:solidFill>
+                  <a:schemeClr val="tx1"/>
+                </a:solidFill>
+                <a:latin typeface="Consolas" panose="020B0609020204030204" pitchFamily="49" charset="0"/>
+              </a:rPr>
+              <a:t>4</a:t>
+            </a:r>
+            <a:endParaRPr lang="ko-KR" altLang="en-US" smtClean="0">
+              <a:solidFill>
+                <a:schemeClr val="tx1"/>
+              </a:solidFill>
+              <a:latin typeface="Consolas" panose="020B0609020204030204" pitchFamily="49" charset="0"/>
+            </a:endParaRPr>
+          </a:p>
+        </p:txBody>
+      </p:sp>
+      <p:cxnSp>
+        <p:nvCxnSpPr>
+          <p:cNvPr id="34" name="직선 화살표 연결선 33"/>
+          <p:cNvCxnSpPr/>
+          <p:nvPr/>
+        </p:nvCxnSpPr>
+        <p:spPr>
+          <a:xfrm>
+            <a:off x="10938786" y="1030778"/>
+            <a:ext cx="0" cy="540327"/>
+          </a:xfrm>
+          <a:prstGeom prst="straightConnector1">
+            <a:avLst/>
+          </a:prstGeom>
+          <a:ln>
+            <a:solidFill>
+              <a:schemeClr val="tx1"/>
+            </a:solidFill>
+            <a:tailEnd type="triangle"/>
+          </a:ln>
+        </p:spPr>
+        <p:style>
+          <a:lnRef idx="1">
+            <a:schemeClr val="accent1"/>
+          </a:lnRef>
+          <a:fillRef idx="0">
+            <a:schemeClr val="accent1"/>
+          </a:fillRef>
+          <a:effectRef idx="0">
+            <a:schemeClr val="accent1"/>
+          </a:effectRef>
+          <a:fontRef idx="minor">
+            <a:schemeClr val="tx1"/>
+          </a:fontRef>
+        </p:style>
+      </p:cxnSp>
+      <p:cxnSp>
+        <p:nvCxnSpPr>
+          <p:cNvPr id="35" name="직선 화살표 연결선 34"/>
+          <p:cNvCxnSpPr/>
+          <p:nvPr/>
+        </p:nvCxnSpPr>
+        <p:spPr>
+          <a:xfrm>
+            <a:off x="11035933" y="1135141"/>
+            <a:ext cx="0" cy="540327"/>
+          </a:xfrm>
+          <a:prstGeom prst="straightConnector1">
+            <a:avLst/>
+          </a:prstGeom>
+          <a:ln>
+            <a:solidFill>
+              <a:schemeClr val="tx1"/>
+            </a:solidFill>
+            <a:tailEnd type="triangle"/>
+          </a:ln>
+        </p:spPr>
+        <p:style>
+          <a:lnRef idx="1">
+            <a:schemeClr val="accent1"/>
+          </a:lnRef>
+          <a:fillRef idx="0">
+            <a:schemeClr val="accent1"/>
+          </a:fillRef>
+          <a:effectRef idx="0">
+            <a:schemeClr val="accent1"/>
+          </a:effectRef>
+          <a:fontRef idx="minor">
+            <a:schemeClr val="tx1"/>
+          </a:fontRef>
+        </p:style>
+      </p:cxnSp>
+      <p:sp>
+        <p:nvSpPr>
+          <p:cNvPr id="36" name="TextBox 35"/>
+          <p:cNvSpPr txBox="1"/>
+          <p:nvPr/>
+        </p:nvSpPr>
+        <p:spPr>
+          <a:xfrm>
+            <a:off x="5771254" y="4705343"/>
+            <a:ext cx="973343" cy="523220"/>
+          </a:xfrm>
+          <a:prstGeom prst="rect">
+            <a:avLst/>
+          </a:prstGeom>
+          <a:noFill/>
+        </p:spPr>
+        <p:txBody>
+          <a:bodyPr wrap="none" rtlCol="0">
+            <a:spAutoFit/>
+          </a:bodyPr>
+          <a:lstStyle/>
+          <a:p>
+            <a:r>
+              <a:rPr lang="en-US" altLang="ko-KR" sz="2800" smtClean="0">
+                <a:latin typeface="Consolas" panose="020B0609020204030204" pitchFamily="49" charset="0"/>
+              </a:rPr>
+              <a:t>1012</a:t>
+            </a:r>
+            <a:endParaRPr lang="ko-KR" altLang="en-US" sz="2800" smtClean="0">
+              <a:latin typeface="Consolas" panose="020B0609020204030204" pitchFamily="49" charset="0"/>
+            </a:endParaRPr>
+          </a:p>
+        </p:txBody>
+      </p:sp>
+    </p:spTree>
+    <p:extLst>
+      <p:ext uri="{BB962C8B-B14F-4D97-AF65-F5344CB8AC3E}">
+        <p14:creationId xmlns:p14="http://schemas.microsoft.com/office/powerpoint/2010/main" val="750471321"/>
+      </p:ext>
+    </p:extLst>
+  </p:cSld>
+  <p:clrMapOvr>
+    <a:masterClrMapping/>
+  </p:clrMapOvr>
+</p:sld>
+</file>
+
+<file path=ppt/slides/slide42.xml><?xml version="1.0" encoding="utf-8"?>
+<p:sld xmlns:a="http://schemas.openxmlformats.org/drawingml/2006/main" xmlns:r="http://schemas.openxmlformats.org/officeDocument/2006/relationships" xmlns:p="http://schemas.openxmlformats.org/presentationml/2006/main">
+  <p:cSld>
+    <p:spTree>
+      <p:nvGrpSpPr>
+        <p:cNvPr id="1" name=""/>
+        <p:cNvGrpSpPr/>
+        <p:nvPr/>
+      </p:nvGrpSpPr>
+      <p:grpSpPr>
+        <a:xfrm>
+          <a:off x="0" y="0"/>
+          <a:ext cx="0" cy="0"/>
+          <a:chOff x="0" y="0"/>
+          <a:chExt cx="0" cy="0"/>
+        </a:xfrm>
+      </p:grpSpPr>
+      <p:sp>
+        <p:nvSpPr>
+          <p:cNvPr id="32" name="직사각형 31"/>
+          <p:cNvSpPr/>
+          <p:nvPr/>
+        </p:nvSpPr>
+        <p:spPr>
+          <a:xfrm>
+            <a:off x="5057509" y="1457959"/>
+            <a:ext cx="3737356" cy="1110674"/>
+          </a:xfrm>
+          <a:prstGeom prst="rect">
+            <a:avLst/>
+          </a:prstGeom>
+          <a:solidFill>
+            <a:schemeClr val="bg1"/>
+          </a:solidFill>
+          <a:ln>
+            <a:solidFill>
+              <a:schemeClr val="tx1"/>
+            </a:solidFill>
+          </a:ln>
+        </p:spPr>
+        <p:style>
+          <a:lnRef idx="2">
+            <a:schemeClr val="accent1">
+              <a:shade val="50000"/>
+            </a:schemeClr>
+          </a:lnRef>
+          <a:fillRef idx="1">
+            <a:schemeClr val="accent1"/>
+          </a:fillRef>
+          <a:effectRef idx="0">
+            <a:schemeClr val="accent1"/>
+          </a:effectRef>
+          <a:fontRef idx="minor">
+            <a:schemeClr val="lt1"/>
+          </a:fontRef>
+        </p:style>
+        <p:txBody>
+          <a:bodyPr rtlCol="0" anchor="ctr"/>
+          <a:lstStyle/>
+          <a:p>
+            <a:pPr algn="ctr"/>
+            <a:endParaRPr lang="ko-KR" altLang="en-US" smtClean="0">
+              <a:solidFill>
+                <a:schemeClr val="tx1"/>
+              </a:solidFill>
+              <a:latin typeface="Consolas" panose="020B0609020204030204" pitchFamily="49" charset="0"/>
+            </a:endParaRPr>
+          </a:p>
+        </p:txBody>
+      </p:sp>
+      <p:sp>
+        <p:nvSpPr>
+          <p:cNvPr id="4" name="TextBox 3"/>
+          <p:cNvSpPr txBox="1"/>
+          <p:nvPr/>
+        </p:nvSpPr>
+        <p:spPr>
+          <a:xfrm>
+            <a:off x="407324" y="199505"/>
+            <a:ext cx="2536272" cy="523220"/>
+          </a:xfrm>
+          <a:prstGeom prst="rect">
+            <a:avLst/>
+          </a:prstGeom>
+          <a:noFill/>
+        </p:spPr>
+        <p:txBody>
+          <a:bodyPr wrap="none" rtlCol="0">
+            <a:spAutoFit/>
+          </a:bodyPr>
+          <a:lstStyle/>
+          <a:p>
+            <a:r>
+              <a:rPr lang="ko-KR" altLang="en-US" sz="2800" smtClean="0">
+                <a:latin typeface="Consolas" panose="020B0609020204030204" pitchFamily="49" charset="0"/>
+              </a:rPr>
+              <a:t>배열과 포인터</a:t>
+            </a:r>
+            <a:endParaRPr lang="ko-KR" altLang="en-US" sz="2800" smtClean="0">
+              <a:latin typeface="Consolas" panose="020B0609020204030204" pitchFamily="49" charset="0"/>
+            </a:endParaRPr>
+          </a:p>
+        </p:txBody>
+      </p:sp>
+      <p:sp>
+        <p:nvSpPr>
+          <p:cNvPr id="5" name="TextBox 4"/>
+          <p:cNvSpPr txBox="1"/>
+          <p:nvPr/>
+        </p:nvSpPr>
+        <p:spPr>
+          <a:xfrm>
+            <a:off x="589979" y="1163782"/>
+            <a:ext cx="3930884" cy="2246769"/>
+          </a:xfrm>
+          <a:prstGeom prst="rect">
+            <a:avLst/>
+          </a:prstGeom>
+          <a:noFill/>
+        </p:spPr>
+        <p:txBody>
+          <a:bodyPr wrap="none" rtlCol="0">
+            <a:spAutoFit/>
+          </a:bodyPr>
+          <a:lstStyle/>
+          <a:p>
+            <a:r>
+              <a:rPr lang="en-US" altLang="ko-KR" sz="2800" smtClean="0">
+                <a:latin typeface="Consolas" panose="020B0609020204030204" pitchFamily="49" charset="0"/>
+              </a:rPr>
+              <a:t>int a[2][2][2];</a:t>
+            </a:r>
+          </a:p>
+          <a:p>
+            <a:r>
+              <a:rPr lang="en-US" altLang="ko-KR" sz="2800" smtClean="0">
+                <a:latin typeface="Consolas" panose="020B0609020204030204" pitchFamily="49" charset="0"/>
+              </a:rPr>
+              <a:t>int (*p)[2][2] = a;</a:t>
+            </a:r>
+          </a:p>
+          <a:p>
+            <a:endParaRPr lang="en-US" altLang="ko-KR" sz="2800">
+              <a:latin typeface="Consolas" panose="020B0609020204030204" pitchFamily="49" charset="0"/>
+            </a:endParaRPr>
+          </a:p>
+          <a:p>
+            <a:r>
+              <a:rPr lang="en-US" altLang="ko-KR" sz="2800" smtClean="0">
+                <a:latin typeface="Consolas" panose="020B0609020204030204" pitchFamily="49" charset="0"/>
+              </a:rPr>
+              <a:t>p[1][1][1] = 10;</a:t>
+            </a:r>
+          </a:p>
+          <a:p>
+            <a:endParaRPr lang="en-US" altLang="ko-KR" sz="2800">
+              <a:latin typeface="Consolas" panose="020B0609020204030204" pitchFamily="49" charset="0"/>
+            </a:endParaRPr>
+          </a:p>
+        </p:txBody>
+      </p:sp>
+      <p:sp>
+        <p:nvSpPr>
+          <p:cNvPr id="19" name="직사각형 18"/>
+          <p:cNvSpPr/>
+          <p:nvPr/>
+        </p:nvSpPr>
+        <p:spPr>
+          <a:xfrm>
+            <a:off x="5159305" y="1571105"/>
+            <a:ext cx="1772747" cy="902857"/>
+          </a:xfrm>
+          <a:prstGeom prst="rect">
+            <a:avLst/>
+          </a:prstGeom>
+          <a:solidFill>
+            <a:schemeClr val="bg1"/>
+          </a:solidFill>
+          <a:ln>
+            <a:solidFill>
+              <a:schemeClr val="tx1"/>
+            </a:solidFill>
+          </a:ln>
+        </p:spPr>
+        <p:style>
+          <a:lnRef idx="2">
+            <a:schemeClr val="accent1">
+              <a:shade val="50000"/>
+            </a:schemeClr>
+          </a:lnRef>
+          <a:fillRef idx="1">
+            <a:schemeClr val="accent1"/>
+          </a:fillRef>
+          <a:effectRef idx="0">
+            <a:schemeClr val="accent1"/>
+          </a:effectRef>
+          <a:fontRef idx="minor">
+            <a:schemeClr val="lt1"/>
+          </a:fontRef>
+        </p:style>
+        <p:txBody>
+          <a:bodyPr rtlCol="0" anchor="ctr"/>
+          <a:lstStyle/>
+          <a:p>
+            <a:pPr algn="ctr"/>
+            <a:endParaRPr lang="ko-KR" altLang="en-US" smtClean="0">
+              <a:solidFill>
+                <a:schemeClr val="tx1"/>
+              </a:solidFill>
+              <a:latin typeface="Consolas" panose="020B0609020204030204" pitchFamily="49" charset="0"/>
+            </a:endParaRPr>
+          </a:p>
+        </p:txBody>
+      </p:sp>
+      <p:sp>
+        <p:nvSpPr>
+          <p:cNvPr id="25" name="직사각형 24"/>
+          <p:cNvSpPr/>
+          <p:nvPr/>
+        </p:nvSpPr>
+        <p:spPr>
+          <a:xfrm>
+            <a:off x="6932052" y="1571105"/>
+            <a:ext cx="1772747" cy="902857"/>
+          </a:xfrm>
+          <a:prstGeom prst="rect">
+            <a:avLst/>
+          </a:prstGeom>
+          <a:solidFill>
+            <a:schemeClr val="bg1"/>
+          </a:solidFill>
+          <a:ln>
+            <a:solidFill>
+              <a:schemeClr val="tx1"/>
+            </a:solidFill>
+          </a:ln>
+        </p:spPr>
+        <p:style>
+          <a:lnRef idx="2">
+            <a:schemeClr val="accent1">
+              <a:shade val="50000"/>
+            </a:schemeClr>
+          </a:lnRef>
+          <a:fillRef idx="1">
+            <a:schemeClr val="accent1"/>
+          </a:fillRef>
+          <a:effectRef idx="0">
+            <a:schemeClr val="accent1"/>
+          </a:effectRef>
+          <a:fontRef idx="minor">
+            <a:schemeClr val="lt1"/>
+          </a:fontRef>
+        </p:style>
+        <p:txBody>
+          <a:bodyPr rtlCol="0" anchor="ctr"/>
+          <a:lstStyle/>
+          <a:p>
+            <a:pPr algn="ctr"/>
+            <a:endParaRPr lang="ko-KR" altLang="en-US" smtClean="0">
+              <a:solidFill>
+                <a:schemeClr val="tx1"/>
+              </a:solidFill>
+              <a:latin typeface="Consolas" panose="020B0609020204030204" pitchFamily="49" charset="0"/>
+            </a:endParaRPr>
+          </a:p>
+        </p:txBody>
+      </p:sp>
+      <p:sp>
+        <p:nvSpPr>
+          <p:cNvPr id="26" name="직사각형 25"/>
+          <p:cNvSpPr/>
+          <p:nvPr/>
+        </p:nvSpPr>
+        <p:spPr>
+          <a:xfrm>
+            <a:off x="5256452" y="1675468"/>
+            <a:ext cx="786902" cy="685348"/>
+          </a:xfrm>
+          <a:prstGeom prst="rect">
+            <a:avLst/>
+          </a:prstGeom>
+          <a:solidFill>
+            <a:schemeClr val="bg1"/>
+          </a:solidFill>
+          <a:ln>
+            <a:solidFill>
+              <a:schemeClr val="tx1"/>
+            </a:solidFill>
+          </a:ln>
+        </p:spPr>
+        <p:style>
+          <a:lnRef idx="2">
+            <a:schemeClr val="accent1">
+              <a:shade val="50000"/>
+            </a:schemeClr>
+          </a:lnRef>
+          <a:fillRef idx="1">
+            <a:schemeClr val="accent1"/>
+          </a:fillRef>
+          <a:effectRef idx="0">
+            <a:schemeClr val="accent1"/>
+          </a:effectRef>
+          <a:fontRef idx="minor">
+            <a:schemeClr val="lt1"/>
+          </a:fontRef>
+        </p:style>
+        <p:txBody>
+          <a:bodyPr rtlCol="0" anchor="ctr"/>
+          <a:lstStyle/>
+          <a:p>
+            <a:pPr algn="ctr"/>
+            <a:endParaRPr lang="ko-KR" altLang="en-US" smtClean="0">
+              <a:solidFill>
+                <a:schemeClr val="tx1"/>
+              </a:solidFill>
+              <a:latin typeface="Consolas" panose="020B0609020204030204" pitchFamily="49" charset="0"/>
+            </a:endParaRPr>
+          </a:p>
+        </p:txBody>
+      </p:sp>
+      <p:sp>
+        <p:nvSpPr>
+          <p:cNvPr id="27" name="직사각형 26"/>
+          <p:cNvSpPr/>
+          <p:nvPr/>
+        </p:nvSpPr>
+        <p:spPr>
+          <a:xfrm>
+            <a:off x="6043354" y="1675468"/>
+            <a:ext cx="786902" cy="685348"/>
+          </a:xfrm>
+          <a:prstGeom prst="rect">
+            <a:avLst/>
+          </a:prstGeom>
+          <a:solidFill>
+            <a:schemeClr val="bg1"/>
+          </a:solidFill>
+          <a:ln>
+            <a:solidFill>
+              <a:schemeClr val="tx1"/>
+            </a:solidFill>
+          </a:ln>
+        </p:spPr>
+        <p:style>
+          <a:lnRef idx="2">
+            <a:schemeClr val="accent1">
+              <a:shade val="50000"/>
+            </a:schemeClr>
+          </a:lnRef>
+          <a:fillRef idx="1">
+            <a:schemeClr val="accent1"/>
+          </a:fillRef>
+          <a:effectRef idx="0">
+            <a:schemeClr val="accent1"/>
+          </a:effectRef>
+          <a:fontRef idx="minor">
+            <a:schemeClr val="lt1"/>
+          </a:fontRef>
+        </p:style>
+        <p:txBody>
+          <a:bodyPr rtlCol="0" anchor="ctr"/>
+          <a:lstStyle/>
+          <a:p>
+            <a:pPr algn="ctr"/>
+            <a:endParaRPr lang="ko-KR" altLang="en-US" smtClean="0">
+              <a:solidFill>
+                <a:schemeClr val="tx1"/>
+              </a:solidFill>
+              <a:latin typeface="Consolas" panose="020B0609020204030204" pitchFamily="49" charset="0"/>
+            </a:endParaRPr>
+          </a:p>
+        </p:txBody>
+      </p:sp>
+      <p:sp>
+        <p:nvSpPr>
+          <p:cNvPr id="28" name="직사각형 27"/>
+          <p:cNvSpPr/>
+          <p:nvPr/>
+        </p:nvSpPr>
+        <p:spPr>
+          <a:xfrm>
+            <a:off x="7029199" y="1675468"/>
+            <a:ext cx="786902" cy="685348"/>
+          </a:xfrm>
+          <a:prstGeom prst="rect">
+            <a:avLst/>
+          </a:prstGeom>
+          <a:solidFill>
+            <a:schemeClr val="bg1"/>
+          </a:solidFill>
+          <a:ln>
+            <a:solidFill>
+              <a:schemeClr val="tx1"/>
+            </a:solidFill>
+          </a:ln>
+        </p:spPr>
+        <p:style>
+          <a:lnRef idx="2">
+            <a:schemeClr val="accent1">
+              <a:shade val="50000"/>
+            </a:schemeClr>
+          </a:lnRef>
+          <a:fillRef idx="1">
+            <a:schemeClr val="accent1"/>
+          </a:fillRef>
+          <a:effectRef idx="0">
+            <a:schemeClr val="accent1"/>
+          </a:effectRef>
+          <a:fontRef idx="minor">
+            <a:schemeClr val="lt1"/>
+          </a:fontRef>
+        </p:style>
+        <p:txBody>
+          <a:bodyPr rtlCol="0" anchor="ctr"/>
+          <a:lstStyle/>
+          <a:p>
+            <a:pPr algn="ctr"/>
+            <a:endParaRPr lang="ko-KR" altLang="en-US" smtClean="0">
+              <a:solidFill>
+                <a:schemeClr val="tx1"/>
+              </a:solidFill>
+              <a:latin typeface="Consolas" panose="020B0609020204030204" pitchFamily="49" charset="0"/>
+            </a:endParaRPr>
+          </a:p>
+        </p:txBody>
+      </p:sp>
+      <p:sp>
+        <p:nvSpPr>
+          <p:cNvPr id="29" name="직사각형 28"/>
+          <p:cNvSpPr/>
+          <p:nvPr/>
+        </p:nvSpPr>
+        <p:spPr>
+          <a:xfrm>
+            <a:off x="7816101" y="1675468"/>
+            <a:ext cx="786902" cy="685348"/>
+          </a:xfrm>
+          <a:prstGeom prst="rect">
+            <a:avLst/>
+          </a:prstGeom>
+          <a:solidFill>
+            <a:schemeClr val="bg1"/>
+          </a:solidFill>
+          <a:ln>
+            <a:solidFill>
+              <a:schemeClr val="tx1"/>
+            </a:solidFill>
+          </a:ln>
+        </p:spPr>
+        <p:style>
+          <a:lnRef idx="2">
+            <a:schemeClr val="accent1">
+              <a:shade val="50000"/>
+            </a:schemeClr>
+          </a:lnRef>
+          <a:fillRef idx="1">
+            <a:schemeClr val="accent1"/>
+          </a:fillRef>
+          <a:effectRef idx="0">
+            <a:schemeClr val="accent1"/>
+          </a:effectRef>
+          <a:fontRef idx="minor">
+            <a:schemeClr val="lt1"/>
+          </a:fontRef>
+        </p:style>
+        <p:txBody>
+          <a:bodyPr rtlCol="0" anchor="ctr"/>
+          <a:lstStyle/>
+          <a:p>
+            <a:pPr algn="ctr"/>
+            <a:endParaRPr lang="ko-KR" altLang="en-US" smtClean="0">
+              <a:solidFill>
+                <a:schemeClr val="tx1"/>
+              </a:solidFill>
+              <a:latin typeface="Consolas" panose="020B0609020204030204" pitchFamily="49" charset="0"/>
+            </a:endParaRPr>
+          </a:p>
+        </p:txBody>
+      </p:sp>
+      <p:sp>
+        <p:nvSpPr>
+          <p:cNvPr id="33" name="직사각형 32"/>
+          <p:cNvSpPr/>
+          <p:nvPr/>
+        </p:nvSpPr>
+        <p:spPr>
+          <a:xfrm>
+            <a:off x="8794865" y="1457959"/>
+            <a:ext cx="3737356" cy="1110674"/>
+          </a:xfrm>
+          <a:prstGeom prst="rect">
+            <a:avLst/>
+          </a:prstGeom>
+          <a:solidFill>
+            <a:schemeClr val="bg1"/>
+          </a:solidFill>
+          <a:ln>
+            <a:solidFill>
+              <a:schemeClr val="tx1"/>
+            </a:solidFill>
+          </a:ln>
+        </p:spPr>
+        <p:style>
+          <a:lnRef idx="2">
+            <a:schemeClr val="accent1">
+              <a:shade val="50000"/>
+            </a:schemeClr>
+          </a:lnRef>
+          <a:fillRef idx="1">
+            <a:schemeClr val="accent1"/>
+          </a:fillRef>
+          <a:effectRef idx="0">
+            <a:schemeClr val="accent1"/>
+          </a:effectRef>
+          <a:fontRef idx="minor">
+            <a:schemeClr val="lt1"/>
+          </a:fontRef>
+        </p:style>
+        <p:txBody>
+          <a:bodyPr rtlCol="0" anchor="ctr"/>
+          <a:lstStyle/>
+          <a:p>
+            <a:pPr algn="ctr"/>
+            <a:endParaRPr lang="ko-KR" altLang="en-US" smtClean="0">
+              <a:solidFill>
+                <a:schemeClr val="tx1"/>
+              </a:solidFill>
+              <a:latin typeface="Consolas" panose="020B0609020204030204" pitchFamily="49" charset="0"/>
+            </a:endParaRPr>
+          </a:p>
+        </p:txBody>
+      </p:sp>
+      <p:sp>
+        <p:nvSpPr>
+          <p:cNvPr id="37" name="직사각형 36"/>
+          <p:cNvSpPr/>
+          <p:nvPr/>
+        </p:nvSpPr>
+        <p:spPr>
+          <a:xfrm>
+            <a:off x="8896661" y="1571105"/>
+            <a:ext cx="1772747" cy="902857"/>
+          </a:xfrm>
+          <a:prstGeom prst="rect">
+            <a:avLst/>
+          </a:prstGeom>
+          <a:solidFill>
+            <a:schemeClr val="bg1"/>
+          </a:solidFill>
+          <a:ln>
+            <a:solidFill>
+              <a:schemeClr val="tx1"/>
+            </a:solidFill>
+          </a:ln>
+        </p:spPr>
+        <p:style>
+          <a:lnRef idx="2">
+            <a:schemeClr val="accent1">
+              <a:shade val="50000"/>
+            </a:schemeClr>
+          </a:lnRef>
+          <a:fillRef idx="1">
+            <a:schemeClr val="accent1"/>
+          </a:fillRef>
+          <a:effectRef idx="0">
+            <a:schemeClr val="accent1"/>
+          </a:effectRef>
+          <a:fontRef idx="minor">
+            <a:schemeClr val="lt1"/>
+          </a:fontRef>
+        </p:style>
+        <p:txBody>
+          <a:bodyPr rtlCol="0" anchor="ctr"/>
+          <a:lstStyle/>
+          <a:p>
+            <a:pPr algn="ctr"/>
+            <a:endParaRPr lang="ko-KR" altLang="en-US" smtClean="0">
+              <a:solidFill>
+                <a:schemeClr val="tx1"/>
+              </a:solidFill>
+              <a:latin typeface="Consolas" panose="020B0609020204030204" pitchFamily="49" charset="0"/>
+            </a:endParaRPr>
+          </a:p>
+        </p:txBody>
+      </p:sp>
+      <p:sp>
+        <p:nvSpPr>
+          <p:cNvPr id="38" name="직사각형 37"/>
+          <p:cNvSpPr/>
+          <p:nvPr/>
+        </p:nvSpPr>
+        <p:spPr>
+          <a:xfrm>
+            <a:off x="10669408" y="1571105"/>
+            <a:ext cx="1772747" cy="902857"/>
+          </a:xfrm>
+          <a:prstGeom prst="rect">
+            <a:avLst/>
+          </a:prstGeom>
+          <a:solidFill>
+            <a:schemeClr val="bg1"/>
+          </a:solidFill>
+          <a:ln>
+            <a:solidFill>
+              <a:schemeClr val="tx1"/>
+            </a:solidFill>
+          </a:ln>
+        </p:spPr>
+        <p:style>
+          <a:lnRef idx="2">
+            <a:schemeClr val="accent1">
+              <a:shade val="50000"/>
+            </a:schemeClr>
+          </a:lnRef>
+          <a:fillRef idx="1">
+            <a:schemeClr val="accent1"/>
+          </a:fillRef>
+          <a:effectRef idx="0">
+            <a:schemeClr val="accent1"/>
+          </a:effectRef>
+          <a:fontRef idx="minor">
+            <a:schemeClr val="lt1"/>
+          </a:fontRef>
+        </p:style>
+        <p:txBody>
+          <a:bodyPr rtlCol="0" anchor="ctr"/>
+          <a:lstStyle/>
+          <a:p>
+            <a:pPr algn="ctr"/>
+            <a:endParaRPr lang="ko-KR" altLang="en-US" smtClean="0">
+              <a:solidFill>
+                <a:schemeClr val="tx1"/>
+              </a:solidFill>
+              <a:latin typeface="Consolas" panose="020B0609020204030204" pitchFamily="49" charset="0"/>
+            </a:endParaRPr>
+          </a:p>
+        </p:txBody>
+      </p:sp>
+      <p:sp>
+        <p:nvSpPr>
+          <p:cNvPr id="39" name="직사각형 38"/>
+          <p:cNvSpPr/>
+          <p:nvPr/>
+        </p:nvSpPr>
+        <p:spPr>
+          <a:xfrm>
+            <a:off x="8993808" y="1675468"/>
+            <a:ext cx="786902" cy="685348"/>
+          </a:xfrm>
+          <a:prstGeom prst="rect">
+            <a:avLst/>
+          </a:prstGeom>
+          <a:solidFill>
+            <a:schemeClr val="bg1"/>
+          </a:solidFill>
+          <a:ln>
+            <a:solidFill>
+              <a:schemeClr val="tx1"/>
+            </a:solidFill>
+          </a:ln>
+        </p:spPr>
+        <p:style>
+          <a:lnRef idx="2">
+            <a:schemeClr val="accent1">
+              <a:shade val="50000"/>
+            </a:schemeClr>
+          </a:lnRef>
+          <a:fillRef idx="1">
+            <a:schemeClr val="accent1"/>
+          </a:fillRef>
+          <a:effectRef idx="0">
+            <a:schemeClr val="accent1"/>
+          </a:effectRef>
+          <a:fontRef idx="minor">
+            <a:schemeClr val="lt1"/>
+          </a:fontRef>
+        </p:style>
+        <p:txBody>
+          <a:bodyPr rtlCol="0" anchor="ctr"/>
+          <a:lstStyle/>
+          <a:p>
+            <a:pPr algn="ctr"/>
+            <a:endParaRPr lang="ko-KR" altLang="en-US" smtClean="0">
+              <a:solidFill>
+                <a:schemeClr val="tx1"/>
+              </a:solidFill>
+              <a:latin typeface="Consolas" panose="020B0609020204030204" pitchFamily="49" charset="0"/>
+            </a:endParaRPr>
+          </a:p>
+        </p:txBody>
+      </p:sp>
+      <p:sp>
+        <p:nvSpPr>
+          <p:cNvPr id="40" name="직사각형 39"/>
+          <p:cNvSpPr/>
+          <p:nvPr/>
+        </p:nvSpPr>
+        <p:spPr>
+          <a:xfrm>
+            <a:off x="9780710" y="1675468"/>
+            <a:ext cx="786902" cy="685348"/>
+          </a:xfrm>
+          <a:prstGeom prst="rect">
+            <a:avLst/>
+          </a:prstGeom>
+          <a:solidFill>
+            <a:schemeClr val="bg1"/>
+          </a:solidFill>
+          <a:ln>
+            <a:solidFill>
+              <a:schemeClr val="tx1"/>
+            </a:solidFill>
+          </a:ln>
+        </p:spPr>
+        <p:style>
+          <a:lnRef idx="2">
+            <a:schemeClr val="accent1">
+              <a:shade val="50000"/>
+            </a:schemeClr>
+          </a:lnRef>
+          <a:fillRef idx="1">
+            <a:schemeClr val="accent1"/>
+          </a:fillRef>
+          <a:effectRef idx="0">
+            <a:schemeClr val="accent1"/>
+          </a:effectRef>
+          <a:fontRef idx="minor">
+            <a:schemeClr val="lt1"/>
+          </a:fontRef>
+        </p:style>
+        <p:txBody>
+          <a:bodyPr rtlCol="0" anchor="ctr"/>
+          <a:lstStyle/>
+          <a:p>
+            <a:pPr algn="ctr"/>
+            <a:endParaRPr lang="ko-KR" altLang="en-US" smtClean="0">
+              <a:solidFill>
+                <a:schemeClr val="tx1"/>
+              </a:solidFill>
+              <a:latin typeface="Consolas" panose="020B0609020204030204" pitchFamily="49" charset="0"/>
+            </a:endParaRPr>
+          </a:p>
+        </p:txBody>
+      </p:sp>
+      <p:sp>
+        <p:nvSpPr>
+          <p:cNvPr id="41" name="직사각형 40"/>
+          <p:cNvSpPr/>
+          <p:nvPr/>
+        </p:nvSpPr>
+        <p:spPr>
+          <a:xfrm>
+            <a:off x="10766555" y="1675468"/>
+            <a:ext cx="786902" cy="685348"/>
+          </a:xfrm>
+          <a:prstGeom prst="rect">
+            <a:avLst/>
+          </a:prstGeom>
+          <a:solidFill>
+            <a:schemeClr val="bg1"/>
+          </a:solidFill>
+          <a:ln>
+            <a:solidFill>
+              <a:schemeClr val="tx1"/>
+            </a:solidFill>
+          </a:ln>
+        </p:spPr>
+        <p:style>
+          <a:lnRef idx="2">
+            <a:schemeClr val="accent1">
+              <a:shade val="50000"/>
+            </a:schemeClr>
+          </a:lnRef>
+          <a:fillRef idx="1">
+            <a:schemeClr val="accent1"/>
+          </a:fillRef>
+          <a:effectRef idx="0">
+            <a:schemeClr val="accent1"/>
+          </a:effectRef>
+          <a:fontRef idx="minor">
+            <a:schemeClr val="lt1"/>
+          </a:fontRef>
+        </p:style>
+        <p:txBody>
+          <a:bodyPr rtlCol="0" anchor="ctr"/>
+          <a:lstStyle/>
+          <a:p>
+            <a:pPr algn="ctr"/>
+            <a:endParaRPr lang="ko-KR" altLang="en-US" smtClean="0">
+              <a:solidFill>
+                <a:schemeClr val="tx1"/>
+              </a:solidFill>
+              <a:latin typeface="Consolas" panose="020B0609020204030204" pitchFamily="49" charset="0"/>
+            </a:endParaRPr>
+          </a:p>
+        </p:txBody>
+      </p:sp>
+      <p:sp>
+        <p:nvSpPr>
+          <p:cNvPr id="42" name="직사각형 41"/>
+          <p:cNvSpPr/>
+          <p:nvPr/>
+        </p:nvSpPr>
+        <p:spPr>
+          <a:xfrm>
+            <a:off x="11553457" y="1675468"/>
+            <a:ext cx="786902" cy="685348"/>
+          </a:xfrm>
+          <a:prstGeom prst="rect">
+            <a:avLst/>
+          </a:prstGeom>
+          <a:solidFill>
+            <a:schemeClr val="bg1"/>
+          </a:solidFill>
+          <a:ln>
+            <a:solidFill>
+              <a:schemeClr val="tx1"/>
+            </a:solidFill>
+          </a:ln>
+        </p:spPr>
+        <p:style>
+          <a:lnRef idx="2">
+            <a:schemeClr val="accent1">
+              <a:shade val="50000"/>
+            </a:schemeClr>
+          </a:lnRef>
+          <a:fillRef idx="1">
+            <a:schemeClr val="accent1"/>
+          </a:fillRef>
+          <a:effectRef idx="0">
+            <a:schemeClr val="accent1"/>
+          </a:effectRef>
+          <a:fontRef idx="minor">
+            <a:schemeClr val="lt1"/>
+          </a:fontRef>
+        </p:style>
+        <p:txBody>
+          <a:bodyPr rtlCol="0" anchor="ctr"/>
+          <a:lstStyle/>
+          <a:p>
+            <a:pPr algn="ctr"/>
+            <a:endParaRPr lang="ko-KR" altLang="en-US" smtClean="0">
+              <a:solidFill>
+                <a:schemeClr val="tx1"/>
+              </a:solidFill>
+              <a:latin typeface="Consolas" panose="020B0609020204030204" pitchFamily="49" charset="0"/>
+            </a:endParaRPr>
+          </a:p>
+        </p:txBody>
+      </p:sp>
+    </p:spTree>
+    <p:extLst>
+      <p:ext uri="{BB962C8B-B14F-4D97-AF65-F5344CB8AC3E}">
+        <p14:creationId xmlns:p14="http://schemas.microsoft.com/office/powerpoint/2010/main" val="4230202809"/>
+      </p:ext>
+    </p:extLst>
+  </p:cSld>
+  <p:clrMapOvr>
+    <a:masterClrMapping/>
+  </p:clrMapOvr>
+</p:sld>
+</file>
+
+<file path=ppt/slides/slide43.xml><?xml version="1.0" encoding="utf-8"?>
+<p:sld xmlns:a="http://schemas.openxmlformats.org/drawingml/2006/main" xmlns:r="http://schemas.openxmlformats.org/officeDocument/2006/relationships" xmlns:p="http://schemas.openxmlformats.org/presentationml/2006/main">
+  <p:cSld>
+    <p:spTree>
+      <p:nvGrpSpPr>
+        <p:cNvPr id="1" name=""/>
+        <p:cNvGrpSpPr/>
+        <p:nvPr/>
+      </p:nvGrpSpPr>
+      <p:grpSpPr>
+        <a:xfrm>
+          <a:off x="0" y="0"/>
+          <a:ext cx="0" cy="0"/>
+          <a:chOff x="0" y="0"/>
+          <a:chExt cx="0" cy="0"/>
+        </a:xfrm>
+      </p:grpSpPr>
+      <p:sp>
+        <p:nvSpPr>
+          <p:cNvPr id="4" name="TextBox 3"/>
+          <p:cNvSpPr txBox="1"/>
+          <p:nvPr/>
+        </p:nvSpPr>
+        <p:spPr>
+          <a:xfrm>
+            <a:off x="407324" y="199505"/>
+            <a:ext cx="2536272" cy="523220"/>
+          </a:xfrm>
+          <a:prstGeom prst="rect">
+            <a:avLst/>
+          </a:prstGeom>
+          <a:noFill/>
+        </p:spPr>
+        <p:txBody>
+          <a:bodyPr wrap="none" rtlCol="0">
+            <a:spAutoFit/>
+          </a:bodyPr>
+          <a:lstStyle/>
+          <a:p>
+            <a:r>
+              <a:rPr lang="ko-KR" altLang="en-US" sz="2800" smtClean="0">
+                <a:latin typeface="Consolas" panose="020B0609020204030204" pitchFamily="49" charset="0"/>
+              </a:rPr>
+              <a:t>배열과 포인터</a:t>
+            </a:r>
+            <a:endParaRPr lang="ko-KR" altLang="en-US" sz="2800" smtClean="0">
+              <a:latin typeface="Consolas" panose="020B0609020204030204" pitchFamily="49" charset="0"/>
+            </a:endParaRPr>
+          </a:p>
+        </p:txBody>
+      </p:sp>
+      <p:sp>
+        <p:nvSpPr>
+          <p:cNvPr id="5" name="TextBox 4"/>
+          <p:cNvSpPr txBox="1"/>
+          <p:nvPr/>
+        </p:nvSpPr>
+        <p:spPr>
+          <a:xfrm>
+            <a:off x="589979" y="1163782"/>
+            <a:ext cx="4522392" cy="1815882"/>
+          </a:xfrm>
+          <a:prstGeom prst="rect">
+            <a:avLst/>
+          </a:prstGeom>
+          <a:noFill/>
+        </p:spPr>
+        <p:txBody>
+          <a:bodyPr wrap="none" rtlCol="0">
+            <a:spAutoFit/>
+          </a:bodyPr>
+          <a:lstStyle/>
+          <a:p>
+            <a:r>
+              <a:rPr lang="en-US" altLang="ko-KR" sz="2800" smtClean="0">
+                <a:latin typeface="Consolas" panose="020B0609020204030204" pitchFamily="49" charset="0"/>
+              </a:rPr>
+              <a:t>int a[2];</a:t>
+            </a:r>
+          </a:p>
+          <a:p>
+            <a:endParaRPr lang="en-US" altLang="ko-KR" sz="2800">
+              <a:latin typeface="Consolas" panose="020B0609020204030204" pitchFamily="49" charset="0"/>
+            </a:endParaRPr>
+          </a:p>
+          <a:p>
+            <a:r>
+              <a:rPr lang="en-US" altLang="ko-KR" sz="2800" smtClean="0">
+                <a:latin typeface="Consolas" panose="020B0609020204030204" pitchFamily="49" charset="0"/>
+              </a:rPr>
+              <a:t>int [2]; // array of 2</a:t>
+            </a:r>
+          </a:p>
+          <a:p>
+            <a:r>
+              <a:rPr lang="en-US" altLang="ko-KR" sz="2800">
+                <a:latin typeface="Consolas" panose="020B0609020204030204" pitchFamily="49" charset="0"/>
+              </a:rPr>
+              <a:t> </a:t>
+            </a:r>
+            <a:r>
+              <a:rPr lang="en-US" altLang="ko-KR" sz="2800" smtClean="0">
+                <a:latin typeface="Consolas" panose="020B0609020204030204" pitchFamily="49" charset="0"/>
+              </a:rPr>
+              <a:t>        // int</a:t>
+            </a:r>
+            <a:endParaRPr lang="en-US" altLang="ko-KR" sz="2800">
+              <a:latin typeface="Consolas" panose="020B0609020204030204" pitchFamily="49" charset="0"/>
+            </a:endParaRPr>
+          </a:p>
+        </p:txBody>
+      </p:sp>
+      <p:sp>
+        <p:nvSpPr>
+          <p:cNvPr id="18" name="TextBox 17"/>
+          <p:cNvSpPr txBox="1"/>
+          <p:nvPr/>
+        </p:nvSpPr>
+        <p:spPr>
+          <a:xfrm>
+            <a:off x="3865193" y="955964"/>
+            <a:ext cx="7274748" cy="954107"/>
+          </a:xfrm>
+          <a:prstGeom prst="rect">
+            <a:avLst/>
+          </a:prstGeom>
+          <a:noFill/>
+        </p:spPr>
+        <p:txBody>
+          <a:bodyPr wrap="none" rtlCol="0">
+            <a:spAutoFit/>
+          </a:bodyPr>
+          <a:lstStyle/>
+          <a:p>
+            <a:r>
+              <a:rPr lang="ko-KR" altLang="en-US" sz="2800" smtClean="0">
+                <a:latin typeface="Consolas" panose="020B0609020204030204" pitchFamily="49" charset="0"/>
+              </a:rPr>
+              <a:t>심볼로 부터 해석한다</a:t>
+            </a:r>
+            <a:r>
+              <a:rPr lang="en-US" altLang="ko-KR" sz="2800" smtClean="0">
+                <a:latin typeface="Consolas" panose="020B0609020204030204" pitchFamily="49" charset="0"/>
+              </a:rPr>
+              <a:t>.</a:t>
+            </a:r>
+          </a:p>
+          <a:p>
+            <a:r>
+              <a:rPr lang="ko-KR" altLang="en-US" sz="2800" smtClean="0">
+                <a:latin typeface="Consolas" panose="020B0609020204030204" pitchFamily="49" charset="0"/>
+              </a:rPr>
+              <a:t>전치와 후치가 있다면 후치부터 해석한다</a:t>
+            </a:r>
+            <a:r>
+              <a:rPr lang="en-US" altLang="ko-KR" sz="2800" smtClean="0">
+                <a:latin typeface="Consolas" panose="020B0609020204030204" pitchFamily="49" charset="0"/>
+              </a:rPr>
+              <a:t>.</a:t>
+            </a:r>
+            <a:endParaRPr lang="en-US" altLang="ko-KR" sz="2800">
+              <a:latin typeface="Consolas" panose="020B0609020204030204" pitchFamily="49" charset="0"/>
+            </a:endParaRPr>
+          </a:p>
+        </p:txBody>
+      </p:sp>
+      <p:sp>
+        <p:nvSpPr>
+          <p:cNvPr id="20" name="TextBox 19"/>
+          <p:cNvSpPr txBox="1"/>
+          <p:nvPr/>
+        </p:nvSpPr>
+        <p:spPr>
+          <a:xfrm>
+            <a:off x="7082219" y="2286000"/>
+            <a:ext cx="1170513" cy="523220"/>
+          </a:xfrm>
+          <a:prstGeom prst="rect">
+            <a:avLst/>
+          </a:prstGeom>
+          <a:noFill/>
+        </p:spPr>
+        <p:txBody>
+          <a:bodyPr wrap="none" rtlCol="0">
+            <a:spAutoFit/>
+          </a:bodyPr>
+          <a:lstStyle/>
+          <a:p>
+            <a:r>
+              <a:rPr lang="en-US" altLang="ko-KR" sz="2800" smtClean="0">
+                <a:latin typeface="Consolas" panose="020B0609020204030204" pitchFamily="49" charset="0"/>
+              </a:rPr>
+              <a:t>*p++;</a:t>
+            </a:r>
+            <a:endParaRPr lang="en-US" altLang="ko-KR" sz="2800">
+              <a:latin typeface="Consolas" panose="020B0609020204030204" pitchFamily="49" charset="0"/>
+            </a:endParaRPr>
+          </a:p>
+        </p:txBody>
+      </p:sp>
+      <p:sp>
+        <p:nvSpPr>
+          <p:cNvPr id="23" name="TextBox 22"/>
+          <p:cNvSpPr txBox="1"/>
+          <p:nvPr/>
+        </p:nvSpPr>
+        <p:spPr>
+          <a:xfrm>
+            <a:off x="9060648" y="2286000"/>
+            <a:ext cx="1170513" cy="523220"/>
+          </a:xfrm>
+          <a:prstGeom prst="rect">
+            <a:avLst/>
+          </a:prstGeom>
+          <a:noFill/>
+        </p:spPr>
+        <p:txBody>
+          <a:bodyPr wrap="none" rtlCol="0">
+            <a:spAutoFit/>
+          </a:bodyPr>
+          <a:lstStyle/>
+          <a:p>
+            <a:r>
+              <a:rPr lang="en-US" altLang="ko-KR" sz="2800" smtClean="0">
+                <a:latin typeface="Consolas" panose="020B0609020204030204" pitchFamily="49" charset="0"/>
+              </a:rPr>
+              <a:t>*++p;</a:t>
+            </a:r>
+            <a:endParaRPr lang="en-US" altLang="ko-KR" sz="2800">
+              <a:latin typeface="Consolas" panose="020B0609020204030204" pitchFamily="49" charset="0"/>
+            </a:endParaRPr>
+          </a:p>
+        </p:txBody>
+      </p:sp>
+      <p:sp>
+        <p:nvSpPr>
+          <p:cNvPr id="24" name="TextBox 23"/>
+          <p:cNvSpPr txBox="1"/>
+          <p:nvPr/>
+        </p:nvSpPr>
+        <p:spPr>
+          <a:xfrm>
+            <a:off x="7082219" y="2992582"/>
+            <a:ext cx="1564852" cy="523220"/>
+          </a:xfrm>
+          <a:prstGeom prst="rect">
+            <a:avLst/>
+          </a:prstGeom>
+          <a:noFill/>
+        </p:spPr>
+        <p:txBody>
+          <a:bodyPr wrap="none" rtlCol="0">
+            <a:spAutoFit/>
+          </a:bodyPr>
+          <a:lstStyle/>
+          <a:p>
+            <a:r>
+              <a:rPr lang="en-US" altLang="ko-KR" sz="2800" smtClean="0">
+                <a:latin typeface="Consolas" panose="020B0609020204030204" pitchFamily="49" charset="0"/>
+              </a:rPr>
+              <a:t>(*p)++;</a:t>
+            </a:r>
+            <a:endParaRPr lang="en-US" altLang="ko-KR" sz="2800">
+              <a:latin typeface="Consolas" panose="020B0609020204030204" pitchFamily="49" charset="0"/>
+            </a:endParaRPr>
+          </a:p>
+        </p:txBody>
+      </p:sp>
+      <p:sp>
+        <p:nvSpPr>
+          <p:cNvPr id="30" name="TextBox 29"/>
+          <p:cNvSpPr txBox="1"/>
+          <p:nvPr/>
+        </p:nvSpPr>
+        <p:spPr>
+          <a:xfrm>
+            <a:off x="9060648" y="2992582"/>
+            <a:ext cx="1170513" cy="523220"/>
+          </a:xfrm>
+          <a:prstGeom prst="rect">
+            <a:avLst/>
+          </a:prstGeom>
+          <a:noFill/>
+        </p:spPr>
+        <p:txBody>
+          <a:bodyPr wrap="none" rtlCol="0">
+            <a:spAutoFit/>
+          </a:bodyPr>
+          <a:lstStyle/>
+          <a:p>
+            <a:r>
+              <a:rPr lang="en-US" altLang="ko-KR" sz="2800" smtClean="0">
+                <a:latin typeface="Consolas" panose="020B0609020204030204" pitchFamily="49" charset="0"/>
+              </a:rPr>
+              <a:t>++*p;</a:t>
+            </a:r>
+            <a:endParaRPr lang="en-US" altLang="ko-KR" sz="2800">
+              <a:latin typeface="Consolas" panose="020B0609020204030204" pitchFamily="49" charset="0"/>
+            </a:endParaRPr>
+          </a:p>
+        </p:txBody>
+      </p:sp>
+    </p:spTree>
+    <p:extLst>
+      <p:ext uri="{BB962C8B-B14F-4D97-AF65-F5344CB8AC3E}">
+        <p14:creationId xmlns:p14="http://schemas.microsoft.com/office/powerpoint/2010/main" val="806939544"/>
+      </p:ext>
+    </p:extLst>
+  </p:cSld>
+  <p:clrMapOvr>
+    <a:masterClrMapping/>
+  </p:clrMapOvr>
+</p:sld>
+</file>
+
+<file path=ppt/slides/slide44.xml><?xml version="1.0" encoding="utf-8"?>
+<p:sld xmlns:a="http://schemas.openxmlformats.org/drawingml/2006/main" xmlns:r="http://schemas.openxmlformats.org/officeDocument/2006/relationships" xmlns:p="http://schemas.openxmlformats.org/presentationml/2006/main">
+  <p:cSld>
+    <p:spTree>
+      <p:nvGrpSpPr>
+        <p:cNvPr id="1" name=""/>
+        <p:cNvGrpSpPr/>
+        <p:nvPr/>
+      </p:nvGrpSpPr>
+      <p:grpSpPr>
+        <a:xfrm>
+          <a:off x="0" y="0"/>
+          <a:ext cx="0" cy="0"/>
+          <a:chOff x="0" y="0"/>
+          <a:chExt cx="0" cy="0"/>
+        </a:xfrm>
+      </p:grpSpPr>
+      <p:sp>
+        <p:nvSpPr>
+          <p:cNvPr id="4" name="TextBox 3"/>
+          <p:cNvSpPr txBox="1"/>
+          <p:nvPr/>
+        </p:nvSpPr>
+        <p:spPr>
+          <a:xfrm>
+            <a:off x="407324" y="199505"/>
+            <a:ext cx="2536272" cy="523220"/>
+          </a:xfrm>
+          <a:prstGeom prst="rect">
+            <a:avLst/>
+          </a:prstGeom>
+          <a:noFill/>
+        </p:spPr>
+        <p:txBody>
+          <a:bodyPr wrap="none" rtlCol="0">
+            <a:spAutoFit/>
+          </a:bodyPr>
+          <a:lstStyle/>
+          <a:p>
+            <a:r>
+              <a:rPr lang="ko-KR" altLang="en-US" sz="2800" smtClean="0">
+                <a:latin typeface="Consolas" panose="020B0609020204030204" pitchFamily="49" charset="0"/>
+              </a:rPr>
+              <a:t>배열과 포인터</a:t>
+            </a:r>
+            <a:endParaRPr lang="ko-KR" altLang="en-US" sz="2800" smtClean="0">
+              <a:latin typeface="Consolas" panose="020B0609020204030204" pitchFamily="49" charset="0"/>
+            </a:endParaRPr>
+          </a:p>
+        </p:txBody>
+      </p:sp>
+      <p:sp>
+        <p:nvSpPr>
+          <p:cNvPr id="5" name="TextBox 4"/>
+          <p:cNvSpPr txBox="1"/>
+          <p:nvPr/>
+        </p:nvSpPr>
+        <p:spPr>
+          <a:xfrm>
+            <a:off x="589979" y="1163782"/>
+            <a:ext cx="4128053" cy="1815882"/>
+          </a:xfrm>
+          <a:prstGeom prst="rect">
+            <a:avLst/>
+          </a:prstGeom>
+          <a:noFill/>
+        </p:spPr>
+        <p:txBody>
+          <a:bodyPr wrap="none" rtlCol="0">
+            <a:spAutoFit/>
+          </a:bodyPr>
+          <a:lstStyle/>
+          <a:p>
+            <a:r>
+              <a:rPr lang="en-US" altLang="ko-KR" sz="2800" smtClean="0">
+                <a:latin typeface="Consolas" panose="020B0609020204030204" pitchFamily="49" charset="0"/>
+              </a:rPr>
+              <a:t>int *p;</a:t>
+            </a:r>
+          </a:p>
+          <a:p>
+            <a:endParaRPr lang="en-US" altLang="ko-KR" sz="2800">
+              <a:latin typeface="Consolas" panose="020B0609020204030204" pitchFamily="49" charset="0"/>
+            </a:endParaRPr>
+          </a:p>
+          <a:p>
+            <a:r>
+              <a:rPr lang="en-US" altLang="ko-KR" sz="2800" smtClean="0">
+                <a:latin typeface="Consolas" panose="020B0609020204030204" pitchFamily="49" charset="0"/>
+              </a:rPr>
+              <a:t>int *; // pointer to</a:t>
+            </a:r>
+          </a:p>
+          <a:p>
+            <a:r>
+              <a:rPr lang="en-US" altLang="ko-KR" sz="2800">
+                <a:latin typeface="Consolas" panose="020B0609020204030204" pitchFamily="49" charset="0"/>
+              </a:rPr>
+              <a:t> </a:t>
+            </a:r>
+            <a:r>
+              <a:rPr lang="en-US" altLang="ko-KR" sz="2800" smtClean="0">
+                <a:latin typeface="Consolas" panose="020B0609020204030204" pitchFamily="49" charset="0"/>
+              </a:rPr>
+              <a:t>      // int</a:t>
+            </a:r>
+            <a:endParaRPr lang="en-US" altLang="ko-KR" sz="2800">
+              <a:latin typeface="Consolas" panose="020B0609020204030204" pitchFamily="49" charset="0"/>
+            </a:endParaRPr>
+          </a:p>
+        </p:txBody>
+      </p:sp>
+      <p:sp>
+        <p:nvSpPr>
+          <p:cNvPr id="18" name="TextBox 17"/>
+          <p:cNvSpPr txBox="1"/>
+          <p:nvPr/>
+        </p:nvSpPr>
+        <p:spPr>
+          <a:xfrm>
+            <a:off x="3865193" y="955964"/>
+            <a:ext cx="7274748" cy="954107"/>
+          </a:xfrm>
+          <a:prstGeom prst="rect">
+            <a:avLst/>
+          </a:prstGeom>
+          <a:noFill/>
+        </p:spPr>
+        <p:txBody>
+          <a:bodyPr wrap="none" rtlCol="0">
+            <a:spAutoFit/>
+          </a:bodyPr>
+          <a:lstStyle/>
+          <a:p>
+            <a:r>
+              <a:rPr lang="ko-KR" altLang="en-US" sz="2800" smtClean="0">
+                <a:latin typeface="Consolas" panose="020B0609020204030204" pitchFamily="49" charset="0"/>
+              </a:rPr>
+              <a:t>심볼로 부터 해석한다</a:t>
+            </a:r>
+            <a:r>
+              <a:rPr lang="en-US" altLang="ko-KR" sz="2800" smtClean="0">
+                <a:latin typeface="Consolas" panose="020B0609020204030204" pitchFamily="49" charset="0"/>
+              </a:rPr>
+              <a:t>.</a:t>
+            </a:r>
+          </a:p>
+          <a:p>
+            <a:r>
+              <a:rPr lang="ko-KR" altLang="en-US" sz="2800" smtClean="0">
+                <a:latin typeface="Consolas" panose="020B0609020204030204" pitchFamily="49" charset="0"/>
+              </a:rPr>
+              <a:t>전치와 후치가 있다면 후치부터 해석한다</a:t>
+            </a:r>
+            <a:r>
+              <a:rPr lang="en-US" altLang="ko-KR" sz="2800" smtClean="0">
+                <a:latin typeface="Consolas" panose="020B0609020204030204" pitchFamily="49" charset="0"/>
+              </a:rPr>
+              <a:t>.</a:t>
+            </a:r>
+            <a:endParaRPr lang="en-US" altLang="ko-KR" sz="2800">
+              <a:latin typeface="Consolas" panose="020B0609020204030204" pitchFamily="49" charset="0"/>
+            </a:endParaRPr>
+          </a:p>
+        </p:txBody>
+      </p:sp>
+    </p:spTree>
+    <p:extLst>
+      <p:ext uri="{BB962C8B-B14F-4D97-AF65-F5344CB8AC3E}">
+        <p14:creationId xmlns:p14="http://schemas.microsoft.com/office/powerpoint/2010/main" val="2803914111"/>
+      </p:ext>
+    </p:extLst>
+  </p:cSld>
+  <p:clrMapOvr>
+    <a:masterClrMapping/>
+  </p:clrMapOvr>
+</p:sld>
+</file>
+
+<file path=ppt/slides/slide45.xml><?xml version="1.0" encoding="utf-8"?>
+<p:sld xmlns:a="http://schemas.openxmlformats.org/drawingml/2006/main" xmlns:r="http://schemas.openxmlformats.org/officeDocument/2006/relationships" xmlns:p="http://schemas.openxmlformats.org/presentationml/2006/main">
+  <p:cSld>
+    <p:spTree>
+      <p:nvGrpSpPr>
+        <p:cNvPr id="1" name=""/>
+        <p:cNvGrpSpPr/>
+        <p:nvPr/>
+      </p:nvGrpSpPr>
+      <p:grpSpPr>
+        <a:xfrm>
+          <a:off x="0" y="0"/>
+          <a:ext cx="0" cy="0"/>
+          <a:chOff x="0" y="0"/>
+          <a:chExt cx="0" cy="0"/>
+        </a:xfrm>
+      </p:grpSpPr>
+      <p:sp>
+        <p:nvSpPr>
+          <p:cNvPr id="4" name="TextBox 3"/>
+          <p:cNvSpPr txBox="1"/>
+          <p:nvPr/>
+        </p:nvSpPr>
+        <p:spPr>
+          <a:xfrm>
+            <a:off x="407324" y="199505"/>
+            <a:ext cx="2536272" cy="523220"/>
+          </a:xfrm>
+          <a:prstGeom prst="rect">
+            <a:avLst/>
+          </a:prstGeom>
+          <a:noFill/>
+        </p:spPr>
+        <p:txBody>
+          <a:bodyPr wrap="none" rtlCol="0">
+            <a:spAutoFit/>
+          </a:bodyPr>
+          <a:lstStyle/>
+          <a:p>
+            <a:r>
+              <a:rPr lang="ko-KR" altLang="en-US" sz="2800" smtClean="0">
+                <a:latin typeface="Consolas" panose="020B0609020204030204" pitchFamily="49" charset="0"/>
+              </a:rPr>
+              <a:t>배열과 포인터</a:t>
+            </a:r>
+            <a:endParaRPr lang="ko-KR" altLang="en-US" sz="2800" smtClean="0">
+              <a:latin typeface="Consolas" panose="020B0609020204030204" pitchFamily="49" charset="0"/>
+            </a:endParaRPr>
+          </a:p>
+        </p:txBody>
+      </p:sp>
+      <p:sp>
+        <p:nvSpPr>
+          <p:cNvPr id="5" name="TextBox 4"/>
+          <p:cNvSpPr txBox="1"/>
+          <p:nvPr/>
+        </p:nvSpPr>
+        <p:spPr>
+          <a:xfrm>
+            <a:off x="589979" y="1163782"/>
+            <a:ext cx="4325223" cy="2246769"/>
+          </a:xfrm>
+          <a:prstGeom prst="rect">
+            <a:avLst/>
+          </a:prstGeom>
+          <a:noFill/>
+        </p:spPr>
+        <p:txBody>
+          <a:bodyPr wrap="none" rtlCol="0">
+            <a:spAutoFit/>
+          </a:bodyPr>
+          <a:lstStyle/>
+          <a:p>
+            <a:r>
+              <a:rPr lang="en-US" altLang="ko-KR" sz="2800" smtClean="0">
+                <a:latin typeface="Consolas" panose="020B0609020204030204" pitchFamily="49" charset="0"/>
+              </a:rPr>
+              <a:t>int **p;</a:t>
+            </a:r>
+          </a:p>
+          <a:p>
+            <a:endParaRPr lang="en-US" altLang="ko-KR" sz="2800">
+              <a:latin typeface="Consolas" panose="020B0609020204030204" pitchFamily="49" charset="0"/>
+            </a:endParaRPr>
+          </a:p>
+          <a:p>
+            <a:r>
+              <a:rPr lang="en-US" altLang="ko-KR" sz="2800" smtClean="0">
+                <a:latin typeface="Consolas" panose="020B0609020204030204" pitchFamily="49" charset="0"/>
+              </a:rPr>
+              <a:t>int **; // pointer to</a:t>
+            </a:r>
+          </a:p>
+          <a:p>
+            <a:r>
+              <a:rPr lang="en-US" altLang="ko-KR" sz="2800">
+                <a:latin typeface="Consolas" panose="020B0609020204030204" pitchFamily="49" charset="0"/>
+              </a:rPr>
+              <a:t> </a:t>
+            </a:r>
+            <a:r>
+              <a:rPr lang="en-US" altLang="ko-KR" sz="2800" smtClean="0">
+                <a:latin typeface="Consolas" panose="020B0609020204030204" pitchFamily="49" charset="0"/>
+              </a:rPr>
+              <a:t>       // pointer to</a:t>
+            </a:r>
+          </a:p>
+          <a:p>
+            <a:r>
+              <a:rPr lang="en-US" altLang="ko-KR" sz="2800">
+                <a:latin typeface="Consolas" panose="020B0609020204030204" pitchFamily="49" charset="0"/>
+              </a:rPr>
+              <a:t> </a:t>
+            </a:r>
+            <a:r>
+              <a:rPr lang="en-US" altLang="ko-KR" sz="2800" smtClean="0">
+                <a:latin typeface="Consolas" panose="020B0609020204030204" pitchFamily="49" charset="0"/>
+              </a:rPr>
+              <a:t>       // int</a:t>
+            </a:r>
+            <a:endParaRPr lang="en-US" altLang="ko-KR" sz="2800">
+              <a:latin typeface="Consolas" panose="020B0609020204030204" pitchFamily="49" charset="0"/>
+            </a:endParaRPr>
+          </a:p>
+        </p:txBody>
+      </p:sp>
+      <p:sp>
+        <p:nvSpPr>
+          <p:cNvPr id="18" name="TextBox 17"/>
+          <p:cNvSpPr txBox="1"/>
+          <p:nvPr/>
+        </p:nvSpPr>
+        <p:spPr>
+          <a:xfrm>
+            <a:off x="3865193" y="955964"/>
+            <a:ext cx="7274748" cy="954107"/>
+          </a:xfrm>
+          <a:prstGeom prst="rect">
+            <a:avLst/>
+          </a:prstGeom>
+          <a:noFill/>
+        </p:spPr>
+        <p:txBody>
+          <a:bodyPr wrap="none" rtlCol="0">
+            <a:spAutoFit/>
+          </a:bodyPr>
+          <a:lstStyle/>
+          <a:p>
+            <a:r>
+              <a:rPr lang="ko-KR" altLang="en-US" sz="2800" smtClean="0">
+                <a:latin typeface="Consolas" panose="020B0609020204030204" pitchFamily="49" charset="0"/>
+              </a:rPr>
+              <a:t>심볼로 부터 해석한다</a:t>
+            </a:r>
+            <a:r>
+              <a:rPr lang="en-US" altLang="ko-KR" sz="2800" smtClean="0">
+                <a:latin typeface="Consolas" panose="020B0609020204030204" pitchFamily="49" charset="0"/>
+              </a:rPr>
+              <a:t>.</a:t>
+            </a:r>
+          </a:p>
+          <a:p>
+            <a:r>
+              <a:rPr lang="ko-KR" altLang="en-US" sz="2800" smtClean="0">
+                <a:latin typeface="Consolas" panose="020B0609020204030204" pitchFamily="49" charset="0"/>
+              </a:rPr>
+              <a:t>전치와 후치가 있다면 후치부터 해석한다</a:t>
+            </a:r>
+            <a:r>
+              <a:rPr lang="en-US" altLang="ko-KR" sz="2800" smtClean="0">
+                <a:latin typeface="Consolas" panose="020B0609020204030204" pitchFamily="49" charset="0"/>
+              </a:rPr>
+              <a:t>.</a:t>
+            </a:r>
+            <a:endParaRPr lang="en-US" altLang="ko-KR" sz="2800">
+              <a:latin typeface="Consolas" panose="020B0609020204030204" pitchFamily="49" charset="0"/>
+            </a:endParaRPr>
+          </a:p>
+        </p:txBody>
+      </p:sp>
+    </p:spTree>
+    <p:extLst>
+      <p:ext uri="{BB962C8B-B14F-4D97-AF65-F5344CB8AC3E}">
+        <p14:creationId xmlns:p14="http://schemas.microsoft.com/office/powerpoint/2010/main" val="1615603206"/>
+      </p:ext>
+    </p:extLst>
+  </p:cSld>
+  <p:clrMapOvr>
+    <a:masterClrMapping/>
+  </p:clrMapOvr>
+</p:sld>
+</file>
+
+<file path=ppt/slides/slide46.xml><?xml version="1.0" encoding="utf-8"?>
+<p:sld xmlns:a="http://schemas.openxmlformats.org/drawingml/2006/main" xmlns:r="http://schemas.openxmlformats.org/officeDocument/2006/relationships" xmlns:p="http://schemas.openxmlformats.org/presentationml/2006/main">
+  <p:cSld>
+    <p:spTree>
+      <p:nvGrpSpPr>
+        <p:cNvPr id="1" name=""/>
+        <p:cNvGrpSpPr/>
+        <p:nvPr/>
+      </p:nvGrpSpPr>
+      <p:grpSpPr>
+        <a:xfrm>
+          <a:off x="0" y="0"/>
+          <a:ext cx="0" cy="0"/>
+          <a:chOff x="0" y="0"/>
+          <a:chExt cx="0" cy="0"/>
+        </a:xfrm>
+      </p:grpSpPr>
+      <p:sp>
+        <p:nvSpPr>
+          <p:cNvPr id="4" name="TextBox 3"/>
+          <p:cNvSpPr txBox="1"/>
+          <p:nvPr/>
+        </p:nvSpPr>
+        <p:spPr>
+          <a:xfrm>
+            <a:off x="407324" y="199505"/>
+            <a:ext cx="2536272" cy="523220"/>
+          </a:xfrm>
+          <a:prstGeom prst="rect">
+            <a:avLst/>
+          </a:prstGeom>
+          <a:noFill/>
+        </p:spPr>
+        <p:txBody>
+          <a:bodyPr wrap="none" rtlCol="0">
+            <a:spAutoFit/>
+          </a:bodyPr>
+          <a:lstStyle/>
+          <a:p>
+            <a:r>
+              <a:rPr lang="ko-KR" altLang="en-US" sz="2800" smtClean="0">
+                <a:latin typeface="Consolas" panose="020B0609020204030204" pitchFamily="49" charset="0"/>
+              </a:rPr>
+              <a:t>배열과 포인터</a:t>
+            </a:r>
+            <a:endParaRPr lang="ko-KR" altLang="en-US" sz="2800" smtClean="0">
+              <a:latin typeface="Consolas" panose="020B0609020204030204" pitchFamily="49" charset="0"/>
+            </a:endParaRPr>
+          </a:p>
+        </p:txBody>
+      </p:sp>
+      <p:sp>
+        <p:nvSpPr>
+          <p:cNvPr id="5" name="TextBox 4"/>
+          <p:cNvSpPr txBox="1"/>
+          <p:nvPr/>
+        </p:nvSpPr>
+        <p:spPr>
+          <a:xfrm>
+            <a:off x="589979" y="1163782"/>
+            <a:ext cx="5113900" cy="2246769"/>
+          </a:xfrm>
+          <a:prstGeom prst="rect">
+            <a:avLst/>
+          </a:prstGeom>
+          <a:noFill/>
+        </p:spPr>
+        <p:txBody>
+          <a:bodyPr wrap="none" rtlCol="0">
+            <a:spAutoFit/>
+          </a:bodyPr>
+          <a:lstStyle/>
+          <a:p>
+            <a:r>
+              <a:rPr lang="en-US" altLang="ko-KR" sz="2800" smtClean="0">
+                <a:latin typeface="Consolas" panose="020B0609020204030204" pitchFamily="49" charset="0"/>
+              </a:rPr>
+              <a:t>int (*p)[2];</a:t>
+            </a:r>
+          </a:p>
+          <a:p>
+            <a:endParaRPr lang="en-US" altLang="ko-KR" sz="2800">
+              <a:latin typeface="Consolas" panose="020B0609020204030204" pitchFamily="49" charset="0"/>
+            </a:endParaRPr>
+          </a:p>
+          <a:p>
+            <a:r>
+              <a:rPr lang="en-US" altLang="ko-KR" sz="2800" smtClean="0">
+                <a:latin typeface="Consolas" panose="020B0609020204030204" pitchFamily="49" charset="0"/>
+              </a:rPr>
+              <a:t>int (*)[2]; // pointer to</a:t>
+            </a:r>
+          </a:p>
+          <a:p>
+            <a:r>
+              <a:rPr lang="en-US" altLang="ko-KR" sz="2800">
+                <a:latin typeface="Consolas" panose="020B0609020204030204" pitchFamily="49" charset="0"/>
+              </a:rPr>
+              <a:t> </a:t>
+            </a:r>
+            <a:r>
+              <a:rPr lang="en-US" altLang="ko-KR" sz="2800" smtClean="0">
+                <a:latin typeface="Consolas" panose="020B0609020204030204" pitchFamily="49" charset="0"/>
+              </a:rPr>
+              <a:t>           // array of 2</a:t>
+            </a:r>
+          </a:p>
+          <a:p>
+            <a:r>
+              <a:rPr lang="en-US" altLang="ko-KR" sz="2800">
+                <a:latin typeface="Consolas" panose="020B0609020204030204" pitchFamily="49" charset="0"/>
+              </a:rPr>
+              <a:t> </a:t>
+            </a:r>
+            <a:r>
+              <a:rPr lang="en-US" altLang="ko-KR" sz="2800" smtClean="0">
+                <a:latin typeface="Consolas" panose="020B0609020204030204" pitchFamily="49" charset="0"/>
+              </a:rPr>
+              <a:t>           // int</a:t>
+            </a:r>
+            <a:endParaRPr lang="en-US" altLang="ko-KR" sz="2800">
+              <a:latin typeface="Consolas" panose="020B0609020204030204" pitchFamily="49" charset="0"/>
+            </a:endParaRPr>
+          </a:p>
+        </p:txBody>
+      </p:sp>
+      <p:sp>
+        <p:nvSpPr>
+          <p:cNvPr id="18" name="TextBox 17"/>
+          <p:cNvSpPr txBox="1"/>
+          <p:nvPr/>
+        </p:nvSpPr>
+        <p:spPr>
+          <a:xfrm>
+            <a:off x="3865193" y="955964"/>
+            <a:ext cx="7274748" cy="954107"/>
+          </a:xfrm>
+          <a:prstGeom prst="rect">
+            <a:avLst/>
+          </a:prstGeom>
+          <a:noFill/>
+        </p:spPr>
+        <p:txBody>
+          <a:bodyPr wrap="none" rtlCol="0">
+            <a:spAutoFit/>
+          </a:bodyPr>
+          <a:lstStyle/>
+          <a:p>
+            <a:r>
+              <a:rPr lang="ko-KR" altLang="en-US" sz="2800" smtClean="0">
+                <a:latin typeface="Consolas" panose="020B0609020204030204" pitchFamily="49" charset="0"/>
+              </a:rPr>
+              <a:t>심볼로 부터 해석한다</a:t>
+            </a:r>
+            <a:r>
+              <a:rPr lang="en-US" altLang="ko-KR" sz="2800" smtClean="0">
+                <a:latin typeface="Consolas" panose="020B0609020204030204" pitchFamily="49" charset="0"/>
+              </a:rPr>
+              <a:t>.</a:t>
+            </a:r>
+          </a:p>
+          <a:p>
+            <a:r>
+              <a:rPr lang="ko-KR" altLang="en-US" sz="2800" smtClean="0">
+                <a:latin typeface="Consolas" panose="020B0609020204030204" pitchFamily="49" charset="0"/>
+              </a:rPr>
+              <a:t>전치와 후치가 있다면 후치부터 해석한다</a:t>
+            </a:r>
+            <a:r>
+              <a:rPr lang="en-US" altLang="ko-KR" sz="2800" smtClean="0">
+                <a:latin typeface="Consolas" panose="020B0609020204030204" pitchFamily="49" charset="0"/>
+              </a:rPr>
+              <a:t>.</a:t>
+            </a:r>
+            <a:endParaRPr lang="en-US" altLang="ko-KR" sz="2800">
+              <a:latin typeface="Consolas" panose="020B0609020204030204" pitchFamily="49" charset="0"/>
+            </a:endParaRPr>
+          </a:p>
+        </p:txBody>
+      </p:sp>
+      <p:sp>
+        <p:nvSpPr>
+          <p:cNvPr id="2" name="직사각형 1"/>
+          <p:cNvSpPr/>
+          <p:nvPr/>
+        </p:nvSpPr>
+        <p:spPr>
+          <a:xfrm>
+            <a:off x="9468196" y="2493818"/>
+            <a:ext cx="665018" cy="623455"/>
+          </a:xfrm>
+          <a:prstGeom prst="rect">
+            <a:avLst/>
+          </a:prstGeom>
+          <a:solidFill>
+            <a:srgbClr val="FFFF00"/>
+          </a:solidFill>
+        </p:spPr>
+        <p:style>
+          <a:lnRef idx="2">
+            <a:schemeClr val="accent1">
+              <a:shade val="50000"/>
+            </a:schemeClr>
+          </a:lnRef>
+          <a:fillRef idx="1">
+            <a:schemeClr val="accent1"/>
+          </a:fillRef>
+          <a:effectRef idx="0">
+            <a:schemeClr val="accent1"/>
+          </a:effectRef>
+          <a:fontRef idx="minor">
+            <a:schemeClr val="lt1"/>
+          </a:fontRef>
+        </p:style>
+        <p:txBody>
+          <a:bodyPr rtlCol="0" anchor="ctr"/>
+          <a:lstStyle/>
+          <a:p>
+            <a:pPr algn="ctr"/>
+            <a:r>
+              <a:rPr lang="en-US" altLang="ko-KR" smtClean="0">
+                <a:solidFill>
+                  <a:schemeClr val="tx1"/>
+                </a:solidFill>
+                <a:latin typeface="Consolas" panose="020B0609020204030204" pitchFamily="49" charset="0"/>
+              </a:rPr>
+              <a:t>1</a:t>
+            </a:r>
+            <a:endParaRPr lang="ko-KR" altLang="en-US" smtClean="0">
+              <a:solidFill>
+                <a:schemeClr val="tx1"/>
+              </a:solidFill>
+              <a:latin typeface="Consolas" panose="020B0609020204030204" pitchFamily="49" charset="0"/>
+            </a:endParaRPr>
+          </a:p>
+        </p:txBody>
+      </p:sp>
+      <p:sp>
+        <p:nvSpPr>
+          <p:cNvPr id="6" name="직사각형 5"/>
+          <p:cNvSpPr/>
+          <p:nvPr/>
+        </p:nvSpPr>
+        <p:spPr>
+          <a:xfrm>
+            <a:off x="10133214" y="2493818"/>
+            <a:ext cx="665018" cy="623455"/>
+          </a:xfrm>
+          <a:prstGeom prst="rect">
+            <a:avLst/>
+          </a:prstGeom>
+          <a:solidFill>
+            <a:srgbClr val="FFFF00"/>
+          </a:solidFill>
+        </p:spPr>
+        <p:style>
+          <a:lnRef idx="2">
+            <a:schemeClr val="accent1">
+              <a:shade val="50000"/>
+            </a:schemeClr>
+          </a:lnRef>
+          <a:fillRef idx="1">
+            <a:schemeClr val="accent1"/>
+          </a:fillRef>
+          <a:effectRef idx="0">
+            <a:schemeClr val="accent1"/>
+          </a:effectRef>
+          <a:fontRef idx="minor">
+            <a:schemeClr val="lt1"/>
+          </a:fontRef>
+        </p:style>
+        <p:txBody>
+          <a:bodyPr rtlCol="0" anchor="ctr"/>
+          <a:lstStyle/>
+          <a:p>
+            <a:pPr algn="ctr"/>
+            <a:r>
+              <a:rPr lang="en-US" altLang="ko-KR" smtClean="0">
+                <a:solidFill>
+                  <a:schemeClr val="tx1"/>
+                </a:solidFill>
+                <a:latin typeface="Consolas" panose="020B0609020204030204" pitchFamily="49" charset="0"/>
+              </a:rPr>
+              <a:t>2</a:t>
+            </a:r>
+            <a:endParaRPr lang="ko-KR" altLang="en-US" smtClean="0">
+              <a:solidFill>
+                <a:schemeClr val="tx1"/>
+              </a:solidFill>
+              <a:latin typeface="Consolas" panose="020B0609020204030204" pitchFamily="49" charset="0"/>
+            </a:endParaRPr>
+          </a:p>
+        </p:txBody>
+      </p:sp>
+      <p:sp>
+        <p:nvSpPr>
+          <p:cNvPr id="7" name="직사각형 6"/>
+          <p:cNvSpPr/>
+          <p:nvPr/>
+        </p:nvSpPr>
+        <p:spPr>
+          <a:xfrm>
+            <a:off x="7099068" y="2493817"/>
+            <a:ext cx="1454728" cy="623455"/>
+          </a:xfrm>
+          <a:prstGeom prst="rect">
+            <a:avLst/>
+          </a:prstGeom>
+          <a:solidFill>
+            <a:srgbClr val="FFFF00"/>
+          </a:solidFill>
+        </p:spPr>
+        <p:style>
+          <a:lnRef idx="2">
+            <a:schemeClr val="accent1">
+              <a:shade val="50000"/>
+            </a:schemeClr>
+          </a:lnRef>
+          <a:fillRef idx="1">
+            <a:schemeClr val="accent1"/>
+          </a:fillRef>
+          <a:effectRef idx="0">
+            <a:schemeClr val="accent1"/>
+          </a:effectRef>
+          <a:fontRef idx="minor">
+            <a:schemeClr val="lt1"/>
+          </a:fontRef>
+        </p:style>
+        <p:txBody>
+          <a:bodyPr rtlCol="0" anchor="ctr"/>
+          <a:lstStyle/>
+          <a:p>
+            <a:pPr algn="ctr"/>
+            <a:endParaRPr lang="ko-KR" altLang="en-US" smtClean="0">
+              <a:solidFill>
+                <a:schemeClr val="tx1"/>
+              </a:solidFill>
+              <a:latin typeface="Consolas" panose="020B0609020204030204" pitchFamily="49" charset="0"/>
+            </a:endParaRPr>
+          </a:p>
+        </p:txBody>
+      </p:sp>
+      <p:cxnSp>
+        <p:nvCxnSpPr>
+          <p:cNvPr id="8" name="직선 화살표 연결선 7"/>
+          <p:cNvCxnSpPr>
+            <a:stCxn id="7" idx="3"/>
+            <a:endCxn id="2" idx="1"/>
+          </p:cNvCxnSpPr>
+          <p:nvPr/>
+        </p:nvCxnSpPr>
+        <p:spPr>
+          <a:xfrm>
+            <a:off x="8553796" y="2805545"/>
+            <a:ext cx="914400" cy="1"/>
+          </a:xfrm>
+          <a:prstGeom prst="straightConnector1">
+            <a:avLst/>
+          </a:prstGeom>
+          <a:ln>
+            <a:tailEnd type="triangle"/>
+          </a:ln>
+        </p:spPr>
+        <p:style>
+          <a:lnRef idx="1">
+            <a:schemeClr val="accent1"/>
+          </a:lnRef>
+          <a:fillRef idx="0">
+            <a:schemeClr val="accent1"/>
+          </a:fillRef>
+          <a:effectRef idx="0">
+            <a:schemeClr val="accent1"/>
+          </a:effectRef>
+          <a:fontRef idx="minor">
+            <a:schemeClr val="tx1"/>
+          </a:fontRef>
+        </p:style>
+      </p:cxnSp>
+    </p:spTree>
+    <p:extLst>
+      <p:ext uri="{BB962C8B-B14F-4D97-AF65-F5344CB8AC3E}">
+        <p14:creationId xmlns:p14="http://schemas.microsoft.com/office/powerpoint/2010/main" val="597120555"/>
+      </p:ext>
+    </p:extLst>
+  </p:cSld>
+  <p:clrMapOvr>
+    <a:masterClrMapping/>
+  </p:clrMapOvr>
+</p:sld>
+</file>
+
+<file path=ppt/slides/slide47.xml><?xml version="1.0" encoding="utf-8"?>
+<p:sld xmlns:a="http://schemas.openxmlformats.org/drawingml/2006/main" xmlns:r="http://schemas.openxmlformats.org/officeDocument/2006/relationships" xmlns:p="http://schemas.openxmlformats.org/presentationml/2006/main">
+  <p:cSld>
+    <p:spTree>
+      <p:nvGrpSpPr>
+        <p:cNvPr id="1" name=""/>
+        <p:cNvGrpSpPr/>
+        <p:nvPr/>
+      </p:nvGrpSpPr>
+      <p:grpSpPr>
+        <a:xfrm>
+          <a:off x="0" y="0"/>
+          <a:ext cx="0" cy="0"/>
+          <a:chOff x="0" y="0"/>
+          <a:chExt cx="0" cy="0"/>
+        </a:xfrm>
+      </p:grpSpPr>
+      <p:sp>
+        <p:nvSpPr>
+          <p:cNvPr id="4" name="TextBox 3"/>
+          <p:cNvSpPr txBox="1"/>
+          <p:nvPr/>
+        </p:nvSpPr>
+        <p:spPr>
+          <a:xfrm>
+            <a:off x="407324" y="199505"/>
+            <a:ext cx="2536272" cy="523220"/>
+          </a:xfrm>
+          <a:prstGeom prst="rect">
+            <a:avLst/>
+          </a:prstGeom>
+          <a:noFill/>
+        </p:spPr>
+        <p:txBody>
+          <a:bodyPr wrap="none" rtlCol="0">
+            <a:spAutoFit/>
+          </a:bodyPr>
+          <a:lstStyle/>
+          <a:p>
+            <a:r>
+              <a:rPr lang="ko-KR" altLang="en-US" sz="2800" smtClean="0">
+                <a:latin typeface="Consolas" panose="020B0609020204030204" pitchFamily="49" charset="0"/>
+              </a:rPr>
+              <a:t>배열과 포인터</a:t>
+            </a:r>
+            <a:endParaRPr lang="ko-KR" altLang="en-US" sz="2800" smtClean="0">
+              <a:latin typeface="Consolas" panose="020B0609020204030204" pitchFamily="49" charset="0"/>
+            </a:endParaRPr>
+          </a:p>
+        </p:txBody>
+      </p:sp>
+      <p:sp>
+        <p:nvSpPr>
+          <p:cNvPr id="5" name="TextBox 4"/>
+          <p:cNvSpPr txBox="1"/>
+          <p:nvPr/>
+        </p:nvSpPr>
+        <p:spPr>
+          <a:xfrm>
+            <a:off x="589979" y="1163782"/>
+            <a:ext cx="5113900" cy="2246769"/>
+          </a:xfrm>
+          <a:prstGeom prst="rect">
+            <a:avLst/>
+          </a:prstGeom>
+          <a:noFill/>
+        </p:spPr>
+        <p:txBody>
+          <a:bodyPr wrap="none" rtlCol="0">
+            <a:spAutoFit/>
+          </a:bodyPr>
+          <a:lstStyle/>
+          <a:p>
+            <a:r>
+              <a:rPr lang="en-US" altLang="ko-KR" sz="2800" smtClean="0">
+                <a:latin typeface="Consolas" panose="020B0609020204030204" pitchFamily="49" charset="0"/>
+              </a:rPr>
+              <a:t>int *p[2];</a:t>
+            </a:r>
+          </a:p>
+          <a:p>
+            <a:endParaRPr lang="en-US" altLang="ko-KR" sz="2800">
+              <a:latin typeface="Consolas" panose="020B0609020204030204" pitchFamily="49" charset="0"/>
+            </a:endParaRPr>
+          </a:p>
+          <a:p>
+            <a:r>
+              <a:rPr lang="en-US" altLang="ko-KR" sz="2800" smtClean="0">
+                <a:latin typeface="Consolas" panose="020B0609020204030204" pitchFamily="49" charset="0"/>
+              </a:rPr>
+              <a:t>int * [2];  // array of 2</a:t>
+            </a:r>
+          </a:p>
+          <a:p>
+            <a:r>
+              <a:rPr lang="en-US" altLang="ko-KR" sz="2800">
+                <a:latin typeface="Consolas" panose="020B0609020204030204" pitchFamily="49" charset="0"/>
+              </a:rPr>
+              <a:t> </a:t>
+            </a:r>
+            <a:r>
+              <a:rPr lang="en-US" altLang="ko-KR" sz="2800" smtClean="0">
+                <a:latin typeface="Consolas" panose="020B0609020204030204" pitchFamily="49" charset="0"/>
+              </a:rPr>
+              <a:t>           // pointer to</a:t>
+            </a:r>
+          </a:p>
+          <a:p>
+            <a:r>
+              <a:rPr lang="en-US" altLang="ko-KR" sz="2800">
+                <a:latin typeface="Consolas" panose="020B0609020204030204" pitchFamily="49" charset="0"/>
+              </a:rPr>
+              <a:t> </a:t>
+            </a:r>
+            <a:r>
+              <a:rPr lang="en-US" altLang="ko-KR" sz="2800" smtClean="0">
+                <a:latin typeface="Consolas" panose="020B0609020204030204" pitchFamily="49" charset="0"/>
+              </a:rPr>
+              <a:t>           // int</a:t>
+            </a:r>
+            <a:endParaRPr lang="en-US" altLang="ko-KR" sz="2800">
+              <a:latin typeface="Consolas" panose="020B0609020204030204" pitchFamily="49" charset="0"/>
+            </a:endParaRPr>
+          </a:p>
+        </p:txBody>
+      </p:sp>
+      <p:sp>
+        <p:nvSpPr>
+          <p:cNvPr id="18" name="TextBox 17"/>
+          <p:cNvSpPr txBox="1"/>
+          <p:nvPr/>
+        </p:nvSpPr>
+        <p:spPr>
+          <a:xfrm>
+            <a:off x="3865193" y="955964"/>
+            <a:ext cx="7274748" cy="954107"/>
+          </a:xfrm>
+          <a:prstGeom prst="rect">
+            <a:avLst/>
+          </a:prstGeom>
+          <a:noFill/>
+        </p:spPr>
+        <p:txBody>
+          <a:bodyPr wrap="none" rtlCol="0">
+            <a:spAutoFit/>
+          </a:bodyPr>
+          <a:lstStyle/>
+          <a:p>
+            <a:r>
+              <a:rPr lang="ko-KR" altLang="en-US" sz="2800" smtClean="0">
+                <a:latin typeface="Consolas" panose="020B0609020204030204" pitchFamily="49" charset="0"/>
+              </a:rPr>
+              <a:t>심볼로 부터 해석한다</a:t>
+            </a:r>
+            <a:r>
+              <a:rPr lang="en-US" altLang="ko-KR" sz="2800" smtClean="0">
+                <a:latin typeface="Consolas" panose="020B0609020204030204" pitchFamily="49" charset="0"/>
+              </a:rPr>
+              <a:t>.</a:t>
+            </a:r>
+          </a:p>
+          <a:p>
+            <a:r>
+              <a:rPr lang="ko-KR" altLang="en-US" sz="2800" smtClean="0">
+                <a:latin typeface="Consolas" panose="020B0609020204030204" pitchFamily="49" charset="0"/>
+              </a:rPr>
+              <a:t>전치와 후치가 있다면 후치부터 해석한다</a:t>
+            </a:r>
+            <a:r>
+              <a:rPr lang="en-US" altLang="ko-KR" sz="2800" smtClean="0">
+                <a:latin typeface="Consolas" panose="020B0609020204030204" pitchFamily="49" charset="0"/>
+              </a:rPr>
+              <a:t>.</a:t>
+            </a:r>
+            <a:endParaRPr lang="en-US" altLang="ko-KR" sz="2800">
+              <a:latin typeface="Consolas" panose="020B0609020204030204" pitchFamily="49" charset="0"/>
+            </a:endParaRPr>
+          </a:p>
+        </p:txBody>
+      </p:sp>
+      <p:sp>
+        <p:nvSpPr>
+          <p:cNvPr id="2" name="직사각형 1"/>
+          <p:cNvSpPr/>
+          <p:nvPr/>
+        </p:nvSpPr>
+        <p:spPr>
+          <a:xfrm>
+            <a:off x="9468196" y="2493818"/>
+            <a:ext cx="665018" cy="623455"/>
+          </a:xfrm>
+          <a:prstGeom prst="rect">
+            <a:avLst/>
+          </a:prstGeom>
+          <a:solidFill>
+            <a:srgbClr val="FFFF00"/>
+          </a:solidFill>
+        </p:spPr>
+        <p:style>
+          <a:lnRef idx="2">
+            <a:schemeClr val="accent1">
+              <a:shade val="50000"/>
+            </a:schemeClr>
+          </a:lnRef>
+          <a:fillRef idx="1">
+            <a:schemeClr val="accent1"/>
+          </a:fillRef>
+          <a:effectRef idx="0">
+            <a:schemeClr val="accent1"/>
+          </a:effectRef>
+          <a:fontRef idx="minor">
+            <a:schemeClr val="lt1"/>
+          </a:fontRef>
+        </p:style>
+        <p:txBody>
+          <a:bodyPr rtlCol="0" anchor="ctr"/>
+          <a:lstStyle/>
+          <a:p>
+            <a:pPr algn="ctr"/>
+            <a:r>
+              <a:rPr lang="en-US" altLang="ko-KR" smtClean="0">
+                <a:solidFill>
+                  <a:schemeClr val="tx1"/>
+                </a:solidFill>
+                <a:latin typeface="Consolas" panose="020B0609020204030204" pitchFamily="49" charset="0"/>
+              </a:rPr>
+              <a:t>1</a:t>
+            </a:r>
+            <a:endParaRPr lang="ko-KR" altLang="en-US" smtClean="0">
+              <a:solidFill>
+                <a:schemeClr val="tx1"/>
+              </a:solidFill>
+              <a:latin typeface="Consolas" panose="020B0609020204030204" pitchFamily="49" charset="0"/>
+            </a:endParaRPr>
+          </a:p>
+        </p:txBody>
+      </p:sp>
+      <p:sp>
+        <p:nvSpPr>
+          <p:cNvPr id="6" name="직사각형 5"/>
+          <p:cNvSpPr/>
+          <p:nvPr/>
+        </p:nvSpPr>
+        <p:spPr>
+          <a:xfrm>
+            <a:off x="9468196" y="3429000"/>
+            <a:ext cx="665018" cy="623455"/>
+          </a:xfrm>
+          <a:prstGeom prst="rect">
+            <a:avLst/>
+          </a:prstGeom>
+          <a:solidFill>
+            <a:srgbClr val="FFFF00"/>
+          </a:solidFill>
+        </p:spPr>
+        <p:style>
+          <a:lnRef idx="2">
+            <a:schemeClr val="accent1">
+              <a:shade val="50000"/>
+            </a:schemeClr>
+          </a:lnRef>
+          <a:fillRef idx="1">
+            <a:schemeClr val="accent1"/>
+          </a:fillRef>
+          <a:effectRef idx="0">
+            <a:schemeClr val="accent1"/>
+          </a:effectRef>
+          <a:fontRef idx="minor">
+            <a:schemeClr val="lt1"/>
+          </a:fontRef>
+        </p:style>
+        <p:txBody>
+          <a:bodyPr rtlCol="0" anchor="ctr"/>
+          <a:lstStyle/>
+          <a:p>
+            <a:pPr algn="ctr"/>
+            <a:r>
+              <a:rPr lang="en-US" altLang="ko-KR" smtClean="0">
+                <a:solidFill>
+                  <a:schemeClr val="tx1"/>
+                </a:solidFill>
+                <a:latin typeface="Consolas" panose="020B0609020204030204" pitchFamily="49" charset="0"/>
+              </a:rPr>
+              <a:t>2</a:t>
+            </a:r>
+            <a:endParaRPr lang="ko-KR" altLang="en-US" smtClean="0">
+              <a:solidFill>
+                <a:schemeClr val="tx1"/>
+              </a:solidFill>
+              <a:latin typeface="Consolas" panose="020B0609020204030204" pitchFamily="49" charset="0"/>
+            </a:endParaRPr>
+          </a:p>
+        </p:txBody>
+      </p:sp>
+      <p:sp>
+        <p:nvSpPr>
+          <p:cNvPr id="7" name="직사각형 6"/>
+          <p:cNvSpPr/>
+          <p:nvPr/>
+        </p:nvSpPr>
+        <p:spPr>
+          <a:xfrm>
+            <a:off x="7099068" y="2493817"/>
+            <a:ext cx="1454728" cy="623455"/>
+          </a:xfrm>
+          <a:prstGeom prst="rect">
+            <a:avLst/>
+          </a:prstGeom>
+          <a:solidFill>
+            <a:srgbClr val="FFFF00"/>
+          </a:solidFill>
+        </p:spPr>
+        <p:style>
+          <a:lnRef idx="2">
+            <a:schemeClr val="accent1">
+              <a:shade val="50000"/>
+            </a:schemeClr>
+          </a:lnRef>
+          <a:fillRef idx="1">
+            <a:schemeClr val="accent1"/>
+          </a:fillRef>
+          <a:effectRef idx="0">
+            <a:schemeClr val="accent1"/>
+          </a:effectRef>
+          <a:fontRef idx="minor">
+            <a:schemeClr val="lt1"/>
+          </a:fontRef>
+        </p:style>
+        <p:txBody>
+          <a:bodyPr rtlCol="0" anchor="ctr"/>
+          <a:lstStyle/>
+          <a:p>
+            <a:pPr algn="ctr"/>
+            <a:r>
+              <a:rPr lang="en-US" altLang="ko-KR" smtClean="0">
+                <a:solidFill>
+                  <a:schemeClr val="tx1"/>
+                </a:solidFill>
+                <a:latin typeface="Consolas" panose="020B0609020204030204" pitchFamily="49" charset="0"/>
+              </a:rPr>
+              <a:t>*</a:t>
+            </a:r>
+            <a:endParaRPr lang="ko-KR" altLang="en-US" smtClean="0">
+              <a:solidFill>
+                <a:schemeClr val="tx1"/>
+              </a:solidFill>
+              <a:latin typeface="Consolas" panose="020B0609020204030204" pitchFamily="49" charset="0"/>
+            </a:endParaRPr>
+          </a:p>
+        </p:txBody>
+      </p:sp>
+      <p:cxnSp>
+        <p:nvCxnSpPr>
+          <p:cNvPr id="8" name="직선 화살표 연결선 7"/>
+          <p:cNvCxnSpPr>
+            <a:stCxn id="7" idx="3"/>
+            <a:endCxn id="2" idx="1"/>
+          </p:cNvCxnSpPr>
+          <p:nvPr/>
+        </p:nvCxnSpPr>
+        <p:spPr>
+          <a:xfrm>
+            <a:off x="8553796" y="2805545"/>
+            <a:ext cx="914400" cy="1"/>
+          </a:xfrm>
+          <a:prstGeom prst="straightConnector1">
+            <a:avLst/>
+          </a:prstGeom>
+          <a:ln>
+            <a:tailEnd type="triangle"/>
+          </a:ln>
+        </p:spPr>
+        <p:style>
+          <a:lnRef idx="1">
+            <a:schemeClr val="accent1"/>
+          </a:lnRef>
+          <a:fillRef idx="0">
+            <a:schemeClr val="accent1"/>
+          </a:fillRef>
+          <a:effectRef idx="0">
+            <a:schemeClr val="accent1"/>
+          </a:effectRef>
+          <a:fontRef idx="minor">
+            <a:schemeClr val="tx1"/>
+          </a:fontRef>
+        </p:style>
+      </p:cxnSp>
+      <p:sp>
+        <p:nvSpPr>
+          <p:cNvPr id="9" name="직사각형 8"/>
+          <p:cNvSpPr/>
+          <p:nvPr/>
+        </p:nvSpPr>
+        <p:spPr>
+          <a:xfrm>
+            <a:off x="7099068" y="3117272"/>
+            <a:ext cx="1454728" cy="623455"/>
+          </a:xfrm>
+          <a:prstGeom prst="rect">
+            <a:avLst/>
+          </a:prstGeom>
+          <a:solidFill>
+            <a:srgbClr val="FFFF00"/>
+          </a:solidFill>
+        </p:spPr>
+        <p:style>
+          <a:lnRef idx="2">
+            <a:schemeClr val="accent1">
+              <a:shade val="50000"/>
+            </a:schemeClr>
+          </a:lnRef>
+          <a:fillRef idx="1">
+            <a:schemeClr val="accent1"/>
+          </a:fillRef>
+          <a:effectRef idx="0">
+            <a:schemeClr val="accent1"/>
+          </a:effectRef>
+          <a:fontRef idx="minor">
+            <a:schemeClr val="lt1"/>
+          </a:fontRef>
+        </p:style>
+        <p:txBody>
+          <a:bodyPr rtlCol="0" anchor="ctr"/>
+          <a:lstStyle/>
+          <a:p>
+            <a:pPr algn="ctr"/>
+            <a:r>
+              <a:rPr lang="en-US" altLang="ko-KR" smtClean="0">
+                <a:solidFill>
+                  <a:schemeClr val="tx1"/>
+                </a:solidFill>
+                <a:latin typeface="Consolas" panose="020B0609020204030204" pitchFamily="49" charset="0"/>
+              </a:rPr>
+              <a:t>*</a:t>
+            </a:r>
+            <a:endParaRPr lang="ko-KR" altLang="en-US" smtClean="0">
+              <a:solidFill>
+                <a:schemeClr val="tx1"/>
+              </a:solidFill>
+              <a:latin typeface="Consolas" panose="020B0609020204030204" pitchFamily="49" charset="0"/>
+            </a:endParaRPr>
+          </a:p>
+        </p:txBody>
+      </p:sp>
+      <p:cxnSp>
+        <p:nvCxnSpPr>
+          <p:cNvPr id="10" name="직선 화살표 연결선 9"/>
+          <p:cNvCxnSpPr>
+            <a:stCxn id="9" idx="3"/>
+            <a:endCxn id="6" idx="1"/>
+          </p:cNvCxnSpPr>
+          <p:nvPr/>
+        </p:nvCxnSpPr>
+        <p:spPr>
+          <a:xfrm>
+            <a:off x="8553796" y="3429000"/>
+            <a:ext cx="914400" cy="311728"/>
+          </a:xfrm>
+          <a:prstGeom prst="straightConnector1">
+            <a:avLst/>
+          </a:prstGeom>
+          <a:ln>
+            <a:tailEnd type="triangle"/>
+          </a:ln>
+        </p:spPr>
+        <p:style>
+          <a:lnRef idx="1">
+            <a:schemeClr val="accent1"/>
+          </a:lnRef>
+          <a:fillRef idx="0">
+            <a:schemeClr val="accent1"/>
+          </a:fillRef>
+          <a:effectRef idx="0">
+            <a:schemeClr val="accent1"/>
+          </a:effectRef>
+          <a:fontRef idx="minor">
+            <a:schemeClr val="tx1"/>
+          </a:fontRef>
+        </p:style>
+      </p:cxnSp>
+    </p:spTree>
+    <p:extLst>
+      <p:ext uri="{BB962C8B-B14F-4D97-AF65-F5344CB8AC3E}">
+        <p14:creationId xmlns:p14="http://schemas.microsoft.com/office/powerpoint/2010/main" val="3600810943"/>
+      </p:ext>
+    </p:extLst>
+  </p:cSld>
+  <p:clrMapOvr>
+    <a:masterClrMapping/>
+  </p:clrMapOvr>
+</p:sld>
+</file>
+
+<file path=ppt/slides/slide48.xml><?xml version="1.0" encoding="utf-8"?>
+<p:sld xmlns:a="http://schemas.openxmlformats.org/drawingml/2006/main" xmlns:r="http://schemas.openxmlformats.org/officeDocument/2006/relationships" xmlns:p="http://schemas.openxmlformats.org/presentationml/2006/main">
+  <p:cSld>
+    <p:spTree>
+      <p:nvGrpSpPr>
+        <p:cNvPr id="1" name=""/>
+        <p:cNvGrpSpPr/>
+        <p:nvPr/>
+      </p:nvGrpSpPr>
+      <p:grpSpPr>
+        <a:xfrm>
+          <a:off x="0" y="0"/>
+          <a:ext cx="0" cy="0"/>
+          <a:chOff x="0" y="0"/>
+          <a:chExt cx="0" cy="0"/>
+        </a:xfrm>
+      </p:grpSpPr>
+      <p:sp>
+        <p:nvSpPr>
+          <p:cNvPr id="4" name="TextBox 3"/>
+          <p:cNvSpPr txBox="1"/>
+          <p:nvPr/>
+        </p:nvSpPr>
+        <p:spPr>
+          <a:xfrm>
+            <a:off x="407324" y="199505"/>
+            <a:ext cx="2536272" cy="523220"/>
+          </a:xfrm>
+          <a:prstGeom prst="rect">
+            <a:avLst/>
+          </a:prstGeom>
+          <a:noFill/>
+        </p:spPr>
+        <p:txBody>
+          <a:bodyPr wrap="none" rtlCol="0">
+            <a:spAutoFit/>
+          </a:bodyPr>
+          <a:lstStyle/>
+          <a:p>
+            <a:r>
+              <a:rPr lang="ko-KR" altLang="en-US" sz="2800" smtClean="0">
+                <a:latin typeface="Consolas" panose="020B0609020204030204" pitchFamily="49" charset="0"/>
+              </a:rPr>
+              <a:t>배열과 포인터</a:t>
+            </a:r>
+            <a:endParaRPr lang="ko-KR" altLang="en-US" sz="2800" smtClean="0">
+              <a:latin typeface="Consolas" panose="020B0609020204030204" pitchFamily="49" charset="0"/>
+            </a:endParaRPr>
+          </a:p>
+        </p:txBody>
+      </p:sp>
+      <p:sp>
+        <p:nvSpPr>
+          <p:cNvPr id="5" name="TextBox 4"/>
+          <p:cNvSpPr txBox="1"/>
+          <p:nvPr/>
+        </p:nvSpPr>
+        <p:spPr>
+          <a:xfrm>
+            <a:off x="590067" y="3627093"/>
+            <a:ext cx="2747868" cy="954107"/>
+          </a:xfrm>
+          <a:prstGeom prst="rect">
+            <a:avLst/>
+          </a:prstGeom>
+          <a:noFill/>
+        </p:spPr>
+        <p:txBody>
+          <a:bodyPr wrap="none" rtlCol="0">
+            <a:spAutoFit/>
+          </a:bodyPr>
+          <a:lstStyle/>
+          <a:p>
+            <a:r>
+              <a:rPr lang="en-US" altLang="ko-KR" sz="2800">
+                <a:latin typeface="Consolas" panose="020B0609020204030204" pitchFamily="49" charset="0"/>
+              </a:rPr>
+              <a:t>int (*p2)[2];</a:t>
+            </a:r>
+          </a:p>
+          <a:p>
+            <a:endParaRPr lang="en-US" altLang="ko-KR" sz="2800">
+              <a:latin typeface="Consolas" panose="020B0609020204030204" pitchFamily="49" charset="0"/>
+            </a:endParaRPr>
+          </a:p>
+        </p:txBody>
+      </p:sp>
+      <p:sp>
+        <p:nvSpPr>
+          <p:cNvPr id="3" name="TextBox 2"/>
+          <p:cNvSpPr txBox="1"/>
+          <p:nvPr/>
+        </p:nvSpPr>
+        <p:spPr>
+          <a:xfrm>
+            <a:off x="4289367" y="1163782"/>
+            <a:ext cx="2156360" cy="523220"/>
+          </a:xfrm>
+          <a:prstGeom prst="rect">
+            <a:avLst/>
+          </a:prstGeom>
+          <a:noFill/>
+        </p:spPr>
+        <p:txBody>
+          <a:bodyPr wrap="none" rtlCol="0">
+            <a:spAutoFit/>
+          </a:bodyPr>
+          <a:lstStyle/>
+          <a:p>
+            <a:r>
+              <a:rPr lang="en-US" altLang="ko-KR" sz="2800" smtClean="0">
+                <a:latin typeface="Consolas" panose="020B0609020204030204" pitchFamily="49" charset="0"/>
+              </a:rPr>
+              <a:t>sizeof(p1)</a:t>
+            </a:r>
+            <a:endParaRPr lang="ko-KR" altLang="en-US" sz="2800" smtClean="0">
+              <a:latin typeface="Consolas" panose="020B0609020204030204" pitchFamily="49" charset="0"/>
+            </a:endParaRPr>
+          </a:p>
+        </p:txBody>
+      </p:sp>
+      <p:sp>
+        <p:nvSpPr>
+          <p:cNvPr id="12" name="TextBox 11"/>
+          <p:cNvSpPr txBox="1"/>
+          <p:nvPr/>
+        </p:nvSpPr>
+        <p:spPr>
+          <a:xfrm>
+            <a:off x="4197927" y="3746292"/>
+            <a:ext cx="2156360" cy="523220"/>
+          </a:xfrm>
+          <a:prstGeom prst="rect">
+            <a:avLst/>
+          </a:prstGeom>
+          <a:noFill/>
+        </p:spPr>
+        <p:txBody>
+          <a:bodyPr wrap="none" rtlCol="0">
+            <a:spAutoFit/>
+          </a:bodyPr>
+          <a:lstStyle/>
+          <a:p>
+            <a:r>
+              <a:rPr lang="en-US" altLang="ko-KR" sz="2800" smtClean="0">
+                <a:latin typeface="Consolas" panose="020B0609020204030204" pitchFamily="49" charset="0"/>
+              </a:rPr>
+              <a:t>sizeof(p2)</a:t>
+            </a:r>
+            <a:endParaRPr lang="ko-KR" altLang="en-US" sz="2800" smtClean="0">
+              <a:latin typeface="Consolas" panose="020B0609020204030204" pitchFamily="49" charset="0"/>
+            </a:endParaRPr>
+          </a:p>
+        </p:txBody>
+      </p:sp>
+      <p:sp>
+        <p:nvSpPr>
+          <p:cNvPr id="13" name="TextBox 12"/>
+          <p:cNvSpPr txBox="1"/>
+          <p:nvPr/>
+        </p:nvSpPr>
+        <p:spPr>
+          <a:xfrm>
+            <a:off x="6608618" y="1163782"/>
+            <a:ext cx="3339376" cy="523220"/>
+          </a:xfrm>
+          <a:prstGeom prst="rect">
+            <a:avLst/>
+          </a:prstGeom>
+          <a:noFill/>
+        </p:spPr>
+        <p:txBody>
+          <a:bodyPr wrap="none" rtlCol="0">
+            <a:spAutoFit/>
+          </a:bodyPr>
+          <a:lstStyle/>
+          <a:p>
+            <a:r>
+              <a:rPr lang="en-US" altLang="ko-KR" sz="2800" smtClean="0">
+                <a:latin typeface="Consolas" panose="020B0609020204030204" pitchFamily="49" charset="0"/>
+              </a:rPr>
+              <a:t>sizeof(int *[2])</a:t>
+            </a:r>
+            <a:endParaRPr lang="ko-KR" altLang="en-US" sz="2800" smtClean="0">
+              <a:latin typeface="Consolas" panose="020B0609020204030204" pitchFamily="49" charset="0"/>
+            </a:endParaRPr>
+          </a:p>
+        </p:txBody>
+      </p:sp>
+      <p:sp>
+        <p:nvSpPr>
+          <p:cNvPr id="14" name="TextBox 13"/>
+          <p:cNvSpPr txBox="1"/>
+          <p:nvPr/>
+        </p:nvSpPr>
+        <p:spPr>
+          <a:xfrm>
+            <a:off x="6517178" y="3745810"/>
+            <a:ext cx="3733714" cy="523220"/>
+          </a:xfrm>
+          <a:prstGeom prst="rect">
+            <a:avLst/>
+          </a:prstGeom>
+          <a:noFill/>
+        </p:spPr>
+        <p:txBody>
+          <a:bodyPr wrap="none" rtlCol="0">
+            <a:spAutoFit/>
+          </a:bodyPr>
+          <a:lstStyle/>
+          <a:p>
+            <a:r>
+              <a:rPr lang="en-US" altLang="ko-KR" sz="2800" smtClean="0">
+                <a:latin typeface="Consolas" panose="020B0609020204030204" pitchFamily="49" charset="0"/>
+              </a:rPr>
+              <a:t>sizeof(int (*)[2])</a:t>
+            </a:r>
+            <a:endParaRPr lang="ko-KR" altLang="en-US" sz="2800" smtClean="0">
+              <a:latin typeface="Consolas" panose="020B0609020204030204" pitchFamily="49" charset="0"/>
+            </a:endParaRPr>
+          </a:p>
+        </p:txBody>
+      </p:sp>
+      <p:sp>
+        <p:nvSpPr>
+          <p:cNvPr id="15" name="TextBox 14"/>
+          <p:cNvSpPr txBox="1"/>
+          <p:nvPr/>
+        </p:nvSpPr>
+        <p:spPr>
+          <a:xfrm>
+            <a:off x="590067" y="1070968"/>
+            <a:ext cx="2353529" cy="954107"/>
+          </a:xfrm>
+          <a:prstGeom prst="rect">
+            <a:avLst/>
+          </a:prstGeom>
+          <a:noFill/>
+        </p:spPr>
+        <p:txBody>
+          <a:bodyPr wrap="none" rtlCol="0">
+            <a:spAutoFit/>
+          </a:bodyPr>
+          <a:lstStyle/>
+          <a:p>
+            <a:r>
+              <a:rPr lang="en-US" altLang="ko-KR" sz="2800" smtClean="0">
+                <a:latin typeface="Consolas" panose="020B0609020204030204" pitchFamily="49" charset="0"/>
+              </a:rPr>
+              <a:t>int *p1[2];</a:t>
+            </a:r>
+          </a:p>
+          <a:p>
+            <a:endParaRPr lang="en-US" altLang="ko-KR" sz="2800">
+              <a:latin typeface="Consolas" panose="020B0609020204030204" pitchFamily="49" charset="0"/>
+            </a:endParaRPr>
+          </a:p>
+        </p:txBody>
+      </p:sp>
+      <p:sp>
+        <p:nvSpPr>
+          <p:cNvPr id="16" name="TextBox 15"/>
+          <p:cNvSpPr txBox="1"/>
+          <p:nvPr/>
+        </p:nvSpPr>
+        <p:spPr>
+          <a:xfrm>
+            <a:off x="4289367" y="1923023"/>
+            <a:ext cx="973343" cy="523220"/>
+          </a:xfrm>
+          <a:prstGeom prst="rect">
+            <a:avLst/>
+          </a:prstGeom>
+          <a:noFill/>
+        </p:spPr>
+        <p:txBody>
+          <a:bodyPr wrap="none" rtlCol="0">
+            <a:spAutoFit/>
+          </a:bodyPr>
+          <a:lstStyle/>
+          <a:p>
+            <a:r>
+              <a:rPr lang="en-US" altLang="ko-KR" sz="2800" smtClean="0">
+                <a:latin typeface="Consolas" panose="020B0609020204030204" pitchFamily="49" charset="0"/>
+              </a:rPr>
+              <a:t>p1+1</a:t>
+            </a:r>
+            <a:endParaRPr lang="ko-KR" altLang="en-US" sz="2800" smtClean="0">
+              <a:latin typeface="Consolas" panose="020B0609020204030204" pitchFamily="49" charset="0"/>
+            </a:endParaRPr>
+          </a:p>
+        </p:txBody>
+      </p:sp>
+      <p:sp>
+        <p:nvSpPr>
+          <p:cNvPr id="17" name="TextBox 16"/>
+          <p:cNvSpPr txBox="1"/>
+          <p:nvPr/>
+        </p:nvSpPr>
+        <p:spPr>
+          <a:xfrm>
+            <a:off x="4289366" y="4425154"/>
+            <a:ext cx="973343" cy="523220"/>
+          </a:xfrm>
+          <a:prstGeom prst="rect">
+            <a:avLst/>
+          </a:prstGeom>
+          <a:noFill/>
+        </p:spPr>
+        <p:txBody>
+          <a:bodyPr wrap="none" rtlCol="0">
+            <a:spAutoFit/>
+          </a:bodyPr>
+          <a:lstStyle/>
+          <a:p>
+            <a:r>
+              <a:rPr lang="en-US" altLang="ko-KR" sz="2800" smtClean="0">
+                <a:latin typeface="Consolas" panose="020B0609020204030204" pitchFamily="49" charset="0"/>
+              </a:rPr>
+              <a:t>p2+1</a:t>
+            </a:r>
+            <a:endParaRPr lang="ko-KR" altLang="en-US" sz="2800" smtClean="0">
+              <a:latin typeface="Consolas" panose="020B0609020204030204" pitchFamily="49" charset="0"/>
+            </a:endParaRPr>
+          </a:p>
+        </p:txBody>
+      </p:sp>
+    </p:spTree>
+    <p:extLst>
+      <p:ext uri="{BB962C8B-B14F-4D97-AF65-F5344CB8AC3E}">
+        <p14:creationId xmlns:p14="http://schemas.microsoft.com/office/powerpoint/2010/main" val="3330994876"/>
+      </p:ext>
+    </p:extLst>
+  </p:cSld>
+  <p:clrMapOvr>
+    <a:masterClrMapping/>
+  </p:clrMapOvr>
+</p:sld>
+</file>
+
+<file path=ppt/slides/slide49.xml><?xml version="1.0" encoding="utf-8"?>
+<p:sld xmlns:a="http://schemas.openxmlformats.org/drawingml/2006/main" xmlns:r="http://schemas.openxmlformats.org/officeDocument/2006/relationships" xmlns:p="http://schemas.openxmlformats.org/presentationml/2006/main">
+  <p:cSld>
+    <p:spTree>
+      <p:nvGrpSpPr>
+        <p:cNvPr id="1" name=""/>
+        <p:cNvGrpSpPr/>
+        <p:nvPr/>
+      </p:nvGrpSpPr>
+      <p:grpSpPr>
+        <a:xfrm>
+          <a:off x="0" y="0"/>
+          <a:ext cx="0" cy="0"/>
+          <a:chOff x="0" y="0"/>
+          <a:chExt cx="0" cy="0"/>
+        </a:xfrm>
+      </p:grpSpPr>
+      <p:sp>
+        <p:nvSpPr>
+          <p:cNvPr id="4" name="TextBox 3"/>
+          <p:cNvSpPr txBox="1"/>
+          <p:nvPr/>
+        </p:nvSpPr>
+        <p:spPr>
+          <a:xfrm>
+            <a:off x="407324" y="199505"/>
+            <a:ext cx="902811" cy="523220"/>
+          </a:xfrm>
+          <a:prstGeom prst="rect">
+            <a:avLst/>
+          </a:prstGeom>
+          <a:noFill/>
+        </p:spPr>
+        <p:txBody>
+          <a:bodyPr wrap="none" rtlCol="0">
+            <a:spAutoFit/>
+          </a:bodyPr>
+          <a:lstStyle/>
+          <a:p>
+            <a:r>
+              <a:rPr lang="ko-KR" altLang="en-US" sz="2800" smtClean="0">
+                <a:latin typeface="Consolas" panose="020B0609020204030204" pitchFamily="49" charset="0"/>
+              </a:rPr>
+              <a:t>함수</a:t>
+            </a:r>
+            <a:endParaRPr lang="ko-KR" altLang="en-US" sz="2800" smtClean="0">
+              <a:latin typeface="Consolas" panose="020B0609020204030204" pitchFamily="49" charset="0"/>
+            </a:endParaRPr>
+          </a:p>
+        </p:txBody>
+      </p:sp>
+      <p:sp>
+        <p:nvSpPr>
+          <p:cNvPr id="3" name="TextBox 2"/>
+          <p:cNvSpPr txBox="1"/>
+          <p:nvPr/>
+        </p:nvSpPr>
+        <p:spPr>
+          <a:xfrm>
+            <a:off x="4347556" y="1070968"/>
+            <a:ext cx="5113900" cy="954107"/>
+          </a:xfrm>
+          <a:prstGeom prst="rect">
+            <a:avLst/>
+          </a:prstGeom>
+          <a:noFill/>
+        </p:spPr>
+        <p:txBody>
+          <a:bodyPr wrap="none" rtlCol="0">
+            <a:spAutoFit/>
+          </a:bodyPr>
+          <a:lstStyle/>
+          <a:p>
+            <a:r>
+              <a:rPr lang="en-US" altLang="ko-KR" sz="2800" smtClean="0">
+                <a:latin typeface="Consolas" panose="020B0609020204030204" pitchFamily="49" charset="0"/>
+              </a:rPr>
+              <a:t>function(void)  returning</a:t>
+            </a:r>
+          </a:p>
+          <a:p>
+            <a:r>
+              <a:rPr lang="en-US" altLang="ko-KR" sz="2800" smtClean="0">
+                <a:latin typeface="Consolas" panose="020B0609020204030204" pitchFamily="49" charset="0"/>
+              </a:rPr>
+              <a:t>void</a:t>
+            </a:r>
+            <a:endParaRPr lang="ko-KR" altLang="en-US" sz="2800" smtClean="0">
+              <a:latin typeface="Consolas" panose="020B0609020204030204" pitchFamily="49" charset="0"/>
+            </a:endParaRPr>
+          </a:p>
+        </p:txBody>
+      </p:sp>
+      <p:sp>
+        <p:nvSpPr>
+          <p:cNvPr id="15" name="TextBox 14"/>
+          <p:cNvSpPr txBox="1"/>
+          <p:nvPr/>
+        </p:nvSpPr>
+        <p:spPr>
+          <a:xfrm>
+            <a:off x="590067" y="1070968"/>
+            <a:ext cx="2945037" cy="523220"/>
+          </a:xfrm>
+          <a:prstGeom prst="rect">
+            <a:avLst/>
+          </a:prstGeom>
+          <a:noFill/>
+        </p:spPr>
+        <p:txBody>
+          <a:bodyPr wrap="none" rtlCol="0">
+            <a:spAutoFit/>
+          </a:bodyPr>
+          <a:lstStyle/>
+          <a:p>
+            <a:r>
+              <a:rPr lang="en-US" altLang="ko-KR" sz="2800" smtClean="0">
+                <a:latin typeface="Consolas" panose="020B0609020204030204" pitchFamily="49" charset="0"/>
+              </a:rPr>
+              <a:t>void foo(void)</a:t>
+            </a:r>
+            <a:endParaRPr lang="en-US" altLang="ko-KR" sz="2800">
+              <a:latin typeface="Consolas" panose="020B0609020204030204" pitchFamily="49" charset="0"/>
+            </a:endParaRPr>
+          </a:p>
+        </p:txBody>
+      </p:sp>
+      <p:sp>
+        <p:nvSpPr>
+          <p:cNvPr id="11" name="TextBox 10"/>
+          <p:cNvSpPr txBox="1"/>
+          <p:nvPr/>
+        </p:nvSpPr>
+        <p:spPr>
+          <a:xfrm>
+            <a:off x="4347556" y="2700263"/>
+            <a:ext cx="5705408" cy="954107"/>
+          </a:xfrm>
+          <a:prstGeom prst="rect">
+            <a:avLst/>
+          </a:prstGeom>
+          <a:noFill/>
+        </p:spPr>
+        <p:txBody>
+          <a:bodyPr wrap="none" rtlCol="0">
+            <a:spAutoFit/>
+          </a:bodyPr>
+          <a:lstStyle/>
+          <a:p>
+            <a:r>
+              <a:rPr lang="en-US" altLang="ko-KR" sz="2800" smtClean="0">
+                <a:latin typeface="Consolas" panose="020B0609020204030204" pitchFamily="49" charset="0"/>
+              </a:rPr>
+              <a:t>function(int,int)  returning</a:t>
+            </a:r>
+          </a:p>
+          <a:p>
+            <a:r>
+              <a:rPr lang="en-US" altLang="ko-KR" sz="2800" smtClean="0">
+                <a:latin typeface="Consolas" panose="020B0609020204030204" pitchFamily="49" charset="0"/>
+              </a:rPr>
+              <a:t>void</a:t>
+            </a:r>
+            <a:endParaRPr lang="ko-KR" altLang="en-US" sz="2800" smtClean="0">
+              <a:latin typeface="Consolas" panose="020B0609020204030204" pitchFamily="49" charset="0"/>
+            </a:endParaRPr>
+          </a:p>
+        </p:txBody>
+      </p:sp>
+      <p:sp>
+        <p:nvSpPr>
+          <p:cNvPr id="18" name="TextBox 17"/>
+          <p:cNvSpPr txBox="1"/>
+          <p:nvPr/>
+        </p:nvSpPr>
+        <p:spPr>
+          <a:xfrm>
+            <a:off x="590067" y="2700263"/>
+            <a:ext cx="3536546" cy="523220"/>
+          </a:xfrm>
+          <a:prstGeom prst="rect">
+            <a:avLst/>
+          </a:prstGeom>
+          <a:noFill/>
+        </p:spPr>
+        <p:txBody>
+          <a:bodyPr wrap="none" rtlCol="0">
+            <a:spAutoFit/>
+          </a:bodyPr>
+          <a:lstStyle/>
+          <a:p>
+            <a:r>
+              <a:rPr lang="en-US" altLang="ko-KR" sz="2800" smtClean="0">
+                <a:latin typeface="Consolas" panose="020B0609020204030204" pitchFamily="49" charset="0"/>
+              </a:rPr>
+              <a:t>void foo(int,int)</a:t>
+            </a:r>
+            <a:endParaRPr lang="en-US" altLang="ko-KR" sz="2800">
+              <a:latin typeface="Consolas" panose="020B0609020204030204" pitchFamily="49" charset="0"/>
+            </a:endParaRPr>
+          </a:p>
+        </p:txBody>
+      </p:sp>
+      <p:sp>
+        <p:nvSpPr>
+          <p:cNvPr id="19" name="TextBox 18"/>
+          <p:cNvSpPr txBox="1"/>
+          <p:nvPr/>
+        </p:nvSpPr>
+        <p:spPr>
+          <a:xfrm>
+            <a:off x="4347556" y="4429310"/>
+            <a:ext cx="5705408" cy="954107"/>
+          </a:xfrm>
+          <a:prstGeom prst="rect">
+            <a:avLst/>
+          </a:prstGeom>
+          <a:noFill/>
+        </p:spPr>
+        <p:txBody>
+          <a:bodyPr wrap="none" rtlCol="0">
+            <a:spAutoFit/>
+          </a:bodyPr>
+          <a:lstStyle/>
+          <a:p>
+            <a:r>
+              <a:rPr lang="en-US" altLang="ko-KR" sz="2800" smtClean="0">
+                <a:latin typeface="Consolas" panose="020B0609020204030204" pitchFamily="49" charset="0"/>
+              </a:rPr>
+              <a:t>function(int,int)  returning</a:t>
+            </a:r>
+          </a:p>
+          <a:p>
+            <a:r>
+              <a:rPr lang="en-US" altLang="ko-KR" sz="2800" smtClean="0">
+                <a:latin typeface="Consolas" panose="020B0609020204030204" pitchFamily="49" charset="0"/>
+              </a:rPr>
+              <a:t>int</a:t>
+            </a:r>
+            <a:endParaRPr lang="ko-KR" altLang="en-US" sz="2800" smtClean="0">
+              <a:latin typeface="Consolas" panose="020B0609020204030204" pitchFamily="49" charset="0"/>
+            </a:endParaRPr>
+          </a:p>
+        </p:txBody>
+      </p:sp>
+      <p:sp>
+        <p:nvSpPr>
+          <p:cNvPr id="20" name="TextBox 19"/>
+          <p:cNvSpPr txBox="1"/>
+          <p:nvPr/>
+        </p:nvSpPr>
+        <p:spPr>
+          <a:xfrm>
+            <a:off x="590067" y="4429310"/>
+            <a:ext cx="3339376" cy="523220"/>
+          </a:xfrm>
+          <a:prstGeom prst="rect">
+            <a:avLst/>
+          </a:prstGeom>
+          <a:noFill/>
+        </p:spPr>
+        <p:txBody>
+          <a:bodyPr wrap="none" rtlCol="0">
+            <a:spAutoFit/>
+          </a:bodyPr>
+          <a:lstStyle/>
+          <a:p>
+            <a:r>
+              <a:rPr lang="en-US" altLang="ko-KR" sz="2800" smtClean="0">
+                <a:latin typeface="Consolas" panose="020B0609020204030204" pitchFamily="49" charset="0"/>
+              </a:rPr>
+              <a:t>int foo(int,int)</a:t>
+            </a:r>
+            <a:endParaRPr lang="en-US" altLang="ko-KR" sz="2800">
+              <a:latin typeface="Consolas" panose="020B0609020204030204" pitchFamily="49" charset="0"/>
+            </a:endParaRPr>
+          </a:p>
+        </p:txBody>
+      </p:sp>
+    </p:spTree>
+    <p:extLst>
+      <p:ext uri="{BB962C8B-B14F-4D97-AF65-F5344CB8AC3E}">
+        <p14:creationId xmlns:p14="http://schemas.microsoft.com/office/powerpoint/2010/main" val="2893515657"/>
       </p:ext>
     </p:extLst>
   </p:cSld>
@@ -46958,6 +53589,660 @@
     <p:extLst>
       <p:ext uri="{BB962C8B-B14F-4D97-AF65-F5344CB8AC3E}">
         <p14:creationId xmlns:p14="http://schemas.microsoft.com/office/powerpoint/2010/main" val="3543199780"/>
+      </p:ext>
+    </p:extLst>
+  </p:cSld>
+  <p:clrMapOvr>
+    <a:masterClrMapping/>
+  </p:clrMapOvr>
+</p:sld>
+</file>
+
+<file path=ppt/slides/slide50.xml><?xml version="1.0" encoding="utf-8"?>
+<p:sld xmlns:a="http://schemas.openxmlformats.org/drawingml/2006/main" xmlns:r="http://schemas.openxmlformats.org/officeDocument/2006/relationships" xmlns:p="http://schemas.openxmlformats.org/presentationml/2006/main">
+  <p:cSld>
+    <p:spTree>
+      <p:nvGrpSpPr>
+        <p:cNvPr id="1" name=""/>
+        <p:cNvGrpSpPr/>
+        <p:nvPr/>
+      </p:nvGrpSpPr>
+      <p:grpSpPr>
+        <a:xfrm>
+          <a:off x="0" y="0"/>
+          <a:ext cx="0" cy="0"/>
+          <a:chOff x="0" y="0"/>
+          <a:chExt cx="0" cy="0"/>
+        </a:xfrm>
+      </p:grpSpPr>
+      <p:sp>
+        <p:nvSpPr>
+          <p:cNvPr id="4" name="TextBox 3"/>
+          <p:cNvSpPr txBox="1"/>
+          <p:nvPr/>
+        </p:nvSpPr>
+        <p:spPr>
+          <a:xfrm>
+            <a:off x="407324" y="199505"/>
+            <a:ext cx="902811" cy="523220"/>
+          </a:xfrm>
+          <a:prstGeom prst="rect">
+            <a:avLst/>
+          </a:prstGeom>
+          <a:noFill/>
+        </p:spPr>
+        <p:txBody>
+          <a:bodyPr wrap="none" rtlCol="0">
+            <a:spAutoFit/>
+          </a:bodyPr>
+          <a:lstStyle/>
+          <a:p>
+            <a:r>
+              <a:rPr lang="ko-KR" altLang="en-US" sz="2800" smtClean="0">
+                <a:latin typeface="Consolas" panose="020B0609020204030204" pitchFamily="49" charset="0"/>
+              </a:rPr>
+              <a:t>함수</a:t>
+            </a:r>
+            <a:endParaRPr lang="ko-KR" altLang="en-US" sz="2800" smtClean="0">
+              <a:latin typeface="Consolas" panose="020B0609020204030204" pitchFamily="49" charset="0"/>
+            </a:endParaRPr>
+          </a:p>
+        </p:txBody>
+      </p:sp>
+      <p:sp>
+        <p:nvSpPr>
+          <p:cNvPr id="15" name="TextBox 14"/>
+          <p:cNvSpPr txBox="1"/>
+          <p:nvPr/>
+        </p:nvSpPr>
+        <p:spPr>
+          <a:xfrm>
+            <a:off x="590067" y="1070968"/>
+            <a:ext cx="5508239" cy="4401205"/>
+          </a:xfrm>
+          <a:prstGeom prst="rect">
+            <a:avLst/>
+          </a:prstGeom>
+          <a:noFill/>
+        </p:spPr>
+        <p:txBody>
+          <a:bodyPr wrap="none" rtlCol="0">
+            <a:spAutoFit/>
+          </a:bodyPr>
+          <a:lstStyle/>
+          <a:p>
+            <a:r>
+              <a:rPr lang="en-US" altLang="ko-KR" sz="2800" smtClean="0">
+                <a:latin typeface="Consolas" panose="020B0609020204030204" pitchFamily="49" charset="0"/>
+              </a:rPr>
+              <a:t>void foo(void)</a:t>
+            </a:r>
+          </a:p>
+          <a:p>
+            <a:r>
+              <a:rPr lang="en-US" altLang="ko-KR" sz="2800" smtClean="0">
+                <a:latin typeface="Consolas" panose="020B0609020204030204" pitchFamily="49" charset="0"/>
+              </a:rPr>
+              <a:t>{</a:t>
+            </a:r>
+          </a:p>
+          <a:p>
+            <a:r>
+              <a:rPr lang="en-US" altLang="ko-KR" sz="2800">
+                <a:latin typeface="Consolas" panose="020B0609020204030204" pitchFamily="49" charset="0"/>
+              </a:rPr>
+              <a:t> </a:t>
+            </a:r>
+            <a:r>
+              <a:rPr lang="en-US" altLang="ko-KR" sz="2800" smtClean="0">
+                <a:latin typeface="Consolas" panose="020B0609020204030204" pitchFamily="49" charset="0"/>
+              </a:rPr>
+              <a:t>  printf("foo()\n");</a:t>
+            </a:r>
+          </a:p>
+          <a:p>
+            <a:r>
+              <a:rPr lang="en-US" altLang="ko-KR" sz="2800" smtClean="0">
+                <a:latin typeface="Consolas" panose="020B0609020204030204" pitchFamily="49" charset="0"/>
+              </a:rPr>
+              <a:t>}</a:t>
+            </a:r>
+          </a:p>
+          <a:p>
+            <a:endParaRPr lang="en-US" altLang="ko-KR" sz="2800">
+              <a:latin typeface="Consolas" panose="020B0609020204030204" pitchFamily="49" charset="0"/>
+            </a:endParaRPr>
+          </a:p>
+          <a:p>
+            <a:r>
+              <a:rPr lang="en-US" altLang="ko-KR" sz="2800" smtClean="0">
+                <a:latin typeface="Consolas" panose="020B0609020204030204" pitchFamily="49" charset="0"/>
+              </a:rPr>
+              <a:t>int main()</a:t>
+            </a:r>
+          </a:p>
+          <a:p>
+            <a:r>
+              <a:rPr lang="en-US" altLang="ko-KR" sz="2800" smtClean="0">
+                <a:latin typeface="Consolas" panose="020B0609020204030204" pitchFamily="49" charset="0"/>
+              </a:rPr>
+              <a:t>{</a:t>
+            </a:r>
+          </a:p>
+          <a:p>
+            <a:r>
+              <a:rPr lang="en-US" altLang="ko-KR" sz="2800">
+                <a:latin typeface="Consolas" panose="020B0609020204030204" pitchFamily="49" charset="0"/>
+              </a:rPr>
+              <a:t> </a:t>
+            </a:r>
+            <a:r>
+              <a:rPr lang="en-US" altLang="ko-KR" sz="2800">
+                <a:latin typeface="Consolas" panose="020B0609020204030204" pitchFamily="49" charset="0"/>
+              </a:rPr>
+              <a:t>   foo();     </a:t>
+            </a:r>
+            <a:r>
+              <a:rPr lang="en-US" altLang="ko-KR" sz="2800">
+                <a:latin typeface="Consolas" panose="020B0609020204030204" pitchFamily="49" charset="0"/>
+              </a:rPr>
+              <a:t>// </a:t>
+            </a:r>
+            <a:r>
+              <a:rPr lang="en-US" altLang="ko-KR" sz="2800" smtClean="0">
+                <a:latin typeface="Consolas" panose="020B0609020204030204" pitchFamily="49" charset="0"/>
+              </a:rPr>
+              <a:t>call  foo</a:t>
+            </a:r>
+            <a:endParaRPr lang="en-US" altLang="ko-KR" sz="2800">
+              <a:latin typeface="Consolas" panose="020B0609020204030204" pitchFamily="49" charset="0"/>
+            </a:endParaRPr>
+          </a:p>
+          <a:p>
+            <a:r>
+              <a:rPr lang="en-US" altLang="ko-KR" sz="2800">
+                <a:latin typeface="Consolas" panose="020B0609020204030204" pitchFamily="49" charset="0"/>
+              </a:rPr>
+              <a:t> </a:t>
+            </a:r>
+            <a:r>
+              <a:rPr lang="en-US" altLang="ko-KR" sz="2800" smtClean="0">
+                <a:latin typeface="Consolas" panose="020B0609020204030204" pitchFamily="49" charset="0"/>
+              </a:rPr>
+              <a:t>   return 0;</a:t>
+            </a:r>
+          </a:p>
+          <a:p>
+            <a:r>
+              <a:rPr lang="en-US" altLang="ko-KR" sz="2800">
+                <a:latin typeface="Consolas" panose="020B0609020204030204" pitchFamily="49" charset="0"/>
+              </a:rPr>
+              <a:t>}</a:t>
+            </a:r>
+          </a:p>
+        </p:txBody>
+      </p:sp>
+    </p:spTree>
+    <p:extLst>
+      <p:ext uri="{BB962C8B-B14F-4D97-AF65-F5344CB8AC3E}">
+        <p14:creationId xmlns:p14="http://schemas.microsoft.com/office/powerpoint/2010/main" val="2130550949"/>
+      </p:ext>
+    </p:extLst>
+  </p:cSld>
+  <p:clrMapOvr>
+    <a:masterClrMapping/>
+  </p:clrMapOvr>
+</p:sld>
+</file>
+
+<file path=ppt/slides/slide51.xml><?xml version="1.0" encoding="utf-8"?>
+<p:sld xmlns:a="http://schemas.openxmlformats.org/drawingml/2006/main" xmlns:r="http://schemas.openxmlformats.org/officeDocument/2006/relationships" xmlns:p="http://schemas.openxmlformats.org/presentationml/2006/main">
+  <p:cSld>
+    <p:spTree>
+      <p:nvGrpSpPr>
+        <p:cNvPr id="1" name=""/>
+        <p:cNvGrpSpPr/>
+        <p:nvPr/>
+      </p:nvGrpSpPr>
+      <p:grpSpPr>
+        <a:xfrm>
+          <a:off x="0" y="0"/>
+          <a:ext cx="0" cy="0"/>
+          <a:chOff x="0" y="0"/>
+          <a:chExt cx="0" cy="0"/>
+        </a:xfrm>
+      </p:grpSpPr>
+      <p:sp>
+        <p:nvSpPr>
+          <p:cNvPr id="4" name="TextBox 3"/>
+          <p:cNvSpPr txBox="1"/>
+          <p:nvPr/>
+        </p:nvSpPr>
+        <p:spPr>
+          <a:xfrm>
+            <a:off x="407324" y="199505"/>
+            <a:ext cx="902811" cy="523220"/>
+          </a:xfrm>
+          <a:prstGeom prst="rect">
+            <a:avLst/>
+          </a:prstGeom>
+          <a:noFill/>
+        </p:spPr>
+        <p:txBody>
+          <a:bodyPr wrap="none" rtlCol="0">
+            <a:spAutoFit/>
+          </a:bodyPr>
+          <a:lstStyle/>
+          <a:p>
+            <a:r>
+              <a:rPr lang="ko-KR" altLang="en-US" sz="2800" smtClean="0">
+                <a:latin typeface="Consolas" panose="020B0609020204030204" pitchFamily="49" charset="0"/>
+              </a:rPr>
+              <a:t>함수</a:t>
+            </a:r>
+            <a:endParaRPr lang="ko-KR" altLang="en-US" sz="2800" smtClean="0">
+              <a:latin typeface="Consolas" panose="020B0609020204030204" pitchFamily="49" charset="0"/>
+            </a:endParaRPr>
+          </a:p>
+        </p:txBody>
+      </p:sp>
+      <p:sp>
+        <p:nvSpPr>
+          <p:cNvPr id="15" name="TextBox 14"/>
+          <p:cNvSpPr txBox="1"/>
+          <p:nvPr/>
+        </p:nvSpPr>
+        <p:spPr>
+          <a:xfrm>
+            <a:off x="590067" y="1070968"/>
+            <a:ext cx="4719562" cy="4401205"/>
+          </a:xfrm>
+          <a:prstGeom prst="rect">
+            <a:avLst/>
+          </a:prstGeom>
+          <a:noFill/>
+        </p:spPr>
+        <p:txBody>
+          <a:bodyPr wrap="none" rtlCol="0">
+            <a:spAutoFit/>
+          </a:bodyPr>
+          <a:lstStyle/>
+          <a:p>
+            <a:r>
+              <a:rPr lang="en-US" altLang="ko-KR" sz="2800" smtClean="0">
+                <a:latin typeface="Consolas" panose="020B0609020204030204" pitchFamily="49" charset="0"/>
+              </a:rPr>
+              <a:t>void foo(void)</a:t>
+            </a:r>
+          </a:p>
+          <a:p>
+            <a:r>
+              <a:rPr lang="en-US" altLang="ko-KR" sz="2800" smtClean="0">
+                <a:latin typeface="Consolas" panose="020B0609020204030204" pitchFamily="49" charset="0"/>
+              </a:rPr>
+              <a:t>{</a:t>
+            </a:r>
+          </a:p>
+          <a:p>
+            <a:r>
+              <a:rPr lang="en-US" altLang="ko-KR" sz="2800">
+                <a:latin typeface="Consolas" panose="020B0609020204030204" pitchFamily="49" charset="0"/>
+              </a:rPr>
+              <a:t> </a:t>
+            </a:r>
+            <a:r>
+              <a:rPr lang="en-US" altLang="ko-KR" sz="2800" smtClean="0">
+                <a:latin typeface="Consolas" panose="020B0609020204030204" pitchFamily="49" charset="0"/>
+              </a:rPr>
+              <a:t>  printf("foo()\n");</a:t>
+            </a:r>
+          </a:p>
+          <a:p>
+            <a:r>
+              <a:rPr lang="en-US" altLang="ko-KR" sz="2800" smtClean="0">
+                <a:latin typeface="Consolas" panose="020B0609020204030204" pitchFamily="49" charset="0"/>
+              </a:rPr>
+              <a:t>}</a:t>
+            </a:r>
+          </a:p>
+          <a:p>
+            <a:endParaRPr lang="en-US" altLang="ko-KR" sz="2800">
+              <a:latin typeface="Consolas" panose="020B0609020204030204" pitchFamily="49" charset="0"/>
+            </a:endParaRPr>
+          </a:p>
+          <a:p>
+            <a:r>
+              <a:rPr lang="en-US" altLang="ko-KR" sz="2800" smtClean="0">
+                <a:latin typeface="Consolas" panose="020B0609020204030204" pitchFamily="49" charset="0"/>
+              </a:rPr>
+              <a:t>int main()</a:t>
+            </a:r>
+          </a:p>
+          <a:p>
+            <a:r>
+              <a:rPr lang="en-US" altLang="ko-KR" sz="2800" smtClean="0">
+                <a:latin typeface="Consolas" panose="020B0609020204030204" pitchFamily="49" charset="0"/>
+              </a:rPr>
+              <a:t>{</a:t>
+            </a:r>
+          </a:p>
+          <a:p>
+            <a:r>
+              <a:rPr lang="en-US" altLang="ko-KR" sz="2800">
+                <a:latin typeface="Consolas" panose="020B0609020204030204" pitchFamily="49" charset="0"/>
+              </a:rPr>
+              <a:t>    </a:t>
+            </a:r>
+            <a:r>
+              <a:rPr lang="en-US" altLang="ko-KR" sz="2800" smtClean="0">
+                <a:latin typeface="Consolas" panose="020B0609020204030204" pitchFamily="49" charset="0"/>
+              </a:rPr>
+              <a:t>foo;     </a:t>
+            </a:r>
+            <a:r>
+              <a:rPr lang="en-US" altLang="ko-KR" sz="2800">
+                <a:latin typeface="Consolas" panose="020B0609020204030204" pitchFamily="49" charset="0"/>
+              </a:rPr>
+              <a:t>// </a:t>
+            </a:r>
+            <a:r>
+              <a:rPr lang="en-US" altLang="ko-KR" sz="2800" smtClean="0">
+                <a:latin typeface="Consolas" panose="020B0609020204030204" pitchFamily="49" charset="0"/>
+              </a:rPr>
+              <a:t>0x1160;</a:t>
+            </a:r>
+            <a:endParaRPr lang="en-US" altLang="ko-KR" sz="2800">
+              <a:latin typeface="Consolas" panose="020B0609020204030204" pitchFamily="49" charset="0"/>
+            </a:endParaRPr>
+          </a:p>
+          <a:p>
+            <a:r>
+              <a:rPr lang="en-US" altLang="ko-KR" sz="2800">
+                <a:latin typeface="Consolas" panose="020B0609020204030204" pitchFamily="49" charset="0"/>
+              </a:rPr>
+              <a:t> </a:t>
+            </a:r>
+            <a:r>
+              <a:rPr lang="en-US" altLang="ko-KR" sz="2800" smtClean="0">
+                <a:latin typeface="Consolas" panose="020B0609020204030204" pitchFamily="49" charset="0"/>
+              </a:rPr>
+              <a:t>   return 0;</a:t>
+            </a:r>
+          </a:p>
+          <a:p>
+            <a:r>
+              <a:rPr lang="en-US" altLang="ko-KR" sz="2800">
+                <a:latin typeface="Consolas" panose="020B0609020204030204" pitchFamily="49" charset="0"/>
+              </a:rPr>
+              <a:t>}</a:t>
+            </a:r>
+          </a:p>
+        </p:txBody>
+      </p:sp>
+    </p:spTree>
+    <p:extLst>
+      <p:ext uri="{BB962C8B-B14F-4D97-AF65-F5344CB8AC3E}">
+        <p14:creationId xmlns:p14="http://schemas.microsoft.com/office/powerpoint/2010/main" val="575096541"/>
+      </p:ext>
+    </p:extLst>
+  </p:cSld>
+  <p:clrMapOvr>
+    <a:masterClrMapping/>
+  </p:clrMapOvr>
+</p:sld>
+</file>
+
+<file path=ppt/slides/slide52.xml><?xml version="1.0" encoding="utf-8"?>
+<p:sld xmlns:a="http://schemas.openxmlformats.org/drawingml/2006/main" xmlns:r="http://schemas.openxmlformats.org/officeDocument/2006/relationships" xmlns:p="http://schemas.openxmlformats.org/presentationml/2006/main">
+  <p:cSld>
+    <p:spTree>
+      <p:nvGrpSpPr>
+        <p:cNvPr id="1" name=""/>
+        <p:cNvGrpSpPr/>
+        <p:nvPr/>
+      </p:nvGrpSpPr>
+      <p:grpSpPr>
+        <a:xfrm>
+          <a:off x="0" y="0"/>
+          <a:ext cx="0" cy="0"/>
+          <a:chOff x="0" y="0"/>
+          <a:chExt cx="0" cy="0"/>
+        </a:xfrm>
+      </p:grpSpPr>
+      <p:sp>
+        <p:nvSpPr>
+          <p:cNvPr id="4" name="TextBox 3"/>
+          <p:cNvSpPr txBox="1"/>
+          <p:nvPr/>
+        </p:nvSpPr>
+        <p:spPr>
+          <a:xfrm>
+            <a:off x="407324" y="199505"/>
+            <a:ext cx="902811" cy="523220"/>
+          </a:xfrm>
+          <a:prstGeom prst="rect">
+            <a:avLst/>
+          </a:prstGeom>
+          <a:noFill/>
+        </p:spPr>
+        <p:txBody>
+          <a:bodyPr wrap="none" rtlCol="0">
+            <a:spAutoFit/>
+          </a:bodyPr>
+          <a:lstStyle/>
+          <a:p>
+            <a:r>
+              <a:rPr lang="ko-KR" altLang="en-US" sz="2800" smtClean="0">
+                <a:latin typeface="Consolas" panose="020B0609020204030204" pitchFamily="49" charset="0"/>
+              </a:rPr>
+              <a:t>함수</a:t>
+            </a:r>
+            <a:endParaRPr lang="ko-KR" altLang="en-US" sz="2800" smtClean="0">
+              <a:latin typeface="Consolas" panose="020B0609020204030204" pitchFamily="49" charset="0"/>
+            </a:endParaRPr>
+          </a:p>
+        </p:txBody>
+      </p:sp>
+      <p:sp>
+        <p:nvSpPr>
+          <p:cNvPr id="15" name="TextBox 14"/>
+          <p:cNvSpPr txBox="1"/>
+          <p:nvPr/>
+        </p:nvSpPr>
+        <p:spPr>
+          <a:xfrm>
+            <a:off x="240934" y="1070968"/>
+            <a:ext cx="5868922" cy="4832092"/>
+          </a:xfrm>
+          <a:prstGeom prst="rect">
+            <a:avLst/>
+          </a:prstGeom>
+          <a:noFill/>
+        </p:spPr>
+        <p:txBody>
+          <a:bodyPr wrap="square" rtlCol="0">
+            <a:spAutoFit/>
+          </a:bodyPr>
+          <a:lstStyle/>
+          <a:p>
+            <a:r>
+              <a:rPr lang="en-US" altLang="ko-KR" sz="2800" smtClean="0">
+                <a:latin typeface="Consolas" panose="020B0609020204030204" pitchFamily="49" charset="0"/>
+              </a:rPr>
+              <a:t>void foo(void)</a:t>
+            </a:r>
+          </a:p>
+          <a:p>
+            <a:r>
+              <a:rPr lang="en-US" altLang="ko-KR" sz="2800" smtClean="0">
+                <a:latin typeface="Consolas" panose="020B0609020204030204" pitchFamily="49" charset="0"/>
+              </a:rPr>
+              <a:t>{</a:t>
+            </a:r>
+          </a:p>
+          <a:p>
+            <a:r>
+              <a:rPr lang="en-US" altLang="ko-KR" sz="2800">
+                <a:latin typeface="Consolas" panose="020B0609020204030204" pitchFamily="49" charset="0"/>
+              </a:rPr>
+              <a:t> </a:t>
+            </a:r>
+            <a:r>
+              <a:rPr lang="en-US" altLang="ko-KR" sz="2800" smtClean="0">
+                <a:latin typeface="Consolas" panose="020B0609020204030204" pitchFamily="49" charset="0"/>
+              </a:rPr>
+              <a:t>  printf("foo()\n");</a:t>
+            </a:r>
+          </a:p>
+          <a:p>
+            <a:r>
+              <a:rPr lang="en-US" altLang="ko-KR" sz="2800" smtClean="0">
+                <a:latin typeface="Consolas" panose="020B0609020204030204" pitchFamily="49" charset="0"/>
+              </a:rPr>
+              <a:t>}</a:t>
+            </a:r>
+          </a:p>
+          <a:p>
+            <a:endParaRPr lang="en-US" altLang="ko-KR" sz="2800">
+              <a:latin typeface="Consolas" panose="020B0609020204030204" pitchFamily="49" charset="0"/>
+            </a:endParaRPr>
+          </a:p>
+          <a:p>
+            <a:r>
+              <a:rPr lang="en-US" altLang="ko-KR" sz="2800" smtClean="0">
+                <a:latin typeface="Consolas" panose="020B0609020204030204" pitchFamily="49" charset="0"/>
+              </a:rPr>
+              <a:t>int main()</a:t>
+            </a:r>
+          </a:p>
+          <a:p>
+            <a:r>
+              <a:rPr lang="en-US" altLang="ko-KR" sz="2800" smtClean="0">
+                <a:latin typeface="Consolas" panose="020B0609020204030204" pitchFamily="49" charset="0"/>
+              </a:rPr>
+              <a:t>{</a:t>
+            </a:r>
+          </a:p>
+          <a:p>
+            <a:r>
+              <a:rPr lang="en-US" altLang="ko-KR" sz="2800">
+                <a:latin typeface="Consolas" panose="020B0609020204030204" pitchFamily="49" charset="0"/>
+              </a:rPr>
+              <a:t>    void </a:t>
+            </a:r>
+            <a:r>
+              <a:rPr lang="en-US" altLang="ko-KR" sz="2800" smtClean="0">
+                <a:latin typeface="Consolas" panose="020B0609020204030204" pitchFamily="49" charset="0"/>
+              </a:rPr>
+              <a:t>(*p)(void) = foo;</a:t>
+            </a:r>
+          </a:p>
+          <a:p>
+            <a:r>
+              <a:rPr lang="en-US" altLang="ko-KR" sz="2800">
+                <a:latin typeface="Consolas" panose="020B0609020204030204" pitchFamily="49" charset="0"/>
+              </a:rPr>
+              <a:t> </a:t>
+            </a:r>
+            <a:r>
+              <a:rPr lang="en-US" altLang="ko-KR" sz="2800" smtClean="0">
+                <a:latin typeface="Consolas" panose="020B0609020204030204" pitchFamily="49" charset="0"/>
+              </a:rPr>
+              <a:t>   p(); </a:t>
+            </a:r>
+          </a:p>
+          <a:p>
+            <a:r>
+              <a:rPr lang="en-US" altLang="ko-KR" sz="2800">
+                <a:latin typeface="Consolas" panose="020B0609020204030204" pitchFamily="49" charset="0"/>
+              </a:rPr>
+              <a:t> </a:t>
+            </a:r>
+            <a:r>
+              <a:rPr lang="en-US" altLang="ko-KR" sz="2800" smtClean="0">
+                <a:latin typeface="Consolas" panose="020B0609020204030204" pitchFamily="49" charset="0"/>
+              </a:rPr>
+              <a:t>   return 0;</a:t>
+            </a:r>
+          </a:p>
+          <a:p>
+            <a:r>
+              <a:rPr lang="en-US" altLang="ko-KR" sz="2800">
+                <a:latin typeface="Consolas" panose="020B0609020204030204" pitchFamily="49" charset="0"/>
+              </a:rPr>
+              <a:t>}</a:t>
+            </a:r>
+          </a:p>
+        </p:txBody>
+      </p:sp>
+      <p:sp>
+        <p:nvSpPr>
+          <p:cNvPr id="5" name="TextBox 4"/>
+          <p:cNvSpPr txBox="1"/>
+          <p:nvPr/>
+        </p:nvSpPr>
+        <p:spPr>
+          <a:xfrm>
+            <a:off x="5719156" y="199505"/>
+            <a:ext cx="6141425" cy="523220"/>
+          </a:xfrm>
+          <a:prstGeom prst="rect">
+            <a:avLst/>
+          </a:prstGeom>
+          <a:noFill/>
+        </p:spPr>
+        <p:txBody>
+          <a:bodyPr wrap="none" rtlCol="0">
+            <a:spAutoFit/>
+          </a:bodyPr>
+          <a:lstStyle/>
+          <a:p>
+            <a:r>
+              <a:rPr lang="ko-KR" altLang="en-US" sz="2800" smtClean="0">
+                <a:latin typeface="Consolas" panose="020B0609020204030204" pitchFamily="49" charset="0"/>
+              </a:rPr>
+              <a:t>질문 </a:t>
+            </a:r>
+            <a:r>
+              <a:rPr lang="en-US" altLang="ko-KR" sz="2800" smtClean="0">
+                <a:latin typeface="Consolas" panose="020B0609020204030204" pitchFamily="49" charset="0"/>
+              </a:rPr>
+              <a:t>: p</a:t>
+            </a:r>
+            <a:r>
+              <a:rPr lang="ko-KR" altLang="en-US" sz="2800" smtClean="0">
+                <a:latin typeface="Consolas" panose="020B0609020204030204" pitchFamily="49" charset="0"/>
+              </a:rPr>
+              <a:t>와  </a:t>
+            </a:r>
+            <a:r>
+              <a:rPr lang="en-US" altLang="ko-KR" sz="2800" smtClean="0">
+                <a:latin typeface="Consolas" panose="020B0609020204030204" pitchFamily="49" charset="0"/>
+              </a:rPr>
+              <a:t>foo</a:t>
+            </a:r>
+            <a:r>
+              <a:rPr lang="ko-KR" altLang="en-US" sz="2800" smtClean="0">
+                <a:latin typeface="Consolas" panose="020B0609020204030204" pitchFamily="49" charset="0"/>
+              </a:rPr>
+              <a:t>는 같은 타입인가</a:t>
+            </a:r>
+            <a:r>
+              <a:rPr lang="en-US" altLang="ko-KR" sz="2800" smtClean="0">
+                <a:latin typeface="Consolas" panose="020B0609020204030204" pitchFamily="49" charset="0"/>
+              </a:rPr>
+              <a:t>?</a:t>
+            </a:r>
+            <a:endParaRPr lang="ko-KR" altLang="en-US" sz="2800" smtClean="0">
+              <a:latin typeface="Consolas" panose="020B0609020204030204" pitchFamily="49" charset="0"/>
+            </a:endParaRPr>
+          </a:p>
+        </p:txBody>
+      </p:sp>
+    </p:spTree>
+    <p:extLst>
+      <p:ext uri="{BB962C8B-B14F-4D97-AF65-F5344CB8AC3E}">
+        <p14:creationId xmlns:p14="http://schemas.microsoft.com/office/powerpoint/2010/main" val="3369918911"/>
       </p:ext>
     </p:extLst>
   </p:cSld>

--- a/수업판서.pptx
+++ b/수업판서.pptx
@@ -57,6 +57,15 @@
     <p:sldId id="305" r:id="rId51"/>
     <p:sldId id="306" r:id="rId52"/>
     <p:sldId id="307" r:id="rId53"/>
+    <p:sldId id="308" r:id="rId54"/>
+    <p:sldId id="309" r:id="rId55"/>
+    <p:sldId id="310" r:id="rId56"/>
+    <p:sldId id="311" r:id="rId57"/>
+    <p:sldId id="312" r:id="rId58"/>
+    <p:sldId id="313" r:id="rId59"/>
+    <p:sldId id="314" r:id="rId60"/>
+    <p:sldId id="315" r:id="rId61"/>
+    <p:sldId id="316" r:id="rId62"/>
   </p:sldIdLst>
   <p:sldSz cx="12192000" cy="6858000"/>
   <p:notesSz cx="6858000" cy="9144000"/>
@@ -6045,10 +6054,18 @@
           </a:p>
           <a:p>
             <a:r>
-              <a:rPr lang="ko-KR" altLang="en-US" sz="2800" smtClean="0"/>
+              <a:rPr lang="ko-KR" altLang="en-US" sz="2800" smtClean="0">
+                <a:solidFill>
+                  <a:srgbClr val="FF0000"/>
+                </a:solidFill>
+              </a:rPr>
               <a:t>함수</a:t>
             </a:r>
-            <a:endParaRPr lang="en-US" altLang="ko-KR" sz="2800" smtClean="0"/>
+            <a:endParaRPr lang="en-US" altLang="ko-KR" sz="2800" smtClean="0">
+              <a:solidFill>
+                <a:srgbClr val="FF0000"/>
+              </a:solidFill>
+            </a:endParaRPr>
           </a:p>
           <a:p>
             <a:r>
@@ -54239,10 +54256,2003 @@
           </a:p>
         </p:txBody>
       </p:sp>
+      <p:sp>
+        <p:nvSpPr>
+          <p:cNvPr id="6" name="TextBox 5"/>
+          <p:cNvSpPr txBox="1"/>
+          <p:nvPr/>
+        </p:nvSpPr>
+        <p:spPr>
+          <a:xfrm>
+            <a:off x="6109856" y="2319251"/>
+            <a:ext cx="5902578" cy="954107"/>
+          </a:xfrm>
+          <a:prstGeom prst="rect">
+            <a:avLst/>
+          </a:prstGeom>
+          <a:noFill/>
+        </p:spPr>
+        <p:txBody>
+          <a:bodyPr wrap="none" rtlCol="0">
+            <a:spAutoFit/>
+          </a:bodyPr>
+          <a:lstStyle/>
+          <a:p>
+            <a:r>
+              <a:rPr lang="en-US" altLang="ko-KR" sz="2800" smtClean="0">
+                <a:latin typeface="Consolas" panose="020B0609020204030204" pitchFamily="49" charset="0"/>
+              </a:rPr>
+              <a:t>void foo(void)</a:t>
+            </a:r>
+          </a:p>
+          <a:p>
+            <a:r>
+              <a:rPr lang="en-US" altLang="ko-KR" sz="2800" smtClean="0">
+                <a:latin typeface="Consolas" panose="020B0609020204030204" pitchFamily="49" charset="0"/>
+              </a:rPr>
+              <a:t>function(void) returning void</a:t>
+            </a:r>
+            <a:endParaRPr lang="ko-KR" altLang="en-US" sz="2800" smtClean="0">
+              <a:latin typeface="Consolas" panose="020B0609020204030204" pitchFamily="49" charset="0"/>
+            </a:endParaRPr>
+          </a:p>
+        </p:txBody>
+      </p:sp>
+      <p:sp>
+        <p:nvSpPr>
+          <p:cNvPr id="7" name="TextBox 6"/>
+          <p:cNvSpPr txBox="1"/>
+          <p:nvPr/>
+        </p:nvSpPr>
+        <p:spPr>
+          <a:xfrm>
+            <a:off x="6109856" y="3634101"/>
+            <a:ext cx="5902578" cy="1384995"/>
+          </a:xfrm>
+          <a:prstGeom prst="rect">
+            <a:avLst/>
+          </a:prstGeom>
+          <a:noFill/>
+        </p:spPr>
+        <p:txBody>
+          <a:bodyPr wrap="none" rtlCol="0">
+            <a:spAutoFit/>
+          </a:bodyPr>
+          <a:lstStyle/>
+          <a:p>
+            <a:r>
+              <a:rPr lang="en-US" altLang="ko-KR" sz="2800" smtClean="0">
+                <a:latin typeface="Consolas" panose="020B0609020204030204" pitchFamily="49" charset="0"/>
+              </a:rPr>
+              <a:t>void (*p)(void)</a:t>
+            </a:r>
+          </a:p>
+          <a:p>
+            <a:r>
+              <a:rPr lang="en-US" altLang="ko-KR" sz="2800" smtClean="0">
+                <a:latin typeface="Consolas" panose="020B0609020204030204" pitchFamily="49" charset="0"/>
+              </a:rPr>
+              <a:t>pointer to</a:t>
+            </a:r>
+          </a:p>
+          <a:p>
+            <a:r>
+              <a:rPr lang="en-US" altLang="ko-KR" sz="2800" smtClean="0">
+                <a:latin typeface="Consolas" panose="020B0609020204030204" pitchFamily="49" charset="0"/>
+              </a:rPr>
+              <a:t>function(void) returning void</a:t>
+            </a:r>
+            <a:endParaRPr lang="ko-KR" altLang="en-US" sz="2800" smtClean="0">
+              <a:latin typeface="Consolas" panose="020B0609020204030204" pitchFamily="49" charset="0"/>
+            </a:endParaRPr>
+          </a:p>
+        </p:txBody>
+      </p:sp>
     </p:spTree>
     <p:extLst>
       <p:ext uri="{BB962C8B-B14F-4D97-AF65-F5344CB8AC3E}">
         <p14:creationId xmlns:p14="http://schemas.microsoft.com/office/powerpoint/2010/main" val="3369918911"/>
+      </p:ext>
+    </p:extLst>
+  </p:cSld>
+  <p:clrMapOvr>
+    <a:masterClrMapping/>
+  </p:clrMapOvr>
+</p:sld>
+</file>
+
+<file path=ppt/slides/slide53.xml><?xml version="1.0" encoding="utf-8"?>
+<p:sld xmlns:a="http://schemas.openxmlformats.org/drawingml/2006/main" xmlns:r="http://schemas.openxmlformats.org/officeDocument/2006/relationships" xmlns:p="http://schemas.openxmlformats.org/presentationml/2006/main">
+  <p:cSld>
+    <p:spTree>
+      <p:nvGrpSpPr>
+        <p:cNvPr id="1" name=""/>
+        <p:cNvGrpSpPr/>
+        <p:nvPr/>
+      </p:nvGrpSpPr>
+      <p:grpSpPr>
+        <a:xfrm>
+          <a:off x="0" y="0"/>
+          <a:ext cx="0" cy="0"/>
+          <a:chOff x="0" y="0"/>
+          <a:chExt cx="0" cy="0"/>
+        </a:xfrm>
+      </p:grpSpPr>
+      <p:sp>
+        <p:nvSpPr>
+          <p:cNvPr id="4" name="TextBox 3"/>
+          <p:cNvSpPr txBox="1"/>
+          <p:nvPr/>
+        </p:nvSpPr>
+        <p:spPr>
+          <a:xfrm>
+            <a:off x="407324" y="199505"/>
+            <a:ext cx="902811" cy="523220"/>
+          </a:xfrm>
+          <a:prstGeom prst="rect">
+            <a:avLst/>
+          </a:prstGeom>
+          <a:noFill/>
+        </p:spPr>
+        <p:txBody>
+          <a:bodyPr wrap="none" rtlCol="0">
+            <a:spAutoFit/>
+          </a:bodyPr>
+          <a:lstStyle/>
+          <a:p>
+            <a:r>
+              <a:rPr lang="ko-KR" altLang="en-US" sz="2800" smtClean="0">
+                <a:latin typeface="Consolas" panose="020B0609020204030204" pitchFamily="49" charset="0"/>
+              </a:rPr>
+              <a:t>함수</a:t>
+            </a:r>
+            <a:endParaRPr lang="ko-KR" altLang="en-US" sz="2800" smtClean="0">
+              <a:latin typeface="Consolas" panose="020B0609020204030204" pitchFamily="49" charset="0"/>
+            </a:endParaRPr>
+          </a:p>
+        </p:txBody>
+      </p:sp>
+      <p:sp>
+        <p:nvSpPr>
+          <p:cNvPr id="15" name="TextBox 14"/>
+          <p:cNvSpPr txBox="1"/>
+          <p:nvPr/>
+        </p:nvSpPr>
+        <p:spPr>
+          <a:xfrm>
+            <a:off x="240934" y="1070968"/>
+            <a:ext cx="5868922" cy="4832092"/>
+          </a:xfrm>
+          <a:prstGeom prst="rect">
+            <a:avLst/>
+          </a:prstGeom>
+          <a:noFill/>
+        </p:spPr>
+        <p:txBody>
+          <a:bodyPr wrap="square" rtlCol="0">
+            <a:spAutoFit/>
+          </a:bodyPr>
+          <a:lstStyle/>
+          <a:p>
+            <a:r>
+              <a:rPr lang="en-US" altLang="ko-KR" sz="2800" smtClean="0">
+                <a:latin typeface="Consolas" panose="020B0609020204030204" pitchFamily="49" charset="0"/>
+              </a:rPr>
+              <a:t>void foo(void)</a:t>
+            </a:r>
+          </a:p>
+          <a:p>
+            <a:r>
+              <a:rPr lang="en-US" altLang="ko-KR" sz="2800" smtClean="0">
+                <a:latin typeface="Consolas" panose="020B0609020204030204" pitchFamily="49" charset="0"/>
+              </a:rPr>
+              <a:t>{</a:t>
+            </a:r>
+          </a:p>
+          <a:p>
+            <a:r>
+              <a:rPr lang="en-US" altLang="ko-KR" sz="2800">
+                <a:latin typeface="Consolas" panose="020B0609020204030204" pitchFamily="49" charset="0"/>
+              </a:rPr>
+              <a:t> </a:t>
+            </a:r>
+            <a:r>
+              <a:rPr lang="en-US" altLang="ko-KR" sz="2800" smtClean="0">
+                <a:latin typeface="Consolas" panose="020B0609020204030204" pitchFamily="49" charset="0"/>
+              </a:rPr>
+              <a:t>  printf("foo()\n");</a:t>
+            </a:r>
+          </a:p>
+          <a:p>
+            <a:r>
+              <a:rPr lang="en-US" altLang="ko-KR" sz="2800" smtClean="0">
+                <a:latin typeface="Consolas" panose="020B0609020204030204" pitchFamily="49" charset="0"/>
+              </a:rPr>
+              <a:t>}</a:t>
+            </a:r>
+          </a:p>
+          <a:p>
+            <a:endParaRPr lang="en-US" altLang="ko-KR" sz="2800">
+              <a:latin typeface="Consolas" panose="020B0609020204030204" pitchFamily="49" charset="0"/>
+            </a:endParaRPr>
+          </a:p>
+          <a:p>
+            <a:r>
+              <a:rPr lang="en-US" altLang="ko-KR" sz="2800" smtClean="0">
+                <a:latin typeface="Consolas" panose="020B0609020204030204" pitchFamily="49" charset="0"/>
+              </a:rPr>
+              <a:t>int main()</a:t>
+            </a:r>
+          </a:p>
+          <a:p>
+            <a:r>
+              <a:rPr lang="en-US" altLang="ko-KR" sz="2800" smtClean="0">
+                <a:latin typeface="Consolas" panose="020B0609020204030204" pitchFamily="49" charset="0"/>
+              </a:rPr>
+              <a:t>{</a:t>
+            </a:r>
+          </a:p>
+          <a:p>
+            <a:r>
+              <a:rPr lang="en-US" altLang="ko-KR" sz="2800">
+                <a:latin typeface="Consolas" panose="020B0609020204030204" pitchFamily="49" charset="0"/>
+              </a:rPr>
+              <a:t>    void </a:t>
+            </a:r>
+            <a:r>
+              <a:rPr lang="en-US" altLang="ko-KR" sz="2800" smtClean="0">
+                <a:latin typeface="Consolas" panose="020B0609020204030204" pitchFamily="49" charset="0"/>
+              </a:rPr>
+              <a:t>(*p)(void) = foo;</a:t>
+            </a:r>
+          </a:p>
+          <a:p>
+            <a:r>
+              <a:rPr lang="en-US" altLang="ko-KR" sz="2800">
+                <a:latin typeface="Consolas" panose="020B0609020204030204" pitchFamily="49" charset="0"/>
+              </a:rPr>
+              <a:t> </a:t>
+            </a:r>
+            <a:r>
+              <a:rPr lang="en-US" altLang="ko-KR" sz="2800" smtClean="0">
+                <a:latin typeface="Consolas" panose="020B0609020204030204" pitchFamily="49" charset="0"/>
+              </a:rPr>
+              <a:t>   p(); </a:t>
+            </a:r>
+          </a:p>
+          <a:p>
+            <a:r>
+              <a:rPr lang="en-US" altLang="ko-KR" sz="2800">
+                <a:latin typeface="Consolas" panose="020B0609020204030204" pitchFamily="49" charset="0"/>
+              </a:rPr>
+              <a:t> </a:t>
+            </a:r>
+            <a:r>
+              <a:rPr lang="en-US" altLang="ko-KR" sz="2800" smtClean="0">
+                <a:latin typeface="Consolas" panose="020B0609020204030204" pitchFamily="49" charset="0"/>
+              </a:rPr>
+              <a:t>   return 0;</a:t>
+            </a:r>
+          </a:p>
+          <a:p>
+            <a:r>
+              <a:rPr lang="en-US" altLang="ko-KR" sz="2800">
+                <a:latin typeface="Consolas" panose="020B0609020204030204" pitchFamily="49" charset="0"/>
+              </a:rPr>
+              <a:t>}</a:t>
+            </a:r>
+          </a:p>
+        </p:txBody>
+      </p:sp>
+      <p:sp>
+        <p:nvSpPr>
+          <p:cNvPr id="5" name="TextBox 4"/>
+          <p:cNvSpPr txBox="1"/>
+          <p:nvPr/>
+        </p:nvSpPr>
+        <p:spPr>
+          <a:xfrm>
+            <a:off x="5719156" y="199505"/>
+            <a:ext cx="6303329" cy="1384995"/>
+          </a:xfrm>
+          <a:prstGeom prst="rect">
+            <a:avLst/>
+          </a:prstGeom>
+          <a:noFill/>
+        </p:spPr>
+        <p:txBody>
+          <a:bodyPr wrap="none" rtlCol="0">
+            <a:spAutoFit/>
+          </a:bodyPr>
+          <a:lstStyle/>
+          <a:p>
+            <a:r>
+              <a:rPr lang="en-US" altLang="ko-KR" sz="2800" smtClean="0">
+                <a:latin typeface="Consolas" panose="020B0609020204030204" pitchFamily="49" charset="0"/>
+              </a:rPr>
+              <a:t>decay : </a:t>
+            </a:r>
+            <a:r>
+              <a:rPr lang="ko-KR" altLang="en-US" sz="2800" smtClean="0">
+                <a:latin typeface="Consolas" panose="020B0609020204030204" pitchFamily="49" charset="0"/>
+              </a:rPr>
+              <a:t>일반적으로 함수의 이름은 </a:t>
+            </a:r>
+            <a:endParaRPr lang="en-US" altLang="ko-KR" sz="2800" smtClean="0">
+              <a:latin typeface="Consolas" panose="020B0609020204030204" pitchFamily="49" charset="0"/>
+            </a:endParaRPr>
+          </a:p>
+          <a:p>
+            <a:r>
+              <a:rPr lang="ko-KR" altLang="en-US" sz="2800" smtClean="0">
+                <a:latin typeface="Consolas" panose="020B0609020204030204" pitchFamily="49" charset="0"/>
+              </a:rPr>
+              <a:t>함수의 기계어 코드의 번지로 </a:t>
+            </a:r>
+            <a:endParaRPr lang="en-US" altLang="ko-KR" sz="2800" smtClean="0">
+              <a:latin typeface="Consolas" panose="020B0609020204030204" pitchFamily="49" charset="0"/>
+            </a:endParaRPr>
+          </a:p>
+          <a:p>
+            <a:r>
+              <a:rPr lang="ko-KR" altLang="en-US" sz="2800" smtClean="0">
+                <a:latin typeface="Consolas" panose="020B0609020204030204" pitchFamily="49" charset="0"/>
+              </a:rPr>
+              <a:t>해석 된다</a:t>
+            </a:r>
+            <a:r>
+              <a:rPr lang="en-US" altLang="ko-KR" sz="2800" smtClean="0">
+                <a:latin typeface="Consolas" panose="020B0609020204030204" pitchFamily="49" charset="0"/>
+              </a:rPr>
+              <a:t>.</a:t>
+            </a:r>
+            <a:endParaRPr lang="ko-KR" altLang="en-US" sz="2800" smtClean="0">
+              <a:latin typeface="Consolas" panose="020B0609020204030204" pitchFamily="49" charset="0"/>
+            </a:endParaRPr>
+          </a:p>
+        </p:txBody>
+      </p:sp>
+      <p:sp>
+        <p:nvSpPr>
+          <p:cNvPr id="6" name="TextBox 5"/>
+          <p:cNvSpPr txBox="1"/>
+          <p:nvPr/>
+        </p:nvSpPr>
+        <p:spPr>
+          <a:xfrm>
+            <a:off x="6109856" y="2319251"/>
+            <a:ext cx="5902578" cy="954107"/>
+          </a:xfrm>
+          <a:prstGeom prst="rect">
+            <a:avLst/>
+          </a:prstGeom>
+          <a:noFill/>
+        </p:spPr>
+        <p:txBody>
+          <a:bodyPr wrap="none" rtlCol="0">
+            <a:spAutoFit/>
+          </a:bodyPr>
+          <a:lstStyle/>
+          <a:p>
+            <a:r>
+              <a:rPr lang="en-US" altLang="ko-KR" sz="2800" smtClean="0">
+                <a:latin typeface="Consolas" panose="020B0609020204030204" pitchFamily="49" charset="0"/>
+              </a:rPr>
+              <a:t>void foo(void)</a:t>
+            </a:r>
+          </a:p>
+          <a:p>
+            <a:r>
+              <a:rPr lang="en-US" altLang="ko-KR" sz="2800" smtClean="0">
+                <a:latin typeface="Consolas" panose="020B0609020204030204" pitchFamily="49" charset="0"/>
+              </a:rPr>
+              <a:t>function(void) returning void</a:t>
+            </a:r>
+            <a:endParaRPr lang="ko-KR" altLang="en-US" sz="2800" smtClean="0">
+              <a:latin typeface="Consolas" panose="020B0609020204030204" pitchFamily="49" charset="0"/>
+            </a:endParaRPr>
+          </a:p>
+        </p:txBody>
+      </p:sp>
+      <p:sp>
+        <p:nvSpPr>
+          <p:cNvPr id="7" name="TextBox 6"/>
+          <p:cNvSpPr txBox="1"/>
+          <p:nvPr/>
+        </p:nvSpPr>
+        <p:spPr>
+          <a:xfrm>
+            <a:off x="6109856" y="3634101"/>
+            <a:ext cx="5902578" cy="1384995"/>
+          </a:xfrm>
+          <a:prstGeom prst="rect">
+            <a:avLst/>
+          </a:prstGeom>
+          <a:noFill/>
+        </p:spPr>
+        <p:txBody>
+          <a:bodyPr wrap="none" rtlCol="0">
+            <a:spAutoFit/>
+          </a:bodyPr>
+          <a:lstStyle/>
+          <a:p>
+            <a:r>
+              <a:rPr lang="en-US" altLang="ko-KR" sz="2800" smtClean="0">
+                <a:latin typeface="Consolas" panose="020B0609020204030204" pitchFamily="49" charset="0"/>
+              </a:rPr>
+              <a:t>void (*p)(void)</a:t>
+            </a:r>
+          </a:p>
+          <a:p>
+            <a:r>
+              <a:rPr lang="en-US" altLang="ko-KR" sz="2800" smtClean="0">
+                <a:latin typeface="Consolas" panose="020B0609020204030204" pitchFamily="49" charset="0"/>
+              </a:rPr>
+              <a:t>pointer to</a:t>
+            </a:r>
+          </a:p>
+          <a:p>
+            <a:r>
+              <a:rPr lang="en-US" altLang="ko-KR" sz="2800" smtClean="0">
+                <a:latin typeface="Consolas" panose="020B0609020204030204" pitchFamily="49" charset="0"/>
+              </a:rPr>
+              <a:t>function(void) returning void</a:t>
+            </a:r>
+            <a:endParaRPr lang="ko-KR" altLang="en-US" sz="2800" smtClean="0">
+              <a:latin typeface="Consolas" panose="020B0609020204030204" pitchFamily="49" charset="0"/>
+            </a:endParaRPr>
+          </a:p>
+        </p:txBody>
+      </p:sp>
+    </p:spTree>
+    <p:extLst>
+      <p:ext uri="{BB962C8B-B14F-4D97-AF65-F5344CB8AC3E}">
+        <p14:creationId xmlns:p14="http://schemas.microsoft.com/office/powerpoint/2010/main" val="2967446723"/>
+      </p:ext>
+    </p:extLst>
+  </p:cSld>
+  <p:clrMapOvr>
+    <a:masterClrMapping/>
+  </p:clrMapOvr>
+</p:sld>
+</file>
+
+<file path=ppt/slides/slide54.xml><?xml version="1.0" encoding="utf-8"?>
+<p:sld xmlns:a="http://schemas.openxmlformats.org/drawingml/2006/main" xmlns:r="http://schemas.openxmlformats.org/officeDocument/2006/relationships" xmlns:p="http://schemas.openxmlformats.org/presentationml/2006/main">
+  <p:cSld>
+    <p:spTree>
+      <p:nvGrpSpPr>
+        <p:cNvPr id="1" name=""/>
+        <p:cNvGrpSpPr/>
+        <p:nvPr/>
+      </p:nvGrpSpPr>
+      <p:grpSpPr>
+        <a:xfrm>
+          <a:off x="0" y="0"/>
+          <a:ext cx="0" cy="0"/>
+          <a:chOff x="0" y="0"/>
+          <a:chExt cx="0" cy="0"/>
+        </a:xfrm>
+      </p:grpSpPr>
+      <p:sp>
+        <p:nvSpPr>
+          <p:cNvPr id="4" name="TextBox 3"/>
+          <p:cNvSpPr txBox="1"/>
+          <p:nvPr/>
+        </p:nvSpPr>
+        <p:spPr>
+          <a:xfrm>
+            <a:off x="407324" y="199505"/>
+            <a:ext cx="902811" cy="523220"/>
+          </a:xfrm>
+          <a:prstGeom prst="rect">
+            <a:avLst/>
+          </a:prstGeom>
+          <a:noFill/>
+        </p:spPr>
+        <p:txBody>
+          <a:bodyPr wrap="none" rtlCol="0">
+            <a:spAutoFit/>
+          </a:bodyPr>
+          <a:lstStyle/>
+          <a:p>
+            <a:r>
+              <a:rPr lang="ko-KR" altLang="en-US" sz="2800" smtClean="0">
+                <a:latin typeface="Consolas" panose="020B0609020204030204" pitchFamily="49" charset="0"/>
+              </a:rPr>
+              <a:t>함수</a:t>
+            </a:r>
+            <a:endParaRPr lang="ko-KR" altLang="en-US" sz="2800" smtClean="0">
+              <a:latin typeface="Consolas" panose="020B0609020204030204" pitchFamily="49" charset="0"/>
+            </a:endParaRPr>
+          </a:p>
+        </p:txBody>
+      </p:sp>
+      <p:sp>
+        <p:nvSpPr>
+          <p:cNvPr id="15" name="TextBox 14"/>
+          <p:cNvSpPr txBox="1"/>
+          <p:nvPr/>
+        </p:nvSpPr>
+        <p:spPr>
+          <a:xfrm>
+            <a:off x="240934" y="1070968"/>
+            <a:ext cx="5868922" cy="4832092"/>
+          </a:xfrm>
+          <a:prstGeom prst="rect">
+            <a:avLst/>
+          </a:prstGeom>
+          <a:noFill/>
+        </p:spPr>
+        <p:txBody>
+          <a:bodyPr wrap="square" rtlCol="0">
+            <a:spAutoFit/>
+          </a:bodyPr>
+          <a:lstStyle/>
+          <a:p>
+            <a:r>
+              <a:rPr lang="en-US" altLang="ko-KR" sz="2800" smtClean="0">
+                <a:latin typeface="Consolas" panose="020B0609020204030204" pitchFamily="49" charset="0"/>
+              </a:rPr>
+              <a:t>void foo(void)</a:t>
+            </a:r>
+          </a:p>
+          <a:p>
+            <a:r>
+              <a:rPr lang="en-US" altLang="ko-KR" sz="2800" smtClean="0">
+                <a:latin typeface="Consolas" panose="020B0609020204030204" pitchFamily="49" charset="0"/>
+              </a:rPr>
+              <a:t>{</a:t>
+            </a:r>
+          </a:p>
+          <a:p>
+            <a:r>
+              <a:rPr lang="en-US" altLang="ko-KR" sz="2800">
+                <a:latin typeface="Consolas" panose="020B0609020204030204" pitchFamily="49" charset="0"/>
+              </a:rPr>
+              <a:t> </a:t>
+            </a:r>
+            <a:r>
+              <a:rPr lang="en-US" altLang="ko-KR" sz="2800" smtClean="0">
+                <a:latin typeface="Consolas" panose="020B0609020204030204" pitchFamily="49" charset="0"/>
+              </a:rPr>
+              <a:t>  printf("foo()\n");</a:t>
+            </a:r>
+          </a:p>
+          <a:p>
+            <a:r>
+              <a:rPr lang="en-US" altLang="ko-KR" sz="2800" smtClean="0">
+                <a:latin typeface="Consolas" panose="020B0609020204030204" pitchFamily="49" charset="0"/>
+              </a:rPr>
+              <a:t>}</a:t>
+            </a:r>
+          </a:p>
+          <a:p>
+            <a:endParaRPr lang="en-US" altLang="ko-KR" sz="2800">
+              <a:latin typeface="Consolas" panose="020B0609020204030204" pitchFamily="49" charset="0"/>
+            </a:endParaRPr>
+          </a:p>
+          <a:p>
+            <a:r>
+              <a:rPr lang="en-US" altLang="ko-KR" sz="2800" smtClean="0">
+                <a:latin typeface="Consolas" panose="020B0609020204030204" pitchFamily="49" charset="0"/>
+              </a:rPr>
+              <a:t>int main()</a:t>
+            </a:r>
+          </a:p>
+          <a:p>
+            <a:r>
+              <a:rPr lang="en-US" altLang="ko-KR" sz="2800" smtClean="0">
+                <a:latin typeface="Consolas" panose="020B0609020204030204" pitchFamily="49" charset="0"/>
+              </a:rPr>
+              <a:t>{</a:t>
+            </a:r>
+          </a:p>
+          <a:p>
+            <a:r>
+              <a:rPr lang="en-US" altLang="ko-KR" sz="2800">
+                <a:latin typeface="Consolas" panose="020B0609020204030204" pitchFamily="49" charset="0"/>
+              </a:rPr>
+              <a:t>    void </a:t>
+            </a:r>
+            <a:r>
+              <a:rPr lang="en-US" altLang="ko-KR" sz="2800" smtClean="0">
+                <a:latin typeface="Consolas" panose="020B0609020204030204" pitchFamily="49" charset="0"/>
+              </a:rPr>
+              <a:t>(*p)(void) = &amp;foo;</a:t>
+            </a:r>
+          </a:p>
+          <a:p>
+            <a:r>
+              <a:rPr lang="en-US" altLang="ko-KR" sz="2800">
+                <a:latin typeface="Consolas" panose="020B0609020204030204" pitchFamily="49" charset="0"/>
+              </a:rPr>
+              <a:t> </a:t>
+            </a:r>
+            <a:r>
+              <a:rPr lang="en-US" altLang="ko-KR" sz="2800" smtClean="0">
+                <a:latin typeface="Consolas" panose="020B0609020204030204" pitchFamily="49" charset="0"/>
+              </a:rPr>
+              <a:t>   (*p)(); </a:t>
+            </a:r>
+          </a:p>
+          <a:p>
+            <a:r>
+              <a:rPr lang="en-US" altLang="ko-KR" sz="2800">
+                <a:latin typeface="Consolas" panose="020B0609020204030204" pitchFamily="49" charset="0"/>
+              </a:rPr>
+              <a:t> </a:t>
+            </a:r>
+            <a:r>
+              <a:rPr lang="en-US" altLang="ko-KR" sz="2800" smtClean="0">
+                <a:latin typeface="Consolas" panose="020B0609020204030204" pitchFamily="49" charset="0"/>
+              </a:rPr>
+              <a:t>   return 0;</a:t>
+            </a:r>
+          </a:p>
+          <a:p>
+            <a:r>
+              <a:rPr lang="en-US" altLang="ko-KR" sz="2800">
+                <a:latin typeface="Consolas" panose="020B0609020204030204" pitchFamily="49" charset="0"/>
+              </a:rPr>
+              <a:t>}</a:t>
+            </a:r>
+          </a:p>
+        </p:txBody>
+      </p:sp>
+      <p:sp>
+        <p:nvSpPr>
+          <p:cNvPr id="5" name="TextBox 4"/>
+          <p:cNvSpPr txBox="1"/>
+          <p:nvPr/>
+        </p:nvSpPr>
+        <p:spPr>
+          <a:xfrm>
+            <a:off x="5719156" y="199505"/>
+            <a:ext cx="6303329" cy="1815882"/>
+          </a:xfrm>
+          <a:prstGeom prst="rect">
+            <a:avLst/>
+          </a:prstGeom>
+          <a:noFill/>
+        </p:spPr>
+        <p:txBody>
+          <a:bodyPr wrap="none" rtlCol="0">
+            <a:spAutoFit/>
+          </a:bodyPr>
+          <a:lstStyle/>
+          <a:p>
+            <a:r>
+              <a:rPr lang="en-US" altLang="ko-KR" sz="2800" smtClean="0">
+                <a:latin typeface="Consolas" panose="020B0609020204030204" pitchFamily="49" charset="0"/>
+              </a:rPr>
+              <a:t>decay : </a:t>
+            </a:r>
+            <a:r>
+              <a:rPr lang="ko-KR" altLang="en-US" sz="2800" smtClean="0">
+                <a:latin typeface="Consolas" panose="020B0609020204030204" pitchFamily="49" charset="0"/>
+              </a:rPr>
+              <a:t>일반적으로 함수의 이름은 </a:t>
+            </a:r>
+            <a:endParaRPr lang="en-US" altLang="ko-KR" sz="2800" smtClean="0">
+              <a:latin typeface="Consolas" panose="020B0609020204030204" pitchFamily="49" charset="0"/>
+            </a:endParaRPr>
+          </a:p>
+          <a:p>
+            <a:r>
+              <a:rPr lang="ko-KR" altLang="en-US" sz="2800" smtClean="0">
+                <a:latin typeface="Consolas" panose="020B0609020204030204" pitchFamily="49" charset="0"/>
+              </a:rPr>
+              <a:t>함수의 기계어 코드의 번지로 </a:t>
+            </a:r>
+            <a:endParaRPr lang="en-US" altLang="ko-KR" sz="2800" smtClean="0">
+              <a:latin typeface="Consolas" panose="020B0609020204030204" pitchFamily="49" charset="0"/>
+            </a:endParaRPr>
+          </a:p>
+          <a:p>
+            <a:r>
+              <a:rPr lang="ko-KR" altLang="en-US" sz="2800" smtClean="0">
+                <a:latin typeface="Consolas" panose="020B0609020204030204" pitchFamily="49" charset="0"/>
+              </a:rPr>
+              <a:t>해석 된다</a:t>
+            </a:r>
+            <a:r>
+              <a:rPr lang="en-US" altLang="ko-KR" sz="2800" smtClean="0">
+                <a:latin typeface="Consolas" panose="020B0609020204030204" pitchFamily="49" charset="0"/>
+              </a:rPr>
+              <a:t>.</a:t>
+            </a:r>
+          </a:p>
+          <a:p>
+            <a:r>
+              <a:rPr lang="en-US" altLang="ko-KR" sz="2800">
+                <a:latin typeface="Consolas" panose="020B0609020204030204" pitchFamily="49" charset="0"/>
+              </a:rPr>
+              <a:t> </a:t>
+            </a:r>
+            <a:r>
+              <a:rPr lang="en-US" altLang="ko-KR" sz="2800" smtClean="0">
+                <a:latin typeface="Consolas" panose="020B0609020204030204" pitchFamily="49" charset="0"/>
+              </a:rPr>
+              <a:t> </a:t>
+            </a:r>
+            <a:r>
+              <a:rPr lang="ko-KR" altLang="en-US" sz="2800" smtClean="0">
+                <a:latin typeface="Consolas" panose="020B0609020204030204" pitchFamily="49" charset="0"/>
+              </a:rPr>
+              <a:t>예외</a:t>
+            </a:r>
+            <a:r>
+              <a:rPr lang="en-US" altLang="ko-KR" sz="2800" smtClean="0">
+                <a:latin typeface="Consolas" panose="020B0609020204030204" pitchFamily="49" charset="0"/>
+              </a:rPr>
+              <a:t>) &amp;</a:t>
+            </a:r>
+            <a:endParaRPr lang="ko-KR" altLang="en-US" sz="2800" smtClean="0">
+              <a:latin typeface="Consolas" panose="020B0609020204030204" pitchFamily="49" charset="0"/>
+            </a:endParaRPr>
+          </a:p>
+        </p:txBody>
+      </p:sp>
+    </p:spTree>
+    <p:extLst>
+      <p:ext uri="{BB962C8B-B14F-4D97-AF65-F5344CB8AC3E}">
+        <p14:creationId xmlns:p14="http://schemas.microsoft.com/office/powerpoint/2010/main" val="2171589210"/>
+      </p:ext>
+    </p:extLst>
+  </p:cSld>
+  <p:clrMapOvr>
+    <a:masterClrMapping/>
+  </p:clrMapOvr>
+</p:sld>
+</file>
+
+<file path=ppt/slides/slide55.xml><?xml version="1.0" encoding="utf-8"?>
+<p:sld xmlns:a="http://schemas.openxmlformats.org/drawingml/2006/main" xmlns:r="http://schemas.openxmlformats.org/officeDocument/2006/relationships" xmlns:p="http://schemas.openxmlformats.org/presentationml/2006/main">
+  <p:cSld>
+    <p:spTree>
+      <p:nvGrpSpPr>
+        <p:cNvPr id="1" name=""/>
+        <p:cNvGrpSpPr/>
+        <p:nvPr/>
+      </p:nvGrpSpPr>
+      <p:grpSpPr>
+        <a:xfrm>
+          <a:off x="0" y="0"/>
+          <a:ext cx="0" cy="0"/>
+          <a:chOff x="0" y="0"/>
+          <a:chExt cx="0" cy="0"/>
+        </a:xfrm>
+      </p:grpSpPr>
+      <p:sp>
+        <p:nvSpPr>
+          <p:cNvPr id="4" name="TextBox 3"/>
+          <p:cNvSpPr txBox="1"/>
+          <p:nvPr/>
+        </p:nvSpPr>
+        <p:spPr>
+          <a:xfrm>
+            <a:off x="407324" y="199505"/>
+            <a:ext cx="902811" cy="523220"/>
+          </a:xfrm>
+          <a:prstGeom prst="rect">
+            <a:avLst/>
+          </a:prstGeom>
+          <a:noFill/>
+        </p:spPr>
+        <p:txBody>
+          <a:bodyPr wrap="none" rtlCol="0">
+            <a:spAutoFit/>
+          </a:bodyPr>
+          <a:lstStyle/>
+          <a:p>
+            <a:r>
+              <a:rPr lang="ko-KR" altLang="en-US" sz="2800" smtClean="0">
+                <a:latin typeface="Consolas" panose="020B0609020204030204" pitchFamily="49" charset="0"/>
+              </a:rPr>
+              <a:t>함수</a:t>
+            </a:r>
+            <a:endParaRPr lang="ko-KR" altLang="en-US" sz="2800" smtClean="0">
+              <a:latin typeface="Consolas" panose="020B0609020204030204" pitchFamily="49" charset="0"/>
+            </a:endParaRPr>
+          </a:p>
+        </p:txBody>
+      </p:sp>
+      <p:sp>
+        <p:nvSpPr>
+          <p:cNvPr id="15" name="TextBox 14"/>
+          <p:cNvSpPr txBox="1"/>
+          <p:nvPr/>
+        </p:nvSpPr>
+        <p:spPr>
+          <a:xfrm>
+            <a:off x="240934" y="1070968"/>
+            <a:ext cx="5868922" cy="5693866"/>
+          </a:xfrm>
+          <a:prstGeom prst="rect">
+            <a:avLst/>
+          </a:prstGeom>
+          <a:noFill/>
+        </p:spPr>
+        <p:txBody>
+          <a:bodyPr wrap="square" rtlCol="0">
+            <a:spAutoFit/>
+          </a:bodyPr>
+          <a:lstStyle/>
+          <a:p>
+            <a:r>
+              <a:rPr lang="en-US" altLang="ko-KR" sz="2800" smtClean="0">
+                <a:latin typeface="Consolas" panose="020B0609020204030204" pitchFamily="49" charset="0"/>
+              </a:rPr>
+              <a:t>int foo(void)</a:t>
+            </a:r>
+          </a:p>
+          <a:p>
+            <a:r>
+              <a:rPr lang="en-US" altLang="ko-KR" sz="2800" smtClean="0">
+                <a:latin typeface="Consolas" panose="020B0609020204030204" pitchFamily="49" charset="0"/>
+              </a:rPr>
+              <a:t>{</a:t>
+            </a:r>
+          </a:p>
+          <a:p>
+            <a:r>
+              <a:rPr lang="en-US" altLang="ko-KR" sz="2800">
+                <a:latin typeface="Consolas" panose="020B0609020204030204" pitchFamily="49" charset="0"/>
+              </a:rPr>
+              <a:t> </a:t>
+            </a:r>
+            <a:r>
+              <a:rPr lang="en-US" altLang="ko-KR" sz="2800" smtClean="0">
+                <a:latin typeface="Consolas" panose="020B0609020204030204" pitchFamily="49" charset="0"/>
+              </a:rPr>
+              <a:t>  int a=10;</a:t>
+            </a:r>
+          </a:p>
+          <a:p>
+            <a:r>
+              <a:rPr lang="en-US" altLang="ko-KR" sz="2800">
+                <a:latin typeface="Consolas" panose="020B0609020204030204" pitchFamily="49" charset="0"/>
+              </a:rPr>
+              <a:t> </a:t>
+            </a:r>
+            <a:r>
+              <a:rPr lang="en-US" altLang="ko-KR" sz="2800" smtClean="0">
+                <a:latin typeface="Consolas" panose="020B0609020204030204" pitchFamily="49" charset="0"/>
+              </a:rPr>
+              <a:t>  printf("foo()\n");</a:t>
+            </a:r>
+          </a:p>
+          <a:p>
+            <a:r>
+              <a:rPr lang="en-US" altLang="ko-KR" sz="2800" smtClean="0">
+                <a:latin typeface="Consolas" panose="020B0609020204030204" pitchFamily="49" charset="0"/>
+              </a:rPr>
+              <a:t>   return a;</a:t>
+            </a:r>
+          </a:p>
+          <a:p>
+            <a:r>
+              <a:rPr lang="en-US" altLang="ko-KR" sz="2800" smtClean="0">
+                <a:latin typeface="Consolas" panose="020B0609020204030204" pitchFamily="49" charset="0"/>
+              </a:rPr>
+              <a:t>}</a:t>
+            </a:r>
+          </a:p>
+          <a:p>
+            <a:endParaRPr lang="en-US" altLang="ko-KR" sz="2800">
+              <a:latin typeface="Consolas" panose="020B0609020204030204" pitchFamily="49" charset="0"/>
+            </a:endParaRPr>
+          </a:p>
+          <a:p>
+            <a:r>
+              <a:rPr lang="en-US" altLang="ko-KR" sz="2800" smtClean="0">
+                <a:latin typeface="Consolas" panose="020B0609020204030204" pitchFamily="49" charset="0"/>
+              </a:rPr>
+              <a:t>int main()</a:t>
+            </a:r>
+          </a:p>
+          <a:p>
+            <a:r>
+              <a:rPr lang="en-US" altLang="ko-KR" sz="2800" smtClean="0">
+                <a:latin typeface="Consolas" panose="020B0609020204030204" pitchFamily="49" charset="0"/>
+              </a:rPr>
+              <a:t>{</a:t>
+            </a:r>
+          </a:p>
+          <a:p>
+            <a:r>
+              <a:rPr lang="en-US" altLang="ko-KR" sz="2800">
+                <a:latin typeface="Consolas" panose="020B0609020204030204" pitchFamily="49" charset="0"/>
+              </a:rPr>
+              <a:t> </a:t>
+            </a:r>
+            <a:r>
+              <a:rPr lang="en-US" altLang="ko-KR" sz="2800" smtClean="0">
+                <a:latin typeface="Consolas" panose="020B0609020204030204" pitchFamily="49" charset="0"/>
+              </a:rPr>
+              <a:t>   int ret;</a:t>
+            </a:r>
+          </a:p>
+          <a:p>
+            <a:r>
+              <a:rPr lang="en-US" altLang="ko-KR" sz="2800">
+                <a:latin typeface="Consolas" panose="020B0609020204030204" pitchFamily="49" charset="0"/>
+              </a:rPr>
+              <a:t>    </a:t>
+            </a:r>
+            <a:r>
+              <a:rPr lang="en-US" altLang="ko-KR" sz="2800" smtClean="0">
+                <a:latin typeface="Consolas" panose="020B0609020204030204" pitchFamily="49" charset="0"/>
+              </a:rPr>
+              <a:t>ret = foo();</a:t>
+            </a:r>
+          </a:p>
+          <a:p>
+            <a:r>
+              <a:rPr lang="en-US" altLang="ko-KR" sz="2800">
+                <a:latin typeface="Consolas" panose="020B0609020204030204" pitchFamily="49" charset="0"/>
+              </a:rPr>
+              <a:t> </a:t>
+            </a:r>
+            <a:r>
+              <a:rPr lang="en-US" altLang="ko-KR" sz="2800" smtClean="0">
+                <a:latin typeface="Consolas" panose="020B0609020204030204" pitchFamily="49" charset="0"/>
+              </a:rPr>
+              <a:t>   return 0;</a:t>
+            </a:r>
+          </a:p>
+          <a:p>
+            <a:r>
+              <a:rPr lang="en-US" altLang="ko-KR" sz="2800">
+                <a:latin typeface="Consolas" panose="020B0609020204030204" pitchFamily="49" charset="0"/>
+              </a:rPr>
+              <a:t>}</a:t>
+            </a:r>
+          </a:p>
+        </p:txBody>
+      </p:sp>
+      <p:sp>
+        <p:nvSpPr>
+          <p:cNvPr id="5" name="TextBox 4"/>
+          <p:cNvSpPr txBox="1"/>
+          <p:nvPr/>
+        </p:nvSpPr>
+        <p:spPr>
+          <a:xfrm>
+            <a:off x="5719156" y="199505"/>
+            <a:ext cx="6303329" cy="1815882"/>
+          </a:xfrm>
+          <a:prstGeom prst="rect">
+            <a:avLst/>
+          </a:prstGeom>
+          <a:noFill/>
+        </p:spPr>
+        <p:txBody>
+          <a:bodyPr wrap="none" rtlCol="0">
+            <a:spAutoFit/>
+          </a:bodyPr>
+          <a:lstStyle/>
+          <a:p>
+            <a:r>
+              <a:rPr lang="en-US" altLang="ko-KR" sz="2800" smtClean="0">
+                <a:latin typeface="Consolas" panose="020B0609020204030204" pitchFamily="49" charset="0"/>
+              </a:rPr>
+              <a:t>decay : </a:t>
+            </a:r>
+            <a:r>
+              <a:rPr lang="ko-KR" altLang="en-US" sz="2800" smtClean="0">
+                <a:latin typeface="Consolas" panose="020B0609020204030204" pitchFamily="49" charset="0"/>
+              </a:rPr>
+              <a:t>일반적으로 함수의 이름은 </a:t>
+            </a:r>
+            <a:endParaRPr lang="en-US" altLang="ko-KR" sz="2800" smtClean="0">
+              <a:latin typeface="Consolas" panose="020B0609020204030204" pitchFamily="49" charset="0"/>
+            </a:endParaRPr>
+          </a:p>
+          <a:p>
+            <a:r>
+              <a:rPr lang="ko-KR" altLang="en-US" sz="2800" smtClean="0">
+                <a:latin typeface="Consolas" panose="020B0609020204030204" pitchFamily="49" charset="0"/>
+              </a:rPr>
+              <a:t>함수의 기계어 코드의 번지로 </a:t>
+            </a:r>
+            <a:endParaRPr lang="en-US" altLang="ko-KR" sz="2800" smtClean="0">
+              <a:latin typeface="Consolas" panose="020B0609020204030204" pitchFamily="49" charset="0"/>
+            </a:endParaRPr>
+          </a:p>
+          <a:p>
+            <a:r>
+              <a:rPr lang="ko-KR" altLang="en-US" sz="2800" smtClean="0">
+                <a:latin typeface="Consolas" panose="020B0609020204030204" pitchFamily="49" charset="0"/>
+              </a:rPr>
+              <a:t>해석 된다</a:t>
+            </a:r>
+            <a:r>
+              <a:rPr lang="en-US" altLang="ko-KR" sz="2800" smtClean="0">
+                <a:latin typeface="Consolas" panose="020B0609020204030204" pitchFamily="49" charset="0"/>
+              </a:rPr>
+              <a:t>.</a:t>
+            </a:r>
+          </a:p>
+          <a:p>
+            <a:r>
+              <a:rPr lang="en-US" altLang="ko-KR" sz="2800">
+                <a:latin typeface="Consolas" panose="020B0609020204030204" pitchFamily="49" charset="0"/>
+              </a:rPr>
+              <a:t> </a:t>
+            </a:r>
+            <a:r>
+              <a:rPr lang="en-US" altLang="ko-KR" sz="2800" smtClean="0">
+                <a:latin typeface="Consolas" panose="020B0609020204030204" pitchFamily="49" charset="0"/>
+              </a:rPr>
+              <a:t> </a:t>
+            </a:r>
+            <a:r>
+              <a:rPr lang="ko-KR" altLang="en-US" sz="2800" smtClean="0">
+                <a:latin typeface="Consolas" panose="020B0609020204030204" pitchFamily="49" charset="0"/>
+              </a:rPr>
+              <a:t>예외</a:t>
+            </a:r>
+            <a:r>
+              <a:rPr lang="en-US" altLang="ko-KR" sz="2800" smtClean="0">
+                <a:latin typeface="Consolas" panose="020B0609020204030204" pitchFamily="49" charset="0"/>
+              </a:rPr>
+              <a:t>) &amp;</a:t>
+            </a:r>
+            <a:endParaRPr lang="ko-KR" altLang="en-US" sz="2800" smtClean="0">
+              <a:latin typeface="Consolas" panose="020B0609020204030204" pitchFamily="49" charset="0"/>
+            </a:endParaRPr>
+          </a:p>
+        </p:txBody>
+      </p:sp>
+    </p:spTree>
+    <p:extLst>
+      <p:ext uri="{BB962C8B-B14F-4D97-AF65-F5344CB8AC3E}">
+        <p14:creationId xmlns:p14="http://schemas.microsoft.com/office/powerpoint/2010/main" val="222926849"/>
+      </p:ext>
+    </p:extLst>
+  </p:cSld>
+  <p:clrMapOvr>
+    <a:masterClrMapping/>
+  </p:clrMapOvr>
+</p:sld>
+</file>
+
+<file path=ppt/slides/slide56.xml><?xml version="1.0" encoding="utf-8"?>
+<p:sld xmlns:a="http://schemas.openxmlformats.org/drawingml/2006/main" xmlns:r="http://schemas.openxmlformats.org/officeDocument/2006/relationships" xmlns:p="http://schemas.openxmlformats.org/presentationml/2006/main">
+  <p:cSld>
+    <p:spTree>
+      <p:nvGrpSpPr>
+        <p:cNvPr id="1" name=""/>
+        <p:cNvGrpSpPr/>
+        <p:nvPr/>
+      </p:nvGrpSpPr>
+      <p:grpSpPr>
+        <a:xfrm>
+          <a:off x="0" y="0"/>
+          <a:ext cx="0" cy="0"/>
+          <a:chOff x="0" y="0"/>
+          <a:chExt cx="0" cy="0"/>
+        </a:xfrm>
+      </p:grpSpPr>
+      <p:sp>
+        <p:nvSpPr>
+          <p:cNvPr id="4" name="TextBox 3"/>
+          <p:cNvSpPr txBox="1"/>
+          <p:nvPr/>
+        </p:nvSpPr>
+        <p:spPr>
+          <a:xfrm>
+            <a:off x="407324" y="199505"/>
+            <a:ext cx="902811" cy="523220"/>
+          </a:xfrm>
+          <a:prstGeom prst="rect">
+            <a:avLst/>
+          </a:prstGeom>
+          <a:noFill/>
+        </p:spPr>
+        <p:txBody>
+          <a:bodyPr wrap="none" rtlCol="0">
+            <a:spAutoFit/>
+          </a:bodyPr>
+          <a:lstStyle/>
+          <a:p>
+            <a:r>
+              <a:rPr lang="ko-KR" altLang="en-US" sz="2800" smtClean="0">
+                <a:latin typeface="Consolas" panose="020B0609020204030204" pitchFamily="49" charset="0"/>
+              </a:rPr>
+              <a:t>함수</a:t>
+            </a:r>
+            <a:endParaRPr lang="ko-KR" altLang="en-US" sz="2800" smtClean="0">
+              <a:latin typeface="Consolas" panose="020B0609020204030204" pitchFamily="49" charset="0"/>
+            </a:endParaRPr>
+          </a:p>
+        </p:txBody>
+      </p:sp>
+      <p:sp>
+        <p:nvSpPr>
+          <p:cNvPr id="15" name="TextBox 14"/>
+          <p:cNvSpPr txBox="1"/>
+          <p:nvPr/>
+        </p:nvSpPr>
+        <p:spPr>
+          <a:xfrm>
+            <a:off x="157806" y="733246"/>
+            <a:ext cx="5868922" cy="6124754"/>
+          </a:xfrm>
+          <a:prstGeom prst="rect">
+            <a:avLst/>
+          </a:prstGeom>
+          <a:noFill/>
+        </p:spPr>
+        <p:txBody>
+          <a:bodyPr wrap="square" rtlCol="0">
+            <a:spAutoFit/>
+          </a:bodyPr>
+          <a:lstStyle/>
+          <a:p>
+            <a:r>
+              <a:rPr lang="en-US" altLang="ko-KR" sz="2800" smtClean="0">
+                <a:latin typeface="Consolas" panose="020B0609020204030204" pitchFamily="49" charset="0"/>
+              </a:rPr>
+              <a:t>int* foo(void)</a:t>
+            </a:r>
+          </a:p>
+          <a:p>
+            <a:r>
+              <a:rPr lang="en-US" altLang="ko-KR" sz="2800" smtClean="0">
+                <a:latin typeface="Consolas" panose="020B0609020204030204" pitchFamily="49" charset="0"/>
+              </a:rPr>
+              <a:t>{</a:t>
+            </a:r>
+          </a:p>
+          <a:p>
+            <a:r>
+              <a:rPr lang="en-US" altLang="ko-KR" sz="2800">
+                <a:latin typeface="Consolas" panose="020B0609020204030204" pitchFamily="49" charset="0"/>
+              </a:rPr>
+              <a:t> </a:t>
+            </a:r>
+            <a:r>
+              <a:rPr lang="en-US" altLang="ko-KR" sz="2800" smtClean="0">
+                <a:latin typeface="Consolas" panose="020B0609020204030204" pitchFamily="49" charset="0"/>
+              </a:rPr>
+              <a:t>  static int a[2]= {1,2};</a:t>
+            </a:r>
+          </a:p>
+          <a:p>
+            <a:r>
+              <a:rPr lang="en-US" altLang="ko-KR" sz="2800">
+                <a:latin typeface="Consolas" panose="020B0609020204030204" pitchFamily="49" charset="0"/>
+              </a:rPr>
+              <a:t> </a:t>
+            </a:r>
+            <a:r>
+              <a:rPr lang="en-US" altLang="ko-KR" sz="2800" smtClean="0">
+                <a:latin typeface="Consolas" panose="020B0609020204030204" pitchFamily="49" charset="0"/>
+              </a:rPr>
+              <a:t>  printf("foo()\n");</a:t>
+            </a:r>
+          </a:p>
+          <a:p>
+            <a:r>
+              <a:rPr lang="en-US" altLang="ko-KR" sz="2800" smtClean="0">
+                <a:latin typeface="Consolas" panose="020B0609020204030204" pitchFamily="49" charset="0"/>
+              </a:rPr>
+              <a:t>   return a;</a:t>
+            </a:r>
+          </a:p>
+          <a:p>
+            <a:r>
+              <a:rPr lang="en-US" altLang="ko-KR" sz="2800" smtClean="0">
+                <a:latin typeface="Consolas" panose="020B0609020204030204" pitchFamily="49" charset="0"/>
+              </a:rPr>
+              <a:t>}</a:t>
+            </a:r>
+          </a:p>
+          <a:p>
+            <a:endParaRPr lang="en-US" altLang="ko-KR" sz="2800">
+              <a:latin typeface="Consolas" panose="020B0609020204030204" pitchFamily="49" charset="0"/>
+            </a:endParaRPr>
+          </a:p>
+          <a:p>
+            <a:r>
+              <a:rPr lang="en-US" altLang="ko-KR" sz="2800" smtClean="0">
+                <a:latin typeface="Consolas" panose="020B0609020204030204" pitchFamily="49" charset="0"/>
+              </a:rPr>
+              <a:t>int main()</a:t>
+            </a:r>
+          </a:p>
+          <a:p>
+            <a:r>
+              <a:rPr lang="en-US" altLang="ko-KR" sz="2800" smtClean="0">
+                <a:latin typeface="Consolas" panose="020B0609020204030204" pitchFamily="49" charset="0"/>
+              </a:rPr>
+              <a:t>{</a:t>
+            </a:r>
+          </a:p>
+          <a:p>
+            <a:r>
+              <a:rPr lang="en-US" altLang="ko-KR" sz="2800">
+                <a:latin typeface="Consolas" panose="020B0609020204030204" pitchFamily="49" charset="0"/>
+              </a:rPr>
+              <a:t> </a:t>
+            </a:r>
+            <a:r>
+              <a:rPr lang="en-US" altLang="ko-KR" sz="2800" smtClean="0">
+                <a:latin typeface="Consolas" panose="020B0609020204030204" pitchFamily="49" charset="0"/>
+              </a:rPr>
+              <a:t>   int *p;</a:t>
+            </a:r>
+          </a:p>
+          <a:p>
+            <a:r>
+              <a:rPr lang="en-US" altLang="ko-KR" sz="2800">
+                <a:latin typeface="Consolas" panose="020B0609020204030204" pitchFamily="49" charset="0"/>
+              </a:rPr>
+              <a:t>    </a:t>
+            </a:r>
+            <a:r>
+              <a:rPr lang="en-US" altLang="ko-KR" sz="2800" smtClean="0">
+                <a:latin typeface="Consolas" panose="020B0609020204030204" pitchFamily="49" charset="0"/>
+              </a:rPr>
+              <a:t>p = foo();</a:t>
+            </a:r>
+          </a:p>
+          <a:p>
+            <a:r>
+              <a:rPr lang="en-US" altLang="ko-KR" sz="2800">
+                <a:latin typeface="Consolas" panose="020B0609020204030204" pitchFamily="49" charset="0"/>
+              </a:rPr>
+              <a:t> </a:t>
+            </a:r>
+            <a:r>
+              <a:rPr lang="en-US" altLang="ko-KR" sz="2800" smtClean="0">
+                <a:latin typeface="Consolas" panose="020B0609020204030204" pitchFamily="49" charset="0"/>
+              </a:rPr>
+              <a:t>   p[1] = 10;</a:t>
+            </a:r>
+          </a:p>
+          <a:p>
+            <a:r>
+              <a:rPr lang="en-US" altLang="ko-KR" sz="2800">
+                <a:latin typeface="Consolas" panose="020B0609020204030204" pitchFamily="49" charset="0"/>
+              </a:rPr>
+              <a:t> </a:t>
+            </a:r>
+            <a:r>
+              <a:rPr lang="en-US" altLang="ko-KR" sz="2800" smtClean="0">
+                <a:latin typeface="Consolas" panose="020B0609020204030204" pitchFamily="49" charset="0"/>
+              </a:rPr>
+              <a:t>   return 0;</a:t>
+            </a:r>
+          </a:p>
+          <a:p>
+            <a:r>
+              <a:rPr lang="en-US" altLang="ko-KR" sz="2800">
+                <a:latin typeface="Consolas" panose="020B0609020204030204" pitchFamily="49" charset="0"/>
+              </a:rPr>
+              <a:t>}</a:t>
+            </a:r>
+          </a:p>
+        </p:txBody>
+      </p:sp>
+      <p:sp>
+        <p:nvSpPr>
+          <p:cNvPr id="5" name="TextBox 4"/>
+          <p:cNvSpPr txBox="1"/>
+          <p:nvPr/>
+        </p:nvSpPr>
+        <p:spPr>
+          <a:xfrm>
+            <a:off x="5719156" y="199505"/>
+            <a:ext cx="6303329" cy="1815882"/>
+          </a:xfrm>
+          <a:prstGeom prst="rect">
+            <a:avLst/>
+          </a:prstGeom>
+          <a:noFill/>
+        </p:spPr>
+        <p:txBody>
+          <a:bodyPr wrap="none" rtlCol="0">
+            <a:spAutoFit/>
+          </a:bodyPr>
+          <a:lstStyle/>
+          <a:p>
+            <a:r>
+              <a:rPr lang="en-US" altLang="ko-KR" sz="2800" smtClean="0">
+                <a:latin typeface="Consolas" panose="020B0609020204030204" pitchFamily="49" charset="0"/>
+              </a:rPr>
+              <a:t>decay : </a:t>
+            </a:r>
+            <a:r>
+              <a:rPr lang="ko-KR" altLang="en-US" sz="2800" smtClean="0">
+                <a:latin typeface="Consolas" panose="020B0609020204030204" pitchFamily="49" charset="0"/>
+              </a:rPr>
+              <a:t>일반적으로 함수의 이름은 </a:t>
+            </a:r>
+            <a:endParaRPr lang="en-US" altLang="ko-KR" sz="2800" smtClean="0">
+              <a:latin typeface="Consolas" panose="020B0609020204030204" pitchFamily="49" charset="0"/>
+            </a:endParaRPr>
+          </a:p>
+          <a:p>
+            <a:r>
+              <a:rPr lang="ko-KR" altLang="en-US" sz="2800" smtClean="0">
+                <a:latin typeface="Consolas" panose="020B0609020204030204" pitchFamily="49" charset="0"/>
+              </a:rPr>
+              <a:t>함수의 기계어 코드의 번지로 </a:t>
+            </a:r>
+            <a:endParaRPr lang="en-US" altLang="ko-KR" sz="2800" smtClean="0">
+              <a:latin typeface="Consolas" panose="020B0609020204030204" pitchFamily="49" charset="0"/>
+            </a:endParaRPr>
+          </a:p>
+          <a:p>
+            <a:r>
+              <a:rPr lang="ko-KR" altLang="en-US" sz="2800" smtClean="0">
+                <a:latin typeface="Consolas" panose="020B0609020204030204" pitchFamily="49" charset="0"/>
+              </a:rPr>
+              <a:t>해석 된다</a:t>
+            </a:r>
+            <a:r>
+              <a:rPr lang="en-US" altLang="ko-KR" sz="2800" smtClean="0">
+                <a:latin typeface="Consolas" panose="020B0609020204030204" pitchFamily="49" charset="0"/>
+              </a:rPr>
+              <a:t>.</a:t>
+            </a:r>
+          </a:p>
+          <a:p>
+            <a:r>
+              <a:rPr lang="en-US" altLang="ko-KR" sz="2800">
+                <a:latin typeface="Consolas" panose="020B0609020204030204" pitchFamily="49" charset="0"/>
+              </a:rPr>
+              <a:t> </a:t>
+            </a:r>
+            <a:r>
+              <a:rPr lang="en-US" altLang="ko-KR" sz="2800" smtClean="0">
+                <a:latin typeface="Consolas" panose="020B0609020204030204" pitchFamily="49" charset="0"/>
+              </a:rPr>
+              <a:t> </a:t>
+            </a:r>
+            <a:r>
+              <a:rPr lang="ko-KR" altLang="en-US" sz="2800" smtClean="0">
+                <a:latin typeface="Consolas" panose="020B0609020204030204" pitchFamily="49" charset="0"/>
+              </a:rPr>
+              <a:t>예외</a:t>
+            </a:r>
+            <a:r>
+              <a:rPr lang="en-US" altLang="ko-KR" sz="2800" smtClean="0">
+                <a:latin typeface="Consolas" panose="020B0609020204030204" pitchFamily="49" charset="0"/>
+              </a:rPr>
+              <a:t>) &amp;</a:t>
+            </a:r>
+            <a:endParaRPr lang="ko-KR" altLang="en-US" sz="2800" smtClean="0">
+              <a:latin typeface="Consolas" panose="020B0609020204030204" pitchFamily="49" charset="0"/>
+            </a:endParaRPr>
+          </a:p>
+        </p:txBody>
+      </p:sp>
+    </p:spTree>
+    <p:extLst>
+      <p:ext uri="{BB962C8B-B14F-4D97-AF65-F5344CB8AC3E}">
+        <p14:creationId xmlns:p14="http://schemas.microsoft.com/office/powerpoint/2010/main" val="3372392226"/>
+      </p:ext>
+    </p:extLst>
+  </p:cSld>
+  <p:clrMapOvr>
+    <a:masterClrMapping/>
+  </p:clrMapOvr>
+</p:sld>
+</file>
+
+<file path=ppt/slides/slide57.xml><?xml version="1.0" encoding="utf-8"?>
+<p:sld xmlns:a="http://schemas.openxmlformats.org/drawingml/2006/main" xmlns:r="http://schemas.openxmlformats.org/officeDocument/2006/relationships" xmlns:p="http://schemas.openxmlformats.org/presentationml/2006/main">
+  <p:cSld>
+    <p:spTree>
+      <p:nvGrpSpPr>
+        <p:cNvPr id="1" name=""/>
+        <p:cNvGrpSpPr/>
+        <p:nvPr/>
+      </p:nvGrpSpPr>
+      <p:grpSpPr>
+        <a:xfrm>
+          <a:off x="0" y="0"/>
+          <a:ext cx="0" cy="0"/>
+          <a:chOff x="0" y="0"/>
+          <a:chExt cx="0" cy="0"/>
+        </a:xfrm>
+      </p:grpSpPr>
+      <p:sp>
+        <p:nvSpPr>
+          <p:cNvPr id="4" name="TextBox 3"/>
+          <p:cNvSpPr txBox="1"/>
+          <p:nvPr/>
+        </p:nvSpPr>
+        <p:spPr>
+          <a:xfrm>
+            <a:off x="407324" y="199505"/>
+            <a:ext cx="902811" cy="523220"/>
+          </a:xfrm>
+          <a:prstGeom prst="rect">
+            <a:avLst/>
+          </a:prstGeom>
+          <a:noFill/>
+        </p:spPr>
+        <p:txBody>
+          <a:bodyPr wrap="none" rtlCol="0">
+            <a:spAutoFit/>
+          </a:bodyPr>
+          <a:lstStyle/>
+          <a:p>
+            <a:r>
+              <a:rPr lang="ko-KR" altLang="en-US" sz="2800" smtClean="0">
+                <a:latin typeface="Consolas" panose="020B0609020204030204" pitchFamily="49" charset="0"/>
+              </a:rPr>
+              <a:t>함수</a:t>
+            </a:r>
+            <a:endParaRPr lang="ko-KR" altLang="en-US" sz="2800" smtClean="0">
+              <a:latin typeface="Consolas" panose="020B0609020204030204" pitchFamily="49" charset="0"/>
+            </a:endParaRPr>
+          </a:p>
+        </p:txBody>
+      </p:sp>
+      <p:sp>
+        <p:nvSpPr>
+          <p:cNvPr id="15" name="TextBox 14"/>
+          <p:cNvSpPr txBox="1"/>
+          <p:nvPr/>
+        </p:nvSpPr>
+        <p:spPr>
+          <a:xfrm>
+            <a:off x="157805" y="733246"/>
+            <a:ext cx="8088419" cy="6124754"/>
+          </a:xfrm>
+          <a:prstGeom prst="rect">
+            <a:avLst/>
+          </a:prstGeom>
+          <a:noFill/>
+        </p:spPr>
+        <p:txBody>
+          <a:bodyPr wrap="square" rtlCol="0">
+            <a:spAutoFit/>
+          </a:bodyPr>
+          <a:lstStyle/>
+          <a:p>
+            <a:r>
+              <a:rPr lang="en-US" altLang="ko-KR" sz="2800" smtClean="0">
+                <a:latin typeface="Consolas" panose="020B0609020204030204" pitchFamily="49" charset="0"/>
+              </a:rPr>
+              <a:t>int (*)[2] foo(void)</a:t>
+            </a:r>
+          </a:p>
+          <a:p>
+            <a:r>
+              <a:rPr lang="en-US" altLang="ko-KR" sz="2800" smtClean="0">
+                <a:latin typeface="Consolas" panose="020B0609020204030204" pitchFamily="49" charset="0"/>
+              </a:rPr>
+              <a:t>{</a:t>
+            </a:r>
+          </a:p>
+          <a:p>
+            <a:r>
+              <a:rPr lang="en-US" altLang="ko-KR" sz="2800">
+                <a:latin typeface="Consolas" panose="020B0609020204030204" pitchFamily="49" charset="0"/>
+              </a:rPr>
+              <a:t> </a:t>
+            </a:r>
+            <a:r>
+              <a:rPr lang="en-US" altLang="ko-KR" sz="2800" smtClean="0">
+                <a:latin typeface="Consolas" panose="020B0609020204030204" pitchFamily="49" charset="0"/>
+              </a:rPr>
+              <a:t>  static int a[2][2] = {1,2,3,4};</a:t>
+            </a:r>
+          </a:p>
+          <a:p>
+            <a:r>
+              <a:rPr lang="en-US" altLang="ko-KR" sz="2800">
+                <a:latin typeface="Consolas" panose="020B0609020204030204" pitchFamily="49" charset="0"/>
+              </a:rPr>
+              <a:t> </a:t>
+            </a:r>
+            <a:r>
+              <a:rPr lang="en-US" altLang="ko-KR" sz="2800" smtClean="0">
+                <a:latin typeface="Consolas" panose="020B0609020204030204" pitchFamily="49" charset="0"/>
+              </a:rPr>
+              <a:t>  printf("foo()\n");</a:t>
+            </a:r>
+          </a:p>
+          <a:p>
+            <a:r>
+              <a:rPr lang="en-US" altLang="ko-KR" sz="2800" smtClean="0">
+                <a:latin typeface="Consolas" panose="020B0609020204030204" pitchFamily="49" charset="0"/>
+              </a:rPr>
+              <a:t>   return a;</a:t>
+            </a:r>
+          </a:p>
+          <a:p>
+            <a:r>
+              <a:rPr lang="en-US" altLang="ko-KR" sz="2800" smtClean="0">
+                <a:latin typeface="Consolas" panose="020B0609020204030204" pitchFamily="49" charset="0"/>
+              </a:rPr>
+              <a:t>}</a:t>
+            </a:r>
+          </a:p>
+          <a:p>
+            <a:endParaRPr lang="en-US" altLang="ko-KR" sz="2800">
+              <a:latin typeface="Consolas" panose="020B0609020204030204" pitchFamily="49" charset="0"/>
+            </a:endParaRPr>
+          </a:p>
+          <a:p>
+            <a:r>
+              <a:rPr lang="en-US" altLang="ko-KR" sz="2800" smtClean="0">
+                <a:latin typeface="Consolas" panose="020B0609020204030204" pitchFamily="49" charset="0"/>
+              </a:rPr>
+              <a:t>int main()</a:t>
+            </a:r>
+          </a:p>
+          <a:p>
+            <a:r>
+              <a:rPr lang="en-US" altLang="ko-KR" sz="2800" smtClean="0">
+                <a:latin typeface="Consolas" panose="020B0609020204030204" pitchFamily="49" charset="0"/>
+              </a:rPr>
+              <a:t>{</a:t>
+            </a:r>
+          </a:p>
+          <a:p>
+            <a:r>
+              <a:rPr lang="en-US" altLang="ko-KR" sz="2800">
+                <a:latin typeface="Consolas" panose="020B0609020204030204" pitchFamily="49" charset="0"/>
+              </a:rPr>
+              <a:t> </a:t>
+            </a:r>
+            <a:r>
+              <a:rPr lang="en-US" altLang="ko-KR" sz="2800" smtClean="0">
+                <a:latin typeface="Consolas" panose="020B0609020204030204" pitchFamily="49" charset="0"/>
+              </a:rPr>
+              <a:t>   int (*p)[2];</a:t>
+            </a:r>
+          </a:p>
+          <a:p>
+            <a:r>
+              <a:rPr lang="en-US" altLang="ko-KR" sz="2800">
+                <a:latin typeface="Consolas" panose="020B0609020204030204" pitchFamily="49" charset="0"/>
+              </a:rPr>
+              <a:t>    </a:t>
+            </a:r>
+            <a:r>
+              <a:rPr lang="en-US" altLang="ko-KR" sz="2800" smtClean="0">
+                <a:latin typeface="Consolas" panose="020B0609020204030204" pitchFamily="49" charset="0"/>
+              </a:rPr>
+              <a:t>p = foo();</a:t>
+            </a:r>
+          </a:p>
+          <a:p>
+            <a:r>
+              <a:rPr lang="en-US" altLang="ko-KR" sz="2800">
+                <a:latin typeface="Consolas" panose="020B0609020204030204" pitchFamily="49" charset="0"/>
+              </a:rPr>
+              <a:t> </a:t>
+            </a:r>
+            <a:r>
+              <a:rPr lang="en-US" altLang="ko-KR" sz="2800" smtClean="0">
+                <a:latin typeface="Consolas" panose="020B0609020204030204" pitchFamily="49" charset="0"/>
+              </a:rPr>
+              <a:t>   p[1][1] = 10;</a:t>
+            </a:r>
+          </a:p>
+          <a:p>
+            <a:r>
+              <a:rPr lang="en-US" altLang="ko-KR" sz="2800">
+                <a:latin typeface="Consolas" panose="020B0609020204030204" pitchFamily="49" charset="0"/>
+              </a:rPr>
+              <a:t> </a:t>
+            </a:r>
+            <a:r>
+              <a:rPr lang="en-US" altLang="ko-KR" sz="2800" smtClean="0">
+                <a:latin typeface="Consolas" panose="020B0609020204030204" pitchFamily="49" charset="0"/>
+              </a:rPr>
+              <a:t>   return 0;</a:t>
+            </a:r>
+          </a:p>
+          <a:p>
+            <a:r>
+              <a:rPr lang="en-US" altLang="ko-KR" sz="2800">
+                <a:latin typeface="Consolas" panose="020B0609020204030204" pitchFamily="49" charset="0"/>
+              </a:rPr>
+              <a:t>}</a:t>
+            </a:r>
+          </a:p>
+        </p:txBody>
+      </p:sp>
+    </p:spTree>
+    <p:extLst>
+      <p:ext uri="{BB962C8B-B14F-4D97-AF65-F5344CB8AC3E}">
+        <p14:creationId xmlns:p14="http://schemas.microsoft.com/office/powerpoint/2010/main" val="2611788052"/>
+      </p:ext>
+    </p:extLst>
+  </p:cSld>
+  <p:clrMapOvr>
+    <a:masterClrMapping/>
+  </p:clrMapOvr>
+</p:sld>
+</file>
+
+<file path=ppt/slides/slide58.xml><?xml version="1.0" encoding="utf-8"?>
+<p:sld xmlns:a="http://schemas.openxmlformats.org/drawingml/2006/main" xmlns:r="http://schemas.openxmlformats.org/officeDocument/2006/relationships" xmlns:p="http://schemas.openxmlformats.org/presentationml/2006/main">
+  <p:cSld>
+    <p:spTree>
+      <p:nvGrpSpPr>
+        <p:cNvPr id="1" name=""/>
+        <p:cNvGrpSpPr/>
+        <p:nvPr/>
+      </p:nvGrpSpPr>
+      <p:grpSpPr>
+        <a:xfrm>
+          <a:off x="0" y="0"/>
+          <a:ext cx="0" cy="0"/>
+          <a:chOff x="0" y="0"/>
+          <a:chExt cx="0" cy="0"/>
+        </a:xfrm>
+      </p:grpSpPr>
+      <p:sp>
+        <p:nvSpPr>
+          <p:cNvPr id="4" name="TextBox 3"/>
+          <p:cNvSpPr txBox="1"/>
+          <p:nvPr/>
+        </p:nvSpPr>
+        <p:spPr>
+          <a:xfrm>
+            <a:off x="407324" y="199505"/>
+            <a:ext cx="902811" cy="523220"/>
+          </a:xfrm>
+          <a:prstGeom prst="rect">
+            <a:avLst/>
+          </a:prstGeom>
+          <a:noFill/>
+        </p:spPr>
+        <p:txBody>
+          <a:bodyPr wrap="none" rtlCol="0">
+            <a:spAutoFit/>
+          </a:bodyPr>
+          <a:lstStyle/>
+          <a:p>
+            <a:r>
+              <a:rPr lang="ko-KR" altLang="en-US" sz="2800" smtClean="0">
+                <a:latin typeface="Consolas" panose="020B0609020204030204" pitchFamily="49" charset="0"/>
+              </a:rPr>
+              <a:t>함수</a:t>
+            </a:r>
+            <a:endParaRPr lang="ko-KR" altLang="en-US" sz="2800" smtClean="0">
+              <a:latin typeface="Consolas" panose="020B0609020204030204" pitchFamily="49" charset="0"/>
+            </a:endParaRPr>
+          </a:p>
+        </p:txBody>
+      </p:sp>
+      <p:sp>
+        <p:nvSpPr>
+          <p:cNvPr id="15" name="TextBox 14"/>
+          <p:cNvSpPr txBox="1"/>
+          <p:nvPr/>
+        </p:nvSpPr>
+        <p:spPr>
+          <a:xfrm>
+            <a:off x="157805" y="733246"/>
+            <a:ext cx="8088419" cy="6124754"/>
+          </a:xfrm>
+          <a:prstGeom prst="rect">
+            <a:avLst/>
+          </a:prstGeom>
+          <a:noFill/>
+        </p:spPr>
+        <p:txBody>
+          <a:bodyPr wrap="square" rtlCol="0">
+            <a:spAutoFit/>
+          </a:bodyPr>
+          <a:lstStyle/>
+          <a:p>
+            <a:r>
+              <a:rPr lang="en-US" altLang="ko-KR" sz="2800" smtClean="0">
+                <a:latin typeface="Consolas" panose="020B0609020204030204" pitchFamily="49" charset="0"/>
+              </a:rPr>
+              <a:t>int (* foo(void) )[2]</a:t>
+            </a:r>
+          </a:p>
+          <a:p>
+            <a:r>
+              <a:rPr lang="en-US" altLang="ko-KR" sz="2800" smtClean="0">
+                <a:latin typeface="Consolas" panose="020B0609020204030204" pitchFamily="49" charset="0"/>
+              </a:rPr>
+              <a:t>{</a:t>
+            </a:r>
+          </a:p>
+          <a:p>
+            <a:r>
+              <a:rPr lang="en-US" altLang="ko-KR" sz="2800">
+                <a:latin typeface="Consolas" panose="020B0609020204030204" pitchFamily="49" charset="0"/>
+              </a:rPr>
+              <a:t> </a:t>
+            </a:r>
+            <a:r>
+              <a:rPr lang="en-US" altLang="ko-KR" sz="2800" smtClean="0">
+                <a:latin typeface="Consolas" panose="020B0609020204030204" pitchFamily="49" charset="0"/>
+              </a:rPr>
+              <a:t>  static int a[2][2] = {1,2,3,4};</a:t>
+            </a:r>
+          </a:p>
+          <a:p>
+            <a:r>
+              <a:rPr lang="en-US" altLang="ko-KR" sz="2800">
+                <a:latin typeface="Consolas" panose="020B0609020204030204" pitchFamily="49" charset="0"/>
+              </a:rPr>
+              <a:t> </a:t>
+            </a:r>
+            <a:r>
+              <a:rPr lang="en-US" altLang="ko-KR" sz="2800" smtClean="0">
+                <a:latin typeface="Consolas" panose="020B0609020204030204" pitchFamily="49" charset="0"/>
+              </a:rPr>
+              <a:t>  printf("foo()\n");</a:t>
+            </a:r>
+          </a:p>
+          <a:p>
+            <a:r>
+              <a:rPr lang="en-US" altLang="ko-KR" sz="2800" smtClean="0">
+                <a:latin typeface="Consolas" panose="020B0609020204030204" pitchFamily="49" charset="0"/>
+              </a:rPr>
+              <a:t>   return a;</a:t>
+            </a:r>
+          </a:p>
+          <a:p>
+            <a:r>
+              <a:rPr lang="en-US" altLang="ko-KR" sz="2800" smtClean="0">
+                <a:latin typeface="Consolas" panose="020B0609020204030204" pitchFamily="49" charset="0"/>
+              </a:rPr>
+              <a:t>}</a:t>
+            </a:r>
+          </a:p>
+          <a:p>
+            <a:endParaRPr lang="en-US" altLang="ko-KR" sz="2800">
+              <a:latin typeface="Consolas" panose="020B0609020204030204" pitchFamily="49" charset="0"/>
+            </a:endParaRPr>
+          </a:p>
+          <a:p>
+            <a:r>
+              <a:rPr lang="en-US" altLang="ko-KR" sz="2800" smtClean="0">
+                <a:latin typeface="Consolas" panose="020B0609020204030204" pitchFamily="49" charset="0"/>
+              </a:rPr>
+              <a:t>int main()</a:t>
+            </a:r>
+          </a:p>
+          <a:p>
+            <a:r>
+              <a:rPr lang="en-US" altLang="ko-KR" sz="2800" smtClean="0">
+                <a:latin typeface="Consolas" panose="020B0609020204030204" pitchFamily="49" charset="0"/>
+              </a:rPr>
+              <a:t>{</a:t>
+            </a:r>
+          </a:p>
+          <a:p>
+            <a:r>
+              <a:rPr lang="en-US" altLang="ko-KR" sz="2800">
+                <a:latin typeface="Consolas" panose="020B0609020204030204" pitchFamily="49" charset="0"/>
+              </a:rPr>
+              <a:t> </a:t>
+            </a:r>
+            <a:r>
+              <a:rPr lang="en-US" altLang="ko-KR" sz="2800" smtClean="0">
+                <a:latin typeface="Consolas" panose="020B0609020204030204" pitchFamily="49" charset="0"/>
+              </a:rPr>
+              <a:t>   int (*p)[2];</a:t>
+            </a:r>
+          </a:p>
+          <a:p>
+            <a:r>
+              <a:rPr lang="en-US" altLang="ko-KR" sz="2800">
+                <a:latin typeface="Consolas" panose="020B0609020204030204" pitchFamily="49" charset="0"/>
+              </a:rPr>
+              <a:t>    </a:t>
+            </a:r>
+            <a:r>
+              <a:rPr lang="en-US" altLang="ko-KR" sz="2800" smtClean="0">
+                <a:latin typeface="Consolas" panose="020B0609020204030204" pitchFamily="49" charset="0"/>
+              </a:rPr>
+              <a:t>p = foo();</a:t>
+            </a:r>
+          </a:p>
+          <a:p>
+            <a:r>
+              <a:rPr lang="en-US" altLang="ko-KR" sz="2800">
+                <a:latin typeface="Consolas" panose="020B0609020204030204" pitchFamily="49" charset="0"/>
+              </a:rPr>
+              <a:t> </a:t>
+            </a:r>
+            <a:r>
+              <a:rPr lang="en-US" altLang="ko-KR" sz="2800" smtClean="0">
+                <a:latin typeface="Consolas" panose="020B0609020204030204" pitchFamily="49" charset="0"/>
+              </a:rPr>
+              <a:t>   p[1][1] = 10;</a:t>
+            </a:r>
+          </a:p>
+          <a:p>
+            <a:r>
+              <a:rPr lang="en-US" altLang="ko-KR" sz="2800">
+                <a:latin typeface="Consolas" panose="020B0609020204030204" pitchFamily="49" charset="0"/>
+              </a:rPr>
+              <a:t> </a:t>
+            </a:r>
+            <a:r>
+              <a:rPr lang="en-US" altLang="ko-KR" sz="2800" smtClean="0">
+                <a:latin typeface="Consolas" panose="020B0609020204030204" pitchFamily="49" charset="0"/>
+              </a:rPr>
+              <a:t>   return 0;</a:t>
+            </a:r>
+          </a:p>
+          <a:p>
+            <a:r>
+              <a:rPr lang="en-US" altLang="ko-KR" sz="2800">
+                <a:latin typeface="Consolas" panose="020B0609020204030204" pitchFamily="49" charset="0"/>
+              </a:rPr>
+              <a:t>}</a:t>
+            </a:r>
+          </a:p>
+        </p:txBody>
+      </p:sp>
+    </p:spTree>
+    <p:extLst>
+      <p:ext uri="{BB962C8B-B14F-4D97-AF65-F5344CB8AC3E}">
+        <p14:creationId xmlns:p14="http://schemas.microsoft.com/office/powerpoint/2010/main" val="2468090692"/>
+      </p:ext>
+    </p:extLst>
+  </p:cSld>
+  <p:clrMapOvr>
+    <a:masterClrMapping/>
+  </p:clrMapOvr>
+</p:sld>
+</file>
+
+<file path=ppt/slides/slide59.xml><?xml version="1.0" encoding="utf-8"?>
+<p:sld xmlns:a="http://schemas.openxmlformats.org/drawingml/2006/main" xmlns:r="http://schemas.openxmlformats.org/officeDocument/2006/relationships" xmlns:p="http://schemas.openxmlformats.org/presentationml/2006/main">
+  <p:cSld>
+    <p:spTree>
+      <p:nvGrpSpPr>
+        <p:cNvPr id="1" name=""/>
+        <p:cNvGrpSpPr/>
+        <p:nvPr/>
+      </p:nvGrpSpPr>
+      <p:grpSpPr>
+        <a:xfrm>
+          <a:off x="0" y="0"/>
+          <a:ext cx="0" cy="0"/>
+          <a:chOff x="0" y="0"/>
+          <a:chExt cx="0" cy="0"/>
+        </a:xfrm>
+      </p:grpSpPr>
+      <p:sp>
+        <p:nvSpPr>
+          <p:cNvPr id="4" name="TextBox 3"/>
+          <p:cNvSpPr txBox="1"/>
+          <p:nvPr/>
+        </p:nvSpPr>
+        <p:spPr>
+          <a:xfrm>
+            <a:off x="407324" y="199505"/>
+            <a:ext cx="902811" cy="523220"/>
+          </a:xfrm>
+          <a:prstGeom prst="rect">
+            <a:avLst/>
+          </a:prstGeom>
+          <a:noFill/>
+        </p:spPr>
+        <p:txBody>
+          <a:bodyPr wrap="none" rtlCol="0">
+            <a:spAutoFit/>
+          </a:bodyPr>
+          <a:lstStyle/>
+          <a:p>
+            <a:r>
+              <a:rPr lang="ko-KR" altLang="en-US" sz="2800" smtClean="0">
+                <a:latin typeface="Consolas" panose="020B0609020204030204" pitchFamily="49" charset="0"/>
+              </a:rPr>
+              <a:t>함수</a:t>
+            </a:r>
+            <a:endParaRPr lang="ko-KR" altLang="en-US" sz="2800" smtClean="0">
+              <a:latin typeface="Consolas" panose="020B0609020204030204" pitchFamily="49" charset="0"/>
+            </a:endParaRPr>
+          </a:p>
+        </p:txBody>
+      </p:sp>
+      <p:sp>
+        <p:nvSpPr>
+          <p:cNvPr id="15" name="TextBox 14"/>
+          <p:cNvSpPr txBox="1"/>
+          <p:nvPr/>
+        </p:nvSpPr>
+        <p:spPr>
+          <a:xfrm>
+            <a:off x="1180271" y="874562"/>
+            <a:ext cx="4347694" cy="523220"/>
+          </a:xfrm>
+          <a:prstGeom prst="rect">
+            <a:avLst/>
+          </a:prstGeom>
+          <a:noFill/>
+        </p:spPr>
+        <p:txBody>
+          <a:bodyPr wrap="square" rtlCol="0">
+            <a:spAutoFit/>
+          </a:bodyPr>
+          <a:lstStyle/>
+          <a:p>
+            <a:r>
+              <a:rPr lang="en-US" altLang="ko-KR" sz="2800">
+                <a:latin typeface="Consolas" panose="020B0609020204030204" pitchFamily="49" charset="0"/>
+              </a:rPr>
+              <a:t>int (* foo(void) )[2]</a:t>
+            </a:r>
+          </a:p>
+        </p:txBody>
+      </p:sp>
+      <p:sp>
+        <p:nvSpPr>
+          <p:cNvPr id="5" name="TextBox 4"/>
+          <p:cNvSpPr txBox="1"/>
+          <p:nvPr/>
+        </p:nvSpPr>
+        <p:spPr>
+          <a:xfrm>
+            <a:off x="1180271" y="1705835"/>
+            <a:ext cx="7132456" cy="1815882"/>
+          </a:xfrm>
+          <a:prstGeom prst="rect">
+            <a:avLst/>
+          </a:prstGeom>
+          <a:noFill/>
+        </p:spPr>
+        <p:txBody>
+          <a:bodyPr wrap="square" rtlCol="0">
+            <a:spAutoFit/>
+          </a:bodyPr>
+          <a:lstStyle/>
+          <a:p>
+            <a:r>
+              <a:rPr lang="en-US" altLang="ko-KR" sz="2800" smtClean="0">
+                <a:latin typeface="Consolas" panose="020B0609020204030204" pitchFamily="49" charset="0"/>
+              </a:rPr>
+              <a:t>function(void) returning</a:t>
+            </a:r>
+          </a:p>
+          <a:p>
+            <a:r>
+              <a:rPr lang="en-US" altLang="ko-KR" sz="2800" smtClean="0">
+                <a:latin typeface="Consolas" panose="020B0609020204030204" pitchFamily="49" charset="0"/>
+              </a:rPr>
+              <a:t>pointer to</a:t>
+            </a:r>
+          </a:p>
+          <a:p>
+            <a:r>
+              <a:rPr lang="en-US" altLang="ko-KR" sz="2800" smtClean="0">
+                <a:latin typeface="Consolas" panose="020B0609020204030204" pitchFamily="49" charset="0"/>
+              </a:rPr>
+              <a:t>array of 2</a:t>
+            </a:r>
+          </a:p>
+          <a:p>
+            <a:r>
+              <a:rPr lang="en-US" altLang="ko-KR" sz="2800" smtClean="0">
+                <a:latin typeface="Consolas" panose="020B0609020204030204" pitchFamily="49" charset="0"/>
+              </a:rPr>
+              <a:t>int</a:t>
+            </a:r>
+            <a:endParaRPr lang="en-US" altLang="ko-KR" sz="2800">
+              <a:latin typeface="Consolas" panose="020B0609020204030204" pitchFamily="49" charset="0"/>
+            </a:endParaRPr>
+          </a:p>
+        </p:txBody>
+      </p:sp>
+    </p:spTree>
+    <p:extLst>
+      <p:ext uri="{BB962C8B-B14F-4D97-AF65-F5344CB8AC3E}">
+        <p14:creationId xmlns:p14="http://schemas.microsoft.com/office/powerpoint/2010/main" val="1432328931"/>
       </p:ext>
     </p:extLst>
   </p:cSld>
@@ -54576,6 +56586,325 @@
     <p:extLst>
       <p:ext uri="{BB962C8B-B14F-4D97-AF65-F5344CB8AC3E}">
         <p14:creationId xmlns:p14="http://schemas.microsoft.com/office/powerpoint/2010/main" val="2531181859"/>
+      </p:ext>
+    </p:extLst>
+  </p:cSld>
+  <p:clrMapOvr>
+    <a:masterClrMapping/>
+  </p:clrMapOvr>
+</p:sld>
+</file>
+
+<file path=ppt/slides/slide60.xml><?xml version="1.0" encoding="utf-8"?>
+<p:sld xmlns:a="http://schemas.openxmlformats.org/drawingml/2006/main" xmlns:r="http://schemas.openxmlformats.org/officeDocument/2006/relationships" xmlns:p="http://schemas.openxmlformats.org/presentationml/2006/main">
+  <p:cSld>
+    <p:spTree>
+      <p:nvGrpSpPr>
+        <p:cNvPr id="1" name=""/>
+        <p:cNvGrpSpPr/>
+        <p:nvPr/>
+      </p:nvGrpSpPr>
+      <p:grpSpPr>
+        <a:xfrm>
+          <a:off x="0" y="0"/>
+          <a:ext cx="0" cy="0"/>
+          <a:chOff x="0" y="0"/>
+          <a:chExt cx="0" cy="0"/>
+        </a:xfrm>
+      </p:grpSpPr>
+      <p:sp>
+        <p:nvSpPr>
+          <p:cNvPr id="4" name="TextBox 3"/>
+          <p:cNvSpPr txBox="1"/>
+          <p:nvPr/>
+        </p:nvSpPr>
+        <p:spPr>
+          <a:xfrm>
+            <a:off x="407324" y="199505"/>
+            <a:ext cx="902811" cy="523220"/>
+          </a:xfrm>
+          <a:prstGeom prst="rect">
+            <a:avLst/>
+          </a:prstGeom>
+          <a:noFill/>
+        </p:spPr>
+        <p:txBody>
+          <a:bodyPr wrap="none" rtlCol="0">
+            <a:spAutoFit/>
+          </a:bodyPr>
+          <a:lstStyle/>
+          <a:p>
+            <a:r>
+              <a:rPr lang="ko-KR" altLang="en-US" sz="2800" smtClean="0">
+                <a:latin typeface="Consolas" panose="020B0609020204030204" pitchFamily="49" charset="0"/>
+              </a:rPr>
+              <a:t>함수</a:t>
+            </a:r>
+            <a:endParaRPr lang="ko-KR" altLang="en-US" sz="2800" smtClean="0">
+              <a:latin typeface="Consolas" panose="020B0609020204030204" pitchFamily="49" charset="0"/>
+            </a:endParaRPr>
+          </a:p>
+        </p:txBody>
+      </p:sp>
+      <p:sp>
+        <p:nvSpPr>
+          <p:cNvPr id="15" name="TextBox 14"/>
+          <p:cNvSpPr txBox="1"/>
+          <p:nvPr/>
+        </p:nvSpPr>
+        <p:spPr>
+          <a:xfrm>
+            <a:off x="1180271" y="874562"/>
+            <a:ext cx="8154922" cy="523220"/>
+          </a:xfrm>
+          <a:prstGeom prst="rect">
+            <a:avLst/>
+          </a:prstGeom>
+          <a:noFill/>
+        </p:spPr>
+        <p:txBody>
+          <a:bodyPr wrap="square" rtlCol="0">
+            <a:spAutoFit/>
+          </a:bodyPr>
+          <a:lstStyle/>
+          <a:p>
+            <a:r>
+              <a:rPr lang="fi-FI" altLang="ko-KR" sz="2800">
+                <a:latin typeface="Consolas" panose="020B0609020204030204" pitchFamily="49" charset="0"/>
+              </a:rPr>
+              <a:t>void (* (*(*q)[2])(void) )(void)</a:t>
+            </a:r>
+            <a:endParaRPr lang="en-US" altLang="ko-KR" sz="2800">
+              <a:latin typeface="Consolas" panose="020B0609020204030204" pitchFamily="49" charset="0"/>
+            </a:endParaRPr>
+          </a:p>
+        </p:txBody>
+      </p:sp>
+      <p:sp>
+        <p:nvSpPr>
+          <p:cNvPr id="5" name="TextBox 4"/>
+          <p:cNvSpPr txBox="1"/>
+          <p:nvPr/>
+        </p:nvSpPr>
+        <p:spPr>
+          <a:xfrm>
+            <a:off x="1180271" y="1705835"/>
+            <a:ext cx="7132456" cy="3108543"/>
+          </a:xfrm>
+          <a:prstGeom prst="rect">
+            <a:avLst/>
+          </a:prstGeom>
+          <a:noFill/>
+        </p:spPr>
+        <p:txBody>
+          <a:bodyPr wrap="square" rtlCol="0">
+            <a:spAutoFit/>
+          </a:bodyPr>
+          <a:lstStyle/>
+          <a:p>
+            <a:r>
+              <a:rPr lang="en-US" altLang="ko-KR" sz="2800" smtClean="0">
+                <a:latin typeface="Consolas" panose="020B0609020204030204" pitchFamily="49" charset="0"/>
+              </a:rPr>
+              <a:t>pointer to</a:t>
+            </a:r>
+          </a:p>
+          <a:p>
+            <a:r>
+              <a:rPr lang="en-US" altLang="ko-KR" sz="2800" smtClean="0">
+                <a:latin typeface="Consolas" panose="020B0609020204030204" pitchFamily="49" charset="0"/>
+              </a:rPr>
+              <a:t>array of 2</a:t>
+            </a:r>
+          </a:p>
+          <a:p>
+            <a:r>
+              <a:rPr lang="en-US" altLang="ko-KR" sz="2800" smtClean="0">
+                <a:latin typeface="Consolas" panose="020B0609020204030204" pitchFamily="49" charset="0"/>
+              </a:rPr>
+              <a:t>pointer to</a:t>
+            </a:r>
+          </a:p>
+          <a:p>
+            <a:r>
+              <a:rPr lang="en-US" altLang="ko-KR" sz="2800" smtClean="0">
+                <a:latin typeface="Consolas" panose="020B0609020204030204" pitchFamily="49" charset="0"/>
+              </a:rPr>
+              <a:t>function(void) returning</a:t>
+            </a:r>
+          </a:p>
+          <a:p>
+            <a:r>
+              <a:rPr lang="en-US" altLang="ko-KR" sz="2800" smtClean="0">
+                <a:latin typeface="Consolas" panose="020B0609020204030204" pitchFamily="49" charset="0"/>
+              </a:rPr>
+              <a:t>pointer to</a:t>
+            </a:r>
+          </a:p>
+          <a:p>
+            <a:r>
+              <a:rPr lang="en-US" altLang="ko-KR" sz="2800">
+                <a:latin typeface="Consolas" panose="020B0609020204030204" pitchFamily="49" charset="0"/>
+              </a:rPr>
+              <a:t>function(void) returning</a:t>
+            </a:r>
+          </a:p>
+          <a:p>
+            <a:r>
+              <a:rPr lang="en-US" altLang="ko-KR" sz="2800" smtClean="0">
+                <a:latin typeface="Consolas" panose="020B0609020204030204" pitchFamily="49" charset="0"/>
+              </a:rPr>
+              <a:t>void</a:t>
+            </a:r>
+          </a:p>
+        </p:txBody>
+      </p:sp>
+    </p:spTree>
+    <p:extLst>
+      <p:ext uri="{BB962C8B-B14F-4D97-AF65-F5344CB8AC3E}">
+        <p14:creationId xmlns:p14="http://schemas.microsoft.com/office/powerpoint/2010/main" val="1274161465"/>
+      </p:ext>
+    </p:extLst>
+  </p:cSld>
+  <p:clrMapOvr>
+    <a:masterClrMapping/>
+  </p:clrMapOvr>
+</p:sld>
+</file>
+
+<file path=ppt/slides/slide61.xml><?xml version="1.0" encoding="utf-8"?>
+<p:sld xmlns:a="http://schemas.openxmlformats.org/drawingml/2006/main" xmlns:r="http://schemas.openxmlformats.org/officeDocument/2006/relationships" xmlns:p="http://schemas.openxmlformats.org/presentationml/2006/main">
+  <p:cSld>
+    <p:spTree>
+      <p:nvGrpSpPr>
+        <p:cNvPr id="1" name=""/>
+        <p:cNvGrpSpPr/>
+        <p:nvPr/>
+      </p:nvGrpSpPr>
+      <p:grpSpPr>
+        <a:xfrm>
+          <a:off x="0" y="0"/>
+          <a:ext cx="0" cy="0"/>
+          <a:chOff x="0" y="0"/>
+          <a:chExt cx="0" cy="0"/>
+        </a:xfrm>
+      </p:grpSpPr>
+      <p:sp>
+        <p:nvSpPr>
+          <p:cNvPr id="4" name="TextBox 3"/>
+          <p:cNvSpPr txBox="1"/>
+          <p:nvPr/>
+        </p:nvSpPr>
+        <p:spPr>
+          <a:xfrm>
+            <a:off x="407324" y="199505"/>
+            <a:ext cx="902811" cy="523220"/>
+          </a:xfrm>
+          <a:prstGeom prst="rect">
+            <a:avLst/>
+          </a:prstGeom>
+          <a:noFill/>
+        </p:spPr>
+        <p:txBody>
+          <a:bodyPr wrap="none" rtlCol="0">
+            <a:spAutoFit/>
+          </a:bodyPr>
+          <a:lstStyle/>
+          <a:p>
+            <a:r>
+              <a:rPr lang="ko-KR" altLang="en-US" sz="2800" smtClean="0">
+                <a:latin typeface="Consolas" panose="020B0609020204030204" pitchFamily="49" charset="0"/>
+              </a:rPr>
+              <a:t>함수</a:t>
+            </a:r>
+            <a:endParaRPr lang="ko-KR" altLang="en-US" sz="2800" smtClean="0">
+              <a:latin typeface="Consolas" panose="020B0609020204030204" pitchFamily="49" charset="0"/>
+            </a:endParaRPr>
+          </a:p>
+        </p:txBody>
+      </p:sp>
+      <p:sp>
+        <p:nvSpPr>
+          <p:cNvPr id="15" name="TextBox 14"/>
+          <p:cNvSpPr txBox="1"/>
+          <p:nvPr/>
+        </p:nvSpPr>
+        <p:spPr>
+          <a:xfrm>
+            <a:off x="1180271" y="874562"/>
+            <a:ext cx="8154922" cy="1384995"/>
+          </a:xfrm>
+          <a:prstGeom prst="rect">
+            <a:avLst/>
+          </a:prstGeom>
+          <a:noFill/>
+        </p:spPr>
+        <p:txBody>
+          <a:bodyPr wrap="square" rtlCol="0">
+            <a:spAutoFit/>
+          </a:bodyPr>
+          <a:lstStyle/>
+          <a:p>
+            <a:r>
+              <a:rPr lang="en-US" altLang="ko-KR" sz="2800">
+                <a:latin typeface="Consolas" panose="020B0609020204030204" pitchFamily="49" charset="0"/>
+              </a:rPr>
+              <a:t>typedef  void (*F1)(void);</a:t>
+            </a:r>
+          </a:p>
+          <a:p>
+            <a:r>
+              <a:rPr lang="en-US" altLang="ko-KR" sz="2800">
+                <a:latin typeface="Consolas" panose="020B0609020204030204" pitchFamily="49" charset="0"/>
+              </a:rPr>
+              <a:t>typedef  F1 (*F2)(void);</a:t>
+            </a:r>
+          </a:p>
+          <a:p>
+            <a:r>
+              <a:rPr lang="en-US" altLang="ko-KR" sz="2800">
+                <a:latin typeface="Consolas" panose="020B0609020204030204" pitchFamily="49" charset="0"/>
+              </a:rPr>
+              <a:t>typedef  F2 (*F3)[2];</a:t>
+            </a:r>
+          </a:p>
+        </p:txBody>
+      </p:sp>
+      <p:sp>
+        <p:nvSpPr>
+          <p:cNvPr id="5" name="TextBox 4"/>
+          <p:cNvSpPr txBox="1"/>
+          <p:nvPr/>
+        </p:nvSpPr>
+        <p:spPr>
+          <a:xfrm>
+            <a:off x="1180271" y="2595297"/>
+            <a:ext cx="7132456" cy="523220"/>
+          </a:xfrm>
+          <a:prstGeom prst="rect">
+            <a:avLst/>
+          </a:prstGeom>
+          <a:noFill/>
+        </p:spPr>
+        <p:txBody>
+          <a:bodyPr wrap="square" rtlCol="0">
+            <a:spAutoFit/>
+          </a:bodyPr>
+          <a:lstStyle/>
+          <a:p>
+            <a:r>
+              <a:rPr lang="en-US" altLang="ko-KR" sz="2800" smtClean="0">
+                <a:latin typeface="Consolas" panose="020B0609020204030204" pitchFamily="49" charset="0"/>
+              </a:rPr>
+              <a:t>F3 q = p;</a:t>
+            </a:r>
+          </a:p>
+        </p:txBody>
+      </p:sp>
+    </p:spTree>
+    <p:extLst>
+      <p:ext uri="{BB962C8B-B14F-4D97-AF65-F5344CB8AC3E}">
+        <p14:creationId xmlns:p14="http://schemas.microsoft.com/office/powerpoint/2010/main" val="2899543556"/>
       </p:ext>
     </p:extLst>
   </p:cSld>

--- a/수업판서.pptx
+++ b/수업판서.pptx
@@ -66,6 +66,12 @@
     <p:sldId id="314" r:id="rId60"/>
     <p:sldId id="315" r:id="rId61"/>
     <p:sldId id="316" r:id="rId62"/>
+    <p:sldId id="317" r:id="rId63"/>
+    <p:sldId id="318" r:id="rId64"/>
+    <p:sldId id="319" r:id="rId65"/>
+    <p:sldId id="320" r:id="rId66"/>
+    <p:sldId id="321" r:id="rId67"/>
+    <p:sldId id="322" r:id="rId68"/>
   </p:sldIdLst>
   <p:sldSz cx="12192000" cy="6858000"/>
   <p:notesSz cx="6858000" cy="9144000"/>
@@ -56905,6 +56911,2782 @@
     <p:extLst>
       <p:ext uri="{BB962C8B-B14F-4D97-AF65-F5344CB8AC3E}">
         <p14:creationId xmlns:p14="http://schemas.microsoft.com/office/powerpoint/2010/main" val="2899543556"/>
+      </p:ext>
+    </p:extLst>
+  </p:cSld>
+  <p:clrMapOvr>
+    <a:masterClrMapping/>
+  </p:clrMapOvr>
+</p:sld>
+</file>
+
+<file path=ppt/slides/slide62.xml><?xml version="1.0" encoding="utf-8"?>
+<p:sld xmlns:a="http://schemas.openxmlformats.org/drawingml/2006/main" xmlns:r="http://schemas.openxmlformats.org/officeDocument/2006/relationships" xmlns:p="http://schemas.openxmlformats.org/presentationml/2006/main">
+  <p:cSld>
+    <p:spTree>
+      <p:nvGrpSpPr>
+        <p:cNvPr id="1" name=""/>
+        <p:cNvGrpSpPr/>
+        <p:nvPr/>
+      </p:nvGrpSpPr>
+      <p:grpSpPr>
+        <a:xfrm>
+          <a:off x="0" y="0"/>
+          <a:ext cx="0" cy="0"/>
+          <a:chOff x="0" y="0"/>
+          <a:chExt cx="0" cy="0"/>
+        </a:xfrm>
+      </p:grpSpPr>
+      <p:sp>
+        <p:nvSpPr>
+          <p:cNvPr id="4" name="TextBox 3"/>
+          <p:cNvSpPr txBox="1"/>
+          <p:nvPr/>
+        </p:nvSpPr>
+        <p:spPr>
+          <a:xfrm>
+            <a:off x="407324" y="199505"/>
+            <a:ext cx="2945037" cy="523220"/>
+          </a:xfrm>
+          <a:prstGeom prst="rect">
+            <a:avLst/>
+          </a:prstGeom>
+          <a:noFill/>
+        </p:spPr>
+        <p:txBody>
+          <a:bodyPr wrap="none" rtlCol="0">
+            <a:spAutoFit/>
+          </a:bodyPr>
+          <a:lstStyle/>
+          <a:p>
+            <a:r>
+              <a:rPr lang="en-US" altLang="ko-KR" sz="2800" smtClean="0">
+                <a:latin typeface="Consolas" panose="020B0609020204030204" pitchFamily="49" charset="0"/>
+              </a:rPr>
+              <a:t>library buffer</a:t>
+            </a:r>
+            <a:endParaRPr lang="ko-KR" altLang="en-US" sz="2800" smtClean="0">
+              <a:latin typeface="Consolas" panose="020B0609020204030204" pitchFamily="49" charset="0"/>
+            </a:endParaRPr>
+          </a:p>
+        </p:txBody>
+      </p:sp>
+      <p:sp>
+        <p:nvSpPr>
+          <p:cNvPr id="6" name="TextBox 5"/>
+          <p:cNvSpPr txBox="1"/>
+          <p:nvPr/>
+        </p:nvSpPr>
+        <p:spPr>
+          <a:xfrm>
+            <a:off x="45040" y="1245945"/>
+            <a:ext cx="5311069" cy="1384995"/>
+          </a:xfrm>
+          <a:prstGeom prst="rect">
+            <a:avLst/>
+          </a:prstGeom>
+          <a:noFill/>
+        </p:spPr>
+        <p:txBody>
+          <a:bodyPr wrap="none" rtlCol="0">
+            <a:spAutoFit/>
+          </a:bodyPr>
+          <a:lstStyle/>
+          <a:p>
+            <a:r>
+              <a:rPr lang="en-US" altLang="ko-KR" sz="2800" smtClean="0">
+                <a:latin typeface="Consolas" panose="020B0609020204030204" pitchFamily="49" charset="0"/>
+              </a:rPr>
+              <a:t>FILE *fp;</a:t>
+            </a:r>
+          </a:p>
+          <a:p>
+            <a:endParaRPr lang="en-US" altLang="ko-KR" sz="2800">
+              <a:latin typeface="Consolas" panose="020B0609020204030204" pitchFamily="49" charset="0"/>
+            </a:endParaRPr>
+          </a:p>
+          <a:p>
+            <a:r>
+              <a:rPr lang="en-US" altLang="ko-KR" sz="2800" smtClean="0">
+                <a:latin typeface="Consolas" panose="020B0609020204030204" pitchFamily="49" charset="0"/>
+              </a:rPr>
+              <a:t>fp = fopen("file.c", "r");</a:t>
+            </a:r>
+            <a:endParaRPr lang="ko-KR" altLang="en-US" sz="2800" smtClean="0">
+              <a:latin typeface="Consolas" panose="020B0609020204030204" pitchFamily="49" charset="0"/>
+            </a:endParaRPr>
+          </a:p>
+        </p:txBody>
+      </p:sp>
+      <p:sp>
+        <p:nvSpPr>
+          <p:cNvPr id="2" name="직사각형 1"/>
+          <p:cNvSpPr/>
+          <p:nvPr/>
+        </p:nvSpPr>
+        <p:spPr>
+          <a:xfrm>
+            <a:off x="5735782" y="1245945"/>
+            <a:ext cx="1371600" cy="423950"/>
+          </a:xfrm>
+          <a:prstGeom prst="rect">
+            <a:avLst/>
+          </a:prstGeom>
+          <a:solidFill>
+            <a:srgbClr val="FFFF00"/>
+          </a:solidFill>
+        </p:spPr>
+        <p:style>
+          <a:lnRef idx="2">
+            <a:schemeClr val="accent1">
+              <a:shade val="50000"/>
+            </a:schemeClr>
+          </a:lnRef>
+          <a:fillRef idx="1">
+            <a:schemeClr val="accent1"/>
+          </a:fillRef>
+          <a:effectRef idx="0">
+            <a:schemeClr val="accent1"/>
+          </a:effectRef>
+          <a:fontRef idx="minor">
+            <a:schemeClr val="lt1"/>
+          </a:fontRef>
+        </p:style>
+        <p:txBody>
+          <a:bodyPr rtlCol="0" anchor="ctr"/>
+          <a:lstStyle/>
+          <a:p>
+            <a:pPr algn="ctr"/>
+            <a:endParaRPr lang="ko-KR" altLang="en-US" smtClean="0">
+              <a:solidFill>
+                <a:schemeClr val="tx1"/>
+              </a:solidFill>
+              <a:latin typeface="Consolas" panose="020B0609020204030204" pitchFamily="49" charset="0"/>
+            </a:endParaRPr>
+          </a:p>
+        </p:txBody>
+      </p:sp>
+      <p:sp>
+        <p:nvSpPr>
+          <p:cNvPr id="3" name="TextBox 2"/>
+          <p:cNvSpPr txBox="1"/>
+          <p:nvPr/>
+        </p:nvSpPr>
+        <p:spPr>
+          <a:xfrm>
+            <a:off x="6132079" y="722725"/>
+            <a:ext cx="579005" cy="523220"/>
+          </a:xfrm>
+          <a:prstGeom prst="rect">
+            <a:avLst/>
+          </a:prstGeom>
+          <a:noFill/>
+        </p:spPr>
+        <p:txBody>
+          <a:bodyPr wrap="none" rtlCol="0">
+            <a:spAutoFit/>
+          </a:bodyPr>
+          <a:lstStyle/>
+          <a:p>
+            <a:r>
+              <a:rPr lang="en-US" altLang="ko-KR" sz="2800" smtClean="0">
+                <a:latin typeface="Consolas" panose="020B0609020204030204" pitchFamily="49" charset="0"/>
+              </a:rPr>
+              <a:t>fp</a:t>
+            </a:r>
+            <a:endParaRPr lang="ko-KR" altLang="en-US" sz="2800" smtClean="0">
+              <a:latin typeface="Consolas" panose="020B0609020204030204" pitchFamily="49" charset="0"/>
+            </a:endParaRPr>
+          </a:p>
+        </p:txBody>
+      </p:sp>
+      <p:sp>
+        <p:nvSpPr>
+          <p:cNvPr id="8" name="직사각형 7"/>
+          <p:cNvSpPr/>
+          <p:nvPr/>
+        </p:nvSpPr>
+        <p:spPr>
+          <a:xfrm>
+            <a:off x="8454043" y="821995"/>
+            <a:ext cx="2319251" cy="423950"/>
+          </a:xfrm>
+          <a:prstGeom prst="rect">
+            <a:avLst/>
+          </a:prstGeom>
+          <a:solidFill>
+            <a:srgbClr val="FFFF00"/>
+          </a:solidFill>
+        </p:spPr>
+        <p:style>
+          <a:lnRef idx="2">
+            <a:schemeClr val="accent1">
+              <a:shade val="50000"/>
+            </a:schemeClr>
+          </a:lnRef>
+          <a:fillRef idx="1">
+            <a:schemeClr val="accent1"/>
+          </a:fillRef>
+          <a:effectRef idx="0">
+            <a:schemeClr val="accent1"/>
+          </a:effectRef>
+          <a:fontRef idx="minor">
+            <a:schemeClr val="lt1"/>
+          </a:fontRef>
+        </p:style>
+        <p:txBody>
+          <a:bodyPr rtlCol="0" anchor="ctr"/>
+          <a:lstStyle/>
+          <a:p>
+            <a:pPr algn="ctr"/>
+            <a:endParaRPr lang="ko-KR" altLang="en-US" smtClean="0">
+              <a:solidFill>
+                <a:schemeClr val="tx1"/>
+              </a:solidFill>
+              <a:latin typeface="Consolas" panose="020B0609020204030204" pitchFamily="49" charset="0"/>
+            </a:endParaRPr>
+          </a:p>
+        </p:txBody>
+      </p:sp>
+      <p:sp>
+        <p:nvSpPr>
+          <p:cNvPr id="9" name="직사각형 8"/>
+          <p:cNvSpPr/>
+          <p:nvPr/>
+        </p:nvSpPr>
+        <p:spPr>
+          <a:xfrm>
+            <a:off x="8454042" y="1245945"/>
+            <a:ext cx="2319251" cy="423950"/>
+          </a:xfrm>
+          <a:prstGeom prst="rect">
+            <a:avLst/>
+          </a:prstGeom>
+          <a:solidFill>
+            <a:srgbClr val="FFFF00"/>
+          </a:solidFill>
+        </p:spPr>
+        <p:style>
+          <a:lnRef idx="2">
+            <a:schemeClr val="accent1">
+              <a:shade val="50000"/>
+            </a:schemeClr>
+          </a:lnRef>
+          <a:fillRef idx="1">
+            <a:schemeClr val="accent1"/>
+          </a:fillRef>
+          <a:effectRef idx="0">
+            <a:schemeClr val="accent1"/>
+          </a:effectRef>
+          <a:fontRef idx="minor">
+            <a:schemeClr val="lt1"/>
+          </a:fontRef>
+        </p:style>
+        <p:txBody>
+          <a:bodyPr rtlCol="0" anchor="ctr"/>
+          <a:lstStyle/>
+          <a:p>
+            <a:pPr algn="ctr"/>
+            <a:r>
+              <a:rPr lang="en-US" altLang="ko-KR" smtClean="0">
+                <a:solidFill>
+                  <a:schemeClr val="tx1"/>
+                </a:solidFill>
+                <a:latin typeface="Consolas" panose="020B0609020204030204" pitchFamily="49" charset="0"/>
+              </a:rPr>
+              <a:t>0</a:t>
+            </a:r>
+            <a:endParaRPr lang="ko-KR" altLang="en-US" smtClean="0">
+              <a:solidFill>
+                <a:schemeClr val="tx1"/>
+              </a:solidFill>
+              <a:latin typeface="Consolas" panose="020B0609020204030204" pitchFamily="49" charset="0"/>
+            </a:endParaRPr>
+          </a:p>
+        </p:txBody>
+      </p:sp>
+      <p:sp>
+        <p:nvSpPr>
+          <p:cNvPr id="10" name="직사각형 9"/>
+          <p:cNvSpPr/>
+          <p:nvPr/>
+        </p:nvSpPr>
+        <p:spPr>
+          <a:xfrm>
+            <a:off x="8454041" y="1669895"/>
+            <a:ext cx="2319251" cy="423950"/>
+          </a:xfrm>
+          <a:prstGeom prst="rect">
+            <a:avLst/>
+          </a:prstGeom>
+          <a:solidFill>
+            <a:srgbClr val="FFFF00"/>
+          </a:solidFill>
+        </p:spPr>
+        <p:style>
+          <a:lnRef idx="2">
+            <a:schemeClr val="accent1">
+              <a:shade val="50000"/>
+            </a:schemeClr>
+          </a:lnRef>
+          <a:fillRef idx="1">
+            <a:schemeClr val="accent1"/>
+          </a:fillRef>
+          <a:effectRef idx="0">
+            <a:schemeClr val="accent1"/>
+          </a:effectRef>
+          <a:fontRef idx="minor">
+            <a:schemeClr val="lt1"/>
+          </a:fontRef>
+        </p:style>
+        <p:txBody>
+          <a:bodyPr rtlCol="0" anchor="ctr"/>
+          <a:lstStyle/>
+          <a:p>
+            <a:pPr algn="ctr"/>
+            <a:r>
+              <a:rPr lang="en-US" altLang="ko-KR" smtClean="0">
+                <a:solidFill>
+                  <a:schemeClr val="tx1"/>
+                </a:solidFill>
+                <a:latin typeface="Consolas" panose="020B0609020204030204" pitchFamily="49" charset="0"/>
+              </a:rPr>
+              <a:t>0</a:t>
+            </a:r>
+            <a:endParaRPr lang="ko-KR" altLang="en-US" smtClean="0">
+              <a:solidFill>
+                <a:schemeClr val="tx1"/>
+              </a:solidFill>
+              <a:latin typeface="Consolas" panose="020B0609020204030204" pitchFamily="49" charset="0"/>
+            </a:endParaRPr>
+          </a:p>
+        </p:txBody>
+      </p:sp>
+      <p:sp>
+        <p:nvSpPr>
+          <p:cNvPr id="11" name="직사각형 10"/>
+          <p:cNvSpPr/>
+          <p:nvPr/>
+        </p:nvSpPr>
+        <p:spPr>
+          <a:xfrm>
+            <a:off x="8454040" y="2093845"/>
+            <a:ext cx="2319251" cy="423950"/>
+          </a:xfrm>
+          <a:prstGeom prst="rect">
+            <a:avLst/>
+          </a:prstGeom>
+          <a:solidFill>
+            <a:srgbClr val="FFFF00"/>
+          </a:solidFill>
+        </p:spPr>
+        <p:style>
+          <a:lnRef idx="2">
+            <a:schemeClr val="accent1">
+              <a:shade val="50000"/>
+            </a:schemeClr>
+          </a:lnRef>
+          <a:fillRef idx="1">
+            <a:schemeClr val="accent1"/>
+          </a:fillRef>
+          <a:effectRef idx="0">
+            <a:schemeClr val="accent1"/>
+          </a:effectRef>
+          <a:fontRef idx="minor">
+            <a:schemeClr val="lt1"/>
+          </a:fontRef>
+        </p:style>
+        <p:txBody>
+          <a:bodyPr rtlCol="0" anchor="ctr"/>
+          <a:lstStyle/>
+          <a:p>
+            <a:pPr algn="ctr"/>
+            <a:r>
+              <a:rPr lang="en-US" altLang="ko-KR" smtClean="0">
+                <a:solidFill>
+                  <a:schemeClr val="tx1"/>
+                </a:solidFill>
+                <a:latin typeface="Consolas" panose="020B0609020204030204" pitchFamily="49" charset="0"/>
+              </a:rPr>
+              <a:t>0</a:t>
+            </a:r>
+            <a:endParaRPr lang="ko-KR" altLang="en-US" smtClean="0">
+              <a:solidFill>
+                <a:schemeClr val="tx1"/>
+              </a:solidFill>
+              <a:latin typeface="Consolas" panose="020B0609020204030204" pitchFamily="49" charset="0"/>
+            </a:endParaRPr>
+          </a:p>
+        </p:txBody>
+      </p:sp>
+      <p:sp>
+        <p:nvSpPr>
+          <p:cNvPr id="13" name="TextBox 12"/>
+          <p:cNvSpPr txBox="1"/>
+          <p:nvPr/>
+        </p:nvSpPr>
+        <p:spPr>
+          <a:xfrm>
+            <a:off x="10752271" y="738145"/>
+            <a:ext cx="1367682" cy="523220"/>
+          </a:xfrm>
+          <a:prstGeom prst="rect">
+            <a:avLst/>
+          </a:prstGeom>
+          <a:noFill/>
+        </p:spPr>
+        <p:txBody>
+          <a:bodyPr wrap="none" rtlCol="0">
+            <a:spAutoFit/>
+          </a:bodyPr>
+          <a:lstStyle/>
+          <a:p>
+            <a:r>
+              <a:rPr lang="en-US" altLang="ko-KR" sz="2800">
+                <a:latin typeface="Consolas" panose="020B0609020204030204" pitchFamily="49" charset="0"/>
+              </a:rPr>
+              <a:t>_flags</a:t>
+            </a:r>
+            <a:endParaRPr lang="ko-KR" altLang="en-US" sz="2800" smtClean="0">
+              <a:latin typeface="Consolas" panose="020B0609020204030204" pitchFamily="49" charset="0"/>
+            </a:endParaRPr>
+          </a:p>
+        </p:txBody>
+      </p:sp>
+      <p:sp>
+        <p:nvSpPr>
+          <p:cNvPr id="14" name="TextBox 13"/>
+          <p:cNvSpPr txBox="1"/>
+          <p:nvPr/>
+        </p:nvSpPr>
+        <p:spPr>
+          <a:xfrm>
+            <a:off x="10752269" y="1141194"/>
+            <a:ext cx="2550698" cy="523220"/>
+          </a:xfrm>
+          <a:prstGeom prst="rect">
+            <a:avLst/>
+          </a:prstGeom>
+          <a:noFill/>
+        </p:spPr>
+        <p:txBody>
+          <a:bodyPr wrap="none" rtlCol="0">
+            <a:spAutoFit/>
+          </a:bodyPr>
+          <a:lstStyle/>
+          <a:p>
+            <a:r>
+              <a:rPr lang="en-US" altLang="ko-KR" sz="2800">
+                <a:latin typeface="Consolas" panose="020B0609020204030204" pitchFamily="49" charset="0"/>
+              </a:rPr>
+              <a:t>_IO_read_ptr</a:t>
+            </a:r>
+            <a:endParaRPr lang="ko-KR" altLang="en-US" sz="2800" smtClean="0">
+              <a:latin typeface="Consolas" panose="020B0609020204030204" pitchFamily="49" charset="0"/>
+            </a:endParaRPr>
+          </a:p>
+        </p:txBody>
+      </p:sp>
+      <p:sp>
+        <p:nvSpPr>
+          <p:cNvPr id="16" name="TextBox 15"/>
+          <p:cNvSpPr txBox="1"/>
+          <p:nvPr/>
+        </p:nvSpPr>
+        <p:spPr>
+          <a:xfrm>
+            <a:off x="10752267" y="1544243"/>
+            <a:ext cx="2550698" cy="523220"/>
+          </a:xfrm>
+          <a:prstGeom prst="rect">
+            <a:avLst/>
+          </a:prstGeom>
+          <a:noFill/>
+        </p:spPr>
+        <p:txBody>
+          <a:bodyPr wrap="none" rtlCol="0">
+            <a:spAutoFit/>
+          </a:bodyPr>
+          <a:lstStyle/>
+          <a:p>
+            <a:r>
+              <a:rPr lang="en-US" altLang="ko-KR" sz="2800">
+                <a:latin typeface="Consolas" panose="020B0609020204030204" pitchFamily="49" charset="0"/>
+              </a:rPr>
+              <a:t>_IO_read_end</a:t>
+            </a:r>
+            <a:endParaRPr lang="ko-KR" altLang="en-US" sz="2800" smtClean="0">
+              <a:latin typeface="Consolas" panose="020B0609020204030204" pitchFamily="49" charset="0"/>
+            </a:endParaRPr>
+          </a:p>
+        </p:txBody>
+      </p:sp>
+      <p:sp>
+        <p:nvSpPr>
+          <p:cNvPr id="17" name="TextBox 16"/>
+          <p:cNvSpPr txBox="1"/>
+          <p:nvPr/>
+        </p:nvSpPr>
+        <p:spPr>
+          <a:xfrm>
+            <a:off x="10752265" y="1947292"/>
+            <a:ext cx="2747868" cy="523220"/>
+          </a:xfrm>
+          <a:prstGeom prst="rect">
+            <a:avLst/>
+          </a:prstGeom>
+          <a:noFill/>
+        </p:spPr>
+        <p:txBody>
+          <a:bodyPr wrap="none" rtlCol="0">
+            <a:spAutoFit/>
+          </a:bodyPr>
+          <a:lstStyle/>
+          <a:p>
+            <a:r>
+              <a:rPr lang="en-US" altLang="ko-KR" sz="2800">
+                <a:latin typeface="Consolas" panose="020B0609020204030204" pitchFamily="49" charset="0"/>
+              </a:rPr>
+              <a:t>_IO_read_base</a:t>
+            </a:r>
+            <a:endParaRPr lang="ko-KR" altLang="en-US" sz="2800" smtClean="0">
+              <a:latin typeface="Consolas" panose="020B0609020204030204" pitchFamily="49" charset="0"/>
+            </a:endParaRPr>
+          </a:p>
+        </p:txBody>
+      </p:sp>
+      <p:cxnSp>
+        <p:nvCxnSpPr>
+          <p:cNvPr id="18" name="직선 화살표 연결선 17"/>
+          <p:cNvCxnSpPr>
+            <a:stCxn id="2" idx="3"/>
+            <a:endCxn id="8" idx="1"/>
+          </p:cNvCxnSpPr>
+          <p:nvPr/>
+        </p:nvCxnSpPr>
+        <p:spPr>
+          <a:xfrm flipV="1">
+            <a:off x="7107382" y="1033970"/>
+            <a:ext cx="1346661" cy="423950"/>
+          </a:xfrm>
+          <a:prstGeom prst="straightConnector1">
+            <a:avLst/>
+          </a:prstGeom>
+          <a:ln>
+            <a:solidFill>
+              <a:schemeClr val="tx1"/>
+            </a:solidFill>
+            <a:tailEnd type="triangle"/>
+          </a:ln>
+        </p:spPr>
+        <p:style>
+          <a:lnRef idx="1">
+            <a:schemeClr val="accent1"/>
+          </a:lnRef>
+          <a:fillRef idx="0">
+            <a:schemeClr val="accent1"/>
+          </a:fillRef>
+          <a:effectRef idx="0">
+            <a:schemeClr val="accent1"/>
+          </a:effectRef>
+          <a:fontRef idx="minor">
+            <a:schemeClr val="tx1"/>
+          </a:fontRef>
+        </p:style>
+      </p:cxnSp>
+    </p:spTree>
+    <p:extLst>
+      <p:ext uri="{BB962C8B-B14F-4D97-AF65-F5344CB8AC3E}">
+        <p14:creationId xmlns:p14="http://schemas.microsoft.com/office/powerpoint/2010/main" val="4180469922"/>
+      </p:ext>
+    </p:extLst>
+  </p:cSld>
+  <p:clrMapOvr>
+    <a:masterClrMapping/>
+  </p:clrMapOvr>
+</p:sld>
+</file>
+
+<file path=ppt/slides/slide63.xml><?xml version="1.0" encoding="utf-8"?>
+<p:sld xmlns:a="http://schemas.openxmlformats.org/drawingml/2006/main" xmlns:r="http://schemas.openxmlformats.org/officeDocument/2006/relationships" xmlns:p="http://schemas.openxmlformats.org/presentationml/2006/main">
+  <p:cSld>
+    <p:spTree>
+      <p:nvGrpSpPr>
+        <p:cNvPr id="1" name=""/>
+        <p:cNvGrpSpPr/>
+        <p:nvPr/>
+      </p:nvGrpSpPr>
+      <p:grpSpPr>
+        <a:xfrm>
+          <a:off x="0" y="0"/>
+          <a:ext cx="0" cy="0"/>
+          <a:chOff x="0" y="0"/>
+          <a:chExt cx="0" cy="0"/>
+        </a:xfrm>
+      </p:grpSpPr>
+      <p:sp>
+        <p:nvSpPr>
+          <p:cNvPr id="4" name="TextBox 3"/>
+          <p:cNvSpPr txBox="1"/>
+          <p:nvPr/>
+        </p:nvSpPr>
+        <p:spPr>
+          <a:xfrm>
+            <a:off x="407324" y="199505"/>
+            <a:ext cx="2945037" cy="523220"/>
+          </a:xfrm>
+          <a:prstGeom prst="rect">
+            <a:avLst/>
+          </a:prstGeom>
+          <a:noFill/>
+        </p:spPr>
+        <p:txBody>
+          <a:bodyPr wrap="none" rtlCol="0">
+            <a:spAutoFit/>
+          </a:bodyPr>
+          <a:lstStyle/>
+          <a:p>
+            <a:r>
+              <a:rPr lang="en-US" altLang="ko-KR" sz="2800" smtClean="0">
+                <a:latin typeface="Consolas" panose="020B0609020204030204" pitchFamily="49" charset="0"/>
+              </a:rPr>
+              <a:t>library buffer</a:t>
+            </a:r>
+            <a:endParaRPr lang="ko-KR" altLang="en-US" sz="2800" smtClean="0">
+              <a:latin typeface="Consolas" panose="020B0609020204030204" pitchFamily="49" charset="0"/>
+            </a:endParaRPr>
+          </a:p>
+        </p:txBody>
+      </p:sp>
+      <p:sp>
+        <p:nvSpPr>
+          <p:cNvPr id="6" name="TextBox 5"/>
+          <p:cNvSpPr txBox="1"/>
+          <p:nvPr/>
+        </p:nvSpPr>
+        <p:spPr>
+          <a:xfrm>
+            <a:off x="45040" y="1245945"/>
+            <a:ext cx="5311069" cy="1815882"/>
+          </a:xfrm>
+          <a:prstGeom prst="rect">
+            <a:avLst/>
+          </a:prstGeom>
+          <a:noFill/>
+        </p:spPr>
+        <p:txBody>
+          <a:bodyPr wrap="none" rtlCol="0">
+            <a:spAutoFit/>
+          </a:bodyPr>
+          <a:lstStyle/>
+          <a:p>
+            <a:r>
+              <a:rPr lang="en-US" altLang="ko-KR" sz="2800" smtClean="0">
+                <a:latin typeface="Consolas" panose="020B0609020204030204" pitchFamily="49" charset="0"/>
+              </a:rPr>
+              <a:t>FILE *fp;</a:t>
+            </a:r>
+          </a:p>
+          <a:p>
+            <a:r>
+              <a:rPr lang="en-US" altLang="ko-KR" sz="2800" smtClean="0">
+                <a:latin typeface="Consolas" panose="020B0609020204030204" pitchFamily="49" charset="0"/>
+              </a:rPr>
+              <a:t>int ch;</a:t>
+            </a:r>
+            <a:endParaRPr lang="en-US" altLang="ko-KR" sz="2800">
+              <a:latin typeface="Consolas" panose="020B0609020204030204" pitchFamily="49" charset="0"/>
+            </a:endParaRPr>
+          </a:p>
+          <a:p>
+            <a:r>
+              <a:rPr lang="en-US" altLang="ko-KR" sz="2800" smtClean="0">
+                <a:latin typeface="Consolas" panose="020B0609020204030204" pitchFamily="49" charset="0"/>
+              </a:rPr>
+              <a:t>fp = fopen("file.c", "r");</a:t>
+            </a:r>
+          </a:p>
+          <a:p>
+            <a:r>
+              <a:rPr lang="en-US" altLang="ko-KR" sz="2800" smtClean="0">
+                <a:latin typeface="Consolas" panose="020B0609020204030204" pitchFamily="49" charset="0"/>
+              </a:rPr>
+              <a:t>ch = fgetc(fp);</a:t>
+            </a:r>
+            <a:endParaRPr lang="ko-KR" altLang="en-US" sz="2800" smtClean="0">
+              <a:latin typeface="Consolas" panose="020B0609020204030204" pitchFamily="49" charset="0"/>
+            </a:endParaRPr>
+          </a:p>
+        </p:txBody>
+      </p:sp>
+      <p:sp>
+        <p:nvSpPr>
+          <p:cNvPr id="2" name="직사각형 1"/>
+          <p:cNvSpPr/>
+          <p:nvPr/>
+        </p:nvSpPr>
+        <p:spPr>
+          <a:xfrm>
+            <a:off x="5727469" y="622490"/>
+            <a:ext cx="1371600" cy="423950"/>
+          </a:xfrm>
+          <a:prstGeom prst="rect">
+            <a:avLst/>
+          </a:prstGeom>
+          <a:solidFill>
+            <a:srgbClr val="FFFF00"/>
+          </a:solidFill>
+        </p:spPr>
+        <p:style>
+          <a:lnRef idx="2">
+            <a:schemeClr val="accent1">
+              <a:shade val="50000"/>
+            </a:schemeClr>
+          </a:lnRef>
+          <a:fillRef idx="1">
+            <a:schemeClr val="accent1"/>
+          </a:fillRef>
+          <a:effectRef idx="0">
+            <a:schemeClr val="accent1"/>
+          </a:effectRef>
+          <a:fontRef idx="minor">
+            <a:schemeClr val="lt1"/>
+          </a:fontRef>
+        </p:style>
+        <p:txBody>
+          <a:bodyPr rtlCol="0" anchor="ctr"/>
+          <a:lstStyle/>
+          <a:p>
+            <a:pPr algn="ctr"/>
+            <a:endParaRPr lang="ko-KR" altLang="en-US" smtClean="0">
+              <a:solidFill>
+                <a:schemeClr val="tx1"/>
+              </a:solidFill>
+              <a:latin typeface="Consolas" panose="020B0609020204030204" pitchFamily="49" charset="0"/>
+            </a:endParaRPr>
+          </a:p>
+        </p:txBody>
+      </p:sp>
+      <p:sp>
+        <p:nvSpPr>
+          <p:cNvPr id="3" name="TextBox 2"/>
+          <p:cNvSpPr txBox="1"/>
+          <p:nvPr/>
+        </p:nvSpPr>
+        <p:spPr>
+          <a:xfrm>
+            <a:off x="6123766" y="99270"/>
+            <a:ext cx="579005" cy="523220"/>
+          </a:xfrm>
+          <a:prstGeom prst="rect">
+            <a:avLst/>
+          </a:prstGeom>
+          <a:noFill/>
+        </p:spPr>
+        <p:txBody>
+          <a:bodyPr wrap="none" rtlCol="0">
+            <a:spAutoFit/>
+          </a:bodyPr>
+          <a:lstStyle/>
+          <a:p>
+            <a:r>
+              <a:rPr lang="en-US" altLang="ko-KR" sz="2800" smtClean="0">
+                <a:latin typeface="Consolas" panose="020B0609020204030204" pitchFamily="49" charset="0"/>
+              </a:rPr>
+              <a:t>fp</a:t>
+            </a:r>
+            <a:endParaRPr lang="ko-KR" altLang="en-US" sz="2800" smtClean="0">
+              <a:latin typeface="Consolas" panose="020B0609020204030204" pitchFamily="49" charset="0"/>
+            </a:endParaRPr>
+          </a:p>
+        </p:txBody>
+      </p:sp>
+      <p:sp>
+        <p:nvSpPr>
+          <p:cNvPr id="8" name="직사각형 7"/>
+          <p:cNvSpPr/>
+          <p:nvPr/>
+        </p:nvSpPr>
+        <p:spPr>
+          <a:xfrm>
+            <a:off x="8445730" y="198540"/>
+            <a:ext cx="2319251" cy="423950"/>
+          </a:xfrm>
+          <a:prstGeom prst="rect">
+            <a:avLst/>
+          </a:prstGeom>
+          <a:solidFill>
+            <a:srgbClr val="FFFF00"/>
+          </a:solidFill>
+        </p:spPr>
+        <p:style>
+          <a:lnRef idx="2">
+            <a:schemeClr val="accent1">
+              <a:shade val="50000"/>
+            </a:schemeClr>
+          </a:lnRef>
+          <a:fillRef idx="1">
+            <a:schemeClr val="accent1"/>
+          </a:fillRef>
+          <a:effectRef idx="0">
+            <a:schemeClr val="accent1"/>
+          </a:effectRef>
+          <a:fontRef idx="minor">
+            <a:schemeClr val="lt1"/>
+          </a:fontRef>
+        </p:style>
+        <p:txBody>
+          <a:bodyPr rtlCol="0" anchor="ctr"/>
+          <a:lstStyle/>
+          <a:p>
+            <a:pPr algn="ctr"/>
+            <a:endParaRPr lang="ko-KR" altLang="en-US" smtClean="0">
+              <a:solidFill>
+                <a:schemeClr val="tx1"/>
+              </a:solidFill>
+              <a:latin typeface="Consolas" panose="020B0609020204030204" pitchFamily="49" charset="0"/>
+            </a:endParaRPr>
+          </a:p>
+        </p:txBody>
+      </p:sp>
+      <p:sp>
+        <p:nvSpPr>
+          <p:cNvPr id="9" name="직사각형 8"/>
+          <p:cNvSpPr/>
+          <p:nvPr/>
+        </p:nvSpPr>
+        <p:spPr>
+          <a:xfrm>
+            <a:off x="8445729" y="622490"/>
+            <a:ext cx="2319251" cy="423950"/>
+          </a:xfrm>
+          <a:prstGeom prst="rect">
+            <a:avLst/>
+          </a:prstGeom>
+          <a:solidFill>
+            <a:srgbClr val="FFFF00"/>
+          </a:solidFill>
+        </p:spPr>
+        <p:style>
+          <a:lnRef idx="2">
+            <a:schemeClr val="accent1">
+              <a:shade val="50000"/>
+            </a:schemeClr>
+          </a:lnRef>
+          <a:fillRef idx="1">
+            <a:schemeClr val="accent1"/>
+          </a:fillRef>
+          <a:effectRef idx="0">
+            <a:schemeClr val="accent1"/>
+          </a:effectRef>
+          <a:fontRef idx="minor">
+            <a:schemeClr val="lt1"/>
+          </a:fontRef>
+        </p:style>
+        <p:txBody>
+          <a:bodyPr rtlCol="0" anchor="ctr"/>
+          <a:lstStyle/>
+          <a:p>
+            <a:pPr algn="ctr"/>
+            <a:endParaRPr lang="ko-KR" altLang="en-US" smtClean="0">
+              <a:solidFill>
+                <a:schemeClr val="tx1"/>
+              </a:solidFill>
+              <a:latin typeface="Consolas" panose="020B0609020204030204" pitchFamily="49" charset="0"/>
+            </a:endParaRPr>
+          </a:p>
+        </p:txBody>
+      </p:sp>
+      <p:sp>
+        <p:nvSpPr>
+          <p:cNvPr id="10" name="직사각형 9"/>
+          <p:cNvSpPr/>
+          <p:nvPr/>
+        </p:nvSpPr>
+        <p:spPr>
+          <a:xfrm>
+            <a:off x="8445728" y="1046440"/>
+            <a:ext cx="2319251" cy="423950"/>
+          </a:xfrm>
+          <a:prstGeom prst="rect">
+            <a:avLst/>
+          </a:prstGeom>
+          <a:solidFill>
+            <a:srgbClr val="FFFF00"/>
+          </a:solidFill>
+        </p:spPr>
+        <p:style>
+          <a:lnRef idx="2">
+            <a:schemeClr val="accent1">
+              <a:shade val="50000"/>
+            </a:schemeClr>
+          </a:lnRef>
+          <a:fillRef idx="1">
+            <a:schemeClr val="accent1"/>
+          </a:fillRef>
+          <a:effectRef idx="0">
+            <a:schemeClr val="accent1"/>
+          </a:effectRef>
+          <a:fontRef idx="minor">
+            <a:schemeClr val="lt1"/>
+          </a:fontRef>
+        </p:style>
+        <p:txBody>
+          <a:bodyPr rtlCol="0" anchor="ctr"/>
+          <a:lstStyle/>
+          <a:p>
+            <a:pPr algn="ctr"/>
+            <a:endParaRPr lang="ko-KR" altLang="en-US" smtClean="0">
+              <a:solidFill>
+                <a:schemeClr val="tx1"/>
+              </a:solidFill>
+              <a:latin typeface="Consolas" panose="020B0609020204030204" pitchFamily="49" charset="0"/>
+            </a:endParaRPr>
+          </a:p>
+        </p:txBody>
+      </p:sp>
+      <p:sp>
+        <p:nvSpPr>
+          <p:cNvPr id="11" name="직사각형 10"/>
+          <p:cNvSpPr/>
+          <p:nvPr/>
+        </p:nvSpPr>
+        <p:spPr>
+          <a:xfrm>
+            <a:off x="8445727" y="1470390"/>
+            <a:ext cx="2319251" cy="423950"/>
+          </a:xfrm>
+          <a:prstGeom prst="rect">
+            <a:avLst/>
+          </a:prstGeom>
+          <a:solidFill>
+            <a:srgbClr val="FFFF00"/>
+          </a:solidFill>
+        </p:spPr>
+        <p:style>
+          <a:lnRef idx="2">
+            <a:schemeClr val="accent1">
+              <a:shade val="50000"/>
+            </a:schemeClr>
+          </a:lnRef>
+          <a:fillRef idx="1">
+            <a:schemeClr val="accent1"/>
+          </a:fillRef>
+          <a:effectRef idx="0">
+            <a:schemeClr val="accent1"/>
+          </a:effectRef>
+          <a:fontRef idx="minor">
+            <a:schemeClr val="lt1"/>
+          </a:fontRef>
+        </p:style>
+        <p:txBody>
+          <a:bodyPr rtlCol="0" anchor="ctr"/>
+          <a:lstStyle/>
+          <a:p>
+            <a:pPr algn="ctr"/>
+            <a:endParaRPr lang="ko-KR" altLang="en-US" smtClean="0">
+              <a:solidFill>
+                <a:schemeClr val="tx1"/>
+              </a:solidFill>
+              <a:latin typeface="Consolas" panose="020B0609020204030204" pitchFamily="49" charset="0"/>
+            </a:endParaRPr>
+          </a:p>
+        </p:txBody>
+      </p:sp>
+      <p:sp>
+        <p:nvSpPr>
+          <p:cNvPr id="13" name="TextBox 12"/>
+          <p:cNvSpPr txBox="1"/>
+          <p:nvPr/>
+        </p:nvSpPr>
+        <p:spPr>
+          <a:xfrm>
+            <a:off x="10743958" y="114690"/>
+            <a:ext cx="1367682" cy="523220"/>
+          </a:xfrm>
+          <a:prstGeom prst="rect">
+            <a:avLst/>
+          </a:prstGeom>
+          <a:noFill/>
+        </p:spPr>
+        <p:txBody>
+          <a:bodyPr wrap="none" rtlCol="0">
+            <a:spAutoFit/>
+          </a:bodyPr>
+          <a:lstStyle/>
+          <a:p>
+            <a:r>
+              <a:rPr lang="en-US" altLang="ko-KR" sz="2800">
+                <a:latin typeface="Consolas" panose="020B0609020204030204" pitchFamily="49" charset="0"/>
+              </a:rPr>
+              <a:t>_flags</a:t>
+            </a:r>
+            <a:endParaRPr lang="ko-KR" altLang="en-US" sz="2800" smtClean="0">
+              <a:latin typeface="Consolas" panose="020B0609020204030204" pitchFamily="49" charset="0"/>
+            </a:endParaRPr>
+          </a:p>
+        </p:txBody>
+      </p:sp>
+      <p:sp>
+        <p:nvSpPr>
+          <p:cNvPr id="14" name="TextBox 13"/>
+          <p:cNvSpPr txBox="1"/>
+          <p:nvPr/>
+        </p:nvSpPr>
+        <p:spPr>
+          <a:xfrm>
+            <a:off x="10743956" y="517739"/>
+            <a:ext cx="2550698" cy="523220"/>
+          </a:xfrm>
+          <a:prstGeom prst="rect">
+            <a:avLst/>
+          </a:prstGeom>
+          <a:noFill/>
+        </p:spPr>
+        <p:txBody>
+          <a:bodyPr wrap="none" rtlCol="0">
+            <a:spAutoFit/>
+          </a:bodyPr>
+          <a:lstStyle/>
+          <a:p>
+            <a:r>
+              <a:rPr lang="en-US" altLang="ko-KR" sz="2800">
+                <a:latin typeface="Consolas" panose="020B0609020204030204" pitchFamily="49" charset="0"/>
+              </a:rPr>
+              <a:t>_IO_read_ptr</a:t>
+            </a:r>
+            <a:endParaRPr lang="ko-KR" altLang="en-US" sz="2800" smtClean="0">
+              <a:latin typeface="Consolas" panose="020B0609020204030204" pitchFamily="49" charset="0"/>
+            </a:endParaRPr>
+          </a:p>
+        </p:txBody>
+      </p:sp>
+      <p:sp>
+        <p:nvSpPr>
+          <p:cNvPr id="16" name="TextBox 15"/>
+          <p:cNvSpPr txBox="1"/>
+          <p:nvPr/>
+        </p:nvSpPr>
+        <p:spPr>
+          <a:xfrm>
+            <a:off x="10743954" y="920788"/>
+            <a:ext cx="2550698" cy="523220"/>
+          </a:xfrm>
+          <a:prstGeom prst="rect">
+            <a:avLst/>
+          </a:prstGeom>
+          <a:noFill/>
+        </p:spPr>
+        <p:txBody>
+          <a:bodyPr wrap="none" rtlCol="0">
+            <a:spAutoFit/>
+          </a:bodyPr>
+          <a:lstStyle/>
+          <a:p>
+            <a:r>
+              <a:rPr lang="en-US" altLang="ko-KR" sz="2800">
+                <a:latin typeface="Consolas" panose="020B0609020204030204" pitchFamily="49" charset="0"/>
+              </a:rPr>
+              <a:t>_IO_read_end</a:t>
+            </a:r>
+            <a:endParaRPr lang="ko-KR" altLang="en-US" sz="2800" smtClean="0">
+              <a:latin typeface="Consolas" panose="020B0609020204030204" pitchFamily="49" charset="0"/>
+            </a:endParaRPr>
+          </a:p>
+        </p:txBody>
+      </p:sp>
+      <p:sp>
+        <p:nvSpPr>
+          <p:cNvPr id="17" name="TextBox 16"/>
+          <p:cNvSpPr txBox="1"/>
+          <p:nvPr/>
+        </p:nvSpPr>
+        <p:spPr>
+          <a:xfrm>
+            <a:off x="10743952" y="1323837"/>
+            <a:ext cx="2747868" cy="523220"/>
+          </a:xfrm>
+          <a:prstGeom prst="rect">
+            <a:avLst/>
+          </a:prstGeom>
+          <a:noFill/>
+        </p:spPr>
+        <p:txBody>
+          <a:bodyPr wrap="none" rtlCol="0">
+            <a:spAutoFit/>
+          </a:bodyPr>
+          <a:lstStyle/>
+          <a:p>
+            <a:r>
+              <a:rPr lang="en-US" altLang="ko-KR" sz="2800">
+                <a:latin typeface="Consolas" panose="020B0609020204030204" pitchFamily="49" charset="0"/>
+              </a:rPr>
+              <a:t>_IO_read_base</a:t>
+            </a:r>
+            <a:endParaRPr lang="ko-KR" altLang="en-US" sz="2800" smtClean="0">
+              <a:latin typeface="Consolas" panose="020B0609020204030204" pitchFamily="49" charset="0"/>
+            </a:endParaRPr>
+          </a:p>
+        </p:txBody>
+      </p:sp>
+      <p:cxnSp>
+        <p:nvCxnSpPr>
+          <p:cNvPr id="18" name="직선 화살표 연결선 17"/>
+          <p:cNvCxnSpPr>
+            <a:stCxn id="2" idx="3"/>
+            <a:endCxn id="8" idx="1"/>
+          </p:cNvCxnSpPr>
+          <p:nvPr/>
+        </p:nvCxnSpPr>
+        <p:spPr>
+          <a:xfrm flipV="1">
+            <a:off x="7099069" y="410515"/>
+            <a:ext cx="1346661" cy="423950"/>
+          </a:xfrm>
+          <a:prstGeom prst="straightConnector1">
+            <a:avLst/>
+          </a:prstGeom>
+          <a:ln>
+            <a:solidFill>
+              <a:schemeClr val="tx1"/>
+            </a:solidFill>
+            <a:tailEnd type="triangle"/>
+          </a:ln>
+        </p:spPr>
+        <p:style>
+          <a:lnRef idx="1">
+            <a:schemeClr val="accent1"/>
+          </a:lnRef>
+          <a:fillRef idx="0">
+            <a:schemeClr val="accent1"/>
+          </a:fillRef>
+          <a:effectRef idx="0">
+            <a:schemeClr val="accent1"/>
+          </a:effectRef>
+          <a:fontRef idx="minor">
+            <a:schemeClr val="tx1"/>
+          </a:fontRef>
+        </p:style>
+      </p:cxnSp>
+      <p:sp>
+        <p:nvSpPr>
+          <p:cNvPr id="15" name="직사각형 14"/>
+          <p:cNvSpPr/>
+          <p:nvPr/>
+        </p:nvSpPr>
+        <p:spPr>
+          <a:xfrm>
+            <a:off x="7658735" y="3340753"/>
+            <a:ext cx="4735542" cy="423950"/>
+          </a:xfrm>
+          <a:prstGeom prst="rect">
+            <a:avLst/>
+          </a:prstGeom>
+          <a:solidFill>
+            <a:srgbClr val="FFFF00"/>
+          </a:solidFill>
+        </p:spPr>
+        <p:style>
+          <a:lnRef idx="2">
+            <a:schemeClr val="accent1">
+              <a:shade val="50000"/>
+            </a:schemeClr>
+          </a:lnRef>
+          <a:fillRef idx="1">
+            <a:schemeClr val="accent1"/>
+          </a:fillRef>
+          <a:effectRef idx="0">
+            <a:schemeClr val="accent1"/>
+          </a:effectRef>
+          <a:fontRef idx="minor">
+            <a:schemeClr val="lt1"/>
+          </a:fontRef>
+        </p:style>
+        <p:txBody>
+          <a:bodyPr rtlCol="0" anchor="ctr"/>
+          <a:lstStyle/>
+          <a:p>
+            <a:pPr algn="ctr"/>
+            <a:r>
+              <a:rPr lang="en-US" altLang="ko-KR">
+                <a:solidFill>
+                  <a:schemeClr val="tx1"/>
+                </a:solidFill>
+                <a:latin typeface="Consolas" panose="020B0609020204030204" pitchFamily="49" charset="0"/>
+              </a:rPr>
+              <a:t>#include &lt;stdio.h&gt;\n\nint </a:t>
+            </a:r>
+            <a:r>
+              <a:rPr lang="en-US" altLang="ko-KR">
+                <a:solidFill>
+                  <a:schemeClr val="tx1"/>
+                </a:solidFill>
+                <a:latin typeface="Consolas" panose="020B0609020204030204" pitchFamily="49" charset="0"/>
+              </a:rPr>
+              <a:t>main</a:t>
+            </a:r>
+            <a:r>
+              <a:rPr lang="en-US" altLang="ko-KR" smtClean="0">
+                <a:solidFill>
+                  <a:schemeClr val="tx1"/>
+                </a:solidFill>
+                <a:latin typeface="Consolas" panose="020B0609020204030204" pitchFamily="49" charset="0"/>
+              </a:rPr>
+              <a:t>()...</a:t>
+            </a:r>
+            <a:endParaRPr lang="ko-KR" altLang="en-US" smtClean="0">
+              <a:solidFill>
+                <a:schemeClr val="tx1"/>
+              </a:solidFill>
+              <a:latin typeface="Consolas" panose="020B0609020204030204" pitchFamily="49" charset="0"/>
+            </a:endParaRPr>
+          </a:p>
+        </p:txBody>
+      </p:sp>
+      <p:cxnSp>
+        <p:nvCxnSpPr>
+          <p:cNvPr id="19" name="직선 화살표 연결선 18"/>
+          <p:cNvCxnSpPr/>
+          <p:nvPr/>
+        </p:nvCxnSpPr>
+        <p:spPr>
+          <a:xfrm flipH="1">
+            <a:off x="7872152" y="1721405"/>
+            <a:ext cx="2871800" cy="1728376"/>
+          </a:xfrm>
+          <a:prstGeom prst="straightConnector1">
+            <a:avLst/>
+          </a:prstGeom>
+          <a:ln>
+            <a:solidFill>
+              <a:schemeClr val="tx1"/>
+            </a:solidFill>
+            <a:tailEnd type="triangle"/>
+          </a:ln>
+        </p:spPr>
+        <p:style>
+          <a:lnRef idx="1">
+            <a:schemeClr val="accent1"/>
+          </a:lnRef>
+          <a:fillRef idx="0">
+            <a:schemeClr val="accent1"/>
+          </a:fillRef>
+          <a:effectRef idx="0">
+            <a:schemeClr val="accent1"/>
+          </a:effectRef>
+          <a:fontRef idx="minor">
+            <a:schemeClr val="tx1"/>
+          </a:fontRef>
+        </p:style>
+      </p:cxnSp>
+      <p:cxnSp>
+        <p:nvCxnSpPr>
+          <p:cNvPr id="20" name="직선 화살표 연결선 19"/>
+          <p:cNvCxnSpPr>
+            <a:stCxn id="14" idx="1"/>
+          </p:cNvCxnSpPr>
+          <p:nvPr/>
+        </p:nvCxnSpPr>
+        <p:spPr>
+          <a:xfrm flipH="1">
+            <a:off x="8013469" y="779349"/>
+            <a:ext cx="2730487" cy="2670432"/>
+          </a:xfrm>
+          <a:prstGeom prst="straightConnector1">
+            <a:avLst/>
+          </a:prstGeom>
+          <a:ln>
+            <a:solidFill>
+              <a:schemeClr val="tx1"/>
+            </a:solidFill>
+            <a:tailEnd type="triangle"/>
+          </a:ln>
+        </p:spPr>
+        <p:style>
+          <a:lnRef idx="1">
+            <a:schemeClr val="accent1"/>
+          </a:lnRef>
+          <a:fillRef idx="0">
+            <a:schemeClr val="accent1"/>
+          </a:fillRef>
+          <a:effectRef idx="0">
+            <a:schemeClr val="accent1"/>
+          </a:effectRef>
+          <a:fontRef idx="minor">
+            <a:schemeClr val="tx1"/>
+          </a:fontRef>
+        </p:style>
+      </p:cxnSp>
+      <p:cxnSp>
+        <p:nvCxnSpPr>
+          <p:cNvPr id="22" name="직선 화살표 연결선 21"/>
+          <p:cNvCxnSpPr>
+            <a:stCxn id="10" idx="3"/>
+          </p:cNvCxnSpPr>
+          <p:nvPr/>
+        </p:nvCxnSpPr>
+        <p:spPr>
+          <a:xfrm>
+            <a:off x="10764979" y="1258415"/>
+            <a:ext cx="1629298" cy="2082338"/>
+          </a:xfrm>
+          <a:prstGeom prst="straightConnector1">
+            <a:avLst/>
+          </a:prstGeom>
+          <a:ln>
+            <a:solidFill>
+              <a:schemeClr val="tx1"/>
+            </a:solidFill>
+            <a:tailEnd type="triangle"/>
+          </a:ln>
+        </p:spPr>
+        <p:style>
+          <a:lnRef idx="1">
+            <a:schemeClr val="accent1"/>
+          </a:lnRef>
+          <a:fillRef idx="0">
+            <a:schemeClr val="accent1"/>
+          </a:fillRef>
+          <a:effectRef idx="0">
+            <a:schemeClr val="accent1"/>
+          </a:effectRef>
+          <a:fontRef idx="minor">
+            <a:schemeClr val="tx1"/>
+          </a:fontRef>
+        </p:style>
+      </p:cxnSp>
+      <p:sp>
+        <p:nvSpPr>
+          <p:cNvPr id="26" name="TextBox 25"/>
+          <p:cNvSpPr txBox="1"/>
+          <p:nvPr/>
+        </p:nvSpPr>
+        <p:spPr>
+          <a:xfrm>
+            <a:off x="9002683" y="2843915"/>
+            <a:ext cx="4325223" cy="523220"/>
+          </a:xfrm>
+          <a:prstGeom prst="rect">
+            <a:avLst/>
+          </a:prstGeom>
+          <a:noFill/>
+        </p:spPr>
+        <p:txBody>
+          <a:bodyPr wrap="none" rtlCol="0">
+            <a:spAutoFit/>
+          </a:bodyPr>
+          <a:lstStyle/>
+          <a:p>
+            <a:r>
+              <a:rPr lang="en-US" altLang="ko-KR" sz="2800" smtClean="0">
+                <a:latin typeface="Consolas" panose="020B0609020204030204" pitchFamily="49" charset="0"/>
+              </a:rPr>
+              <a:t>library buffer : 4096</a:t>
+            </a:r>
+            <a:endParaRPr lang="ko-KR" altLang="en-US" sz="2800" smtClean="0">
+              <a:latin typeface="Consolas" panose="020B0609020204030204" pitchFamily="49" charset="0"/>
+            </a:endParaRPr>
+          </a:p>
+        </p:txBody>
+      </p:sp>
+      <p:sp>
+        <p:nvSpPr>
+          <p:cNvPr id="27" name="원통 26"/>
+          <p:cNvSpPr/>
+          <p:nvPr/>
+        </p:nvSpPr>
+        <p:spPr>
+          <a:xfrm>
+            <a:off x="7398327" y="5137265"/>
+            <a:ext cx="4912822" cy="1463040"/>
+          </a:xfrm>
+          <a:prstGeom prst="can">
+            <a:avLst>
+              <a:gd name="adj" fmla="val 15909"/>
+            </a:avLst>
+          </a:prstGeom>
+          <a:noFill/>
+        </p:spPr>
+        <p:style>
+          <a:lnRef idx="2">
+            <a:schemeClr val="accent1">
+              <a:shade val="50000"/>
+            </a:schemeClr>
+          </a:lnRef>
+          <a:fillRef idx="1">
+            <a:schemeClr val="accent1"/>
+          </a:fillRef>
+          <a:effectRef idx="0">
+            <a:schemeClr val="accent1"/>
+          </a:effectRef>
+          <a:fontRef idx="minor">
+            <a:schemeClr val="lt1"/>
+          </a:fontRef>
+        </p:style>
+        <p:txBody>
+          <a:bodyPr rtlCol="0" anchor="ctr"/>
+          <a:lstStyle/>
+          <a:p>
+            <a:pPr algn="ctr"/>
+            <a:endParaRPr lang="ko-KR" altLang="en-US" smtClean="0">
+              <a:solidFill>
+                <a:schemeClr val="tx1"/>
+              </a:solidFill>
+              <a:latin typeface="Consolas" panose="020B0609020204030204" pitchFamily="49" charset="0"/>
+            </a:endParaRPr>
+          </a:p>
+        </p:txBody>
+      </p:sp>
+      <p:sp>
+        <p:nvSpPr>
+          <p:cNvPr id="28" name="직사각형 27"/>
+          <p:cNvSpPr/>
+          <p:nvPr/>
+        </p:nvSpPr>
+        <p:spPr>
+          <a:xfrm>
+            <a:off x="7575607" y="5454781"/>
+            <a:ext cx="4735542" cy="423950"/>
+          </a:xfrm>
+          <a:prstGeom prst="rect">
+            <a:avLst/>
+          </a:prstGeom>
+          <a:solidFill>
+            <a:srgbClr val="FFFF00"/>
+          </a:solidFill>
+        </p:spPr>
+        <p:style>
+          <a:lnRef idx="2">
+            <a:schemeClr val="accent1">
+              <a:shade val="50000"/>
+            </a:schemeClr>
+          </a:lnRef>
+          <a:fillRef idx="1">
+            <a:schemeClr val="accent1"/>
+          </a:fillRef>
+          <a:effectRef idx="0">
+            <a:schemeClr val="accent1"/>
+          </a:effectRef>
+          <a:fontRef idx="minor">
+            <a:schemeClr val="lt1"/>
+          </a:fontRef>
+        </p:style>
+        <p:txBody>
+          <a:bodyPr rtlCol="0" anchor="ctr"/>
+          <a:lstStyle/>
+          <a:p>
+            <a:pPr algn="ctr"/>
+            <a:r>
+              <a:rPr lang="en-US" altLang="ko-KR">
+                <a:solidFill>
+                  <a:schemeClr val="tx1"/>
+                </a:solidFill>
+                <a:latin typeface="Consolas" panose="020B0609020204030204" pitchFamily="49" charset="0"/>
+              </a:rPr>
+              <a:t>#include &lt;stdio.h&gt;\n\nint </a:t>
+            </a:r>
+            <a:r>
+              <a:rPr lang="en-US" altLang="ko-KR">
+                <a:solidFill>
+                  <a:schemeClr val="tx1"/>
+                </a:solidFill>
+                <a:latin typeface="Consolas" panose="020B0609020204030204" pitchFamily="49" charset="0"/>
+              </a:rPr>
+              <a:t>main</a:t>
+            </a:r>
+            <a:r>
+              <a:rPr lang="en-US" altLang="ko-KR" smtClean="0">
+                <a:solidFill>
+                  <a:schemeClr val="tx1"/>
+                </a:solidFill>
+                <a:latin typeface="Consolas" panose="020B0609020204030204" pitchFamily="49" charset="0"/>
+              </a:rPr>
+              <a:t>()...</a:t>
+            </a:r>
+            <a:endParaRPr lang="ko-KR" altLang="en-US" smtClean="0">
+              <a:solidFill>
+                <a:schemeClr val="tx1"/>
+              </a:solidFill>
+              <a:latin typeface="Consolas" panose="020B0609020204030204" pitchFamily="49" charset="0"/>
+            </a:endParaRPr>
+          </a:p>
+        </p:txBody>
+      </p:sp>
+      <p:sp>
+        <p:nvSpPr>
+          <p:cNvPr id="29" name="오른쪽 화살표 28"/>
+          <p:cNvSpPr/>
+          <p:nvPr/>
+        </p:nvSpPr>
+        <p:spPr>
+          <a:xfrm rot="16200000">
+            <a:off x="9347816" y="4149253"/>
+            <a:ext cx="1191125" cy="573578"/>
+          </a:xfrm>
+          <a:prstGeom prst="rightArrow">
+            <a:avLst/>
+          </a:prstGeom>
+          <a:solidFill>
+            <a:srgbClr val="FFFF00"/>
+          </a:solidFill>
+        </p:spPr>
+        <p:style>
+          <a:lnRef idx="2">
+            <a:schemeClr val="accent1">
+              <a:shade val="50000"/>
+            </a:schemeClr>
+          </a:lnRef>
+          <a:fillRef idx="1">
+            <a:schemeClr val="accent1"/>
+          </a:fillRef>
+          <a:effectRef idx="0">
+            <a:schemeClr val="accent1"/>
+          </a:effectRef>
+          <a:fontRef idx="minor">
+            <a:schemeClr val="lt1"/>
+          </a:fontRef>
+        </p:style>
+        <p:txBody>
+          <a:bodyPr rtlCol="0" anchor="ctr"/>
+          <a:lstStyle/>
+          <a:p>
+            <a:pPr algn="ctr"/>
+            <a:endParaRPr lang="ko-KR" altLang="en-US" smtClean="0">
+              <a:solidFill>
+                <a:schemeClr val="tx1"/>
+              </a:solidFill>
+              <a:latin typeface="Consolas" panose="020B0609020204030204" pitchFamily="49" charset="0"/>
+            </a:endParaRPr>
+          </a:p>
+        </p:txBody>
+      </p:sp>
+      <p:cxnSp>
+        <p:nvCxnSpPr>
+          <p:cNvPr id="31" name="직선 연결선 30"/>
+          <p:cNvCxnSpPr/>
+          <p:nvPr/>
+        </p:nvCxnSpPr>
+        <p:spPr>
+          <a:xfrm>
+            <a:off x="7024255" y="4316709"/>
+            <a:ext cx="5677592" cy="0"/>
+          </a:xfrm>
+          <a:prstGeom prst="line">
+            <a:avLst/>
+          </a:prstGeom>
+        </p:spPr>
+        <p:style>
+          <a:lnRef idx="1">
+            <a:schemeClr val="accent1"/>
+          </a:lnRef>
+          <a:fillRef idx="0">
+            <a:schemeClr val="accent1"/>
+          </a:fillRef>
+          <a:effectRef idx="0">
+            <a:schemeClr val="accent1"/>
+          </a:effectRef>
+          <a:fontRef idx="minor">
+            <a:schemeClr val="tx1"/>
+          </a:fontRef>
+        </p:style>
+      </p:cxnSp>
+    </p:spTree>
+    <p:extLst>
+      <p:ext uri="{BB962C8B-B14F-4D97-AF65-F5344CB8AC3E}">
+        <p14:creationId xmlns:p14="http://schemas.microsoft.com/office/powerpoint/2010/main" val="3656185142"/>
+      </p:ext>
+    </p:extLst>
+  </p:cSld>
+  <p:clrMapOvr>
+    <a:masterClrMapping/>
+  </p:clrMapOvr>
+</p:sld>
+</file>
+
+<file path=ppt/slides/slide64.xml><?xml version="1.0" encoding="utf-8"?>
+<p:sld xmlns:a="http://schemas.openxmlformats.org/drawingml/2006/main" xmlns:r="http://schemas.openxmlformats.org/officeDocument/2006/relationships" xmlns:p="http://schemas.openxmlformats.org/presentationml/2006/main">
+  <p:cSld>
+    <p:spTree>
+      <p:nvGrpSpPr>
+        <p:cNvPr id="1" name=""/>
+        <p:cNvGrpSpPr/>
+        <p:nvPr/>
+      </p:nvGrpSpPr>
+      <p:grpSpPr>
+        <a:xfrm>
+          <a:off x="0" y="0"/>
+          <a:ext cx="0" cy="0"/>
+          <a:chOff x="0" y="0"/>
+          <a:chExt cx="0" cy="0"/>
+        </a:xfrm>
+      </p:grpSpPr>
+      <p:sp>
+        <p:nvSpPr>
+          <p:cNvPr id="4" name="TextBox 3"/>
+          <p:cNvSpPr txBox="1"/>
+          <p:nvPr/>
+        </p:nvSpPr>
+        <p:spPr>
+          <a:xfrm>
+            <a:off x="407324" y="199505"/>
+            <a:ext cx="2945037" cy="523220"/>
+          </a:xfrm>
+          <a:prstGeom prst="rect">
+            <a:avLst/>
+          </a:prstGeom>
+          <a:noFill/>
+        </p:spPr>
+        <p:txBody>
+          <a:bodyPr wrap="none" rtlCol="0">
+            <a:spAutoFit/>
+          </a:bodyPr>
+          <a:lstStyle/>
+          <a:p>
+            <a:r>
+              <a:rPr lang="en-US" altLang="ko-KR" sz="2800" smtClean="0">
+                <a:latin typeface="Consolas" panose="020B0609020204030204" pitchFamily="49" charset="0"/>
+              </a:rPr>
+              <a:t>library buffer</a:t>
+            </a:r>
+            <a:endParaRPr lang="ko-KR" altLang="en-US" sz="2800" smtClean="0">
+              <a:latin typeface="Consolas" panose="020B0609020204030204" pitchFamily="49" charset="0"/>
+            </a:endParaRPr>
+          </a:p>
+        </p:txBody>
+      </p:sp>
+      <p:sp>
+        <p:nvSpPr>
+          <p:cNvPr id="6" name="TextBox 5"/>
+          <p:cNvSpPr txBox="1"/>
+          <p:nvPr/>
+        </p:nvSpPr>
+        <p:spPr>
+          <a:xfrm>
+            <a:off x="45040" y="1245945"/>
+            <a:ext cx="5311069" cy="1815882"/>
+          </a:xfrm>
+          <a:prstGeom prst="rect">
+            <a:avLst/>
+          </a:prstGeom>
+          <a:noFill/>
+        </p:spPr>
+        <p:txBody>
+          <a:bodyPr wrap="none" rtlCol="0">
+            <a:spAutoFit/>
+          </a:bodyPr>
+          <a:lstStyle/>
+          <a:p>
+            <a:r>
+              <a:rPr lang="en-US" altLang="ko-KR" sz="2800" smtClean="0">
+                <a:latin typeface="Consolas" panose="020B0609020204030204" pitchFamily="49" charset="0"/>
+              </a:rPr>
+              <a:t>FILE *fp;</a:t>
+            </a:r>
+          </a:p>
+          <a:p>
+            <a:r>
+              <a:rPr lang="en-US" altLang="ko-KR" sz="2800" smtClean="0">
+                <a:latin typeface="Consolas" panose="020B0609020204030204" pitchFamily="49" charset="0"/>
+              </a:rPr>
+              <a:t>int ch;</a:t>
+            </a:r>
+            <a:endParaRPr lang="en-US" altLang="ko-KR" sz="2800">
+              <a:latin typeface="Consolas" panose="020B0609020204030204" pitchFamily="49" charset="0"/>
+            </a:endParaRPr>
+          </a:p>
+          <a:p>
+            <a:r>
+              <a:rPr lang="en-US" altLang="ko-KR" sz="2800" smtClean="0">
+                <a:latin typeface="Consolas" panose="020B0609020204030204" pitchFamily="49" charset="0"/>
+              </a:rPr>
+              <a:t>fp = fopen("file.c", "r");</a:t>
+            </a:r>
+          </a:p>
+          <a:p>
+            <a:r>
+              <a:rPr lang="en-US" altLang="ko-KR" sz="2800" smtClean="0">
+                <a:latin typeface="Consolas" panose="020B0609020204030204" pitchFamily="49" charset="0"/>
+              </a:rPr>
+              <a:t>ch = fgetc(fp);</a:t>
+            </a:r>
+            <a:endParaRPr lang="ko-KR" altLang="en-US" sz="2800" smtClean="0">
+              <a:latin typeface="Consolas" panose="020B0609020204030204" pitchFamily="49" charset="0"/>
+            </a:endParaRPr>
+          </a:p>
+        </p:txBody>
+      </p:sp>
+      <p:sp>
+        <p:nvSpPr>
+          <p:cNvPr id="5" name="TextBox 4"/>
+          <p:cNvSpPr txBox="1"/>
+          <p:nvPr/>
+        </p:nvSpPr>
+        <p:spPr>
+          <a:xfrm>
+            <a:off x="6051665" y="465513"/>
+            <a:ext cx="1762021" cy="523220"/>
+          </a:xfrm>
+          <a:prstGeom prst="rect">
+            <a:avLst/>
+          </a:prstGeom>
+          <a:noFill/>
+        </p:spPr>
+        <p:txBody>
+          <a:bodyPr wrap="none" rtlCol="0">
+            <a:spAutoFit/>
+          </a:bodyPr>
+          <a:lstStyle/>
+          <a:p>
+            <a:r>
+              <a:rPr lang="en-US" altLang="ko-KR" sz="2800" smtClean="0">
+                <a:latin typeface="Consolas" panose="020B0609020204030204" pitchFamily="49" charset="0"/>
+              </a:rPr>
+              <a:t>windows </a:t>
+            </a:r>
+            <a:endParaRPr lang="ko-KR" altLang="en-US" sz="2800" smtClean="0">
+              <a:latin typeface="Consolas" panose="020B0609020204030204" pitchFamily="49" charset="0"/>
+            </a:endParaRPr>
+          </a:p>
+        </p:txBody>
+      </p:sp>
+      <p:sp>
+        <p:nvSpPr>
+          <p:cNvPr id="25" name="TextBox 24"/>
+          <p:cNvSpPr txBox="1"/>
+          <p:nvPr/>
+        </p:nvSpPr>
+        <p:spPr>
+          <a:xfrm>
+            <a:off x="5985163" y="1521229"/>
+            <a:ext cx="5311069" cy="954107"/>
+          </a:xfrm>
+          <a:prstGeom prst="rect">
+            <a:avLst/>
+          </a:prstGeom>
+          <a:noFill/>
+        </p:spPr>
+        <p:txBody>
+          <a:bodyPr wrap="none" rtlCol="0">
+            <a:spAutoFit/>
+          </a:bodyPr>
+          <a:lstStyle/>
+          <a:p>
+            <a:r>
+              <a:rPr lang="en-US" altLang="ko-KR" sz="2800" smtClean="0">
+                <a:latin typeface="Consolas" panose="020B0609020204030204" pitchFamily="49" charset="0"/>
+              </a:rPr>
+              <a:t>fwrite</a:t>
+            </a:r>
+          </a:p>
+          <a:p>
+            <a:r>
+              <a:rPr lang="en-US" altLang="ko-KR" sz="2800" smtClean="0">
+                <a:latin typeface="Consolas" panose="020B0609020204030204" pitchFamily="49" charset="0"/>
+              </a:rPr>
+              <a:t>"</a:t>
+            </a:r>
+            <a:r>
+              <a:rPr lang="en-US" altLang="ko-KR" sz="2800">
+                <a:latin typeface="Consolas" panose="020B0609020204030204" pitchFamily="49" charset="0"/>
+              </a:rPr>
+              <a:t>hello\n"  =&gt; </a:t>
+            </a:r>
+            <a:r>
+              <a:rPr lang="en-US" altLang="ko-KR" sz="2800">
+                <a:latin typeface="Consolas" panose="020B0609020204030204" pitchFamily="49" charset="0"/>
+              </a:rPr>
+              <a:t>"</a:t>
+            </a:r>
+            <a:r>
+              <a:rPr lang="en-US" altLang="ko-KR" sz="2800" smtClean="0">
+                <a:latin typeface="Consolas" panose="020B0609020204030204" pitchFamily="49" charset="0"/>
+              </a:rPr>
+              <a:t>hello\r\n</a:t>
+            </a:r>
+            <a:r>
+              <a:rPr lang="en-US" altLang="ko-KR" sz="2800">
+                <a:latin typeface="Consolas" panose="020B0609020204030204" pitchFamily="49" charset="0"/>
+              </a:rPr>
+              <a:t>" </a:t>
+            </a:r>
+            <a:endParaRPr lang="ko-KR" altLang="en-US" sz="2800" smtClean="0">
+              <a:latin typeface="Consolas" panose="020B0609020204030204" pitchFamily="49" charset="0"/>
+            </a:endParaRPr>
+          </a:p>
+        </p:txBody>
+      </p:sp>
+      <p:sp>
+        <p:nvSpPr>
+          <p:cNvPr id="30" name="TextBox 29"/>
+          <p:cNvSpPr txBox="1"/>
+          <p:nvPr/>
+        </p:nvSpPr>
+        <p:spPr>
+          <a:xfrm>
+            <a:off x="5985162" y="2834640"/>
+            <a:ext cx="5311069" cy="954107"/>
+          </a:xfrm>
+          <a:prstGeom prst="rect">
+            <a:avLst/>
+          </a:prstGeom>
+          <a:noFill/>
+        </p:spPr>
+        <p:txBody>
+          <a:bodyPr wrap="none" rtlCol="0">
+            <a:spAutoFit/>
+          </a:bodyPr>
+          <a:lstStyle/>
+          <a:p>
+            <a:r>
+              <a:rPr lang="en-US" altLang="ko-KR" sz="2800" smtClean="0">
+                <a:latin typeface="Consolas" panose="020B0609020204030204" pitchFamily="49" charset="0"/>
+              </a:rPr>
+              <a:t>fread </a:t>
+            </a:r>
+          </a:p>
+          <a:p>
+            <a:r>
+              <a:rPr lang="en-US" altLang="ko-KR" sz="2800" smtClean="0">
+                <a:latin typeface="Consolas" panose="020B0609020204030204" pitchFamily="49" charset="0"/>
+              </a:rPr>
+              <a:t>"hello\n</a:t>
+            </a:r>
+            <a:r>
+              <a:rPr lang="en-US" altLang="ko-KR" sz="2800">
+                <a:latin typeface="Consolas" panose="020B0609020204030204" pitchFamily="49" charset="0"/>
+              </a:rPr>
+              <a:t>"  </a:t>
+            </a:r>
+            <a:r>
+              <a:rPr lang="en-US" altLang="ko-KR" sz="2800" smtClean="0">
+                <a:latin typeface="Consolas" panose="020B0609020204030204" pitchFamily="49" charset="0"/>
+              </a:rPr>
+              <a:t>&lt;= </a:t>
+            </a:r>
+            <a:r>
+              <a:rPr lang="en-US" altLang="ko-KR" sz="2800">
+                <a:latin typeface="Consolas" panose="020B0609020204030204" pitchFamily="49" charset="0"/>
+              </a:rPr>
+              <a:t>"</a:t>
+            </a:r>
+            <a:r>
+              <a:rPr lang="en-US" altLang="ko-KR" sz="2800" smtClean="0">
+                <a:latin typeface="Consolas" panose="020B0609020204030204" pitchFamily="49" charset="0"/>
+              </a:rPr>
+              <a:t>hello\r\n</a:t>
+            </a:r>
+            <a:r>
+              <a:rPr lang="en-US" altLang="ko-KR" sz="2800">
+                <a:latin typeface="Consolas" panose="020B0609020204030204" pitchFamily="49" charset="0"/>
+              </a:rPr>
+              <a:t>" </a:t>
+            </a:r>
+            <a:endParaRPr lang="ko-KR" altLang="en-US" sz="2800" smtClean="0">
+              <a:latin typeface="Consolas" panose="020B0609020204030204" pitchFamily="49" charset="0"/>
+            </a:endParaRPr>
+          </a:p>
+        </p:txBody>
+      </p:sp>
+    </p:spTree>
+    <p:extLst>
+      <p:ext uri="{BB962C8B-B14F-4D97-AF65-F5344CB8AC3E}">
+        <p14:creationId xmlns:p14="http://schemas.microsoft.com/office/powerpoint/2010/main" val="2213339623"/>
+      </p:ext>
+    </p:extLst>
+  </p:cSld>
+  <p:clrMapOvr>
+    <a:masterClrMapping/>
+  </p:clrMapOvr>
+</p:sld>
+</file>
+
+<file path=ppt/slides/slide65.xml><?xml version="1.0" encoding="utf-8"?>
+<p:sld xmlns:a="http://schemas.openxmlformats.org/drawingml/2006/main" xmlns:r="http://schemas.openxmlformats.org/officeDocument/2006/relationships" xmlns:p="http://schemas.openxmlformats.org/presentationml/2006/main">
+  <p:cSld>
+    <p:spTree>
+      <p:nvGrpSpPr>
+        <p:cNvPr id="1" name=""/>
+        <p:cNvGrpSpPr/>
+        <p:nvPr/>
+      </p:nvGrpSpPr>
+      <p:grpSpPr>
+        <a:xfrm>
+          <a:off x="0" y="0"/>
+          <a:ext cx="0" cy="0"/>
+          <a:chOff x="0" y="0"/>
+          <a:chExt cx="0" cy="0"/>
+        </a:xfrm>
+      </p:grpSpPr>
+      <p:sp>
+        <p:nvSpPr>
+          <p:cNvPr id="4" name="TextBox 3"/>
+          <p:cNvSpPr txBox="1"/>
+          <p:nvPr/>
+        </p:nvSpPr>
+        <p:spPr>
+          <a:xfrm>
+            <a:off x="407324" y="199505"/>
+            <a:ext cx="2945037" cy="523220"/>
+          </a:xfrm>
+          <a:prstGeom prst="rect">
+            <a:avLst/>
+          </a:prstGeom>
+          <a:noFill/>
+        </p:spPr>
+        <p:txBody>
+          <a:bodyPr wrap="none" rtlCol="0">
+            <a:spAutoFit/>
+          </a:bodyPr>
+          <a:lstStyle/>
+          <a:p>
+            <a:r>
+              <a:rPr lang="en-US" altLang="ko-KR" sz="2800" smtClean="0">
+                <a:latin typeface="Consolas" panose="020B0609020204030204" pitchFamily="49" charset="0"/>
+              </a:rPr>
+              <a:t>library buffer</a:t>
+            </a:r>
+            <a:endParaRPr lang="ko-KR" altLang="en-US" sz="2800" smtClean="0">
+              <a:latin typeface="Consolas" panose="020B0609020204030204" pitchFamily="49" charset="0"/>
+            </a:endParaRPr>
+          </a:p>
+        </p:txBody>
+      </p:sp>
+      <p:sp>
+        <p:nvSpPr>
+          <p:cNvPr id="6" name="TextBox 5"/>
+          <p:cNvSpPr txBox="1"/>
+          <p:nvPr/>
+        </p:nvSpPr>
+        <p:spPr>
+          <a:xfrm>
+            <a:off x="45040" y="1245945"/>
+            <a:ext cx="5311069" cy="1815882"/>
+          </a:xfrm>
+          <a:prstGeom prst="rect">
+            <a:avLst/>
+          </a:prstGeom>
+          <a:noFill/>
+        </p:spPr>
+        <p:txBody>
+          <a:bodyPr wrap="none" rtlCol="0">
+            <a:spAutoFit/>
+          </a:bodyPr>
+          <a:lstStyle/>
+          <a:p>
+            <a:r>
+              <a:rPr lang="en-US" altLang="ko-KR" sz="2800" smtClean="0">
+                <a:latin typeface="Consolas" panose="020B0609020204030204" pitchFamily="49" charset="0"/>
+              </a:rPr>
+              <a:t>FILE *fp;</a:t>
+            </a:r>
+          </a:p>
+          <a:p>
+            <a:r>
+              <a:rPr lang="en-US" altLang="ko-KR" sz="2800" smtClean="0">
+                <a:latin typeface="Consolas" panose="020B0609020204030204" pitchFamily="49" charset="0"/>
+              </a:rPr>
+              <a:t>int ch;</a:t>
+            </a:r>
+            <a:endParaRPr lang="en-US" altLang="ko-KR" sz="2800">
+              <a:latin typeface="Consolas" panose="020B0609020204030204" pitchFamily="49" charset="0"/>
+            </a:endParaRPr>
+          </a:p>
+          <a:p>
+            <a:r>
+              <a:rPr lang="en-US" altLang="ko-KR" sz="2800" smtClean="0">
+                <a:latin typeface="Consolas" panose="020B0609020204030204" pitchFamily="49" charset="0"/>
+              </a:rPr>
+              <a:t>fp = fopen("file.c", "r");</a:t>
+            </a:r>
+          </a:p>
+          <a:p>
+            <a:r>
+              <a:rPr lang="en-US" altLang="ko-KR" sz="2800" smtClean="0">
+                <a:latin typeface="Consolas" panose="020B0609020204030204" pitchFamily="49" charset="0"/>
+              </a:rPr>
+              <a:t>ch = fgetc(fp);</a:t>
+            </a:r>
+            <a:endParaRPr lang="ko-KR" altLang="en-US" sz="2800" smtClean="0">
+              <a:latin typeface="Consolas" panose="020B0609020204030204" pitchFamily="49" charset="0"/>
+            </a:endParaRPr>
+          </a:p>
+        </p:txBody>
+      </p:sp>
+      <p:sp>
+        <p:nvSpPr>
+          <p:cNvPr id="5" name="TextBox 4"/>
+          <p:cNvSpPr txBox="1"/>
+          <p:nvPr/>
+        </p:nvSpPr>
+        <p:spPr>
+          <a:xfrm>
+            <a:off x="6051665" y="465513"/>
+            <a:ext cx="1170513" cy="523220"/>
+          </a:xfrm>
+          <a:prstGeom prst="rect">
+            <a:avLst/>
+          </a:prstGeom>
+          <a:noFill/>
+        </p:spPr>
+        <p:txBody>
+          <a:bodyPr wrap="none" rtlCol="0">
+            <a:spAutoFit/>
+          </a:bodyPr>
+          <a:lstStyle/>
+          <a:p>
+            <a:r>
+              <a:rPr lang="en-US" altLang="ko-KR" sz="2800" smtClean="0">
+                <a:latin typeface="Consolas" panose="020B0609020204030204" pitchFamily="49" charset="0"/>
+              </a:rPr>
+              <a:t>linux</a:t>
+            </a:r>
+            <a:endParaRPr lang="ko-KR" altLang="en-US" sz="2800" smtClean="0">
+              <a:latin typeface="Consolas" panose="020B0609020204030204" pitchFamily="49" charset="0"/>
+            </a:endParaRPr>
+          </a:p>
+        </p:txBody>
+      </p:sp>
+      <p:sp>
+        <p:nvSpPr>
+          <p:cNvPr id="25" name="TextBox 24"/>
+          <p:cNvSpPr txBox="1"/>
+          <p:nvPr/>
+        </p:nvSpPr>
+        <p:spPr>
+          <a:xfrm>
+            <a:off x="5985163" y="1521229"/>
+            <a:ext cx="4916731" cy="954107"/>
+          </a:xfrm>
+          <a:prstGeom prst="rect">
+            <a:avLst/>
+          </a:prstGeom>
+          <a:noFill/>
+        </p:spPr>
+        <p:txBody>
+          <a:bodyPr wrap="none" rtlCol="0">
+            <a:spAutoFit/>
+          </a:bodyPr>
+          <a:lstStyle/>
+          <a:p>
+            <a:r>
+              <a:rPr lang="en-US" altLang="ko-KR" sz="2800" smtClean="0">
+                <a:latin typeface="Consolas" panose="020B0609020204030204" pitchFamily="49" charset="0"/>
+              </a:rPr>
+              <a:t>fwrite</a:t>
+            </a:r>
+          </a:p>
+          <a:p>
+            <a:r>
+              <a:rPr lang="en-US" altLang="ko-KR" sz="2800" smtClean="0">
+                <a:latin typeface="Consolas" panose="020B0609020204030204" pitchFamily="49" charset="0"/>
+              </a:rPr>
+              <a:t>"</a:t>
+            </a:r>
+            <a:r>
+              <a:rPr lang="en-US" altLang="ko-KR" sz="2800">
+                <a:latin typeface="Consolas" panose="020B0609020204030204" pitchFamily="49" charset="0"/>
+              </a:rPr>
+              <a:t>hello\n"  =&gt; </a:t>
+            </a:r>
+            <a:r>
+              <a:rPr lang="en-US" altLang="ko-KR" sz="2800">
+                <a:latin typeface="Consolas" panose="020B0609020204030204" pitchFamily="49" charset="0"/>
+              </a:rPr>
+              <a:t>"</a:t>
+            </a:r>
+            <a:r>
+              <a:rPr lang="en-US" altLang="ko-KR" sz="2800" smtClean="0">
+                <a:latin typeface="Consolas" panose="020B0609020204030204" pitchFamily="49" charset="0"/>
+              </a:rPr>
+              <a:t>hello\n</a:t>
+            </a:r>
+            <a:r>
+              <a:rPr lang="en-US" altLang="ko-KR" sz="2800">
+                <a:latin typeface="Consolas" panose="020B0609020204030204" pitchFamily="49" charset="0"/>
+              </a:rPr>
+              <a:t>" </a:t>
+            </a:r>
+            <a:endParaRPr lang="ko-KR" altLang="en-US" sz="2800" smtClean="0">
+              <a:latin typeface="Consolas" panose="020B0609020204030204" pitchFamily="49" charset="0"/>
+            </a:endParaRPr>
+          </a:p>
+        </p:txBody>
+      </p:sp>
+      <p:sp>
+        <p:nvSpPr>
+          <p:cNvPr id="30" name="TextBox 29"/>
+          <p:cNvSpPr txBox="1"/>
+          <p:nvPr/>
+        </p:nvSpPr>
+        <p:spPr>
+          <a:xfrm>
+            <a:off x="5985162" y="2834640"/>
+            <a:ext cx="4916731" cy="954107"/>
+          </a:xfrm>
+          <a:prstGeom prst="rect">
+            <a:avLst/>
+          </a:prstGeom>
+          <a:noFill/>
+        </p:spPr>
+        <p:txBody>
+          <a:bodyPr wrap="none" rtlCol="0">
+            <a:spAutoFit/>
+          </a:bodyPr>
+          <a:lstStyle/>
+          <a:p>
+            <a:r>
+              <a:rPr lang="en-US" altLang="ko-KR" sz="2800" smtClean="0">
+                <a:latin typeface="Consolas" panose="020B0609020204030204" pitchFamily="49" charset="0"/>
+              </a:rPr>
+              <a:t>fread </a:t>
+            </a:r>
+          </a:p>
+          <a:p>
+            <a:r>
+              <a:rPr lang="en-US" altLang="ko-KR" sz="2800" smtClean="0">
+                <a:latin typeface="Consolas" panose="020B0609020204030204" pitchFamily="49" charset="0"/>
+              </a:rPr>
+              <a:t>"hello\n</a:t>
+            </a:r>
+            <a:r>
+              <a:rPr lang="en-US" altLang="ko-KR" sz="2800">
+                <a:latin typeface="Consolas" panose="020B0609020204030204" pitchFamily="49" charset="0"/>
+              </a:rPr>
+              <a:t>"  </a:t>
+            </a:r>
+            <a:r>
+              <a:rPr lang="en-US" altLang="ko-KR" sz="2800" smtClean="0">
+                <a:latin typeface="Consolas" panose="020B0609020204030204" pitchFamily="49" charset="0"/>
+              </a:rPr>
+              <a:t>&lt;= </a:t>
+            </a:r>
+            <a:r>
+              <a:rPr lang="en-US" altLang="ko-KR" sz="2800">
+                <a:latin typeface="Consolas" panose="020B0609020204030204" pitchFamily="49" charset="0"/>
+              </a:rPr>
+              <a:t>"</a:t>
+            </a:r>
+            <a:r>
+              <a:rPr lang="en-US" altLang="ko-KR" sz="2800" smtClean="0">
+                <a:latin typeface="Consolas" panose="020B0609020204030204" pitchFamily="49" charset="0"/>
+              </a:rPr>
+              <a:t>hello\n</a:t>
+            </a:r>
+            <a:r>
+              <a:rPr lang="en-US" altLang="ko-KR" sz="2800">
+                <a:latin typeface="Consolas" panose="020B0609020204030204" pitchFamily="49" charset="0"/>
+              </a:rPr>
+              <a:t>" </a:t>
+            </a:r>
+            <a:endParaRPr lang="ko-KR" altLang="en-US" sz="2800" smtClean="0">
+              <a:latin typeface="Consolas" panose="020B0609020204030204" pitchFamily="49" charset="0"/>
+            </a:endParaRPr>
+          </a:p>
+        </p:txBody>
+      </p:sp>
+    </p:spTree>
+    <p:extLst>
+      <p:ext uri="{BB962C8B-B14F-4D97-AF65-F5344CB8AC3E}">
+        <p14:creationId xmlns:p14="http://schemas.microsoft.com/office/powerpoint/2010/main" val="1634162494"/>
+      </p:ext>
+    </p:extLst>
+  </p:cSld>
+  <p:clrMapOvr>
+    <a:masterClrMapping/>
+  </p:clrMapOvr>
+</p:sld>
+</file>
+
+<file path=ppt/slides/slide66.xml><?xml version="1.0" encoding="utf-8"?>
+<p:sld xmlns:a="http://schemas.openxmlformats.org/drawingml/2006/main" xmlns:r="http://schemas.openxmlformats.org/officeDocument/2006/relationships" xmlns:p="http://schemas.openxmlformats.org/presentationml/2006/main">
+  <p:cSld>
+    <p:spTree>
+      <p:nvGrpSpPr>
+        <p:cNvPr id="1" name=""/>
+        <p:cNvGrpSpPr/>
+        <p:nvPr/>
+      </p:nvGrpSpPr>
+      <p:grpSpPr>
+        <a:xfrm>
+          <a:off x="0" y="0"/>
+          <a:ext cx="0" cy="0"/>
+          <a:chOff x="0" y="0"/>
+          <a:chExt cx="0" cy="0"/>
+        </a:xfrm>
+      </p:grpSpPr>
+      <p:sp>
+        <p:nvSpPr>
+          <p:cNvPr id="4" name="TextBox 3"/>
+          <p:cNvSpPr txBox="1"/>
+          <p:nvPr/>
+        </p:nvSpPr>
+        <p:spPr>
+          <a:xfrm>
+            <a:off x="407324" y="199505"/>
+            <a:ext cx="2945037" cy="523220"/>
+          </a:xfrm>
+          <a:prstGeom prst="rect">
+            <a:avLst/>
+          </a:prstGeom>
+          <a:noFill/>
+        </p:spPr>
+        <p:txBody>
+          <a:bodyPr wrap="none" rtlCol="0">
+            <a:spAutoFit/>
+          </a:bodyPr>
+          <a:lstStyle/>
+          <a:p>
+            <a:r>
+              <a:rPr lang="en-US" altLang="ko-KR" sz="2800" smtClean="0">
+                <a:latin typeface="Consolas" panose="020B0609020204030204" pitchFamily="49" charset="0"/>
+              </a:rPr>
+              <a:t>library buffer</a:t>
+            </a:r>
+            <a:endParaRPr lang="ko-KR" altLang="en-US" sz="2800" smtClean="0">
+              <a:latin typeface="Consolas" panose="020B0609020204030204" pitchFamily="49" charset="0"/>
+            </a:endParaRPr>
+          </a:p>
+        </p:txBody>
+      </p:sp>
+      <p:sp>
+        <p:nvSpPr>
+          <p:cNvPr id="6" name="TextBox 5"/>
+          <p:cNvSpPr txBox="1"/>
+          <p:nvPr/>
+        </p:nvSpPr>
+        <p:spPr>
+          <a:xfrm>
+            <a:off x="45040" y="1245945"/>
+            <a:ext cx="5311069" cy="1815882"/>
+          </a:xfrm>
+          <a:prstGeom prst="rect">
+            <a:avLst/>
+          </a:prstGeom>
+          <a:noFill/>
+        </p:spPr>
+        <p:txBody>
+          <a:bodyPr wrap="none" rtlCol="0">
+            <a:spAutoFit/>
+          </a:bodyPr>
+          <a:lstStyle/>
+          <a:p>
+            <a:r>
+              <a:rPr lang="en-US" altLang="ko-KR" sz="2800" smtClean="0">
+                <a:latin typeface="Consolas" panose="020B0609020204030204" pitchFamily="49" charset="0"/>
+              </a:rPr>
+              <a:t>FILE *fp;</a:t>
+            </a:r>
+          </a:p>
+          <a:p>
+            <a:r>
+              <a:rPr lang="en-US" altLang="ko-KR" sz="2800" smtClean="0">
+                <a:latin typeface="Consolas" panose="020B0609020204030204" pitchFamily="49" charset="0"/>
+              </a:rPr>
+              <a:t>int ch;</a:t>
+            </a:r>
+            <a:endParaRPr lang="en-US" altLang="ko-KR" sz="2800">
+              <a:latin typeface="Consolas" panose="020B0609020204030204" pitchFamily="49" charset="0"/>
+            </a:endParaRPr>
+          </a:p>
+          <a:p>
+            <a:r>
+              <a:rPr lang="en-US" altLang="ko-KR" sz="2800" smtClean="0">
+                <a:latin typeface="Consolas" panose="020B0609020204030204" pitchFamily="49" charset="0"/>
+              </a:rPr>
+              <a:t>fp = fopen("file.c", "r");</a:t>
+            </a:r>
+          </a:p>
+          <a:p>
+            <a:r>
+              <a:rPr lang="en-US" altLang="ko-KR" sz="2800" smtClean="0">
+                <a:latin typeface="Consolas" panose="020B0609020204030204" pitchFamily="49" charset="0"/>
+              </a:rPr>
+              <a:t>ch = fgetc(fp);</a:t>
+            </a:r>
+            <a:endParaRPr lang="ko-KR" altLang="en-US" sz="2800" smtClean="0">
+              <a:latin typeface="Consolas" panose="020B0609020204030204" pitchFamily="49" charset="0"/>
+            </a:endParaRPr>
+          </a:p>
+        </p:txBody>
+      </p:sp>
+      <p:sp>
+        <p:nvSpPr>
+          <p:cNvPr id="5" name="TextBox 4"/>
+          <p:cNvSpPr txBox="1"/>
+          <p:nvPr/>
+        </p:nvSpPr>
+        <p:spPr>
+          <a:xfrm>
+            <a:off x="6051665" y="465513"/>
+            <a:ext cx="776175" cy="523220"/>
+          </a:xfrm>
+          <a:prstGeom prst="rect">
+            <a:avLst/>
+          </a:prstGeom>
+          <a:noFill/>
+        </p:spPr>
+        <p:txBody>
+          <a:bodyPr wrap="none" rtlCol="0">
+            <a:spAutoFit/>
+          </a:bodyPr>
+          <a:lstStyle/>
+          <a:p>
+            <a:r>
+              <a:rPr lang="en-US" altLang="ko-KR" sz="2800" smtClean="0">
+                <a:latin typeface="Consolas" panose="020B0609020204030204" pitchFamily="49" charset="0"/>
+              </a:rPr>
+              <a:t>ios</a:t>
+            </a:r>
+            <a:endParaRPr lang="ko-KR" altLang="en-US" sz="2800" smtClean="0">
+              <a:latin typeface="Consolas" panose="020B0609020204030204" pitchFamily="49" charset="0"/>
+            </a:endParaRPr>
+          </a:p>
+        </p:txBody>
+      </p:sp>
+      <p:sp>
+        <p:nvSpPr>
+          <p:cNvPr id="25" name="TextBox 24"/>
+          <p:cNvSpPr txBox="1"/>
+          <p:nvPr/>
+        </p:nvSpPr>
+        <p:spPr>
+          <a:xfrm>
+            <a:off x="5985163" y="1521229"/>
+            <a:ext cx="4916731" cy="954107"/>
+          </a:xfrm>
+          <a:prstGeom prst="rect">
+            <a:avLst/>
+          </a:prstGeom>
+          <a:noFill/>
+        </p:spPr>
+        <p:txBody>
+          <a:bodyPr wrap="none" rtlCol="0">
+            <a:spAutoFit/>
+          </a:bodyPr>
+          <a:lstStyle/>
+          <a:p>
+            <a:r>
+              <a:rPr lang="en-US" altLang="ko-KR" sz="2800" smtClean="0">
+                <a:latin typeface="Consolas" panose="020B0609020204030204" pitchFamily="49" charset="0"/>
+              </a:rPr>
+              <a:t>fwrite</a:t>
+            </a:r>
+          </a:p>
+          <a:p>
+            <a:r>
+              <a:rPr lang="en-US" altLang="ko-KR" sz="2800" smtClean="0">
+                <a:latin typeface="Consolas" panose="020B0609020204030204" pitchFamily="49" charset="0"/>
+              </a:rPr>
+              <a:t>"</a:t>
+            </a:r>
+            <a:r>
+              <a:rPr lang="en-US" altLang="ko-KR" sz="2800">
+                <a:latin typeface="Consolas" panose="020B0609020204030204" pitchFamily="49" charset="0"/>
+              </a:rPr>
+              <a:t>hello\n"  =&gt; </a:t>
+            </a:r>
+            <a:r>
+              <a:rPr lang="en-US" altLang="ko-KR" sz="2800">
+                <a:latin typeface="Consolas" panose="020B0609020204030204" pitchFamily="49" charset="0"/>
+              </a:rPr>
+              <a:t>"</a:t>
+            </a:r>
+            <a:r>
+              <a:rPr lang="en-US" altLang="ko-KR" sz="2800" smtClean="0">
+                <a:latin typeface="Consolas" panose="020B0609020204030204" pitchFamily="49" charset="0"/>
+              </a:rPr>
+              <a:t>hello\r" </a:t>
+            </a:r>
+            <a:endParaRPr lang="ko-KR" altLang="en-US" sz="2800" smtClean="0">
+              <a:latin typeface="Consolas" panose="020B0609020204030204" pitchFamily="49" charset="0"/>
+            </a:endParaRPr>
+          </a:p>
+        </p:txBody>
+      </p:sp>
+      <p:sp>
+        <p:nvSpPr>
+          <p:cNvPr id="30" name="TextBox 29"/>
+          <p:cNvSpPr txBox="1"/>
+          <p:nvPr/>
+        </p:nvSpPr>
+        <p:spPr>
+          <a:xfrm>
+            <a:off x="5985162" y="2834640"/>
+            <a:ext cx="4916731" cy="954107"/>
+          </a:xfrm>
+          <a:prstGeom prst="rect">
+            <a:avLst/>
+          </a:prstGeom>
+          <a:noFill/>
+        </p:spPr>
+        <p:txBody>
+          <a:bodyPr wrap="none" rtlCol="0">
+            <a:spAutoFit/>
+          </a:bodyPr>
+          <a:lstStyle/>
+          <a:p>
+            <a:r>
+              <a:rPr lang="en-US" altLang="ko-KR" sz="2800" smtClean="0">
+                <a:latin typeface="Consolas" panose="020B0609020204030204" pitchFamily="49" charset="0"/>
+              </a:rPr>
+              <a:t>fread </a:t>
+            </a:r>
+          </a:p>
+          <a:p>
+            <a:r>
+              <a:rPr lang="en-US" altLang="ko-KR" sz="2800" smtClean="0">
+                <a:latin typeface="Consolas" panose="020B0609020204030204" pitchFamily="49" charset="0"/>
+              </a:rPr>
+              <a:t>"hello\n</a:t>
+            </a:r>
+            <a:r>
+              <a:rPr lang="en-US" altLang="ko-KR" sz="2800">
+                <a:latin typeface="Consolas" panose="020B0609020204030204" pitchFamily="49" charset="0"/>
+              </a:rPr>
+              <a:t>"  </a:t>
+            </a:r>
+            <a:r>
+              <a:rPr lang="en-US" altLang="ko-KR" sz="2800" smtClean="0">
+                <a:latin typeface="Consolas" panose="020B0609020204030204" pitchFamily="49" charset="0"/>
+              </a:rPr>
+              <a:t>&lt;= </a:t>
+            </a:r>
+            <a:r>
+              <a:rPr lang="en-US" altLang="ko-KR" sz="2800">
+                <a:latin typeface="Consolas" panose="020B0609020204030204" pitchFamily="49" charset="0"/>
+              </a:rPr>
+              <a:t>"</a:t>
+            </a:r>
+            <a:r>
+              <a:rPr lang="en-US" altLang="ko-KR" sz="2800" smtClean="0">
+                <a:latin typeface="Consolas" panose="020B0609020204030204" pitchFamily="49" charset="0"/>
+              </a:rPr>
+              <a:t>hello\r" </a:t>
+            </a:r>
+            <a:endParaRPr lang="ko-KR" altLang="en-US" sz="2800" smtClean="0">
+              <a:latin typeface="Consolas" panose="020B0609020204030204" pitchFamily="49" charset="0"/>
+            </a:endParaRPr>
+          </a:p>
+        </p:txBody>
+      </p:sp>
+    </p:spTree>
+    <p:extLst>
+      <p:ext uri="{BB962C8B-B14F-4D97-AF65-F5344CB8AC3E}">
+        <p14:creationId xmlns:p14="http://schemas.microsoft.com/office/powerpoint/2010/main" val="1627828942"/>
+      </p:ext>
+    </p:extLst>
+  </p:cSld>
+  <p:clrMapOvr>
+    <a:masterClrMapping/>
+  </p:clrMapOvr>
+</p:sld>
+</file>
+
+<file path=ppt/slides/slide67.xml><?xml version="1.0" encoding="utf-8"?>
+<p:sld xmlns:a="http://schemas.openxmlformats.org/drawingml/2006/main" xmlns:r="http://schemas.openxmlformats.org/officeDocument/2006/relationships" xmlns:p="http://schemas.openxmlformats.org/presentationml/2006/main">
+  <p:cSld>
+    <p:spTree>
+      <p:nvGrpSpPr>
+        <p:cNvPr id="1" name=""/>
+        <p:cNvGrpSpPr/>
+        <p:nvPr/>
+      </p:nvGrpSpPr>
+      <p:grpSpPr>
+        <a:xfrm>
+          <a:off x="0" y="0"/>
+          <a:ext cx="0" cy="0"/>
+          <a:chOff x="0" y="0"/>
+          <a:chExt cx="0" cy="0"/>
+        </a:xfrm>
+      </p:grpSpPr>
+      <p:sp>
+        <p:nvSpPr>
+          <p:cNvPr id="4" name="TextBox 3"/>
+          <p:cNvSpPr txBox="1"/>
+          <p:nvPr/>
+        </p:nvSpPr>
+        <p:spPr>
+          <a:xfrm>
+            <a:off x="407324" y="199505"/>
+            <a:ext cx="2945037" cy="523220"/>
+          </a:xfrm>
+          <a:prstGeom prst="rect">
+            <a:avLst/>
+          </a:prstGeom>
+          <a:noFill/>
+        </p:spPr>
+        <p:txBody>
+          <a:bodyPr wrap="none" rtlCol="0">
+            <a:spAutoFit/>
+          </a:bodyPr>
+          <a:lstStyle/>
+          <a:p>
+            <a:r>
+              <a:rPr lang="en-US" altLang="ko-KR" sz="2800" smtClean="0">
+                <a:latin typeface="Consolas" panose="020B0609020204030204" pitchFamily="49" charset="0"/>
+              </a:rPr>
+              <a:t>library buffer</a:t>
+            </a:r>
+            <a:endParaRPr lang="ko-KR" altLang="en-US" sz="2800" smtClean="0">
+              <a:latin typeface="Consolas" panose="020B0609020204030204" pitchFamily="49" charset="0"/>
+            </a:endParaRPr>
+          </a:p>
+        </p:txBody>
+      </p:sp>
+      <p:sp>
+        <p:nvSpPr>
+          <p:cNvPr id="6" name="TextBox 5"/>
+          <p:cNvSpPr txBox="1"/>
+          <p:nvPr/>
+        </p:nvSpPr>
+        <p:spPr>
+          <a:xfrm>
+            <a:off x="710058" y="896810"/>
+            <a:ext cx="9927718" cy="4401205"/>
+          </a:xfrm>
+          <a:prstGeom prst="rect">
+            <a:avLst/>
+          </a:prstGeom>
+          <a:noFill/>
+        </p:spPr>
+        <p:txBody>
+          <a:bodyPr wrap="none" rtlCol="0">
+            <a:spAutoFit/>
+          </a:bodyPr>
+          <a:lstStyle/>
+          <a:p>
+            <a:r>
+              <a:rPr lang="en-US" altLang="ko-KR" sz="2800" smtClean="0">
+                <a:solidFill>
+                  <a:srgbClr val="FF0000"/>
+                </a:solidFill>
+                <a:latin typeface="Consolas" panose="020B0609020204030204" pitchFamily="49" charset="0"/>
+              </a:rPr>
+              <a:t>C</a:t>
+            </a:r>
+            <a:r>
+              <a:rPr lang="en-US" altLang="ko-KR" sz="2800" smtClean="0">
+                <a:latin typeface="Consolas" panose="020B0609020204030204" pitchFamily="49" charset="0"/>
+              </a:rPr>
+              <a:t>ameraService     </a:t>
+            </a:r>
+            <a:r>
+              <a:rPr lang="en-US" altLang="ko-KR" sz="2800" smtClean="0">
+                <a:solidFill>
+                  <a:srgbClr val="FF0000"/>
+                </a:solidFill>
+                <a:latin typeface="Consolas" panose="020B0609020204030204" pitchFamily="49" charset="0"/>
+              </a:rPr>
+              <a:t>M</a:t>
+            </a:r>
+            <a:r>
+              <a:rPr lang="en-US" altLang="ko-KR" sz="2800" smtClean="0">
+                <a:latin typeface="Consolas" panose="020B0609020204030204" pitchFamily="49" charset="0"/>
+              </a:rPr>
+              <a:t>utex</a:t>
+            </a:r>
+          </a:p>
+          <a:p>
+            <a:endParaRPr lang="en-US" altLang="ko-KR" sz="2800">
+              <a:latin typeface="Consolas" panose="020B0609020204030204" pitchFamily="49" charset="0"/>
+            </a:endParaRPr>
+          </a:p>
+          <a:p>
+            <a:endParaRPr lang="en-US" altLang="ko-KR" sz="2800">
+              <a:latin typeface="Consolas" panose="020B0609020204030204" pitchFamily="49" charset="0"/>
+            </a:endParaRPr>
+          </a:p>
+          <a:p>
+            <a:r>
+              <a:rPr lang="en-US" altLang="ko-KR" sz="2800">
+                <a:solidFill>
+                  <a:srgbClr val="FF0000"/>
+                </a:solidFill>
+                <a:latin typeface="Consolas" panose="020B0609020204030204" pitchFamily="49" charset="0"/>
+              </a:rPr>
+              <a:t>C</a:t>
+            </a:r>
+            <a:r>
+              <a:rPr lang="en-US" altLang="ko-KR" sz="2800">
+                <a:latin typeface="Consolas" panose="020B0609020204030204" pitchFamily="49" charset="0"/>
+              </a:rPr>
+              <a:t>ondition </a:t>
+            </a:r>
+            <a:r>
+              <a:rPr lang="en-US" altLang="ko-KR" sz="2800">
+                <a:solidFill>
+                  <a:srgbClr val="FF0000"/>
+                </a:solidFill>
+                <a:latin typeface="Consolas" panose="020B0609020204030204" pitchFamily="49" charset="0"/>
+              </a:rPr>
+              <a:t>P</a:t>
+            </a:r>
+            <a:r>
+              <a:rPr lang="en-US" altLang="ko-KR" sz="2800">
+                <a:latin typeface="Consolas" panose="020B0609020204030204" pitchFamily="49" charset="0"/>
+              </a:rPr>
+              <a:t>laybackThread</a:t>
+            </a:r>
+          </a:p>
+          <a:p>
+            <a:r>
+              <a:rPr lang="en-US" altLang="ko-KR" sz="2800">
+                <a:solidFill>
+                  <a:srgbClr val="FF0000"/>
+                </a:solidFill>
+                <a:latin typeface="Consolas" panose="020B0609020204030204" pitchFamily="49" charset="0"/>
+              </a:rPr>
+              <a:t>A</a:t>
+            </a:r>
+            <a:r>
+              <a:rPr lang="en-US" altLang="ko-KR" sz="2800">
+                <a:latin typeface="Consolas" panose="020B0609020204030204" pitchFamily="49" charset="0"/>
+              </a:rPr>
+              <a:t>udioFlinger </a:t>
+            </a:r>
+            <a:r>
+              <a:rPr lang="en-US" altLang="ko-KR" sz="2800" smtClean="0">
+                <a:latin typeface="Consolas" panose="020B0609020204030204" pitchFamily="49" charset="0"/>
+              </a:rPr>
+              <a:t>			</a:t>
+            </a:r>
+            <a:r>
+              <a:rPr lang="en-US" altLang="ko-KR" sz="2800" smtClean="0">
+                <a:solidFill>
+                  <a:srgbClr val="FF0000"/>
+                </a:solidFill>
+                <a:latin typeface="Consolas" panose="020B0609020204030204" pitchFamily="49" charset="0"/>
+              </a:rPr>
+              <a:t>S</a:t>
+            </a:r>
+            <a:r>
+              <a:rPr lang="en-US" altLang="ko-KR" sz="2800" smtClean="0">
+                <a:latin typeface="Consolas" panose="020B0609020204030204" pitchFamily="49" charset="0"/>
+              </a:rPr>
+              <a:t>tubHandler </a:t>
+            </a:r>
+            <a:r>
+              <a:rPr lang="en-US" altLang="ko-KR" sz="2800">
+                <a:solidFill>
+                  <a:srgbClr val="FF0000"/>
+                </a:solidFill>
+                <a:latin typeface="Consolas" panose="020B0609020204030204" pitchFamily="49" charset="0"/>
+              </a:rPr>
+              <a:t>L</a:t>
+            </a:r>
+            <a:r>
+              <a:rPr lang="en-US" altLang="ko-KR" sz="2800">
+                <a:latin typeface="Consolas" panose="020B0609020204030204" pitchFamily="49" charset="0"/>
+              </a:rPr>
+              <a:t>ooperCallback</a:t>
+            </a:r>
+          </a:p>
+          <a:p>
+            <a:r>
+              <a:rPr lang="en-US" altLang="ko-KR" sz="2800">
+                <a:solidFill>
+                  <a:srgbClr val="FF0000"/>
+                </a:solidFill>
+                <a:latin typeface="Consolas" panose="020B0609020204030204" pitchFamily="49" charset="0"/>
+              </a:rPr>
+              <a:t>a</a:t>
+            </a:r>
+            <a:r>
+              <a:rPr lang="en-US" altLang="ko-KR" sz="2800">
+                <a:latin typeface="Consolas" panose="020B0609020204030204" pitchFamily="49" charset="0"/>
+              </a:rPr>
+              <a:t>ps_ops</a:t>
+            </a:r>
+          </a:p>
+          <a:p>
+            <a:r>
+              <a:rPr lang="en-US" altLang="ko-KR" sz="2800">
+                <a:solidFill>
+                  <a:srgbClr val="FF0000"/>
+                </a:solidFill>
+                <a:latin typeface="Consolas" panose="020B0609020204030204" pitchFamily="49" charset="0"/>
+              </a:rPr>
+              <a:t>i</a:t>
+            </a:r>
+            <a:r>
+              <a:rPr lang="en-US" altLang="ko-KR" sz="2800">
+                <a:latin typeface="Consolas" panose="020B0609020204030204" pitchFamily="49" charset="0"/>
+              </a:rPr>
+              <a:t>nterruptible_sleep_on</a:t>
+            </a:r>
+          </a:p>
+          <a:p>
+            <a:r>
+              <a:rPr lang="en-US" altLang="ko-KR" sz="2800">
+                <a:solidFill>
+                  <a:srgbClr val="FF0000"/>
+                </a:solidFill>
+                <a:latin typeface="Consolas" panose="020B0609020204030204" pitchFamily="49" charset="0"/>
+              </a:rPr>
+              <a:t>S</a:t>
+            </a:r>
+            <a:r>
+              <a:rPr lang="en-US" altLang="ko-KR" sz="2800">
+                <a:latin typeface="Consolas" panose="020B0609020204030204" pitchFamily="49" charset="0"/>
+              </a:rPr>
+              <a:t>urfaceFlinger </a:t>
+            </a:r>
+            <a:r>
+              <a:rPr lang="en-US" altLang="ko-KR" sz="2800">
+                <a:solidFill>
+                  <a:srgbClr val="FF0000"/>
+                </a:solidFill>
+                <a:latin typeface="Consolas" panose="020B0609020204030204" pitchFamily="49" charset="0"/>
+              </a:rPr>
+              <a:t>M</a:t>
+            </a:r>
+            <a:r>
+              <a:rPr lang="en-US" altLang="ko-KR" sz="2800">
+                <a:latin typeface="Consolas" panose="020B0609020204030204" pitchFamily="49" charset="0"/>
+              </a:rPr>
+              <a:t>PEG4Extractor</a:t>
+            </a:r>
+          </a:p>
+          <a:p>
+            <a:r>
+              <a:rPr lang="en-US" altLang="ko-KR" sz="2800">
+                <a:solidFill>
+                  <a:srgbClr val="FF0000"/>
+                </a:solidFill>
+                <a:latin typeface="Consolas" panose="020B0609020204030204" pitchFamily="49" charset="0"/>
+              </a:rPr>
+              <a:t>s</a:t>
+            </a:r>
+            <a:r>
+              <a:rPr lang="en-US" altLang="ko-KR" sz="2800">
+                <a:latin typeface="Consolas" panose="020B0609020204030204" pitchFamily="49" charset="0"/>
+              </a:rPr>
+              <a:t>etDataSource</a:t>
+            </a:r>
+          </a:p>
+          <a:p>
+            <a:r>
+              <a:rPr lang="en-US" altLang="ko-KR" sz="2800">
+                <a:solidFill>
+                  <a:srgbClr val="FF0000"/>
+                </a:solidFill>
+                <a:latin typeface="Consolas" panose="020B0609020204030204" pitchFamily="49" charset="0"/>
+              </a:rPr>
+              <a:t>C</a:t>
+            </a:r>
+            <a:r>
+              <a:rPr lang="en-US" altLang="ko-KR" sz="2800">
+                <a:latin typeface="Consolas" panose="020B0609020204030204" pitchFamily="49" charset="0"/>
+              </a:rPr>
+              <a:t>reate</a:t>
+            </a:r>
+          </a:p>
+        </p:txBody>
+      </p:sp>
+    </p:spTree>
+    <p:extLst>
+      <p:ext uri="{BB962C8B-B14F-4D97-AF65-F5344CB8AC3E}">
+        <p14:creationId xmlns:p14="http://schemas.microsoft.com/office/powerpoint/2010/main" val="3552433377"/>
       </p:ext>
     </p:extLst>
   </p:cSld>
